--- a/Info/Overview.pptx
+++ b/Info/Overview.pptx
@@ -5,23 +5,20 @@
     <p:sldMasterId id="2147483648" r:id="rId1"/>
   </p:sldMasterIdLst>
   <p:notesMasterIdLst>
-    <p:notesMasterId r:id="rId16"/>
+    <p:notesMasterId r:id="rId13"/>
   </p:notesMasterIdLst>
   <p:sldIdLst>
     <p:sldId id="257" r:id="rId2"/>
-    <p:sldId id="265" r:id="rId3"/>
-    <p:sldId id="266" r:id="rId4"/>
-    <p:sldId id="267" r:id="rId5"/>
-    <p:sldId id="270" r:id="rId6"/>
-    <p:sldId id="269" r:id="rId7"/>
-    <p:sldId id="274" r:id="rId8"/>
-    <p:sldId id="268" r:id="rId9"/>
-    <p:sldId id="275" r:id="rId10"/>
-    <p:sldId id="276" r:id="rId11"/>
-    <p:sldId id="277" r:id="rId12"/>
-    <p:sldId id="271" r:id="rId13"/>
-    <p:sldId id="278" r:id="rId14"/>
-    <p:sldId id="272" r:id="rId15"/>
+    <p:sldId id="275" r:id="rId3"/>
+    <p:sldId id="268" r:id="rId4"/>
+    <p:sldId id="265" r:id="rId5"/>
+    <p:sldId id="266" r:id="rId6"/>
+    <p:sldId id="267" r:id="rId7"/>
+    <p:sldId id="270" r:id="rId8"/>
+    <p:sldId id="269" r:id="rId9"/>
+    <p:sldId id="276" r:id="rId10"/>
+    <p:sldId id="277" r:id="rId11"/>
+    <p:sldId id="274" r:id="rId12"/>
   </p:sldIdLst>
   <p:sldSz cx="12192000" cy="6858000"/>
   <p:notesSz cx="6858000" cy="9144000"/>
@@ -12125,1190 +12122,6 @@
               <a:buSzPts val="1400"/>
               <a:buNone/>
             </a:pPr>
-            <a:endParaRPr/>
-          </a:p>
-        </p:txBody>
-      </p:sp>
-      <p:sp>
-        <p:nvSpPr>
-          <p:cNvPr id="195" name="Google Shape;195;p10:notes"/>
-          <p:cNvSpPr>
-            <a:spLocks noGrp="1" noRot="1" noChangeAspect="1"/>
-          </p:cNvSpPr>
-          <p:nvPr>
-            <p:ph type="sldImg" idx="2"/>
-          </p:nvPr>
-        </p:nvSpPr>
-        <p:spPr>
-          <a:xfrm>
-            <a:off x="685800" y="1143000"/>
-            <a:ext cx="5486400" cy="3086100"/>
-          </a:xfrm>
-          <a:custGeom>
-            <a:avLst/>
-            <a:gdLst/>
-            <a:ahLst/>
-            <a:cxnLst/>
-            <a:rect l="l" t="t" r="r" b="b"/>
-            <a:pathLst>
-              <a:path w="120000" h="120000" extrusionOk="0">
-                <a:moveTo>
-                  <a:pt x="0" y="0"/>
-                </a:moveTo>
-                <a:lnTo>
-                  <a:pt x="120000" y="0"/>
-                </a:lnTo>
-                <a:lnTo>
-                  <a:pt x="120000" y="120000"/>
-                </a:lnTo>
-                <a:lnTo>
-                  <a:pt x="0" y="120000"/>
-                </a:lnTo>
-                <a:close/>
-              </a:path>
-            </a:pathLst>
-          </a:custGeom>
-          <a:noFill/>
-          <a:ln w="12700" cap="flat" cmpd="sng">
-            <a:solidFill>
-              <a:srgbClr val="000000"/>
-            </a:solidFill>
-            <a:prstDash val="solid"/>
-            <a:round/>
-            <a:headEnd type="none" w="sm" len="sm"/>
-            <a:tailEnd type="none" w="sm" len="sm"/>
-          </a:ln>
-        </p:spPr>
-      </p:sp>
-    </p:spTree>
-    <p:extLst>
-      <p:ext uri="{BB962C8B-B14F-4D97-AF65-F5344CB8AC3E}">
-        <p14:creationId xmlns:p14="http://schemas.microsoft.com/office/powerpoint/2010/main" val="3505664556"/>
-      </p:ext>
-    </p:extLst>
-  </p:cSld>
-  <p:clrMapOvr>
-    <a:masterClrMapping/>
-  </p:clrMapOvr>
-</p:notes>
-</file>
-
-<file path=ppt/notesSlides/notesSlide11.xml><?xml version="1.0" encoding="utf-8"?>
-<p:notes xmlns:a="http://schemas.openxmlformats.org/drawingml/2006/main" xmlns:r="http://schemas.openxmlformats.org/officeDocument/2006/relationships" xmlns:p="http://schemas.openxmlformats.org/presentationml/2006/main" showMasterSp="0" showMasterPhAnim="0">
-  <p:cSld>
-    <p:spTree>
-      <p:nvGrpSpPr>
-        <p:cNvPr id="1" name="Shape 193"/>
-        <p:cNvGrpSpPr/>
-        <p:nvPr/>
-      </p:nvGrpSpPr>
-      <p:grpSpPr>
-        <a:xfrm>
-          <a:off x="0" y="0"/>
-          <a:ext cx="0" cy="0"/>
-          <a:chOff x="0" y="0"/>
-          <a:chExt cx="0" cy="0"/>
-        </a:xfrm>
-      </p:grpSpPr>
-      <p:sp>
-        <p:nvSpPr>
-          <p:cNvPr id="194" name="Google Shape;194;p10:notes"/>
-          <p:cNvSpPr txBox="1">
-            <a:spLocks noGrp="1"/>
-          </p:cNvSpPr>
-          <p:nvPr>
-            <p:ph type="body" idx="1"/>
-          </p:nvPr>
-        </p:nvSpPr>
-        <p:spPr>
-          <a:xfrm>
-            <a:off x="685800" y="4400550"/>
-            <a:ext cx="5486400" cy="3600450"/>
-          </a:xfrm>
-          <a:prstGeom prst="rect">
-            <a:avLst/>
-          </a:prstGeom>
-          <a:noFill/>
-          <a:ln>
-            <a:noFill/>
-          </a:ln>
-        </p:spPr>
-        <p:txBody>
-          <a:bodyPr spcFirstLastPara="1" wrap="square" lIns="91425" tIns="45700" rIns="91425" bIns="45700" anchor="t" anchorCtr="0">
-            <a:noAutofit/>
-          </a:bodyPr>
-          <a:lstStyle/>
-          <a:p>
-            <a:pPr marL="0" lvl="0" indent="0" algn="l" rtl="0">
-              <a:lnSpc>
-                <a:spcPct val="100000"/>
-              </a:lnSpc>
-              <a:spcBef>
-                <a:spcPts val="0"/>
-              </a:spcBef>
-              <a:spcAft>
-                <a:spcPts val="0"/>
-              </a:spcAft>
-              <a:buSzPts val="1400"/>
-              <a:buNone/>
-            </a:pPr>
-            <a:endParaRPr/>
-          </a:p>
-        </p:txBody>
-      </p:sp>
-      <p:sp>
-        <p:nvSpPr>
-          <p:cNvPr id="195" name="Google Shape;195;p10:notes"/>
-          <p:cNvSpPr>
-            <a:spLocks noGrp="1" noRot="1" noChangeAspect="1"/>
-          </p:cNvSpPr>
-          <p:nvPr>
-            <p:ph type="sldImg" idx="2"/>
-          </p:nvPr>
-        </p:nvSpPr>
-        <p:spPr>
-          <a:xfrm>
-            <a:off x="685800" y="1143000"/>
-            <a:ext cx="5486400" cy="3086100"/>
-          </a:xfrm>
-          <a:custGeom>
-            <a:avLst/>
-            <a:gdLst/>
-            <a:ahLst/>
-            <a:cxnLst/>
-            <a:rect l="l" t="t" r="r" b="b"/>
-            <a:pathLst>
-              <a:path w="120000" h="120000" extrusionOk="0">
-                <a:moveTo>
-                  <a:pt x="0" y="0"/>
-                </a:moveTo>
-                <a:lnTo>
-                  <a:pt x="120000" y="0"/>
-                </a:lnTo>
-                <a:lnTo>
-                  <a:pt x="120000" y="120000"/>
-                </a:lnTo>
-                <a:lnTo>
-                  <a:pt x="0" y="120000"/>
-                </a:lnTo>
-                <a:close/>
-              </a:path>
-            </a:pathLst>
-          </a:custGeom>
-          <a:noFill/>
-          <a:ln w="12700" cap="flat" cmpd="sng">
-            <a:solidFill>
-              <a:srgbClr val="000000"/>
-            </a:solidFill>
-            <a:prstDash val="solid"/>
-            <a:round/>
-            <a:headEnd type="none" w="sm" len="sm"/>
-            <a:tailEnd type="none" w="sm" len="sm"/>
-          </a:ln>
-        </p:spPr>
-      </p:sp>
-    </p:spTree>
-    <p:extLst>
-      <p:ext uri="{BB962C8B-B14F-4D97-AF65-F5344CB8AC3E}">
-        <p14:creationId xmlns:p14="http://schemas.microsoft.com/office/powerpoint/2010/main" val="1784863896"/>
-      </p:ext>
-    </p:extLst>
-  </p:cSld>
-  <p:clrMapOvr>
-    <a:masterClrMapping/>
-  </p:clrMapOvr>
-</p:notes>
-</file>
-
-<file path=ppt/notesSlides/notesSlide12.xml><?xml version="1.0" encoding="utf-8"?>
-<p:notes xmlns:a="http://schemas.openxmlformats.org/drawingml/2006/main" xmlns:r="http://schemas.openxmlformats.org/officeDocument/2006/relationships" xmlns:p="http://schemas.openxmlformats.org/presentationml/2006/main" showMasterSp="0" showMasterPhAnim="0">
-  <p:cSld>
-    <p:spTree>
-      <p:nvGrpSpPr>
-        <p:cNvPr id="1" name="Shape 193"/>
-        <p:cNvGrpSpPr/>
-        <p:nvPr/>
-      </p:nvGrpSpPr>
-      <p:grpSpPr>
-        <a:xfrm>
-          <a:off x="0" y="0"/>
-          <a:ext cx="0" cy="0"/>
-          <a:chOff x="0" y="0"/>
-          <a:chExt cx="0" cy="0"/>
-        </a:xfrm>
-      </p:grpSpPr>
-      <p:sp>
-        <p:nvSpPr>
-          <p:cNvPr id="194" name="Google Shape;194;p10:notes"/>
-          <p:cNvSpPr txBox="1">
-            <a:spLocks noGrp="1"/>
-          </p:cNvSpPr>
-          <p:nvPr>
-            <p:ph type="body" idx="1"/>
-          </p:nvPr>
-        </p:nvSpPr>
-        <p:spPr>
-          <a:xfrm>
-            <a:off x="685800" y="4400550"/>
-            <a:ext cx="5486400" cy="3600450"/>
-          </a:xfrm>
-          <a:prstGeom prst="rect">
-            <a:avLst/>
-          </a:prstGeom>
-          <a:noFill/>
-          <a:ln>
-            <a:noFill/>
-          </a:ln>
-        </p:spPr>
-        <p:txBody>
-          <a:bodyPr spcFirstLastPara="1" wrap="square" lIns="91425" tIns="45700" rIns="91425" bIns="45700" anchor="t" anchorCtr="0">
-            <a:noAutofit/>
-          </a:bodyPr>
-          <a:lstStyle/>
-          <a:p>
-            <a:pPr marL="0" lvl="0" indent="0" algn="l" rtl="0">
-              <a:lnSpc>
-                <a:spcPct val="100000"/>
-              </a:lnSpc>
-              <a:spcBef>
-                <a:spcPts val="0"/>
-              </a:spcBef>
-              <a:spcAft>
-                <a:spcPts val="0"/>
-              </a:spcAft>
-              <a:buSzPts val="1400"/>
-              <a:buNone/>
-            </a:pPr>
-            <a:endParaRPr/>
-          </a:p>
-        </p:txBody>
-      </p:sp>
-      <p:sp>
-        <p:nvSpPr>
-          <p:cNvPr id="195" name="Google Shape;195;p10:notes"/>
-          <p:cNvSpPr>
-            <a:spLocks noGrp="1" noRot="1" noChangeAspect="1"/>
-          </p:cNvSpPr>
-          <p:nvPr>
-            <p:ph type="sldImg" idx="2"/>
-          </p:nvPr>
-        </p:nvSpPr>
-        <p:spPr>
-          <a:xfrm>
-            <a:off x="685800" y="1143000"/>
-            <a:ext cx="5486400" cy="3086100"/>
-          </a:xfrm>
-          <a:custGeom>
-            <a:avLst/>
-            <a:gdLst/>
-            <a:ahLst/>
-            <a:cxnLst/>
-            <a:rect l="l" t="t" r="r" b="b"/>
-            <a:pathLst>
-              <a:path w="120000" h="120000" extrusionOk="0">
-                <a:moveTo>
-                  <a:pt x="0" y="0"/>
-                </a:moveTo>
-                <a:lnTo>
-                  <a:pt x="120000" y="0"/>
-                </a:lnTo>
-                <a:lnTo>
-                  <a:pt x="120000" y="120000"/>
-                </a:lnTo>
-                <a:lnTo>
-                  <a:pt x="0" y="120000"/>
-                </a:lnTo>
-                <a:close/>
-              </a:path>
-            </a:pathLst>
-          </a:custGeom>
-          <a:noFill/>
-          <a:ln w="12700" cap="flat" cmpd="sng">
-            <a:solidFill>
-              <a:srgbClr val="000000"/>
-            </a:solidFill>
-            <a:prstDash val="solid"/>
-            <a:round/>
-            <a:headEnd type="none" w="sm" len="sm"/>
-            <a:tailEnd type="none" w="sm" len="sm"/>
-          </a:ln>
-        </p:spPr>
-      </p:sp>
-    </p:spTree>
-    <p:extLst>
-      <p:ext uri="{BB962C8B-B14F-4D97-AF65-F5344CB8AC3E}">
-        <p14:creationId xmlns:p14="http://schemas.microsoft.com/office/powerpoint/2010/main" val="1856675939"/>
-      </p:ext>
-    </p:extLst>
-  </p:cSld>
-  <p:clrMapOvr>
-    <a:masterClrMapping/>
-  </p:clrMapOvr>
-</p:notes>
-</file>
-
-<file path=ppt/notesSlides/notesSlide13.xml><?xml version="1.0" encoding="utf-8"?>
-<p:notes xmlns:a="http://schemas.openxmlformats.org/drawingml/2006/main" xmlns:r="http://schemas.openxmlformats.org/officeDocument/2006/relationships" xmlns:p="http://schemas.openxmlformats.org/presentationml/2006/main" showMasterSp="0" showMasterPhAnim="0">
-  <p:cSld>
-    <p:spTree>
-      <p:nvGrpSpPr>
-        <p:cNvPr id="1" name="Shape 193"/>
-        <p:cNvGrpSpPr/>
-        <p:nvPr/>
-      </p:nvGrpSpPr>
-      <p:grpSpPr>
-        <a:xfrm>
-          <a:off x="0" y="0"/>
-          <a:ext cx="0" cy="0"/>
-          <a:chOff x="0" y="0"/>
-          <a:chExt cx="0" cy="0"/>
-        </a:xfrm>
-      </p:grpSpPr>
-      <p:sp>
-        <p:nvSpPr>
-          <p:cNvPr id="194" name="Google Shape;194;p10:notes"/>
-          <p:cNvSpPr txBox="1">
-            <a:spLocks noGrp="1"/>
-          </p:cNvSpPr>
-          <p:nvPr>
-            <p:ph type="body" idx="1"/>
-          </p:nvPr>
-        </p:nvSpPr>
-        <p:spPr>
-          <a:xfrm>
-            <a:off x="685800" y="4400550"/>
-            <a:ext cx="5486400" cy="3600450"/>
-          </a:xfrm>
-          <a:prstGeom prst="rect">
-            <a:avLst/>
-          </a:prstGeom>
-          <a:noFill/>
-          <a:ln>
-            <a:noFill/>
-          </a:ln>
-        </p:spPr>
-        <p:txBody>
-          <a:bodyPr spcFirstLastPara="1" wrap="square" lIns="91425" tIns="45700" rIns="91425" bIns="45700" anchor="t" anchorCtr="0">
-            <a:noAutofit/>
-          </a:bodyPr>
-          <a:lstStyle/>
-          <a:p>
-            <a:pPr marL="0" lvl="0" indent="0" algn="l" rtl="0">
-              <a:lnSpc>
-                <a:spcPct val="100000"/>
-              </a:lnSpc>
-              <a:spcBef>
-                <a:spcPts val="0"/>
-              </a:spcBef>
-              <a:spcAft>
-                <a:spcPts val="0"/>
-              </a:spcAft>
-              <a:buSzPts val="1400"/>
-              <a:buNone/>
-            </a:pPr>
-            <a:endParaRPr/>
-          </a:p>
-        </p:txBody>
-      </p:sp>
-      <p:sp>
-        <p:nvSpPr>
-          <p:cNvPr id="195" name="Google Shape;195;p10:notes"/>
-          <p:cNvSpPr>
-            <a:spLocks noGrp="1" noRot="1" noChangeAspect="1"/>
-          </p:cNvSpPr>
-          <p:nvPr>
-            <p:ph type="sldImg" idx="2"/>
-          </p:nvPr>
-        </p:nvSpPr>
-        <p:spPr>
-          <a:xfrm>
-            <a:off x="685800" y="1143000"/>
-            <a:ext cx="5486400" cy="3086100"/>
-          </a:xfrm>
-          <a:custGeom>
-            <a:avLst/>
-            <a:gdLst/>
-            <a:ahLst/>
-            <a:cxnLst/>
-            <a:rect l="l" t="t" r="r" b="b"/>
-            <a:pathLst>
-              <a:path w="120000" h="120000" extrusionOk="0">
-                <a:moveTo>
-                  <a:pt x="0" y="0"/>
-                </a:moveTo>
-                <a:lnTo>
-                  <a:pt x="120000" y="0"/>
-                </a:lnTo>
-                <a:lnTo>
-                  <a:pt x="120000" y="120000"/>
-                </a:lnTo>
-                <a:lnTo>
-                  <a:pt x="0" y="120000"/>
-                </a:lnTo>
-                <a:close/>
-              </a:path>
-            </a:pathLst>
-          </a:custGeom>
-          <a:noFill/>
-          <a:ln w="12700" cap="flat" cmpd="sng">
-            <a:solidFill>
-              <a:srgbClr val="000000"/>
-            </a:solidFill>
-            <a:prstDash val="solid"/>
-            <a:round/>
-            <a:headEnd type="none" w="sm" len="sm"/>
-            <a:tailEnd type="none" w="sm" len="sm"/>
-          </a:ln>
-        </p:spPr>
-      </p:sp>
-    </p:spTree>
-    <p:extLst>
-      <p:ext uri="{BB962C8B-B14F-4D97-AF65-F5344CB8AC3E}">
-        <p14:creationId xmlns:p14="http://schemas.microsoft.com/office/powerpoint/2010/main" val="1412951193"/>
-      </p:ext>
-    </p:extLst>
-  </p:cSld>
-  <p:clrMapOvr>
-    <a:masterClrMapping/>
-  </p:clrMapOvr>
-</p:notes>
-</file>
-
-<file path=ppt/notesSlides/notesSlide14.xml><?xml version="1.0" encoding="utf-8"?>
-<p:notes xmlns:a="http://schemas.openxmlformats.org/drawingml/2006/main" xmlns:r="http://schemas.openxmlformats.org/officeDocument/2006/relationships" xmlns:p="http://schemas.openxmlformats.org/presentationml/2006/main" showMasterSp="0" showMasterPhAnim="0">
-  <p:cSld>
-    <p:spTree>
-      <p:nvGrpSpPr>
-        <p:cNvPr id="1" name="Shape 193"/>
-        <p:cNvGrpSpPr/>
-        <p:nvPr/>
-      </p:nvGrpSpPr>
-      <p:grpSpPr>
-        <a:xfrm>
-          <a:off x="0" y="0"/>
-          <a:ext cx="0" cy="0"/>
-          <a:chOff x="0" y="0"/>
-          <a:chExt cx="0" cy="0"/>
-        </a:xfrm>
-      </p:grpSpPr>
-      <p:sp>
-        <p:nvSpPr>
-          <p:cNvPr id="194" name="Google Shape;194;p10:notes"/>
-          <p:cNvSpPr txBox="1">
-            <a:spLocks noGrp="1"/>
-          </p:cNvSpPr>
-          <p:nvPr>
-            <p:ph type="body" idx="1"/>
-          </p:nvPr>
-        </p:nvSpPr>
-        <p:spPr>
-          <a:xfrm>
-            <a:off x="685800" y="4400550"/>
-            <a:ext cx="5486400" cy="3600450"/>
-          </a:xfrm>
-          <a:prstGeom prst="rect">
-            <a:avLst/>
-          </a:prstGeom>
-          <a:noFill/>
-          <a:ln>
-            <a:noFill/>
-          </a:ln>
-        </p:spPr>
-        <p:txBody>
-          <a:bodyPr spcFirstLastPara="1" wrap="square" lIns="91425" tIns="45700" rIns="91425" bIns="45700" anchor="t" anchorCtr="0">
-            <a:noAutofit/>
-          </a:bodyPr>
-          <a:lstStyle/>
-          <a:p>
-            <a:pPr marL="0" lvl="0" indent="0" algn="l" rtl="0">
-              <a:lnSpc>
-                <a:spcPct val="100000"/>
-              </a:lnSpc>
-              <a:spcBef>
-                <a:spcPts val="0"/>
-              </a:spcBef>
-              <a:spcAft>
-                <a:spcPts val="0"/>
-              </a:spcAft>
-              <a:buSzPts val="1400"/>
-              <a:buNone/>
-            </a:pPr>
-            <a:endParaRPr/>
-          </a:p>
-        </p:txBody>
-      </p:sp>
-      <p:sp>
-        <p:nvSpPr>
-          <p:cNvPr id="195" name="Google Shape;195;p10:notes"/>
-          <p:cNvSpPr>
-            <a:spLocks noGrp="1" noRot="1" noChangeAspect="1"/>
-          </p:cNvSpPr>
-          <p:nvPr>
-            <p:ph type="sldImg" idx="2"/>
-          </p:nvPr>
-        </p:nvSpPr>
-        <p:spPr>
-          <a:xfrm>
-            <a:off x="685800" y="1143000"/>
-            <a:ext cx="5486400" cy="3086100"/>
-          </a:xfrm>
-          <a:custGeom>
-            <a:avLst/>
-            <a:gdLst/>
-            <a:ahLst/>
-            <a:cxnLst/>
-            <a:rect l="l" t="t" r="r" b="b"/>
-            <a:pathLst>
-              <a:path w="120000" h="120000" extrusionOk="0">
-                <a:moveTo>
-                  <a:pt x="0" y="0"/>
-                </a:moveTo>
-                <a:lnTo>
-                  <a:pt x="120000" y="0"/>
-                </a:lnTo>
-                <a:lnTo>
-                  <a:pt x="120000" y="120000"/>
-                </a:lnTo>
-                <a:lnTo>
-                  <a:pt x="0" y="120000"/>
-                </a:lnTo>
-                <a:close/>
-              </a:path>
-            </a:pathLst>
-          </a:custGeom>
-          <a:noFill/>
-          <a:ln w="12700" cap="flat" cmpd="sng">
-            <a:solidFill>
-              <a:srgbClr val="000000"/>
-            </a:solidFill>
-            <a:prstDash val="solid"/>
-            <a:round/>
-            <a:headEnd type="none" w="sm" len="sm"/>
-            <a:tailEnd type="none" w="sm" len="sm"/>
-          </a:ln>
-        </p:spPr>
-      </p:sp>
-    </p:spTree>
-    <p:extLst>
-      <p:ext uri="{BB962C8B-B14F-4D97-AF65-F5344CB8AC3E}">
-        <p14:creationId xmlns:p14="http://schemas.microsoft.com/office/powerpoint/2010/main" val="2043297652"/>
-      </p:ext>
-    </p:extLst>
-  </p:cSld>
-  <p:clrMapOvr>
-    <a:masterClrMapping/>
-  </p:clrMapOvr>
-</p:notes>
-</file>
-
-<file path=ppt/notesSlides/notesSlide2.xml><?xml version="1.0" encoding="utf-8"?>
-<p:notes xmlns:a="http://schemas.openxmlformats.org/drawingml/2006/main" xmlns:r="http://schemas.openxmlformats.org/officeDocument/2006/relationships" xmlns:p="http://schemas.openxmlformats.org/presentationml/2006/main" showMasterSp="0" showMasterPhAnim="0">
-  <p:cSld>
-    <p:spTree>
-      <p:nvGrpSpPr>
-        <p:cNvPr id="1" name="Shape 193"/>
-        <p:cNvGrpSpPr/>
-        <p:nvPr/>
-      </p:nvGrpSpPr>
-      <p:grpSpPr>
-        <a:xfrm>
-          <a:off x="0" y="0"/>
-          <a:ext cx="0" cy="0"/>
-          <a:chOff x="0" y="0"/>
-          <a:chExt cx="0" cy="0"/>
-        </a:xfrm>
-      </p:grpSpPr>
-      <p:sp>
-        <p:nvSpPr>
-          <p:cNvPr id="194" name="Google Shape;194;p10:notes"/>
-          <p:cNvSpPr txBox="1">
-            <a:spLocks noGrp="1"/>
-          </p:cNvSpPr>
-          <p:nvPr>
-            <p:ph type="body" idx="1"/>
-          </p:nvPr>
-        </p:nvSpPr>
-        <p:spPr>
-          <a:xfrm>
-            <a:off x="685800" y="4400550"/>
-            <a:ext cx="5486400" cy="3600450"/>
-          </a:xfrm>
-          <a:prstGeom prst="rect">
-            <a:avLst/>
-          </a:prstGeom>
-          <a:noFill/>
-          <a:ln>
-            <a:noFill/>
-          </a:ln>
-        </p:spPr>
-        <p:txBody>
-          <a:bodyPr spcFirstLastPara="1" wrap="square" lIns="91425" tIns="45700" rIns="91425" bIns="45700" anchor="t" anchorCtr="0">
-            <a:noAutofit/>
-          </a:bodyPr>
-          <a:lstStyle/>
-          <a:p>
-            <a:pPr marL="171450" lvl="0" indent="-171450" algn="l" rtl="0">
-              <a:lnSpc>
-                <a:spcPct val="100000"/>
-              </a:lnSpc>
-              <a:spcBef>
-                <a:spcPts val="0"/>
-              </a:spcBef>
-              <a:spcAft>
-                <a:spcPts val="0"/>
-              </a:spcAft>
-              <a:buSzPts val="1400"/>
-              <a:buFont typeface="Arial" panose="020B0604020202020204" pitchFamily="34" charset="0"/>
-              <a:buChar char="•"/>
-            </a:pPr>
-            <a:r>
-              <a:rPr lang="en-US" dirty="0"/>
-              <a:t>Single Domain and Competitive Analysis are stored in Graphite in two different namespaces</a:t>
-            </a:r>
-          </a:p>
-          <a:p>
-            <a:pPr marL="171450" lvl="0" indent="-171450" algn="l" rtl="0">
-              <a:lnSpc>
-                <a:spcPct val="100000"/>
-              </a:lnSpc>
-              <a:spcBef>
-                <a:spcPts val="0"/>
-              </a:spcBef>
-              <a:spcAft>
-                <a:spcPts val="0"/>
-              </a:spcAft>
-              <a:buSzPts val="1400"/>
-              <a:buFont typeface="Arial" panose="020B0604020202020204" pitchFamily="34" charset="0"/>
-              <a:buChar char="•"/>
-            </a:pPr>
-            <a:r>
-              <a:rPr lang="en-US" dirty="0"/>
-              <a:t>Complete flexibility in how tests are set up</a:t>
-            </a:r>
-          </a:p>
-          <a:p>
-            <a:pPr marL="171450" lvl="0" indent="-171450" algn="l" rtl="0">
-              <a:lnSpc>
-                <a:spcPct val="100000"/>
-              </a:lnSpc>
-              <a:spcBef>
-                <a:spcPts val="0"/>
-              </a:spcBef>
-              <a:spcAft>
-                <a:spcPts val="0"/>
-              </a:spcAft>
-              <a:buSzPts val="1400"/>
-              <a:buFont typeface="Arial" panose="020B0604020202020204" pitchFamily="34" charset="0"/>
-              <a:buChar char="•"/>
-            </a:pPr>
-            <a:r>
-              <a:rPr lang="en-US" dirty="0"/>
-              <a:t>Nothing set in stone about the number of single domain vs competitive analysis tests</a:t>
-            </a:r>
-            <a:endParaRPr dirty="0"/>
-          </a:p>
-        </p:txBody>
-      </p:sp>
-      <p:sp>
-        <p:nvSpPr>
-          <p:cNvPr id="195" name="Google Shape;195;p10:notes"/>
-          <p:cNvSpPr>
-            <a:spLocks noGrp="1" noRot="1" noChangeAspect="1"/>
-          </p:cNvSpPr>
-          <p:nvPr>
-            <p:ph type="sldImg" idx="2"/>
-          </p:nvPr>
-        </p:nvSpPr>
-        <p:spPr>
-          <a:xfrm>
-            <a:off x="685800" y="1143000"/>
-            <a:ext cx="5486400" cy="3086100"/>
-          </a:xfrm>
-          <a:custGeom>
-            <a:avLst/>
-            <a:gdLst/>
-            <a:ahLst/>
-            <a:cxnLst/>
-            <a:rect l="l" t="t" r="r" b="b"/>
-            <a:pathLst>
-              <a:path w="120000" h="120000" extrusionOk="0">
-                <a:moveTo>
-                  <a:pt x="0" y="0"/>
-                </a:moveTo>
-                <a:lnTo>
-                  <a:pt x="120000" y="0"/>
-                </a:lnTo>
-                <a:lnTo>
-                  <a:pt x="120000" y="120000"/>
-                </a:lnTo>
-                <a:lnTo>
-                  <a:pt x="0" y="120000"/>
-                </a:lnTo>
-                <a:close/>
-              </a:path>
-            </a:pathLst>
-          </a:custGeom>
-          <a:noFill/>
-          <a:ln w="12700" cap="flat" cmpd="sng">
-            <a:solidFill>
-              <a:srgbClr val="000000"/>
-            </a:solidFill>
-            <a:prstDash val="solid"/>
-            <a:round/>
-            <a:headEnd type="none" w="sm" len="sm"/>
-            <a:tailEnd type="none" w="sm" len="sm"/>
-          </a:ln>
-        </p:spPr>
-      </p:sp>
-    </p:spTree>
-  </p:cSld>
-  <p:clrMapOvr>
-    <a:masterClrMapping/>
-  </p:clrMapOvr>
-</p:notes>
-</file>
-
-<file path=ppt/notesSlides/notesSlide3.xml><?xml version="1.0" encoding="utf-8"?>
-<p:notes xmlns:a="http://schemas.openxmlformats.org/drawingml/2006/main" xmlns:r="http://schemas.openxmlformats.org/officeDocument/2006/relationships" xmlns:p="http://schemas.openxmlformats.org/presentationml/2006/main" showMasterSp="0" showMasterPhAnim="0">
-  <p:cSld>
-    <p:spTree>
-      <p:nvGrpSpPr>
-        <p:cNvPr id="1" name="Shape 193"/>
-        <p:cNvGrpSpPr/>
-        <p:nvPr/>
-      </p:nvGrpSpPr>
-      <p:grpSpPr>
-        <a:xfrm>
-          <a:off x="0" y="0"/>
-          <a:ext cx="0" cy="0"/>
-          <a:chOff x="0" y="0"/>
-          <a:chExt cx="0" cy="0"/>
-        </a:xfrm>
-      </p:grpSpPr>
-      <p:sp>
-        <p:nvSpPr>
-          <p:cNvPr id="194" name="Google Shape;194;p10:notes"/>
-          <p:cNvSpPr txBox="1">
-            <a:spLocks noGrp="1"/>
-          </p:cNvSpPr>
-          <p:nvPr>
-            <p:ph type="body" idx="1"/>
-          </p:nvPr>
-        </p:nvSpPr>
-        <p:spPr>
-          <a:xfrm>
-            <a:off x="685800" y="4400550"/>
-            <a:ext cx="5486400" cy="3600450"/>
-          </a:xfrm>
-          <a:prstGeom prst="rect">
-            <a:avLst/>
-          </a:prstGeom>
-          <a:noFill/>
-          <a:ln>
-            <a:noFill/>
-          </a:ln>
-        </p:spPr>
-        <p:txBody>
-          <a:bodyPr spcFirstLastPara="1" wrap="square" lIns="91425" tIns="45700" rIns="91425" bIns="45700" anchor="t" anchorCtr="0">
-            <a:noAutofit/>
-          </a:bodyPr>
-          <a:lstStyle/>
-          <a:p>
-            <a:pPr marL="0" lvl="0" indent="0" algn="l" rtl="0">
-              <a:lnSpc>
-                <a:spcPct val="100000"/>
-              </a:lnSpc>
-              <a:spcBef>
-                <a:spcPts val="0"/>
-              </a:spcBef>
-              <a:spcAft>
-                <a:spcPts val="0"/>
-              </a:spcAft>
-              <a:buSzPts val="1400"/>
-              <a:buNone/>
-            </a:pPr>
-            <a:endParaRPr/>
-          </a:p>
-        </p:txBody>
-      </p:sp>
-      <p:sp>
-        <p:nvSpPr>
-          <p:cNvPr id="195" name="Google Shape;195;p10:notes"/>
-          <p:cNvSpPr>
-            <a:spLocks noGrp="1" noRot="1" noChangeAspect="1"/>
-          </p:cNvSpPr>
-          <p:nvPr>
-            <p:ph type="sldImg" idx="2"/>
-          </p:nvPr>
-        </p:nvSpPr>
-        <p:spPr>
-          <a:xfrm>
-            <a:off x="685800" y="1143000"/>
-            <a:ext cx="5486400" cy="3086100"/>
-          </a:xfrm>
-          <a:custGeom>
-            <a:avLst/>
-            <a:gdLst/>
-            <a:ahLst/>
-            <a:cxnLst/>
-            <a:rect l="l" t="t" r="r" b="b"/>
-            <a:pathLst>
-              <a:path w="120000" h="120000" extrusionOk="0">
-                <a:moveTo>
-                  <a:pt x="0" y="0"/>
-                </a:moveTo>
-                <a:lnTo>
-                  <a:pt x="120000" y="0"/>
-                </a:lnTo>
-                <a:lnTo>
-                  <a:pt x="120000" y="120000"/>
-                </a:lnTo>
-                <a:lnTo>
-                  <a:pt x="0" y="120000"/>
-                </a:lnTo>
-                <a:close/>
-              </a:path>
-            </a:pathLst>
-          </a:custGeom>
-          <a:noFill/>
-          <a:ln w="12700" cap="flat" cmpd="sng">
-            <a:solidFill>
-              <a:srgbClr val="000000"/>
-            </a:solidFill>
-            <a:prstDash val="solid"/>
-            <a:round/>
-            <a:headEnd type="none" w="sm" len="sm"/>
-            <a:tailEnd type="none" w="sm" len="sm"/>
-          </a:ln>
-        </p:spPr>
-      </p:sp>
-    </p:spTree>
-    <p:extLst>
-      <p:ext uri="{BB962C8B-B14F-4D97-AF65-F5344CB8AC3E}">
-        <p14:creationId xmlns:p14="http://schemas.microsoft.com/office/powerpoint/2010/main" val="2489025045"/>
-      </p:ext>
-    </p:extLst>
-  </p:cSld>
-  <p:clrMapOvr>
-    <a:masterClrMapping/>
-  </p:clrMapOvr>
-</p:notes>
-</file>
-
-<file path=ppt/notesSlides/notesSlide4.xml><?xml version="1.0" encoding="utf-8"?>
-<p:notes xmlns:a="http://schemas.openxmlformats.org/drawingml/2006/main" xmlns:r="http://schemas.openxmlformats.org/officeDocument/2006/relationships" xmlns:p="http://schemas.openxmlformats.org/presentationml/2006/main" showMasterSp="0" showMasterPhAnim="0">
-  <p:cSld>
-    <p:spTree>
-      <p:nvGrpSpPr>
-        <p:cNvPr id="1" name="Shape 193"/>
-        <p:cNvGrpSpPr/>
-        <p:nvPr/>
-      </p:nvGrpSpPr>
-      <p:grpSpPr>
-        <a:xfrm>
-          <a:off x="0" y="0"/>
-          <a:ext cx="0" cy="0"/>
-          <a:chOff x="0" y="0"/>
-          <a:chExt cx="0" cy="0"/>
-        </a:xfrm>
-      </p:grpSpPr>
-      <p:sp>
-        <p:nvSpPr>
-          <p:cNvPr id="194" name="Google Shape;194;p10:notes"/>
-          <p:cNvSpPr txBox="1">
-            <a:spLocks noGrp="1"/>
-          </p:cNvSpPr>
-          <p:nvPr>
-            <p:ph type="body" idx="1"/>
-          </p:nvPr>
-        </p:nvSpPr>
-        <p:spPr>
-          <a:xfrm>
-            <a:off x="685800" y="4400550"/>
-            <a:ext cx="5486400" cy="3600450"/>
-          </a:xfrm>
-          <a:prstGeom prst="rect">
-            <a:avLst/>
-          </a:prstGeom>
-          <a:noFill/>
-          <a:ln>
-            <a:noFill/>
-          </a:ln>
-        </p:spPr>
-        <p:txBody>
-          <a:bodyPr spcFirstLastPara="1" wrap="square" lIns="91425" tIns="45700" rIns="91425" bIns="45700" anchor="t" anchorCtr="0">
-            <a:noAutofit/>
-          </a:bodyPr>
-          <a:lstStyle/>
-          <a:p>
-            <a:pPr marL="171450" lvl="0" indent="-171450" algn="l" rtl="0">
-              <a:lnSpc>
-                <a:spcPct val="100000"/>
-              </a:lnSpc>
-              <a:spcBef>
-                <a:spcPts val="0"/>
-              </a:spcBef>
-              <a:spcAft>
-                <a:spcPts val="0"/>
-              </a:spcAft>
-              <a:buSzPts val="1400"/>
-              <a:buFont typeface="Arial" panose="020B0604020202020204" pitchFamily="34" charset="0"/>
-              <a:buChar char="•"/>
-            </a:pPr>
-            <a:endParaRPr lang="en-US" dirty="0"/>
-          </a:p>
-        </p:txBody>
-      </p:sp>
-      <p:sp>
-        <p:nvSpPr>
-          <p:cNvPr id="195" name="Google Shape;195;p10:notes"/>
-          <p:cNvSpPr>
-            <a:spLocks noGrp="1" noRot="1" noChangeAspect="1"/>
-          </p:cNvSpPr>
-          <p:nvPr>
-            <p:ph type="sldImg" idx="2"/>
-          </p:nvPr>
-        </p:nvSpPr>
-        <p:spPr>
-          <a:xfrm>
-            <a:off x="685800" y="1143000"/>
-            <a:ext cx="5486400" cy="3086100"/>
-          </a:xfrm>
-          <a:custGeom>
-            <a:avLst/>
-            <a:gdLst/>
-            <a:ahLst/>
-            <a:cxnLst/>
-            <a:rect l="l" t="t" r="r" b="b"/>
-            <a:pathLst>
-              <a:path w="120000" h="120000" extrusionOk="0">
-                <a:moveTo>
-                  <a:pt x="0" y="0"/>
-                </a:moveTo>
-                <a:lnTo>
-                  <a:pt x="120000" y="0"/>
-                </a:lnTo>
-                <a:lnTo>
-                  <a:pt x="120000" y="120000"/>
-                </a:lnTo>
-                <a:lnTo>
-                  <a:pt x="0" y="120000"/>
-                </a:lnTo>
-                <a:close/>
-              </a:path>
-            </a:pathLst>
-          </a:custGeom>
-          <a:noFill/>
-          <a:ln w="12700" cap="flat" cmpd="sng">
-            <a:solidFill>
-              <a:srgbClr val="000000"/>
-            </a:solidFill>
-            <a:prstDash val="solid"/>
-            <a:round/>
-            <a:headEnd type="none" w="sm" len="sm"/>
-            <a:tailEnd type="none" w="sm" len="sm"/>
-          </a:ln>
-        </p:spPr>
-      </p:sp>
-    </p:spTree>
-    <p:extLst>
-      <p:ext uri="{BB962C8B-B14F-4D97-AF65-F5344CB8AC3E}">
-        <p14:creationId xmlns:p14="http://schemas.microsoft.com/office/powerpoint/2010/main" val="77282976"/>
-      </p:ext>
-    </p:extLst>
-  </p:cSld>
-  <p:clrMapOvr>
-    <a:masterClrMapping/>
-  </p:clrMapOvr>
-</p:notes>
-</file>
-
-<file path=ppt/notesSlides/notesSlide5.xml><?xml version="1.0" encoding="utf-8"?>
-<p:notes xmlns:a="http://schemas.openxmlformats.org/drawingml/2006/main" xmlns:r="http://schemas.openxmlformats.org/officeDocument/2006/relationships" xmlns:p="http://schemas.openxmlformats.org/presentationml/2006/main" showMasterSp="0" showMasterPhAnim="0">
-  <p:cSld>
-    <p:spTree>
-      <p:nvGrpSpPr>
-        <p:cNvPr id="1" name="Shape 193"/>
-        <p:cNvGrpSpPr/>
-        <p:nvPr/>
-      </p:nvGrpSpPr>
-      <p:grpSpPr>
-        <a:xfrm>
-          <a:off x="0" y="0"/>
-          <a:ext cx="0" cy="0"/>
-          <a:chOff x="0" y="0"/>
-          <a:chExt cx="0" cy="0"/>
-        </a:xfrm>
-      </p:grpSpPr>
-      <p:sp>
-        <p:nvSpPr>
-          <p:cNvPr id="194" name="Google Shape;194;p10:notes"/>
-          <p:cNvSpPr txBox="1">
-            <a:spLocks noGrp="1"/>
-          </p:cNvSpPr>
-          <p:nvPr>
-            <p:ph type="body" idx="1"/>
-          </p:nvPr>
-        </p:nvSpPr>
-        <p:spPr>
-          <a:xfrm>
-            <a:off x="685800" y="4400550"/>
-            <a:ext cx="5486400" cy="3600450"/>
-          </a:xfrm>
-          <a:prstGeom prst="rect">
-            <a:avLst/>
-          </a:prstGeom>
-          <a:noFill/>
-          <a:ln>
-            <a:noFill/>
-          </a:ln>
-        </p:spPr>
-        <p:txBody>
-          <a:bodyPr spcFirstLastPara="1" wrap="square" lIns="91425" tIns="45700" rIns="91425" bIns="45700" anchor="t" anchorCtr="0">
-            <a:noAutofit/>
-          </a:bodyPr>
-          <a:lstStyle/>
-          <a:p>
-            <a:pPr marL="0" lvl="0" indent="0" algn="l" rtl="0">
-              <a:lnSpc>
-                <a:spcPct val="100000"/>
-              </a:lnSpc>
-              <a:spcBef>
-                <a:spcPts val="0"/>
-              </a:spcBef>
-              <a:spcAft>
-                <a:spcPts val="0"/>
-              </a:spcAft>
-              <a:buSzPts val="1400"/>
-              <a:buNone/>
-            </a:pPr>
-            <a:endParaRPr/>
-          </a:p>
-        </p:txBody>
-      </p:sp>
-      <p:sp>
-        <p:nvSpPr>
-          <p:cNvPr id="195" name="Google Shape;195;p10:notes"/>
-          <p:cNvSpPr>
-            <a:spLocks noGrp="1" noRot="1" noChangeAspect="1"/>
-          </p:cNvSpPr>
-          <p:nvPr>
-            <p:ph type="sldImg" idx="2"/>
-          </p:nvPr>
-        </p:nvSpPr>
-        <p:spPr>
-          <a:xfrm>
-            <a:off x="685800" y="1143000"/>
-            <a:ext cx="5486400" cy="3086100"/>
-          </a:xfrm>
-          <a:custGeom>
-            <a:avLst/>
-            <a:gdLst/>
-            <a:ahLst/>
-            <a:cxnLst/>
-            <a:rect l="l" t="t" r="r" b="b"/>
-            <a:pathLst>
-              <a:path w="120000" h="120000" extrusionOk="0">
-                <a:moveTo>
-                  <a:pt x="0" y="0"/>
-                </a:moveTo>
-                <a:lnTo>
-                  <a:pt x="120000" y="0"/>
-                </a:lnTo>
-                <a:lnTo>
-                  <a:pt x="120000" y="120000"/>
-                </a:lnTo>
-                <a:lnTo>
-                  <a:pt x="0" y="120000"/>
-                </a:lnTo>
-                <a:close/>
-              </a:path>
-            </a:pathLst>
-          </a:custGeom>
-          <a:noFill/>
-          <a:ln w="12700" cap="flat" cmpd="sng">
-            <a:solidFill>
-              <a:srgbClr val="000000"/>
-            </a:solidFill>
-            <a:prstDash val="solid"/>
-            <a:round/>
-            <a:headEnd type="none" w="sm" len="sm"/>
-            <a:tailEnd type="none" w="sm" len="sm"/>
-          </a:ln>
-        </p:spPr>
-      </p:sp>
-    </p:spTree>
-    <p:extLst>
-      <p:ext uri="{BB962C8B-B14F-4D97-AF65-F5344CB8AC3E}">
-        <p14:creationId xmlns:p14="http://schemas.microsoft.com/office/powerpoint/2010/main" val="3111798576"/>
-      </p:ext>
-    </p:extLst>
-  </p:cSld>
-  <p:clrMapOvr>
-    <a:masterClrMapping/>
-  </p:clrMapOvr>
-</p:notes>
-</file>
-
-<file path=ppt/notesSlides/notesSlide6.xml><?xml version="1.0" encoding="utf-8"?>
-<p:notes xmlns:a="http://schemas.openxmlformats.org/drawingml/2006/main" xmlns:r="http://schemas.openxmlformats.org/officeDocument/2006/relationships" xmlns:p="http://schemas.openxmlformats.org/presentationml/2006/main" showMasterSp="0" showMasterPhAnim="0">
-  <p:cSld>
-    <p:spTree>
-      <p:nvGrpSpPr>
-        <p:cNvPr id="1" name="Shape 193"/>
-        <p:cNvGrpSpPr/>
-        <p:nvPr/>
-      </p:nvGrpSpPr>
-      <p:grpSpPr>
-        <a:xfrm>
-          <a:off x="0" y="0"/>
-          <a:ext cx="0" cy="0"/>
-          <a:chOff x="0" y="0"/>
-          <a:chExt cx="0" cy="0"/>
-        </a:xfrm>
-      </p:grpSpPr>
-      <p:sp>
-        <p:nvSpPr>
-          <p:cNvPr id="194" name="Google Shape;194;p10:notes"/>
-          <p:cNvSpPr txBox="1">
-            <a:spLocks noGrp="1"/>
-          </p:cNvSpPr>
-          <p:nvPr>
-            <p:ph type="body" idx="1"/>
-          </p:nvPr>
-        </p:nvSpPr>
-        <p:spPr>
-          <a:xfrm>
-            <a:off x="685800" y="4400550"/>
-            <a:ext cx="5486400" cy="3600450"/>
-          </a:xfrm>
-          <a:prstGeom prst="rect">
-            <a:avLst/>
-          </a:prstGeom>
-          <a:noFill/>
-          <a:ln>
-            <a:noFill/>
-          </a:ln>
-        </p:spPr>
-        <p:txBody>
-          <a:bodyPr spcFirstLastPara="1" wrap="square" lIns="91425" tIns="45700" rIns="91425" bIns="45700" anchor="t" anchorCtr="0">
-            <a:noAutofit/>
-          </a:bodyPr>
-          <a:lstStyle/>
-          <a:p>
-            <a:pPr marL="0" lvl="0" indent="0" algn="l" rtl="0">
-              <a:lnSpc>
-                <a:spcPct val="100000"/>
-              </a:lnSpc>
-              <a:spcBef>
-                <a:spcPts val="0"/>
-              </a:spcBef>
-              <a:spcAft>
-                <a:spcPts val="0"/>
-              </a:spcAft>
-              <a:buSzPts val="1400"/>
-              <a:buNone/>
-            </a:pPr>
             <a:endParaRPr dirty="0"/>
           </a:p>
         </p:txBody>
@@ -13367,7 +12180,7 @@
     </p:spTree>
     <p:extLst>
       <p:ext uri="{BB962C8B-B14F-4D97-AF65-F5344CB8AC3E}">
-        <p14:creationId xmlns:p14="http://schemas.microsoft.com/office/powerpoint/2010/main" val="4131377420"/>
+        <p14:creationId xmlns:p14="http://schemas.microsoft.com/office/powerpoint/2010/main" val="1506797042"/>
       </p:ext>
     </p:extLst>
   </p:cSld>
@@ -13377,7 +12190,7 @@
 </p:notes>
 </file>
 
-<file path=ppt/notesSlides/notesSlide7.xml><?xml version="1.0" encoding="utf-8"?>
+<file path=ppt/notesSlides/notesSlide11.xml><?xml version="1.0" encoding="utf-8"?>
 <p:notes xmlns:a="http://schemas.openxmlformats.org/drawingml/2006/main" xmlns:r="http://schemas.openxmlformats.org/officeDocument/2006/relationships" xmlns:p="http://schemas.openxmlformats.org/presentationml/2006/main" showMasterSp="0" showMasterPhAnim="0">
   <p:cSld>
     <p:spTree>
@@ -13565,7 +12378,134 @@
 </p:notes>
 </file>
 
-<file path=ppt/notesSlides/notesSlide8.xml><?xml version="1.0" encoding="utf-8"?>
+<file path=ppt/notesSlides/notesSlide2.xml><?xml version="1.0" encoding="utf-8"?>
+<p:notes xmlns:a="http://schemas.openxmlformats.org/drawingml/2006/main" xmlns:r="http://schemas.openxmlformats.org/officeDocument/2006/relationships" xmlns:p="http://schemas.openxmlformats.org/presentationml/2006/main" showMasterSp="0" showMasterPhAnim="0">
+  <p:cSld>
+    <p:spTree>
+      <p:nvGrpSpPr>
+        <p:cNvPr id="1" name="Shape 193"/>
+        <p:cNvGrpSpPr/>
+        <p:nvPr/>
+      </p:nvGrpSpPr>
+      <p:grpSpPr>
+        <a:xfrm>
+          <a:off x="0" y="0"/>
+          <a:ext cx="0" cy="0"/>
+          <a:chOff x="0" y="0"/>
+          <a:chExt cx="0" cy="0"/>
+        </a:xfrm>
+      </p:grpSpPr>
+      <p:sp>
+        <p:nvSpPr>
+          <p:cNvPr id="194" name="Google Shape;194;p10:notes"/>
+          <p:cNvSpPr txBox="1">
+            <a:spLocks noGrp="1"/>
+          </p:cNvSpPr>
+          <p:nvPr>
+            <p:ph type="body" idx="1"/>
+          </p:nvPr>
+        </p:nvSpPr>
+        <p:spPr>
+          <a:xfrm>
+            <a:off x="685800" y="4400550"/>
+            <a:ext cx="5486400" cy="3600450"/>
+          </a:xfrm>
+          <a:prstGeom prst="rect">
+            <a:avLst/>
+          </a:prstGeom>
+          <a:noFill/>
+          <a:ln>
+            <a:noFill/>
+          </a:ln>
+        </p:spPr>
+        <p:txBody>
+          <a:bodyPr spcFirstLastPara="1" wrap="square" lIns="91425" tIns="45700" rIns="91425" bIns="45700" anchor="t" anchorCtr="0">
+            <a:noAutofit/>
+          </a:bodyPr>
+          <a:lstStyle/>
+          <a:p>
+            <a:pPr marL="0" lvl="0" indent="0" algn="l" rtl="0">
+              <a:lnSpc>
+                <a:spcPct val="100000"/>
+              </a:lnSpc>
+              <a:spcBef>
+                <a:spcPts val="0"/>
+              </a:spcBef>
+              <a:spcAft>
+                <a:spcPts val="0"/>
+              </a:spcAft>
+              <a:buSzPts val="1400"/>
+              <a:buNone/>
+            </a:pPr>
+            <a:endParaRPr dirty="0"/>
+          </a:p>
+        </p:txBody>
+      </p:sp>
+      <p:sp>
+        <p:nvSpPr>
+          <p:cNvPr id="195" name="Google Shape;195;p10:notes"/>
+          <p:cNvSpPr>
+            <a:spLocks noGrp="1" noRot="1" noChangeAspect="1"/>
+          </p:cNvSpPr>
+          <p:nvPr>
+            <p:ph type="sldImg" idx="2"/>
+          </p:nvPr>
+        </p:nvSpPr>
+        <p:spPr>
+          <a:xfrm>
+            <a:off x="685800" y="1143000"/>
+            <a:ext cx="5486400" cy="3086100"/>
+          </a:xfrm>
+          <a:custGeom>
+            <a:avLst/>
+            <a:gdLst/>
+            <a:ahLst/>
+            <a:cxnLst/>
+            <a:rect l="l" t="t" r="r" b="b"/>
+            <a:pathLst>
+              <a:path w="120000" h="120000" extrusionOk="0">
+                <a:moveTo>
+                  <a:pt x="0" y="0"/>
+                </a:moveTo>
+                <a:lnTo>
+                  <a:pt x="120000" y="0"/>
+                </a:lnTo>
+                <a:lnTo>
+                  <a:pt x="120000" y="120000"/>
+                </a:lnTo>
+                <a:lnTo>
+                  <a:pt x="0" y="120000"/>
+                </a:lnTo>
+                <a:close/>
+              </a:path>
+            </a:pathLst>
+          </a:custGeom>
+          <a:noFill/>
+          <a:ln w="12700" cap="flat" cmpd="sng">
+            <a:solidFill>
+              <a:srgbClr val="000000"/>
+            </a:solidFill>
+            <a:prstDash val="solid"/>
+            <a:round/>
+            <a:headEnd type="none" w="sm" len="sm"/>
+            <a:tailEnd type="none" w="sm" len="sm"/>
+          </a:ln>
+        </p:spPr>
+      </p:sp>
+    </p:spTree>
+    <p:extLst>
+      <p:ext uri="{BB962C8B-B14F-4D97-AF65-F5344CB8AC3E}">
+        <p14:creationId xmlns:p14="http://schemas.microsoft.com/office/powerpoint/2010/main" val="544544762"/>
+      </p:ext>
+    </p:extLst>
+  </p:cSld>
+  <p:clrMapOvr>
+    <a:masterClrMapping/>
+  </p:clrMapOvr>
+</p:notes>
+</file>
+
+<file path=ppt/notesSlides/notesSlide3.xml><?xml version="1.0" encoding="utf-8"?>
 <p:notes xmlns:a="http://schemas.openxmlformats.org/drawingml/2006/main" xmlns:r="http://schemas.openxmlformats.org/officeDocument/2006/relationships" xmlns:p="http://schemas.openxmlformats.org/presentationml/2006/main" showMasterSp="0" showMasterPhAnim="0">
   <p:cSld>
     <p:spTree>
@@ -13701,7 +12641,556 @@
 </p:notes>
 </file>
 
-<file path=ppt/notesSlides/notesSlide9.xml><?xml version="1.0" encoding="utf-8"?>
+<file path=ppt/notesSlides/notesSlide4.xml><?xml version="1.0" encoding="utf-8"?>
+<p:notes xmlns:a="http://schemas.openxmlformats.org/drawingml/2006/main" xmlns:r="http://schemas.openxmlformats.org/officeDocument/2006/relationships" xmlns:p="http://schemas.openxmlformats.org/presentationml/2006/main" showMasterSp="0" showMasterPhAnim="0">
+  <p:cSld>
+    <p:spTree>
+      <p:nvGrpSpPr>
+        <p:cNvPr id="1" name="Shape 193"/>
+        <p:cNvGrpSpPr/>
+        <p:nvPr/>
+      </p:nvGrpSpPr>
+      <p:grpSpPr>
+        <a:xfrm>
+          <a:off x="0" y="0"/>
+          <a:ext cx="0" cy="0"/>
+          <a:chOff x="0" y="0"/>
+          <a:chExt cx="0" cy="0"/>
+        </a:xfrm>
+      </p:grpSpPr>
+      <p:sp>
+        <p:nvSpPr>
+          <p:cNvPr id="194" name="Google Shape;194;p10:notes"/>
+          <p:cNvSpPr txBox="1">
+            <a:spLocks noGrp="1"/>
+          </p:cNvSpPr>
+          <p:nvPr>
+            <p:ph type="body" idx="1"/>
+          </p:nvPr>
+        </p:nvSpPr>
+        <p:spPr>
+          <a:xfrm>
+            <a:off x="685800" y="4400550"/>
+            <a:ext cx="5486400" cy="3600450"/>
+          </a:xfrm>
+          <a:prstGeom prst="rect">
+            <a:avLst/>
+          </a:prstGeom>
+          <a:noFill/>
+          <a:ln>
+            <a:noFill/>
+          </a:ln>
+        </p:spPr>
+        <p:txBody>
+          <a:bodyPr spcFirstLastPara="1" wrap="square" lIns="91425" tIns="45700" rIns="91425" bIns="45700" anchor="t" anchorCtr="0">
+            <a:noAutofit/>
+          </a:bodyPr>
+          <a:lstStyle/>
+          <a:p>
+            <a:pPr marL="171450" lvl="0" indent="-171450" algn="l" rtl="0">
+              <a:lnSpc>
+                <a:spcPct val="100000"/>
+              </a:lnSpc>
+              <a:spcBef>
+                <a:spcPts val="0"/>
+              </a:spcBef>
+              <a:spcAft>
+                <a:spcPts val="0"/>
+              </a:spcAft>
+              <a:buSzPts val="1400"/>
+              <a:buFont typeface="Arial" panose="020B0604020202020204" pitchFamily="34" charset="0"/>
+              <a:buChar char="•"/>
+            </a:pPr>
+            <a:r>
+              <a:rPr lang="en-US" dirty="0"/>
+              <a:t>Single Domain and Competitive Analysis are stored in Graphite in two different namespaces</a:t>
+            </a:r>
+          </a:p>
+          <a:p>
+            <a:pPr marL="171450" lvl="0" indent="-171450" algn="l" rtl="0">
+              <a:lnSpc>
+                <a:spcPct val="100000"/>
+              </a:lnSpc>
+              <a:spcBef>
+                <a:spcPts val="0"/>
+              </a:spcBef>
+              <a:spcAft>
+                <a:spcPts val="0"/>
+              </a:spcAft>
+              <a:buSzPts val="1400"/>
+              <a:buFont typeface="Arial" panose="020B0604020202020204" pitchFamily="34" charset="0"/>
+              <a:buChar char="•"/>
+            </a:pPr>
+            <a:r>
+              <a:rPr lang="en-US" dirty="0"/>
+              <a:t>Complete flexibility in how tests are set up</a:t>
+            </a:r>
+          </a:p>
+          <a:p>
+            <a:pPr marL="171450" lvl="0" indent="-171450" algn="l" rtl="0">
+              <a:lnSpc>
+                <a:spcPct val="100000"/>
+              </a:lnSpc>
+              <a:spcBef>
+                <a:spcPts val="0"/>
+              </a:spcBef>
+              <a:spcAft>
+                <a:spcPts val="0"/>
+              </a:spcAft>
+              <a:buSzPts val="1400"/>
+              <a:buFont typeface="Arial" panose="020B0604020202020204" pitchFamily="34" charset="0"/>
+              <a:buChar char="•"/>
+            </a:pPr>
+            <a:r>
+              <a:rPr lang="en-US" dirty="0"/>
+              <a:t>Nothing set in stone about the number of single domain vs competitive analysis tests</a:t>
+            </a:r>
+            <a:endParaRPr dirty="0"/>
+          </a:p>
+        </p:txBody>
+      </p:sp>
+      <p:sp>
+        <p:nvSpPr>
+          <p:cNvPr id="195" name="Google Shape;195;p10:notes"/>
+          <p:cNvSpPr>
+            <a:spLocks noGrp="1" noRot="1" noChangeAspect="1"/>
+          </p:cNvSpPr>
+          <p:nvPr>
+            <p:ph type="sldImg" idx="2"/>
+          </p:nvPr>
+        </p:nvSpPr>
+        <p:spPr>
+          <a:xfrm>
+            <a:off x="685800" y="1143000"/>
+            <a:ext cx="5486400" cy="3086100"/>
+          </a:xfrm>
+          <a:custGeom>
+            <a:avLst/>
+            <a:gdLst/>
+            <a:ahLst/>
+            <a:cxnLst/>
+            <a:rect l="l" t="t" r="r" b="b"/>
+            <a:pathLst>
+              <a:path w="120000" h="120000" extrusionOk="0">
+                <a:moveTo>
+                  <a:pt x="0" y="0"/>
+                </a:moveTo>
+                <a:lnTo>
+                  <a:pt x="120000" y="0"/>
+                </a:lnTo>
+                <a:lnTo>
+                  <a:pt x="120000" y="120000"/>
+                </a:lnTo>
+                <a:lnTo>
+                  <a:pt x="0" y="120000"/>
+                </a:lnTo>
+                <a:close/>
+              </a:path>
+            </a:pathLst>
+          </a:custGeom>
+          <a:noFill/>
+          <a:ln w="12700" cap="flat" cmpd="sng">
+            <a:solidFill>
+              <a:srgbClr val="000000"/>
+            </a:solidFill>
+            <a:prstDash val="solid"/>
+            <a:round/>
+            <a:headEnd type="none" w="sm" len="sm"/>
+            <a:tailEnd type="none" w="sm" len="sm"/>
+          </a:ln>
+        </p:spPr>
+      </p:sp>
+    </p:spTree>
+  </p:cSld>
+  <p:clrMapOvr>
+    <a:masterClrMapping/>
+  </p:clrMapOvr>
+</p:notes>
+</file>
+
+<file path=ppt/notesSlides/notesSlide5.xml><?xml version="1.0" encoding="utf-8"?>
+<p:notes xmlns:a="http://schemas.openxmlformats.org/drawingml/2006/main" xmlns:r="http://schemas.openxmlformats.org/officeDocument/2006/relationships" xmlns:p="http://schemas.openxmlformats.org/presentationml/2006/main" showMasterSp="0" showMasterPhAnim="0">
+  <p:cSld>
+    <p:spTree>
+      <p:nvGrpSpPr>
+        <p:cNvPr id="1" name="Shape 193"/>
+        <p:cNvGrpSpPr/>
+        <p:nvPr/>
+      </p:nvGrpSpPr>
+      <p:grpSpPr>
+        <a:xfrm>
+          <a:off x="0" y="0"/>
+          <a:ext cx="0" cy="0"/>
+          <a:chOff x="0" y="0"/>
+          <a:chExt cx="0" cy="0"/>
+        </a:xfrm>
+      </p:grpSpPr>
+      <p:sp>
+        <p:nvSpPr>
+          <p:cNvPr id="194" name="Google Shape;194;p10:notes"/>
+          <p:cNvSpPr txBox="1">
+            <a:spLocks noGrp="1"/>
+          </p:cNvSpPr>
+          <p:nvPr>
+            <p:ph type="body" idx="1"/>
+          </p:nvPr>
+        </p:nvSpPr>
+        <p:spPr>
+          <a:xfrm>
+            <a:off x="685800" y="4400550"/>
+            <a:ext cx="5486400" cy="3600450"/>
+          </a:xfrm>
+          <a:prstGeom prst="rect">
+            <a:avLst/>
+          </a:prstGeom>
+          <a:noFill/>
+          <a:ln>
+            <a:noFill/>
+          </a:ln>
+        </p:spPr>
+        <p:txBody>
+          <a:bodyPr spcFirstLastPara="1" wrap="square" lIns="91425" tIns="45700" rIns="91425" bIns="45700" anchor="t" anchorCtr="0">
+            <a:noAutofit/>
+          </a:bodyPr>
+          <a:lstStyle/>
+          <a:p>
+            <a:pPr marL="0" lvl="0" indent="0" algn="l" rtl="0">
+              <a:lnSpc>
+                <a:spcPct val="100000"/>
+              </a:lnSpc>
+              <a:spcBef>
+                <a:spcPts val="0"/>
+              </a:spcBef>
+              <a:spcAft>
+                <a:spcPts val="0"/>
+              </a:spcAft>
+              <a:buSzPts val="1400"/>
+              <a:buNone/>
+            </a:pPr>
+            <a:endParaRPr/>
+          </a:p>
+        </p:txBody>
+      </p:sp>
+      <p:sp>
+        <p:nvSpPr>
+          <p:cNvPr id="195" name="Google Shape;195;p10:notes"/>
+          <p:cNvSpPr>
+            <a:spLocks noGrp="1" noRot="1" noChangeAspect="1"/>
+          </p:cNvSpPr>
+          <p:nvPr>
+            <p:ph type="sldImg" idx="2"/>
+          </p:nvPr>
+        </p:nvSpPr>
+        <p:spPr>
+          <a:xfrm>
+            <a:off x="685800" y="1143000"/>
+            <a:ext cx="5486400" cy="3086100"/>
+          </a:xfrm>
+          <a:custGeom>
+            <a:avLst/>
+            <a:gdLst/>
+            <a:ahLst/>
+            <a:cxnLst/>
+            <a:rect l="l" t="t" r="r" b="b"/>
+            <a:pathLst>
+              <a:path w="120000" h="120000" extrusionOk="0">
+                <a:moveTo>
+                  <a:pt x="0" y="0"/>
+                </a:moveTo>
+                <a:lnTo>
+                  <a:pt x="120000" y="0"/>
+                </a:lnTo>
+                <a:lnTo>
+                  <a:pt x="120000" y="120000"/>
+                </a:lnTo>
+                <a:lnTo>
+                  <a:pt x="0" y="120000"/>
+                </a:lnTo>
+                <a:close/>
+              </a:path>
+            </a:pathLst>
+          </a:custGeom>
+          <a:noFill/>
+          <a:ln w="12700" cap="flat" cmpd="sng">
+            <a:solidFill>
+              <a:srgbClr val="000000"/>
+            </a:solidFill>
+            <a:prstDash val="solid"/>
+            <a:round/>
+            <a:headEnd type="none" w="sm" len="sm"/>
+            <a:tailEnd type="none" w="sm" len="sm"/>
+          </a:ln>
+        </p:spPr>
+      </p:sp>
+    </p:spTree>
+    <p:extLst>
+      <p:ext uri="{BB962C8B-B14F-4D97-AF65-F5344CB8AC3E}">
+        <p14:creationId xmlns:p14="http://schemas.microsoft.com/office/powerpoint/2010/main" val="2489025045"/>
+      </p:ext>
+    </p:extLst>
+  </p:cSld>
+  <p:clrMapOvr>
+    <a:masterClrMapping/>
+  </p:clrMapOvr>
+</p:notes>
+</file>
+
+<file path=ppt/notesSlides/notesSlide6.xml><?xml version="1.0" encoding="utf-8"?>
+<p:notes xmlns:a="http://schemas.openxmlformats.org/drawingml/2006/main" xmlns:r="http://schemas.openxmlformats.org/officeDocument/2006/relationships" xmlns:p="http://schemas.openxmlformats.org/presentationml/2006/main" showMasterSp="0" showMasterPhAnim="0">
+  <p:cSld>
+    <p:spTree>
+      <p:nvGrpSpPr>
+        <p:cNvPr id="1" name="Shape 193"/>
+        <p:cNvGrpSpPr/>
+        <p:nvPr/>
+      </p:nvGrpSpPr>
+      <p:grpSpPr>
+        <a:xfrm>
+          <a:off x="0" y="0"/>
+          <a:ext cx="0" cy="0"/>
+          <a:chOff x="0" y="0"/>
+          <a:chExt cx="0" cy="0"/>
+        </a:xfrm>
+      </p:grpSpPr>
+      <p:sp>
+        <p:nvSpPr>
+          <p:cNvPr id="194" name="Google Shape;194;p10:notes"/>
+          <p:cNvSpPr txBox="1">
+            <a:spLocks noGrp="1"/>
+          </p:cNvSpPr>
+          <p:nvPr>
+            <p:ph type="body" idx="1"/>
+          </p:nvPr>
+        </p:nvSpPr>
+        <p:spPr>
+          <a:xfrm>
+            <a:off x="685800" y="4400550"/>
+            <a:ext cx="5486400" cy="3600450"/>
+          </a:xfrm>
+          <a:prstGeom prst="rect">
+            <a:avLst/>
+          </a:prstGeom>
+          <a:noFill/>
+          <a:ln>
+            <a:noFill/>
+          </a:ln>
+        </p:spPr>
+        <p:txBody>
+          <a:bodyPr spcFirstLastPara="1" wrap="square" lIns="91425" tIns="45700" rIns="91425" bIns="45700" anchor="t" anchorCtr="0">
+            <a:noAutofit/>
+          </a:bodyPr>
+          <a:lstStyle/>
+          <a:p>
+            <a:pPr marL="171450" lvl="0" indent="-171450" algn="l" rtl="0">
+              <a:lnSpc>
+                <a:spcPct val="100000"/>
+              </a:lnSpc>
+              <a:spcBef>
+                <a:spcPts val="0"/>
+              </a:spcBef>
+              <a:spcAft>
+                <a:spcPts val="0"/>
+              </a:spcAft>
+              <a:buSzPts val="1400"/>
+              <a:buFont typeface="Arial" panose="020B0604020202020204" pitchFamily="34" charset="0"/>
+              <a:buChar char="•"/>
+            </a:pPr>
+            <a:endParaRPr lang="en-US" dirty="0"/>
+          </a:p>
+        </p:txBody>
+      </p:sp>
+      <p:sp>
+        <p:nvSpPr>
+          <p:cNvPr id="195" name="Google Shape;195;p10:notes"/>
+          <p:cNvSpPr>
+            <a:spLocks noGrp="1" noRot="1" noChangeAspect="1"/>
+          </p:cNvSpPr>
+          <p:nvPr>
+            <p:ph type="sldImg" idx="2"/>
+          </p:nvPr>
+        </p:nvSpPr>
+        <p:spPr>
+          <a:xfrm>
+            <a:off x="685800" y="1143000"/>
+            <a:ext cx="5486400" cy="3086100"/>
+          </a:xfrm>
+          <a:custGeom>
+            <a:avLst/>
+            <a:gdLst/>
+            <a:ahLst/>
+            <a:cxnLst/>
+            <a:rect l="l" t="t" r="r" b="b"/>
+            <a:pathLst>
+              <a:path w="120000" h="120000" extrusionOk="0">
+                <a:moveTo>
+                  <a:pt x="0" y="0"/>
+                </a:moveTo>
+                <a:lnTo>
+                  <a:pt x="120000" y="0"/>
+                </a:lnTo>
+                <a:lnTo>
+                  <a:pt x="120000" y="120000"/>
+                </a:lnTo>
+                <a:lnTo>
+                  <a:pt x="0" y="120000"/>
+                </a:lnTo>
+                <a:close/>
+              </a:path>
+            </a:pathLst>
+          </a:custGeom>
+          <a:noFill/>
+          <a:ln w="12700" cap="flat" cmpd="sng">
+            <a:solidFill>
+              <a:srgbClr val="000000"/>
+            </a:solidFill>
+            <a:prstDash val="solid"/>
+            <a:round/>
+            <a:headEnd type="none" w="sm" len="sm"/>
+            <a:tailEnd type="none" w="sm" len="sm"/>
+          </a:ln>
+        </p:spPr>
+      </p:sp>
+    </p:spTree>
+    <p:extLst>
+      <p:ext uri="{BB962C8B-B14F-4D97-AF65-F5344CB8AC3E}">
+        <p14:creationId xmlns:p14="http://schemas.microsoft.com/office/powerpoint/2010/main" val="77282976"/>
+      </p:ext>
+    </p:extLst>
+  </p:cSld>
+  <p:clrMapOvr>
+    <a:masterClrMapping/>
+  </p:clrMapOvr>
+</p:notes>
+</file>
+
+<file path=ppt/notesSlides/notesSlide7.xml><?xml version="1.0" encoding="utf-8"?>
+<p:notes xmlns:a="http://schemas.openxmlformats.org/drawingml/2006/main" xmlns:r="http://schemas.openxmlformats.org/officeDocument/2006/relationships" xmlns:p="http://schemas.openxmlformats.org/presentationml/2006/main" showMasterSp="0" showMasterPhAnim="0">
+  <p:cSld>
+    <p:spTree>
+      <p:nvGrpSpPr>
+        <p:cNvPr id="1" name="Shape 193"/>
+        <p:cNvGrpSpPr/>
+        <p:nvPr/>
+      </p:nvGrpSpPr>
+      <p:grpSpPr>
+        <a:xfrm>
+          <a:off x="0" y="0"/>
+          <a:ext cx="0" cy="0"/>
+          <a:chOff x="0" y="0"/>
+          <a:chExt cx="0" cy="0"/>
+        </a:xfrm>
+      </p:grpSpPr>
+      <p:sp>
+        <p:nvSpPr>
+          <p:cNvPr id="194" name="Google Shape;194;p10:notes"/>
+          <p:cNvSpPr txBox="1">
+            <a:spLocks noGrp="1"/>
+          </p:cNvSpPr>
+          <p:nvPr>
+            <p:ph type="body" idx="1"/>
+          </p:nvPr>
+        </p:nvSpPr>
+        <p:spPr>
+          <a:xfrm>
+            <a:off x="685800" y="4400550"/>
+            <a:ext cx="5486400" cy="3600450"/>
+          </a:xfrm>
+          <a:prstGeom prst="rect">
+            <a:avLst/>
+          </a:prstGeom>
+          <a:noFill/>
+          <a:ln>
+            <a:noFill/>
+          </a:ln>
+        </p:spPr>
+        <p:txBody>
+          <a:bodyPr spcFirstLastPara="1" wrap="square" lIns="91425" tIns="45700" rIns="91425" bIns="45700" anchor="t" anchorCtr="0">
+            <a:noAutofit/>
+          </a:bodyPr>
+          <a:lstStyle/>
+          <a:p>
+            <a:pPr marL="0" lvl="0" indent="0" algn="l" rtl="0">
+              <a:lnSpc>
+                <a:spcPct val="100000"/>
+              </a:lnSpc>
+              <a:spcBef>
+                <a:spcPts val="0"/>
+              </a:spcBef>
+              <a:spcAft>
+                <a:spcPts val="0"/>
+              </a:spcAft>
+              <a:buSzPts val="1400"/>
+              <a:buNone/>
+            </a:pPr>
+            <a:endParaRPr/>
+          </a:p>
+        </p:txBody>
+      </p:sp>
+      <p:sp>
+        <p:nvSpPr>
+          <p:cNvPr id="195" name="Google Shape;195;p10:notes"/>
+          <p:cNvSpPr>
+            <a:spLocks noGrp="1" noRot="1" noChangeAspect="1"/>
+          </p:cNvSpPr>
+          <p:nvPr>
+            <p:ph type="sldImg" idx="2"/>
+          </p:nvPr>
+        </p:nvSpPr>
+        <p:spPr>
+          <a:xfrm>
+            <a:off x="685800" y="1143000"/>
+            <a:ext cx="5486400" cy="3086100"/>
+          </a:xfrm>
+          <a:custGeom>
+            <a:avLst/>
+            <a:gdLst/>
+            <a:ahLst/>
+            <a:cxnLst/>
+            <a:rect l="l" t="t" r="r" b="b"/>
+            <a:pathLst>
+              <a:path w="120000" h="120000" extrusionOk="0">
+                <a:moveTo>
+                  <a:pt x="0" y="0"/>
+                </a:moveTo>
+                <a:lnTo>
+                  <a:pt x="120000" y="0"/>
+                </a:lnTo>
+                <a:lnTo>
+                  <a:pt x="120000" y="120000"/>
+                </a:lnTo>
+                <a:lnTo>
+                  <a:pt x="0" y="120000"/>
+                </a:lnTo>
+                <a:close/>
+              </a:path>
+            </a:pathLst>
+          </a:custGeom>
+          <a:noFill/>
+          <a:ln w="12700" cap="flat" cmpd="sng">
+            <a:solidFill>
+              <a:srgbClr val="000000"/>
+            </a:solidFill>
+            <a:prstDash val="solid"/>
+            <a:round/>
+            <a:headEnd type="none" w="sm" len="sm"/>
+            <a:tailEnd type="none" w="sm" len="sm"/>
+          </a:ln>
+        </p:spPr>
+      </p:sp>
+    </p:spTree>
+    <p:extLst>
+      <p:ext uri="{BB962C8B-B14F-4D97-AF65-F5344CB8AC3E}">
+        <p14:creationId xmlns:p14="http://schemas.microsoft.com/office/powerpoint/2010/main" val="3111798576"/>
+      </p:ext>
+    </p:extLst>
+  </p:cSld>
+  <p:clrMapOvr>
+    <a:masterClrMapping/>
+  </p:clrMapOvr>
+</p:notes>
+</file>
+
+<file path=ppt/notesSlides/notesSlide8.xml><?xml version="1.0" encoding="utf-8"?>
 <p:notes xmlns:a="http://schemas.openxmlformats.org/drawingml/2006/main" xmlns:r="http://schemas.openxmlformats.org/officeDocument/2006/relationships" xmlns:p="http://schemas.openxmlformats.org/presentationml/2006/main" showMasterSp="0" showMasterPhAnim="0">
   <p:cSld>
     <p:spTree>
@@ -13818,7 +13307,195 @@
     </p:spTree>
     <p:extLst>
       <p:ext uri="{BB962C8B-B14F-4D97-AF65-F5344CB8AC3E}">
-        <p14:creationId xmlns:p14="http://schemas.microsoft.com/office/powerpoint/2010/main" val="544544762"/>
+        <p14:creationId xmlns:p14="http://schemas.microsoft.com/office/powerpoint/2010/main" val="4131377420"/>
+      </p:ext>
+    </p:extLst>
+  </p:cSld>
+  <p:clrMapOvr>
+    <a:masterClrMapping/>
+  </p:clrMapOvr>
+</p:notes>
+</file>
+
+<file path=ppt/notesSlides/notesSlide9.xml><?xml version="1.0" encoding="utf-8"?>
+<p:notes xmlns:a="http://schemas.openxmlformats.org/drawingml/2006/main" xmlns:r="http://schemas.openxmlformats.org/officeDocument/2006/relationships" xmlns:p="http://schemas.openxmlformats.org/presentationml/2006/main" showMasterSp="0" showMasterPhAnim="0">
+  <p:cSld>
+    <p:spTree>
+      <p:nvGrpSpPr>
+        <p:cNvPr id="1" name="Shape 193"/>
+        <p:cNvGrpSpPr/>
+        <p:nvPr/>
+      </p:nvGrpSpPr>
+      <p:grpSpPr>
+        <a:xfrm>
+          <a:off x="0" y="0"/>
+          <a:ext cx="0" cy="0"/>
+          <a:chOff x="0" y="0"/>
+          <a:chExt cx="0" cy="0"/>
+        </a:xfrm>
+      </p:grpSpPr>
+      <p:sp>
+        <p:nvSpPr>
+          <p:cNvPr id="194" name="Google Shape;194;p10:notes"/>
+          <p:cNvSpPr txBox="1">
+            <a:spLocks noGrp="1"/>
+          </p:cNvSpPr>
+          <p:nvPr>
+            <p:ph type="body" idx="1"/>
+          </p:nvPr>
+        </p:nvSpPr>
+        <p:spPr>
+          <a:xfrm>
+            <a:off x="685800" y="4400550"/>
+            <a:ext cx="5486400" cy="3600450"/>
+          </a:xfrm>
+          <a:prstGeom prst="rect">
+            <a:avLst/>
+          </a:prstGeom>
+          <a:noFill/>
+          <a:ln>
+            <a:noFill/>
+          </a:ln>
+        </p:spPr>
+        <p:txBody>
+          <a:bodyPr spcFirstLastPara="1" wrap="square" lIns="91425" tIns="45700" rIns="91425" bIns="45700" anchor="t" anchorCtr="0">
+            <a:noAutofit/>
+          </a:bodyPr>
+          <a:lstStyle/>
+          <a:p>
+            <a:pPr marL="171450" lvl="0" indent="-171450" algn="l" rtl="0">
+              <a:lnSpc>
+                <a:spcPct val="100000"/>
+              </a:lnSpc>
+              <a:spcBef>
+                <a:spcPts val="0"/>
+              </a:spcBef>
+              <a:spcAft>
+                <a:spcPts val="0"/>
+              </a:spcAft>
+              <a:buSzPts val="1400"/>
+              <a:buFont typeface="Arial" panose="020B0604020202020204" pitchFamily="34" charset="0"/>
+              <a:buChar char="•"/>
+            </a:pPr>
+            <a:r>
+              <a:rPr lang="en-US" sz="1200" dirty="0"/>
+              <a:t>Web access to Graphite is restricted via F/W rule only from home network</a:t>
+            </a:r>
+          </a:p>
+          <a:p>
+            <a:pPr marL="171450" lvl="0" indent="-171450" algn="l" rtl="0">
+              <a:lnSpc>
+                <a:spcPct val="100000"/>
+              </a:lnSpc>
+              <a:spcBef>
+                <a:spcPts val="0"/>
+              </a:spcBef>
+              <a:spcAft>
+                <a:spcPts val="0"/>
+              </a:spcAft>
+              <a:buSzPts val="1400"/>
+              <a:buFont typeface="Arial" panose="020B0604020202020204" pitchFamily="34" charset="0"/>
+              <a:buChar char="•"/>
+            </a:pPr>
+            <a:r>
+              <a:rPr lang="en-US" sz="1200" dirty="0"/>
+              <a:t>All Docker related data is mapped outside container for persistence</a:t>
+            </a:r>
+          </a:p>
+          <a:p>
+            <a:pPr marL="171450" lvl="0" indent="-171450" algn="l" rtl="0">
+              <a:lnSpc>
+                <a:spcPct val="100000"/>
+              </a:lnSpc>
+              <a:spcBef>
+                <a:spcPts val="0"/>
+              </a:spcBef>
+              <a:spcAft>
+                <a:spcPts val="0"/>
+              </a:spcAft>
+              <a:buSzPts val="1400"/>
+              <a:buFont typeface="Arial" panose="020B0604020202020204" pitchFamily="34" charset="0"/>
+              <a:buChar char="•"/>
+            </a:pPr>
+            <a:r>
+              <a:rPr lang="en-US" sz="1200" dirty="0"/>
+              <a:t>Grafana installed natively for more control of configuration and frequency of updates</a:t>
+            </a:r>
+          </a:p>
+          <a:p>
+            <a:pPr marL="171450" lvl="0" indent="-171450" algn="l" rtl="0">
+              <a:lnSpc>
+                <a:spcPct val="100000"/>
+              </a:lnSpc>
+              <a:spcBef>
+                <a:spcPts val="0"/>
+              </a:spcBef>
+              <a:spcAft>
+                <a:spcPts val="0"/>
+              </a:spcAft>
+              <a:buSzPts val="1400"/>
+              <a:buFont typeface="Arial" panose="020B0604020202020204" pitchFamily="34" charset="0"/>
+              <a:buChar char="•"/>
+            </a:pPr>
+            <a:endParaRPr dirty="0"/>
+          </a:p>
+        </p:txBody>
+      </p:sp>
+      <p:sp>
+        <p:nvSpPr>
+          <p:cNvPr id="195" name="Google Shape;195;p10:notes"/>
+          <p:cNvSpPr>
+            <a:spLocks noGrp="1" noRot="1" noChangeAspect="1"/>
+          </p:cNvSpPr>
+          <p:nvPr>
+            <p:ph type="sldImg" idx="2"/>
+          </p:nvPr>
+        </p:nvSpPr>
+        <p:spPr>
+          <a:xfrm>
+            <a:off x="685800" y="1143000"/>
+            <a:ext cx="5486400" cy="3086100"/>
+          </a:xfrm>
+          <a:custGeom>
+            <a:avLst/>
+            <a:gdLst/>
+            <a:ahLst/>
+            <a:cxnLst/>
+            <a:rect l="l" t="t" r="r" b="b"/>
+            <a:pathLst>
+              <a:path w="120000" h="120000" extrusionOk="0">
+                <a:moveTo>
+                  <a:pt x="0" y="0"/>
+                </a:moveTo>
+                <a:lnTo>
+                  <a:pt x="120000" y="0"/>
+                </a:lnTo>
+                <a:lnTo>
+                  <a:pt x="120000" y="120000"/>
+                </a:lnTo>
+                <a:lnTo>
+                  <a:pt x="0" y="120000"/>
+                </a:lnTo>
+                <a:close/>
+              </a:path>
+            </a:pathLst>
+          </a:custGeom>
+          <a:noFill/>
+          <a:ln w="12700" cap="flat" cmpd="sng">
+            <a:solidFill>
+              <a:srgbClr val="000000"/>
+            </a:solidFill>
+            <a:prstDash val="solid"/>
+            <a:round/>
+            <a:headEnd type="none" w="sm" len="sm"/>
+            <a:tailEnd type="none" w="sm" len="sm"/>
+          </a:ln>
+        </p:spPr>
+      </p:sp>
+    </p:spTree>
+    <p:extLst>
+      <p:ext uri="{BB962C8B-B14F-4D97-AF65-F5344CB8AC3E}">
+        <p14:creationId xmlns:p14="http://schemas.microsoft.com/office/powerpoint/2010/main" val="1704137767"/>
       </p:ext>
     </p:extLst>
   </p:cSld>
@@ -16935,7 +16612,7 @@
               <a:rPr lang="en-US" b="0" dirty="0">
                 <a:latin typeface="Avenir Medium" panose="02000503020000020003" pitchFamily="2" charset="0"/>
               </a:rPr>
-              <a:t>GS Advanced Services</a:t>
+              <a:t>Advanced Services</a:t>
             </a:r>
           </a:p>
           <a:p>
@@ -17005,7 +16682,7 @@
               <a:rPr lang="en-US" dirty="0">
                 <a:latin typeface="Avenir Medium" panose="02000503020000020003" pitchFamily="2" charset="0"/>
               </a:rPr>
-              <a:t>June 2022</a:t>
+              <a:t>March 2023</a:t>
             </a:r>
             <a:endParaRPr dirty="0">
               <a:latin typeface="Avenir Medium" panose="02000503020000020003" pitchFamily="2" charset="0"/>
@@ -17013,6 +16690,36 @@
           </a:p>
         </p:txBody>
       </p:sp>
+      <p:pic>
+        <p:nvPicPr>
+          <p:cNvPr id="2" name="Picture 1">
+            <a:extLst>
+              <a:ext uri="{FF2B5EF4-FFF2-40B4-BE49-F238E27FC236}">
+                <a16:creationId xmlns:a16="http://schemas.microsoft.com/office/drawing/2014/main" id="{9E3F7611-7BE6-C334-3EAD-8A019E9538A6}"/>
+              </a:ext>
+            </a:extLst>
+          </p:cNvPr>
+          <p:cNvPicPr>
+            <a:picLocks noChangeAspect="1"/>
+          </p:cNvPicPr>
+          <p:nvPr/>
+        </p:nvPicPr>
+        <p:blipFill>
+          <a:blip r:embed="rId3"/>
+          <a:stretch>
+            <a:fillRect/>
+          </a:stretch>
+        </p:blipFill>
+        <p:spPr>
+          <a:xfrm>
+            <a:off x="2550787" y="4899063"/>
+            <a:ext cx="1224369" cy="1224369"/>
+          </a:xfrm>
+          <a:prstGeom prst="rect">
+            <a:avLst/>
+          </a:prstGeom>
+        </p:spPr>
+      </p:pic>
     </p:spTree>
   </p:cSld>
   <p:clrMapOvr>
@@ -17038,6 +16745,36 @@
           <a:chExt cx="0" cy="0"/>
         </a:xfrm>
       </p:grpSpPr>
+      <p:pic>
+        <p:nvPicPr>
+          <p:cNvPr id="8" name="Picture 7" descr="A picture containing icon&#10;&#10;Description automatically generated">
+            <a:extLst>
+              <a:ext uri="{FF2B5EF4-FFF2-40B4-BE49-F238E27FC236}">
+                <a16:creationId xmlns:a16="http://schemas.microsoft.com/office/drawing/2014/main" id="{FE2D6886-CB79-FB4D-9450-C291EBD718BF}"/>
+              </a:ext>
+            </a:extLst>
+          </p:cNvPr>
+          <p:cNvPicPr>
+            <a:picLocks noChangeAspect="1"/>
+          </p:cNvPicPr>
+          <p:nvPr/>
+        </p:nvPicPr>
+        <p:blipFill>
+          <a:blip r:embed="rId3"/>
+          <a:stretch>
+            <a:fillRect/>
+          </a:stretch>
+        </p:blipFill>
+        <p:spPr>
+          <a:xfrm>
+            <a:off x="3737729" y="2165361"/>
+            <a:ext cx="1029255" cy="1263639"/>
+          </a:xfrm>
+          <a:prstGeom prst="rect">
+            <a:avLst/>
+          </a:prstGeom>
+        </p:spPr>
+      </p:pic>
       <p:sp>
         <p:nvSpPr>
           <p:cNvPr id="197" name="Google Shape;197;p10"/>
@@ -17050,7 +16787,7 @@
         </p:nvSpPr>
         <p:spPr>
           <a:xfrm>
-            <a:off x="540000" y="461624"/>
+            <a:off x="540000" y="540001"/>
             <a:ext cx="11171354" cy="561968"/>
           </a:xfrm>
           <a:prstGeom prst="rect">
@@ -17088,7 +16825,7 @@
               <a:rPr lang="en-US" b="0" dirty="0">
                 <a:latin typeface="Avenir Medium" panose="02000503020000020003" pitchFamily="2" charset="0"/>
               </a:rPr>
-              <a:t>Folder Structure</a:t>
+              <a:t>Firewall Security</a:t>
             </a:r>
             <a:endParaRPr b="0" dirty="0">
               <a:latin typeface="Avenir Medium" panose="02000503020000020003" pitchFamily="2" charset="0"/>
@@ -17096,12 +16833,123 @@
           </a:p>
         </p:txBody>
       </p:sp>
+      <p:sp>
+        <p:nvSpPr>
+          <p:cNvPr id="10" name="TextBox 9">
+            <a:extLst>
+              <a:ext uri="{FF2B5EF4-FFF2-40B4-BE49-F238E27FC236}">
+                <a16:creationId xmlns:a16="http://schemas.microsoft.com/office/drawing/2014/main" id="{2745BBC2-9D35-9342-97B9-5E2902D95147}"/>
+              </a:ext>
+            </a:extLst>
+          </p:cNvPr>
+          <p:cNvSpPr txBox="1"/>
+          <p:nvPr/>
+        </p:nvSpPr>
+        <p:spPr>
+          <a:xfrm>
+            <a:off x="324648" y="1806817"/>
+            <a:ext cx="1714392" cy="400110"/>
+          </a:xfrm>
+          <a:prstGeom prst="rect">
+            <a:avLst/>
+          </a:prstGeom>
+          <a:noFill/>
+        </p:spPr>
+        <p:txBody>
+          <a:bodyPr wrap="square" rtlCol="0">
+            <a:spAutoFit/>
+          </a:bodyPr>
+          <a:lstStyle/>
+          <a:p>
+            <a:r>
+              <a:rPr lang="en-US" sz="2000" b="1" dirty="0">
+                <a:latin typeface="Avenir Medium" panose="02000503020000020003" pitchFamily="2" charset="0"/>
+              </a:rPr>
+              <a:t>Admin Portal</a:t>
+            </a:r>
+          </a:p>
+        </p:txBody>
+      </p:sp>
+      <p:sp>
+        <p:nvSpPr>
+          <p:cNvPr id="16" name="TextBox 15">
+            <a:extLst>
+              <a:ext uri="{FF2B5EF4-FFF2-40B4-BE49-F238E27FC236}">
+                <a16:creationId xmlns:a16="http://schemas.microsoft.com/office/drawing/2014/main" id="{C9E1128C-78C8-974C-8369-DB7E35E0DF77}"/>
+              </a:ext>
+            </a:extLst>
+          </p:cNvPr>
+          <p:cNvSpPr txBox="1"/>
+          <p:nvPr/>
+        </p:nvSpPr>
+        <p:spPr>
+          <a:xfrm>
+            <a:off x="8943797" y="1765250"/>
+            <a:ext cx="2593383" cy="400110"/>
+          </a:xfrm>
+          <a:prstGeom prst="rect">
+            <a:avLst/>
+          </a:prstGeom>
+          <a:noFill/>
+        </p:spPr>
+        <p:txBody>
+          <a:bodyPr wrap="square" rtlCol="0">
+            <a:spAutoFit/>
+          </a:bodyPr>
+          <a:lstStyle/>
+          <a:p>
+            <a:r>
+              <a:rPr lang="en-US" sz="2000" b="1" dirty="0">
+                <a:latin typeface="Avenir Medium" panose="02000503020000020003" pitchFamily="2" charset="0"/>
+              </a:rPr>
+              <a:t>Graphite/Grafana</a:t>
+            </a:r>
+          </a:p>
+        </p:txBody>
+      </p:sp>
+      <p:sp>
+        <p:nvSpPr>
+          <p:cNvPr id="26" name="TextBox 25">
+            <a:extLst>
+              <a:ext uri="{FF2B5EF4-FFF2-40B4-BE49-F238E27FC236}">
+                <a16:creationId xmlns:a16="http://schemas.microsoft.com/office/drawing/2014/main" id="{09D6291C-C0AE-3643-9636-E3DEC2AE5075}"/>
+              </a:ext>
+            </a:extLst>
+          </p:cNvPr>
+          <p:cNvSpPr txBox="1"/>
+          <p:nvPr/>
+        </p:nvSpPr>
+        <p:spPr>
+          <a:xfrm>
+            <a:off x="3480625" y="1808498"/>
+            <a:ext cx="1561266" cy="400110"/>
+          </a:xfrm>
+          <a:prstGeom prst="rect">
+            <a:avLst/>
+          </a:prstGeom>
+          <a:noFill/>
+        </p:spPr>
+        <p:txBody>
+          <a:bodyPr wrap="square" rtlCol="0">
+            <a:spAutoFit/>
+          </a:bodyPr>
+          <a:lstStyle/>
+          <a:p>
+            <a:r>
+              <a:rPr lang="en-US" sz="2000" b="1" dirty="0">
+                <a:latin typeface="Avenir Medium" panose="02000503020000020003" pitchFamily="2" charset="0"/>
+              </a:rPr>
+              <a:t>Sitespeed</a:t>
+            </a:r>
+          </a:p>
+        </p:txBody>
+      </p:sp>
       <p:pic>
         <p:nvPicPr>
-          <p:cNvPr id="3" name="Picture 2">
+          <p:cNvPr id="2" name="Picture 1" descr="A picture containing icon&#10;&#10;Description automatically generated">
             <a:extLst>
               <a:ext uri="{FF2B5EF4-FFF2-40B4-BE49-F238E27FC236}">
-                <a16:creationId xmlns:a16="http://schemas.microsoft.com/office/drawing/2014/main" id="{162C6FE5-3C95-CF4F-A4F3-79DA162DF22A}"/>
+                <a16:creationId xmlns:a16="http://schemas.microsoft.com/office/drawing/2014/main" id="{2CDAAE82-5F12-A17F-41F6-8B29EDF7B17A}"/>
               </a:ext>
             </a:extLst>
           </p:cNvPr>
@@ -17118,636 +16966,20 @@
         </p:blipFill>
         <p:spPr>
           <a:xfrm>
-            <a:off x="5251269" y="1298051"/>
-            <a:ext cx="5216434" cy="3617185"/>
+            <a:off x="667217" y="2267014"/>
+            <a:ext cx="1029255" cy="1263639"/>
           </a:xfrm>
           <a:prstGeom prst="rect">
             <a:avLst/>
           </a:prstGeom>
         </p:spPr>
       </p:pic>
-      <p:sp>
-        <p:nvSpPr>
-          <p:cNvPr id="4" name="TextBox 3">
+      <p:pic>
+        <p:nvPicPr>
+          <p:cNvPr id="3" name="Picture 2" descr="A picture containing icon&#10;&#10;Description automatically generated">
             <a:extLst>
               <a:ext uri="{FF2B5EF4-FFF2-40B4-BE49-F238E27FC236}">
-                <a16:creationId xmlns:a16="http://schemas.microsoft.com/office/drawing/2014/main" id="{66F5CFD4-EEE5-5B48-8DC9-ADF6E6ECC232}"/>
-              </a:ext>
-            </a:extLst>
-          </p:cNvPr>
-          <p:cNvSpPr txBox="1"/>
-          <p:nvPr/>
-        </p:nvSpPr>
-        <p:spPr>
-          <a:xfrm>
-            <a:off x="2837095" y="1295846"/>
-            <a:ext cx="1350050" cy="307777"/>
-          </a:xfrm>
-          <a:prstGeom prst="rect">
-            <a:avLst/>
-          </a:prstGeom>
-          <a:noFill/>
-        </p:spPr>
-        <p:txBody>
-          <a:bodyPr wrap="none" rtlCol="0">
-            <a:spAutoFit/>
-          </a:bodyPr>
-          <a:lstStyle/>
-          <a:p>
-            <a:r>
-              <a:rPr lang="en-US" dirty="0"/>
-              <a:t>Single Domain</a:t>
-            </a:r>
-          </a:p>
-        </p:txBody>
-      </p:sp>
-      <p:sp>
-        <p:nvSpPr>
-          <p:cNvPr id="6" name="Right Arrow 5">
-            <a:extLst>
-              <a:ext uri="{FF2B5EF4-FFF2-40B4-BE49-F238E27FC236}">
-                <a16:creationId xmlns:a16="http://schemas.microsoft.com/office/drawing/2014/main" id="{B135278A-BCB5-6240-813C-7E8B8FF813C6}"/>
-              </a:ext>
-            </a:extLst>
-          </p:cNvPr>
-          <p:cNvSpPr/>
-          <p:nvPr/>
-        </p:nvSpPr>
-        <p:spPr>
-          <a:xfrm>
-            <a:off x="4194957" y="1348265"/>
-            <a:ext cx="1032762" cy="239319"/>
-          </a:xfrm>
-          <a:prstGeom prst="rightArrow">
-            <a:avLst/>
-          </a:prstGeom>
-        </p:spPr>
-        <p:style>
-          <a:lnRef idx="2">
-            <a:schemeClr val="accent1">
-              <a:shade val="50000"/>
-            </a:schemeClr>
-          </a:lnRef>
-          <a:fillRef idx="1">
-            <a:schemeClr val="accent1"/>
-          </a:fillRef>
-          <a:effectRef idx="0">
-            <a:schemeClr val="accent1"/>
-          </a:effectRef>
-          <a:fontRef idx="minor">
-            <a:schemeClr val="lt1"/>
-          </a:fontRef>
-        </p:style>
-        <p:txBody>
-          <a:bodyPr rtlCol="0" anchor="ctr"/>
-          <a:lstStyle/>
-          <a:p>
-            <a:pPr algn="ctr"/>
-            <a:endParaRPr lang="en-US"/>
-          </a:p>
-        </p:txBody>
-      </p:sp>
-      <p:sp>
-        <p:nvSpPr>
-          <p:cNvPr id="7" name="TextBox 6">
-            <a:extLst>
-              <a:ext uri="{FF2B5EF4-FFF2-40B4-BE49-F238E27FC236}">
-                <a16:creationId xmlns:a16="http://schemas.microsoft.com/office/drawing/2014/main" id="{84DCDFA8-1315-C648-A123-1AE5BA657804}"/>
-              </a:ext>
-            </a:extLst>
-          </p:cNvPr>
-          <p:cNvSpPr txBox="1"/>
-          <p:nvPr/>
-        </p:nvSpPr>
-        <p:spPr>
-          <a:xfrm>
-            <a:off x="3004648" y="2061280"/>
-            <a:ext cx="1149674" cy="307777"/>
-          </a:xfrm>
-          <a:prstGeom prst="rect">
-            <a:avLst/>
-          </a:prstGeom>
-          <a:noFill/>
-        </p:spPr>
-        <p:txBody>
-          <a:bodyPr wrap="none" rtlCol="0">
-            <a:spAutoFit/>
-          </a:bodyPr>
-          <a:lstStyle/>
-          <a:p>
-            <a:r>
-              <a:rPr lang="en-US" dirty="0"/>
-              <a:t>Competitors</a:t>
-            </a:r>
-          </a:p>
-        </p:txBody>
-      </p:sp>
-      <p:sp>
-        <p:nvSpPr>
-          <p:cNvPr id="8" name="Right Arrow 7">
-            <a:extLst>
-              <a:ext uri="{FF2B5EF4-FFF2-40B4-BE49-F238E27FC236}">
-                <a16:creationId xmlns:a16="http://schemas.microsoft.com/office/drawing/2014/main" id="{C28DE66D-6F64-F04B-90D7-9B92C28BA84E}"/>
-              </a:ext>
-            </a:extLst>
-          </p:cNvPr>
-          <p:cNvSpPr/>
-          <p:nvPr/>
-        </p:nvSpPr>
-        <p:spPr>
-          <a:xfrm>
-            <a:off x="4185784" y="2129738"/>
-            <a:ext cx="1032762" cy="239319"/>
-          </a:xfrm>
-          <a:prstGeom prst="rightArrow">
-            <a:avLst/>
-          </a:prstGeom>
-        </p:spPr>
-        <p:style>
-          <a:lnRef idx="2">
-            <a:schemeClr val="accent1">
-              <a:shade val="50000"/>
-            </a:schemeClr>
-          </a:lnRef>
-          <a:fillRef idx="1">
-            <a:schemeClr val="accent1"/>
-          </a:fillRef>
-          <a:effectRef idx="0">
-            <a:schemeClr val="accent1"/>
-          </a:effectRef>
-          <a:fontRef idx="minor">
-            <a:schemeClr val="lt1"/>
-          </a:fontRef>
-        </p:style>
-        <p:txBody>
-          <a:bodyPr rtlCol="0" anchor="ctr"/>
-          <a:lstStyle/>
-          <a:p>
-            <a:pPr algn="ctr"/>
-            <a:endParaRPr lang="en-US"/>
-          </a:p>
-        </p:txBody>
-      </p:sp>
-      <p:pic>
-        <p:nvPicPr>
-          <p:cNvPr id="5" name="Picture 4">
-            <a:extLst>
-              <a:ext uri="{FF2B5EF4-FFF2-40B4-BE49-F238E27FC236}">
-                <a16:creationId xmlns:a16="http://schemas.microsoft.com/office/drawing/2014/main" id="{53FE022A-B830-A248-9D01-4F7A9D3B92BE}"/>
-              </a:ext>
-            </a:extLst>
-          </p:cNvPr>
-          <p:cNvPicPr>
-            <a:picLocks noChangeAspect="1"/>
-          </p:cNvPicPr>
-          <p:nvPr/>
-        </p:nvPicPr>
-        <p:blipFill>
-          <a:blip r:embed="rId4"/>
-          <a:stretch>
-            <a:fillRect/>
-          </a:stretch>
-        </p:blipFill>
-        <p:spPr>
-          <a:xfrm>
-            <a:off x="486206" y="5175181"/>
-            <a:ext cx="4765063" cy="1157471"/>
-          </a:xfrm>
-          <a:prstGeom prst="rect">
-            <a:avLst/>
-          </a:prstGeom>
-        </p:spPr>
-      </p:pic>
-      <p:sp>
-        <p:nvSpPr>
-          <p:cNvPr id="12" name="TextBox 11">
-            <a:extLst>
-              <a:ext uri="{FF2B5EF4-FFF2-40B4-BE49-F238E27FC236}">
-                <a16:creationId xmlns:a16="http://schemas.microsoft.com/office/drawing/2014/main" id="{664C967F-4721-B040-8A27-F44F20A539D8}"/>
-              </a:ext>
-            </a:extLst>
-          </p:cNvPr>
-          <p:cNvSpPr txBox="1"/>
-          <p:nvPr/>
-        </p:nvSpPr>
-        <p:spPr>
-          <a:xfrm>
-            <a:off x="6526278" y="5600027"/>
-            <a:ext cx="572593" cy="307777"/>
-          </a:xfrm>
-          <a:prstGeom prst="rect">
-            <a:avLst/>
-          </a:prstGeom>
-          <a:noFill/>
-        </p:spPr>
-        <p:txBody>
-          <a:bodyPr wrap="none" rtlCol="0">
-            <a:spAutoFit/>
-          </a:bodyPr>
-          <a:lstStyle/>
-          <a:p>
-            <a:r>
-              <a:rPr lang="en-US" dirty="0"/>
-              <a:t>Logs</a:t>
-            </a:r>
-          </a:p>
-        </p:txBody>
-      </p:sp>
-      <p:sp>
-        <p:nvSpPr>
-          <p:cNvPr id="13" name="Right Arrow 12">
-            <a:extLst>
-              <a:ext uri="{FF2B5EF4-FFF2-40B4-BE49-F238E27FC236}">
-                <a16:creationId xmlns:a16="http://schemas.microsoft.com/office/drawing/2014/main" id="{3107C14E-7CC7-7143-9350-89F2B0BBA728}"/>
-              </a:ext>
-            </a:extLst>
-          </p:cNvPr>
-          <p:cNvSpPr/>
-          <p:nvPr/>
-        </p:nvSpPr>
-        <p:spPr>
-          <a:xfrm rot="10800000">
-            <a:off x="5372393" y="5635664"/>
-            <a:ext cx="1032762" cy="239319"/>
-          </a:xfrm>
-          <a:prstGeom prst="rightArrow">
-            <a:avLst/>
-          </a:prstGeom>
-        </p:spPr>
-        <p:style>
-          <a:lnRef idx="2">
-            <a:schemeClr val="accent1">
-              <a:shade val="50000"/>
-            </a:schemeClr>
-          </a:lnRef>
-          <a:fillRef idx="1">
-            <a:schemeClr val="accent1"/>
-          </a:fillRef>
-          <a:effectRef idx="0">
-            <a:schemeClr val="accent1"/>
-          </a:effectRef>
-          <a:fontRef idx="minor">
-            <a:schemeClr val="lt1"/>
-          </a:fontRef>
-        </p:style>
-        <p:txBody>
-          <a:bodyPr rtlCol="0" anchor="ctr"/>
-          <a:lstStyle/>
-          <a:p>
-            <a:pPr algn="ctr"/>
-            <a:endParaRPr lang="en-US"/>
-          </a:p>
-        </p:txBody>
-      </p:sp>
-      <p:sp>
-        <p:nvSpPr>
-          <p:cNvPr id="14" name="TextBox 13">
-            <a:extLst>
-              <a:ext uri="{FF2B5EF4-FFF2-40B4-BE49-F238E27FC236}">
-                <a16:creationId xmlns:a16="http://schemas.microsoft.com/office/drawing/2014/main" id="{5CB45ED7-BDA2-FF40-8AF4-1D6D812204AC}"/>
-              </a:ext>
-            </a:extLst>
-          </p:cNvPr>
-          <p:cNvSpPr txBox="1"/>
-          <p:nvPr/>
-        </p:nvSpPr>
-        <p:spPr>
-          <a:xfrm>
-            <a:off x="572896" y="3783096"/>
-            <a:ext cx="3082895" cy="307777"/>
-          </a:xfrm>
-          <a:prstGeom prst="rect">
-            <a:avLst/>
-          </a:prstGeom>
-          <a:noFill/>
-        </p:spPr>
-        <p:txBody>
-          <a:bodyPr wrap="none" rtlCol="0">
-            <a:spAutoFit/>
-          </a:bodyPr>
-          <a:lstStyle/>
-          <a:p>
-            <a:r>
-              <a:rPr lang="en-US" dirty="0"/>
-              <a:t>Dynamically changing symbolic links</a:t>
-            </a:r>
-          </a:p>
-        </p:txBody>
-      </p:sp>
-      <p:sp>
-        <p:nvSpPr>
-          <p:cNvPr id="15" name="Right Arrow 14">
-            <a:extLst>
-              <a:ext uri="{FF2B5EF4-FFF2-40B4-BE49-F238E27FC236}">
-                <a16:creationId xmlns:a16="http://schemas.microsoft.com/office/drawing/2014/main" id="{017F44FD-4921-874D-B1D3-E209F7DC0D2B}"/>
-              </a:ext>
-            </a:extLst>
-          </p:cNvPr>
-          <p:cNvSpPr/>
-          <p:nvPr/>
-        </p:nvSpPr>
-        <p:spPr>
-          <a:xfrm rot="20193764">
-            <a:off x="3958020" y="3376608"/>
-            <a:ext cx="1245918" cy="240915"/>
-          </a:xfrm>
-          <a:prstGeom prst="rightArrow">
-            <a:avLst/>
-          </a:prstGeom>
-          <a:solidFill>
-            <a:schemeClr val="bg2">
-              <a:lumMod val="60000"/>
-              <a:lumOff val="40000"/>
-            </a:schemeClr>
-          </a:solidFill>
-          <a:ln>
-            <a:solidFill>
-              <a:schemeClr val="bg2">
-                <a:lumMod val="60000"/>
-                <a:lumOff val="40000"/>
-              </a:schemeClr>
-            </a:solidFill>
-          </a:ln>
-        </p:spPr>
-        <p:style>
-          <a:lnRef idx="2">
-            <a:schemeClr val="accent1">
-              <a:shade val="50000"/>
-            </a:schemeClr>
-          </a:lnRef>
-          <a:fillRef idx="1">
-            <a:schemeClr val="accent1"/>
-          </a:fillRef>
-          <a:effectRef idx="0">
-            <a:schemeClr val="accent1"/>
-          </a:effectRef>
-          <a:fontRef idx="minor">
-            <a:schemeClr val="lt1"/>
-          </a:fontRef>
-        </p:style>
-        <p:txBody>
-          <a:bodyPr rtlCol="0" anchor="ctr"/>
-          <a:lstStyle/>
-          <a:p>
-            <a:pPr algn="ctr"/>
-            <a:endParaRPr lang="en-US" dirty="0"/>
-          </a:p>
-        </p:txBody>
-      </p:sp>
-      <p:sp>
-        <p:nvSpPr>
-          <p:cNvPr id="16" name="Right Arrow 15">
-            <a:extLst>
-              <a:ext uri="{FF2B5EF4-FFF2-40B4-BE49-F238E27FC236}">
-                <a16:creationId xmlns:a16="http://schemas.microsoft.com/office/drawing/2014/main" id="{DA1D43F1-4AD6-524C-9ECD-FC336B8E2485}"/>
-              </a:ext>
-            </a:extLst>
-          </p:cNvPr>
-          <p:cNvSpPr/>
-          <p:nvPr/>
-        </p:nvSpPr>
-        <p:spPr>
-          <a:xfrm rot="314314">
-            <a:off x="3970247" y="4147012"/>
-            <a:ext cx="1241082" cy="248238"/>
-          </a:xfrm>
-          <a:prstGeom prst="rightArrow">
-            <a:avLst/>
-          </a:prstGeom>
-          <a:solidFill>
-            <a:schemeClr val="bg2">
-              <a:lumMod val="60000"/>
-              <a:lumOff val="40000"/>
-            </a:schemeClr>
-          </a:solidFill>
-          <a:ln>
-            <a:solidFill>
-              <a:schemeClr val="bg2">
-                <a:lumMod val="60000"/>
-                <a:lumOff val="40000"/>
-              </a:schemeClr>
-            </a:solidFill>
-          </a:ln>
-        </p:spPr>
-        <p:style>
-          <a:lnRef idx="2">
-            <a:schemeClr val="accent1">
-              <a:shade val="50000"/>
-            </a:schemeClr>
-          </a:lnRef>
-          <a:fillRef idx="1">
-            <a:schemeClr val="accent1"/>
-          </a:fillRef>
-          <a:effectRef idx="0">
-            <a:schemeClr val="accent1"/>
-          </a:effectRef>
-          <a:fontRef idx="minor">
-            <a:schemeClr val="lt1"/>
-          </a:fontRef>
-        </p:style>
-        <p:txBody>
-          <a:bodyPr rtlCol="0" anchor="ctr"/>
-          <a:lstStyle/>
-          <a:p>
-            <a:pPr algn="ctr"/>
-            <a:endParaRPr lang="en-US" dirty="0"/>
-          </a:p>
-        </p:txBody>
-      </p:sp>
-    </p:spTree>
-    <p:extLst>
-      <p:ext uri="{BB962C8B-B14F-4D97-AF65-F5344CB8AC3E}">
-        <p14:creationId xmlns:p14="http://schemas.microsoft.com/office/powerpoint/2010/main" val="3041334446"/>
-      </p:ext>
-    </p:extLst>
-  </p:cSld>
-  <p:clrMapOvr>
-    <a:masterClrMapping/>
-  </p:clrMapOvr>
-</p:sld>
-</file>
-
-<file path=ppt/slides/slide11.xml><?xml version="1.0" encoding="utf-8"?>
-<p:sld xmlns:a="http://schemas.openxmlformats.org/drawingml/2006/main" xmlns:r="http://schemas.openxmlformats.org/officeDocument/2006/relationships" xmlns:p="http://schemas.openxmlformats.org/presentationml/2006/main">
-  <p:cSld>
-    <p:spTree>
-      <p:nvGrpSpPr>
-        <p:cNvPr id="1" name="Shape 196"/>
-        <p:cNvGrpSpPr/>
-        <p:nvPr/>
-      </p:nvGrpSpPr>
-      <p:grpSpPr>
-        <a:xfrm>
-          <a:off x="0" y="0"/>
-          <a:ext cx="0" cy="0"/>
-          <a:chOff x="0" y="0"/>
-          <a:chExt cx="0" cy="0"/>
-        </a:xfrm>
-      </p:grpSpPr>
-      <p:sp>
-        <p:nvSpPr>
-          <p:cNvPr id="197" name="Google Shape;197;p10"/>
-          <p:cNvSpPr txBox="1">
-            <a:spLocks noGrp="1"/>
-          </p:cNvSpPr>
-          <p:nvPr>
-            <p:ph type="title"/>
-          </p:nvPr>
-        </p:nvSpPr>
-        <p:spPr>
-          <a:xfrm>
-            <a:off x="540000" y="461624"/>
-            <a:ext cx="11171354" cy="561968"/>
-          </a:xfrm>
-          <a:prstGeom prst="rect">
-            <a:avLst/>
-          </a:prstGeom>
-          <a:noFill/>
-          <a:ln>
-            <a:noFill/>
-          </a:ln>
-        </p:spPr>
-        <p:txBody>
-          <a:bodyPr spcFirstLastPara="1" wrap="square" lIns="0" tIns="0" rIns="0" bIns="0" anchor="t" anchorCtr="0">
-            <a:noAutofit/>
-          </a:bodyPr>
-          <a:lstStyle/>
-          <a:p>
-            <a:pPr marL="0" lvl="0" indent="0" algn="l" rtl="0">
-              <a:lnSpc>
-                <a:spcPct val="90000"/>
-              </a:lnSpc>
-              <a:spcBef>
-                <a:spcPts val="0"/>
-              </a:spcBef>
-              <a:spcAft>
-                <a:spcPts val="0"/>
-              </a:spcAft>
-              <a:buClr>
-                <a:srgbClr val="0099CC"/>
-              </a:buClr>
-              <a:buSzPts val="3600"/>
-              <a:buFont typeface="Arial"/>
-              <a:buNone/>
-            </a:pPr>
-            <a:r>
-              <a:rPr lang="en-US" b="0" dirty="0">
-                <a:latin typeface="Avenir Medium" panose="02000503020000020003" pitchFamily="2" charset="0"/>
-              </a:rPr>
-              <a:t>Database Sizing</a:t>
-            </a:r>
-            <a:endParaRPr b="0" dirty="0">
-              <a:latin typeface="Avenir Medium" panose="02000503020000020003" pitchFamily="2" charset="0"/>
-            </a:endParaRPr>
-          </a:p>
-        </p:txBody>
-      </p:sp>
-      <p:sp>
-        <p:nvSpPr>
-          <p:cNvPr id="22" name="Google Shape;198;p10">
-            <a:extLst>
-              <a:ext uri="{FF2B5EF4-FFF2-40B4-BE49-F238E27FC236}">
-                <a16:creationId xmlns:a16="http://schemas.microsoft.com/office/drawing/2014/main" id="{274CF3FD-6109-B14D-BE3F-F3612F523DFA}"/>
-              </a:ext>
-            </a:extLst>
-          </p:cNvPr>
-          <p:cNvSpPr txBox="1">
-            <a:spLocks noGrp="1"/>
-          </p:cNvSpPr>
-          <p:nvPr>
-            <p:ph type="body" idx="1"/>
-          </p:nvPr>
-        </p:nvSpPr>
-        <p:spPr>
-          <a:xfrm>
-            <a:off x="432423" y="1126095"/>
-            <a:ext cx="11616141" cy="1975692"/>
-          </a:xfrm>
-          <a:prstGeom prst="rect">
-            <a:avLst/>
-          </a:prstGeom>
-          <a:noFill/>
-          <a:ln>
-            <a:noFill/>
-          </a:ln>
-        </p:spPr>
-        <p:txBody>
-          <a:bodyPr spcFirstLastPara="1" wrap="square" lIns="0" tIns="0" rIns="0" bIns="0" anchor="t" anchorCtr="0">
-            <a:noAutofit/>
-          </a:bodyPr>
-          <a:lstStyle/>
-          <a:p>
-            <a:pPr marL="355599" marR="5079" indent="-342900">
-              <a:lnSpc>
-                <a:spcPct val="138400"/>
-              </a:lnSpc>
-              <a:spcBef>
-                <a:spcPts val="465"/>
-              </a:spcBef>
-              <a:buFont typeface="Arial" panose="020B0604020202020204" pitchFamily="34" charset="0"/>
-              <a:buChar char="•"/>
-            </a:pPr>
-            <a:r>
-              <a:rPr lang="en-US" sz="2000" spc="-60" dirty="0">
-                <a:solidFill>
-                  <a:srgbClr val="383838"/>
-                </a:solidFill>
-                <a:latin typeface="Avenir Medium" panose="02000503020000020003" pitchFamily="2" charset="0"/>
-              </a:rPr>
-              <a:t>Database sizing is driven by the frequency of data collection and the amount of time data will be saved</a:t>
-            </a:r>
-          </a:p>
-          <a:p>
-            <a:pPr marL="355599" marR="5079" indent="-342900">
-              <a:lnSpc>
-                <a:spcPct val="138400"/>
-              </a:lnSpc>
-              <a:spcBef>
-                <a:spcPts val="465"/>
-              </a:spcBef>
-              <a:buFont typeface="Arial" panose="020B0604020202020204" pitchFamily="34" charset="0"/>
-              <a:buChar char="•"/>
-            </a:pPr>
-            <a:r>
-              <a:rPr lang="en-US" sz="2000" spc="-60" dirty="0">
-                <a:solidFill>
-                  <a:srgbClr val="383838"/>
-                </a:solidFill>
-                <a:latin typeface="Avenir Medium" panose="02000503020000020003" pitchFamily="2" charset="0"/>
-              </a:rPr>
-              <a:t>Table size is defined at creation, which makes storage planning deterministic</a:t>
-            </a:r>
-          </a:p>
-          <a:p>
-            <a:pPr marL="355599" marR="5079" indent="-342900">
-              <a:lnSpc>
-                <a:spcPct val="138400"/>
-              </a:lnSpc>
-              <a:spcBef>
-                <a:spcPts val="465"/>
-              </a:spcBef>
-              <a:buFont typeface="Arial" panose="020B0604020202020204" pitchFamily="34" charset="0"/>
-              <a:buChar char="•"/>
-            </a:pPr>
-            <a:r>
-              <a:rPr lang="en-US" sz="2000" spc="-60" dirty="0">
-                <a:solidFill>
-                  <a:srgbClr val="383838"/>
-                </a:solidFill>
-                <a:latin typeface="Avenir Medium" panose="02000503020000020003" pitchFamily="2" charset="0"/>
-              </a:rPr>
-              <a:t>Testing consisting of 10 URLs done on an hourly basis that will be saved for 13 months will have an initial size of 1.5GB and then will increase ~75MB per run</a:t>
-            </a:r>
-            <a:endParaRPr sz="2000" dirty="0"/>
-          </a:p>
-        </p:txBody>
-      </p:sp>
-      <p:pic>
-        <p:nvPicPr>
-          <p:cNvPr id="3" name="Picture 2">
-            <a:extLst>
-              <a:ext uri="{FF2B5EF4-FFF2-40B4-BE49-F238E27FC236}">
-                <a16:creationId xmlns:a16="http://schemas.microsoft.com/office/drawing/2014/main" id="{17C4CAC6-2DDA-34A3-1530-E815364402B8}"/>
+                <a16:creationId xmlns:a16="http://schemas.microsoft.com/office/drawing/2014/main" id="{D0743B57-AD81-1B3C-03C3-76372199F854}"/>
               </a:ext>
             </a:extLst>
           </p:cNvPr>
@@ -17764,18 +16996,334 @@
         </p:blipFill>
         <p:spPr>
           <a:xfrm>
-            <a:off x="320612" y="3756213"/>
-            <a:ext cx="11331388" cy="2487045"/>
+            <a:off x="6293613" y="2206927"/>
+            <a:ext cx="1029255" cy="1263639"/>
           </a:xfrm>
           <a:prstGeom prst="rect">
             <a:avLst/>
           </a:prstGeom>
         </p:spPr>
       </p:pic>
+      <p:pic>
+        <p:nvPicPr>
+          <p:cNvPr id="4" name="Picture 3" descr="A picture containing icon&#10;&#10;Description automatically generated">
+            <a:extLst>
+              <a:ext uri="{FF2B5EF4-FFF2-40B4-BE49-F238E27FC236}">
+                <a16:creationId xmlns:a16="http://schemas.microsoft.com/office/drawing/2014/main" id="{5B188431-BB33-C0D7-3856-E2E826DD61D7}"/>
+              </a:ext>
+            </a:extLst>
+          </p:cNvPr>
+          <p:cNvPicPr>
+            <a:picLocks noChangeAspect="1"/>
+          </p:cNvPicPr>
+          <p:nvPr/>
+        </p:nvPicPr>
+        <p:blipFill>
+          <a:blip r:embed="rId3"/>
+          <a:stretch>
+            <a:fillRect/>
+          </a:stretch>
+        </p:blipFill>
+        <p:spPr>
+          <a:xfrm>
+            <a:off x="9604096" y="2165360"/>
+            <a:ext cx="1029255" cy="1263639"/>
+          </a:xfrm>
+          <a:prstGeom prst="rect">
+            <a:avLst/>
+          </a:prstGeom>
+        </p:spPr>
+      </p:pic>
+      <p:sp>
+        <p:nvSpPr>
+          <p:cNvPr id="7" name="TextBox 6">
+            <a:extLst>
+              <a:ext uri="{FF2B5EF4-FFF2-40B4-BE49-F238E27FC236}">
+                <a16:creationId xmlns:a16="http://schemas.microsoft.com/office/drawing/2014/main" id="{2D7F70AD-777F-0281-377E-687F5B201769}"/>
+              </a:ext>
+            </a:extLst>
+          </p:cNvPr>
+          <p:cNvSpPr txBox="1"/>
+          <p:nvPr/>
+        </p:nvSpPr>
+        <p:spPr>
+          <a:xfrm>
+            <a:off x="6096000" y="1767018"/>
+            <a:ext cx="1351099" cy="400110"/>
+          </a:xfrm>
+          <a:prstGeom prst="rect">
+            <a:avLst/>
+          </a:prstGeom>
+          <a:noFill/>
+        </p:spPr>
+        <p:txBody>
+          <a:bodyPr wrap="square" rtlCol="0">
+            <a:spAutoFit/>
+          </a:bodyPr>
+          <a:lstStyle/>
+          <a:p>
+            <a:r>
+              <a:rPr lang="en-US" sz="2000" b="1" dirty="0">
+                <a:latin typeface="Avenir Medium" panose="02000503020000020003" pitchFamily="2" charset="0"/>
+              </a:rPr>
+              <a:t>Google</a:t>
+            </a:r>
+          </a:p>
+        </p:txBody>
+      </p:sp>
+      <p:sp>
+        <p:nvSpPr>
+          <p:cNvPr id="14" name="TextBox 13">
+            <a:extLst>
+              <a:ext uri="{FF2B5EF4-FFF2-40B4-BE49-F238E27FC236}">
+                <a16:creationId xmlns:a16="http://schemas.microsoft.com/office/drawing/2014/main" id="{0CF6C5AD-B3B9-0B09-3184-DFCBDD3772FC}"/>
+              </a:ext>
+            </a:extLst>
+          </p:cNvPr>
+          <p:cNvSpPr txBox="1"/>
+          <p:nvPr/>
+        </p:nvSpPr>
+        <p:spPr>
+          <a:xfrm>
+            <a:off x="3471724" y="3696967"/>
+            <a:ext cx="2242922" cy="954107"/>
+          </a:xfrm>
+          <a:prstGeom prst="rect">
+            <a:avLst/>
+          </a:prstGeom>
+          <a:noFill/>
+        </p:spPr>
+        <p:txBody>
+          <a:bodyPr wrap="none" rtlCol="0">
+            <a:spAutoFit/>
+          </a:bodyPr>
+          <a:lstStyle/>
+          <a:p>
+            <a:r>
+              <a:rPr lang="en-US" b="1" dirty="0"/>
+              <a:t>OPEN</a:t>
+            </a:r>
+          </a:p>
+          <a:p>
+            <a:r>
+              <a:rPr lang="en-US" dirty="0"/>
+              <a:t>TCP 22 (Admin Portal)</a:t>
+            </a:r>
+          </a:p>
+          <a:p>
+            <a:r>
+              <a:rPr lang="en-US" dirty="0"/>
+              <a:t>TCP 80/443 (unrestricted)</a:t>
+            </a:r>
+          </a:p>
+          <a:p>
+            <a:r>
+              <a:rPr lang="en-US" dirty="0"/>
+              <a:t>ICMP (unrestricted)</a:t>
+            </a:r>
+          </a:p>
+        </p:txBody>
+      </p:sp>
+      <p:sp>
+        <p:nvSpPr>
+          <p:cNvPr id="15" name="TextBox 14">
+            <a:extLst>
+              <a:ext uri="{FF2B5EF4-FFF2-40B4-BE49-F238E27FC236}">
+                <a16:creationId xmlns:a16="http://schemas.microsoft.com/office/drawing/2014/main" id="{24C5BF6D-DD10-BA84-D685-6D80E788F27D}"/>
+              </a:ext>
+            </a:extLst>
+          </p:cNvPr>
+          <p:cNvSpPr txBox="1"/>
+          <p:nvPr/>
+        </p:nvSpPr>
+        <p:spPr>
+          <a:xfrm>
+            <a:off x="324648" y="3696967"/>
+            <a:ext cx="2242922" cy="954107"/>
+          </a:xfrm>
+          <a:prstGeom prst="rect">
+            <a:avLst/>
+          </a:prstGeom>
+          <a:noFill/>
+        </p:spPr>
+        <p:txBody>
+          <a:bodyPr wrap="none" rtlCol="0">
+            <a:spAutoFit/>
+          </a:bodyPr>
+          <a:lstStyle/>
+          <a:p>
+            <a:r>
+              <a:rPr lang="en-US" b="1" dirty="0"/>
+              <a:t>OPEN</a:t>
+            </a:r>
+          </a:p>
+          <a:p>
+            <a:r>
+              <a:rPr lang="en-US" dirty="0"/>
+              <a:t>TCP 22 (unrestricted)</a:t>
+            </a:r>
+          </a:p>
+          <a:p>
+            <a:r>
+              <a:rPr lang="en-US" dirty="0"/>
+              <a:t>TCP 80/443 (unrestricted)</a:t>
+            </a:r>
+          </a:p>
+          <a:p>
+            <a:r>
+              <a:rPr lang="en-US" dirty="0"/>
+              <a:t>ICMP (unrestricted)</a:t>
+            </a:r>
+          </a:p>
+        </p:txBody>
+      </p:sp>
+      <p:sp>
+        <p:nvSpPr>
+          <p:cNvPr id="17" name="TextBox 16">
+            <a:extLst>
+              <a:ext uri="{FF2B5EF4-FFF2-40B4-BE49-F238E27FC236}">
+                <a16:creationId xmlns:a16="http://schemas.microsoft.com/office/drawing/2014/main" id="{3C2418AC-57BC-58C8-F8AA-2CDC883E8387}"/>
+              </a:ext>
+            </a:extLst>
+          </p:cNvPr>
+          <p:cNvSpPr txBox="1"/>
+          <p:nvPr/>
+        </p:nvSpPr>
+        <p:spPr>
+          <a:xfrm>
+            <a:off x="6125677" y="3701551"/>
+            <a:ext cx="1986441" cy="738664"/>
+          </a:xfrm>
+          <a:prstGeom prst="rect">
+            <a:avLst/>
+          </a:prstGeom>
+          <a:noFill/>
+        </p:spPr>
+        <p:txBody>
+          <a:bodyPr wrap="none" rtlCol="0">
+            <a:spAutoFit/>
+          </a:bodyPr>
+          <a:lstStyle/>
+          <a:p>
+            <a:r>
+              <a:rPr lang="en-US" b="1" dirty="0"/>
+              <a:t>OPEN</a:t>
+            </a:r>
+          </a:p>
+          <a:p>
+            <a:r>
+              <a:rPr lang="en-US" dirty="0"/>
+              <a:t>TCP 22 (Admin Portal)</a:t>
+            </a:r>
+          </a:p>
+          <a:p>
+            <a:r>
+              <a:rPr lang="en-US" dirty="0"/>
+              <a:t>ICMP (unrestricted)</a:t>
+            </a:r>
+          </a:p>
+        </p:txBody>
+      </p:sp>
+      <p:sp>
+        <p:nvSpPr>
+          <p:cNvPr id="18" name="TextBox 17">
+            <a:extLst>
+              <a:ext uri="{FF2B5EF4-FFF2-40B4-BE49-F238E27FC236}">
+                <a16:creationId xmlns:a16="http://schemas.microsoft.com/office/drawing/2014/main" id="{BFE9A212-B2BB-7B7C-9B6A-3BFA5324639F}"/>
+              </a:ext>
+            </a:extLst>
+          </p:cNvPr>
+          <p:cNvSpPr txBox="1"/>
+          <p:nvPr/>
+        </p:nvSpPr>
+        <p:spPr>
+          <a:xfrm>
+            <a:off x="8943797" y="3696967"/>
+            <a:ext cx="3079689" cy="1169551"/>
+          </a:xfrm>
+          <a:prstGeom prst="rect">
+            <a:avLst/>
+          </a:prstGeom>
+          <a:noFill/>
+        </p:spPr>
+        <p:txBody>
+          <a:bodyPr wrap="none" rtlCol="0">
+            <a:spAutoFit/>
+          </a:bodyPr>
+          <a:lstStyle/>
+          <a:p>
+            <a:r>
+              <a:rPr lang="en-US" b="1" dirty="0"/>
+              <a:t>OPEN</a:t>
+            </a:r>
+          </a:p>
+          <a:p>
+            <a:r>
+              <a:rPr lang="en-US" dirty="0"/>
+              <a:t>TCP 22 (Admin Portal)</a:t>
+            </a:r>
+          </a:p>
+          <a:p>
+            <a:r>
+              <a:rPr lang="en-US" dirty="0"/>
+              <a:t>TCP 80/443 (unrestricted)</a:t>
+            </a:r>
+          </a:p>
+          <a:p>
+            <a:r>
+              <a:rPr lang="en-US" dirty="0"/>
+              <a:t>TCP 8888, 2003 (Sitespeed/Google)</a:t>
+            </a:r>
+          </a:p>
+          <a:p>
+            <a:r>
+              <a:rPr lang="en-US" dirty="0"/>
+              <a:t>ICMP (unrestricted)</a:t>
+            </a:r>
+          </a:p>
+        </p:txBody>
+      </p:sp>
+      <p:sp>
+        <p:nvSpPr>
+          <p:cNvPr id="19" name="TextBox 18">
+            <a:extLst>
+              <a:ext uri="{FF2B5EF4-FFF2-40B4-BE49-F238E27FC236}">
+                <a16:creationId xmlns:a16="http://schemas.microsoft.com/office/drawing/2014/main" id="{467EBD99-9DAA-FE70-CA2B-71C2DF061DEF}"/>
+              </a:ext>
+            </a:extLst>
+          </p:cNvPr>
+          <p:cNvSpPr txBox="1"/>
+          <p:nvPr/>
+        </p:nvSpPr>
+        <p:spPr>
+          <a:xfrm>
+            <a:off x="3351942" y="5908600"/>
+            <a:ext cx="5883342" cy="461665"/>
+          </a:xfrm>
+          <a:prstGeom prst="rect">
+            <a:avLst/>
+          </a:prstGeom>
+          <a:noFill/>
+        </p:spPr>
+        <p:txBody>
+          <a:bodyPr wrap="none" rtlCol="0">
+            <a:spAutoFit/>
+          </a:bodyPr>
+          <a:lstStyle/>
+          <a:p>
+            <a:r>
+              <a:rPr lang="en-US" sz="2400" b="1" dirty="0">
+                <a:latin typeface="Avenir Medium" panose="02000503020000020003" pitchFamily="2" charset="0"/>
+              </a:rPr>
+              <a:t>Default Rule – Drop all unmatched traffic</a:t>
+            </a:r>
+          </a:p>
+        </p:txBody>
+      </p:sp>
     </p:spTree>
     <p:extLst>
       <p:ext uri="{BB962C8B-B14F-4D97-AF65-F5344CB8AC3E}">
-        <p14:creationId xmlns:p14="http://schemas.microsoft.com/office/powerpoint/2010/main" val="598179419"/>
+        <p14:creationId xmlns:p14="http://schemas.microsoft.com/office/powerpoint/2010/main" val="106907408"/>
       </p:ext>
     </p:extLst>
   </p:cSld>
@@ -17785,7 +17333,7 @@
 </p:sld>
 </file>
 
-<file path=ppt/slides/slide12.xml><?xml version="1.0" encoding="utf-8"?>
+<file path=ppt/slides/slide11.xml><?xml version="1.0" encoding="utf-8"?>
 <p:sld xmlns:a="http://schemas.openxmlformats.org/drawingml/2006/main" xmlns:r="http://schemas.openxmlformats.org/officeDocument/2006/relationships" xmlns:p="http://schemas.openxmlformats.org/presentationml/2006/main">
   <p:cSld>
     <p:spTree>
@@ -17852,7 +17400,7 @@
               <a:rPr lang="en-US" b="0" dirty="0">
                 <a:latin typeface="Avenir Medium" panose="02000503020000020003" pitchFamily="2" charset="0"/>
               </a:rPr>
-              <a:t>Setup and Configuration</a:t>
+              <a:t>Software Components</a:t>
             </a:r>
             <a:endParaRPr b="0" dirty="0">
               <a:latin typeface="Avenir Medium" panose="02000503020000020003" pitchFamily="2" charset="0"/>
@@ -17860,12 +17408,42 @@
           </a:p>
         </p:txBody>
       </p:sp>
+      <p:pic>
+        <p:nvPicPr>
+          <p:cNvPr id="8" name="Picture 7" descr="A picture containing icon&#10;&#10;Description automatically generated">
+            <a:extLst>
+              <a:ext uri="{FF2B5EF4-FFF2-40B4-BE49-F238E27FC236}">
+                <a16:creationId xmlns:a16="http://schemas.microsoft.com/office/drawing/2014/main" id="{FE2D6886-CB79-FB4D-9450-C291EBD718BF}"/>
+              </a:ext>
+            </a:extLst>
+          </p:cNvPr>
+          <p:cNvPicPr>
+            <a:picLocks noChangeAspect="1"/>
+          </p:cNvPicPr>
+          <p:nvPr/>
+        </p:nvPicPr>
+        <p:blipFill>
+          <a:blip r:embed="rId3"/>
+          <a:stretch>
+            <a:fillRect/>
+          </a:stretch>
+        </p:blipFill>
+        <p:spPr>
+          <a:xfrm>
+            <a:off x="1872173" y="2207777"/>
+            <a:ext cx="1285784" cy="1578586"/>
+          </a:xfrm>
+          <a:prstGeom prst="rect">
+            <a:avLst/>
+          </a:prstGeom>
+        </p:spPr>
+      </p:pic>
       <p:sp>
         <p:nvSpPr>
-          <p:cNvPr id="2" name="TextBox 1">
+          <p:cNvPr id="10" name="TextBox 9">
             <a:extLst>
               <a:ext uri="{FF2B5EF4-FFF2-40B4-BE49-F238E27FC236}">
-                <a16:creationId xmlns:a16="http://schemas.microsoft.com/office/drawing/2014/main" id="{138C87FE-CBC8-7D49-AE8F-65EB338D3EAF}"/>
+                <a16:creationId xmlns:a16="http://schemas.microsoft.com/office/drawing/2014/main" id="{2745BBC2-9D35-9342-97B9-5E2902D95147}"/>
               </a:ext>
             </a:extLst>
           </p:cNvPr>
@@ -17874,8 +17452,8 @@
         </p:nvSpPr>
         <p:spPr>
           <a:xfrm>
-            <a:off x="540000" y="1312985"/>
-            <a:ext cx="9979873" cy="369332"/>
+            <a:off x="1195240" y="1641045"/>
+            <a:ext cx="2961186" cy="307777"/>
           </a:xfrm>
           <a:prstGeom prst="rect">
             <a:avLst/>
@@ -17888,32 +17466,51 @@
           </a:bodyPr>
           <a:lstStyle/>
           <a:p>
-            <a:pPr>
-              <a:spcAft>
-                <a:spcPts val="600"/>
-              </a:spcAft>
-            </a:pPr>
             <a:r>
-              <a:rPr lang="en-US" sz="1800" b="1" dirty="0">
+              <a:rPr lang="en-US" b="1" dirty="0">
                 <a:latin typeface="Avenir Medium" panose="02000503020000020003" pitchFamily="2" charset="0"/>
               </a:rPr>
-              <a:t>Step 1</a:t>
-            </a:r>
-            <a:r>
-              <a:rPr lang="en-US" sz="1800" dirty="0">
-                <a:latin typeface="Avenir Medium" panose="02000503020000020003" pitchFamily="2" charset="0"/>
-              </a:rPr>
-              <a:t> – Create URL seed file</a:t>
+              <a:t>Sitespeed, Admin Portal, Google</a:t>
             </a:r>
           </a:p>
         </p:txBody>
       </p:sp>
+      <p:pic>
+        <p:nvPicPr>
+          <p:cNvPr id="15" name="Picture 14" descr="A picture containing icon&#10;&#10;Description automatically generated">
+            <a:extLst>
+              <a:ext uri="{FF2B5EF4-FFF2-40B4-BE49-F238E27FC236}">
+                <a16:creationId xmlns:a16="http://schemas.microsoft.com/office/drawing/2014/main" id="{608A8B99-1364-CB47-A4C0-380D1923F359}"/>
+              </a:ext>
+            </a:extLst>
+          </p:cNvPr>
+          <p:cNvPicPr>
+            <a:picLocks noChangeAspect="1"/>
+          </p:cNvPicPr>
+          <p:nvPr/>
+        </p:nvPicPr>
+        <p:blipFill>
+          <a:blip r:embed="rId3"/>
+          <a:stretch>
+            <a:fillRect/>
+          </a:stretch>
+        </p:blipFill>
+        <p:spPr>
+          <a:xfrm>
+            <a:off x="8517411" y="2216045"/>
+            <a:ext cx="1285784" cy="1578586"/>
+          </a:xfrm>
+          <a:prstGeom prst="rect">
+            <a:avLst/>
+          </a:prstGeom>
+        </p:spPr>
+      </p:pic>
       <p:sp>
         <p:nvSpPr>
-          <p:cNvPr id="5" name="TextBox 4">
+          <p:cNvPr id="16" name="TextBox 15">
             <a:extLst>
               <a:ext uri="{FF2B5EF4-FFF2-40B4-BE49-F238E27FC236}">
-                <a16:creationId xmlns:a16="http://schemas.microsoft.com/office/drawing/2014/main" id="{2419D413-F4AA-3A49-89E4-AE684A491A53}"/>
+                <a16:creationId xmlns:a16="http://schemas.microsoft.com/office/drawing/2014/main" id="{C9E1128C-78C8-974C-8369-DB7E35E0DF77}"/>
               </a:ext>
             </a:extLst>
           </p:cNvPr>
@@ -17922,157 +17519,8 @@
         </p:nvSpPr>
         <p:spPr>
           <a:xfrm>
-            <a:off x="859116" y="2267419"/>
-            <a:ext cx="5899491" cy="1815882"/>
-          </a:xfrm>
-          <a:prstGeom prst="rect">
-            <a:avLst/>
-          </a:prstGeom>
-          <a:noFill/>
-        </p:spPr>
-        <p:txBody>
-          <a:bodyPr wrap="square">
-            <a:spAutoFit/>
-          </a:bodyPr>
-          <a:lstStyle/>
-          <a:p>
-            <a:r>
-              <a:rPr lang="en-US" dirty="0"/>
-              <a:t>https://</a:t>
-            </a:r>
-            <a:r>
-              <a:rPr lang="en-US" dirty="0" err="1"/>
-              <a:t>www.abercrombie.com</a:t>
-            </a:r>
-            <a:r>
-              <a:rPr lang="en-US" dirty="0"/>
-              <a:t>/shop/us Abercrombie Abercrombie</a:t>
-            </a:r>
-          </a:p>
-          <a:p>
-            <a:r>
-              <a:rPr lang="en-US" dirty="0"/>
-              <a:t>https://</a:t>
-            </a:r>
-            <a:r>
-              <a:rPr lang="en-US" dirty="0" err="1"/>
-              <a:t>shop.lululemon.com</a:t>
-            </a:r>
-            <a:r>
-              <a:rPr lang="en-US" dirty="0"/>
-              <a:t>/ Lululemon Lululemon</a:t>
-            </a:r>
-          </a:p>
-          <a:p>
-            <a:r>
-              <a:rPr lang="en-US" dirty="0"/>
-              <a:t>https://</a:t>
-            </a:r>
-            <a:r>
-              <a:rPr lang="en-US" dirty="0" err="1"/>
-              <a:t>www.gap.com</a:t>
-            </a:r>
-            <a:r>
-              <a:rPr lang="en-US" dirty="0"/>
-              <a:t>/ Gap Gap</a:t>
-            </a:r>
-          </a:p>
-          <a:p>
-            <a:r>
-              <a:rPr lang="en-US" dirty="0"/>
-              <a:t>https://</a:t>
-            </a:r>
-            <a:r>
-              <a:rPr lang="en-US" dirty="0" err="1"/>
-              <a:t>www.zara.com</a:t>
-            </a:r>
-            <a:r>
-              <a:rPr lang="en-US" dirty="0"/>
-              <a:t>/ Zara Zara</a:t>
-            </a:r>
-          </a:p>
-          <a:p>
-            <a:r>
-              <a:rPr lang="en-US" dirty="0"/>
-              <a:t>https://</a:t>
-            </a:r>
-            <a:r>
-              <a:rPr lang="en-US" dirty="0" err="1"/>
-              <a:t>www.ae.com</a:t>
-            </a:r>
-            <a:r>
-              <a:rPr lang="en-US" dirty="0"/>
-              <a:t>/us/</a:t>
-            </a:r>
-            <a:r>
-              <a:rPr lang="en-US" dirty="0" err="1"/>
-              <a:t>en</a:t>
-            </a:r>
-            <a:r>
-              <a:rPr lang="en-US" dirty="0"/>
-              <a:t> American-Eagle American-Eagle</a:t>
-            </a:r>
-          </a:p>
-          <a:p>
-            <a:r>
-              <a:rPr lang="en-US" dirty="0"/>
-              <a:t>https://</a:t>
-            </a:r>
-            <a:r>
-              <a:rPr lang="en-US" dirty="0" err="1"/>
-              <a:t>www.apple.com</a:t>
-            </a:r>
-            <a:r>
-              <a:rPr lang="en-US" dirty="0"/>
-              <a:t>/ Apple Apple</a:t>
-            </a:r>
-          </a:p>
-          <a:p>
-            <a:r>
-              <a:rPr lang="en-US" dirty="0"/>
-              <a:t>https://</a:t>
-            </a:r>
-            <a:r>
-              <a:rPr lang="en-US" dirty="0" err="1"/>
-              <a:t>www.etsy.com</a:t>
-            </a:r>
-            <a:r>
-              <a:rPr lang="en-US" dirty="0"/>
-              <a:t>/ Etsy Etsy</a:t>
-            </a:r>
-          </a:p>
-          <a:p>
-            <a:r>
-              <a:rPr lang="en-US" dirty="0"/>
-              <a:t>https://</a:t>
-            </a:r>
-            <a:r>
-              <a:rPr lang="en-US" dirty="0" err="1"/>
-              <a:t>www.nike.com</a:t>
-            </a:r>
-            <a:r>
-              <a:rPr lang="en-US" dirty="0"/>
-              <a:t>/ Nike Nike</a:t>
-            </a:r>
-          </a:p>
-        </p:txBody>
-      </p:sp>
-      <p:sp>
-        <p:nvSpPr>
-          <p:cNvPr id="6" name="TextBox 5">
-            <a:extLst>
-              <a:ext uri="{FF2B5EF4-FFF2-40B4-BE49-F238E27FC236}">
-                <a16:creationId xmlns:a16="http://schemas.microsoft.com/office/drawing/2014/main" id="{7F760D76-0875-BC47-B7D3-CCAA13D49F4B}"/>
-              </a:ext>
-            </a:extLst>
-          </p:cNvPr>
-          <p:cNvSpPr txBox="1"/>
-          <p:nvPr/>
-        </p:nvSpPr>
-        <p:spPr>
-          <a:xfrm>
-            <a:off x="859116" y="1922303"/>
-            <a:ext cx="4190866" cy="369332"/>
+            <a:off x="8349685" y="1641046"/>
+            <a:ext cx="1621235" cy="307777"/>
           </a:xfrm>
           <a:prstGeom prst="rect">
             <a:avLst/>
@@ -18085,32 +17533,21 @@
           </a:bodyPr>
           <a:lstStyle/>
           <a:p>
-            <a:pPr>
-              <a:spcAft>
-                <a:spcPts val="600"/>
-              </a:spcAft>
-            </a:pPr>
             <a:r>
-              <a:rPr lang="en-US" sz="1800" dirty="0" err="1">
+              <a:rPr lang="en-US" b="1" dirty="0">
                 <a:latin typeface="Avenir Medium" panose="02000503020000020003" pitchFamily="2" charset="0"/>
               </a:rPr>
-              <a:t>eCommerce.txt</a:t>
-            </a:r>
-            <a:r>
-              <a:rPr lang="en-US" sz="1800" dirty="0">
-                <a:latin typeface="Avenir Medium" panose="02000503020000020003" pitchFamily="2" charset="0"/>
-              </a:rPr>
-              <a:t> (Competitive Analysis)</a:t>
+              <a:t>Graphite/Grafana</a:t>
             </a:r>
           </a:p>
         </p:txBody>
       </p:sp>
       <p:sp>
         <p:nvSpPr>
-          <p:cNvPr id="7" name="TextBox 6">
+          <p:cNvPr id="17" name="TextBox 16">
             <a:extLst>
               <a:ext uri="{FF2B5EF4-FFF2-40B4-BE49-F238E27FC236}">
-                <a16:creationId xmlns:a16="http://schemas.microsoft.com/office/drawing/2014/main" id="{6A8BA774-E974-594E-B2EE-0C46A65A6EDF}"/>
+                <a16:creationId xmlns:a16="http://schemas.microsoft.com/office/drawing/2014/main" id="{9AB55090-A2A0-EA4D-9357-963AA780ABA1}"/>
               </a:ext>
             </a:extLst>
           </p:cNvPr>
@@ -18119,8 +17556,8 @@
         </p:nvSpPr>
         <p:spPr>
           <a:xfrm>
-            <a:off x="540000" y="4428417"/>
-            <a:ext cx="10063988" cy="1431161"/>
+            <a:off x="1227014" y="4145524"/>
+            <a:ext cx="2961186" cy="954107"/>
           </a:xfrm>
           <a:prstGeom prst="rect">
             <a:avLst/>
@@ -18133,83 +17570,130 @@
           </a:bodyPr>
           <a:lstStyle/>
           <a:p>
-            <a:pPr>
-              <a:spcAft>
-                <a:spcPts val="600"/>
-              </a:spcAft>
+            <a:pPr marL="137160">
+              <a:buFont typeface="Arial" panose="020B0604020202020204" pitchFamily="34" charset="0"/>
+              <a:buChar char="•"/>
             </a:pPr>
             <a:r>
-              <a:rPr lang="en-US" sz="1800" b="1" dirty="0">
+              <a:rPr lang="en-US" b="1" dirty="0">
                 <a:latin typeface="Avenir Medium" panose="02000503020000020003" pitchFamily="2" charset="0"/>
               </a:rPr>
-              <a:t>Step 2</a:t>
-            </a:r>
-            <a:r>
-              <a:rPr lang="en-US" sz="1800" dirty="0">
-                <a:latin typeface="Avenir Medium" panose="02000503020000020003" pitchFamily="2" charset="0"/>
-              </a:rPr>
-              <a:t> – Push seed file(s) out to Linode servers</a:t>
+              <a:t> Sitespeed.io running in Docker</a:t>
             </a:r>
           </a:p>
           <a:p>
-            <a:pPr>
-              <a:spcAft>
-                <a:spcPts val="600"/>
-              </a:spcAft>
+            <a:pPr marL="137160">
+              <a:buFont typeface="Arial" panose="020B0604020202020204" pitchFamily="34" charset="0"/>
+              <a:buChar char="•"/>
             </a:pPr>
             <a:r>
-              <a:rPr lang="en-US" sz="1800" b="1" dirty="0">
+              <a:rPr lang="en-US" b="1" dirty="0">
                 <a:latin typeface="Avenir Medium" panose="02000503020000020003" pitchFamily="2" charset="0"/>
               </a:rPr>
-              <a:t>Step 3 </a:t>
+              <a:t> </a:t>
             </a:r>
             <a:r>
-              <a:rPr lang="en-US" sz="1800" dirty="0">
+              <a:rPr lang="en-US" b="1" dirty="0" err="1">
                 <a:latin typeface="Avenir Medium" panose="02000503020000020003" pitchFamily="2" charset="0"/>
               </a:rPr>
-              <a:t>– Configure a testing schedule and push schedule to all Linode servers</a:t>
+              <a:t>nginx</a:t>
+            </a:r>
+            <a:r>
+              <a:rPr lang="en-US" b="1" dirty="0">
+                <a:latin typeface="Avenir Medium" panose="02000503020000020003" pitchFamily="2" charset="0"/>
+              </a:rPr>
+              <a:t> web server</a:t>
             </a:r>
           </a:p>
           <a:p>
-            <a:pPr>
-              <a:spcAft>
-                <a:spcPts val="600"/>
-              </a:spcAft>
+            <a:pPr marL="137160">
+              <a:buFont typeface="Arial" panose="020B0604020202020204" pitchFamily="34" charset="0"/>
+              <a:buChar char="•"/>
             </a:pPr>
-            <a:endParaRPr lang="en-US" sz="1800" dirty="0">
-              <a:latin typeface="Avenir Medium" panose="02000503020000020003" pitchFamily="2" charset="0"/>
-            </a:endParaRPr>
+            <a:r>
+              <a:rPr lang="en-US" b="1" dirty="0">
+                <a:latin typeface="Avenir Medium" panose="02000503020000020003" pitchFamily="2" charset="0"/>
+              </a:rPr>
+              <a:t> HTTPS 443</a:t>
+            </a:r>
           </a:p>
           <a:p>
-            <a:pPr>
-              <a:spcAft>
-                <a:spcPts val="600"/>
-              </a:spcAft>
+            <a:pPr marL="285750" indent="-285750">
+              <a:buFont typeface="Arial" panose="020B0604020202020204" pitchFamily="34" charset="0"/>
+              <a:buChar char="•"/>
             </a:pPr>
-            <a:r>
-              <a:rPr lang="en-US" sz="1800" dirty="0">
-                <a:latin typeface="Avenir Medium" panose="02000503020000020003" pitchFamily="2" charset="0"/>
-              </a:rPr>
-              <a:t>All scripts and documentation are available on </a:t>
-            </a:r>
-            <a:r>
-              <a:rPr lang="en-US" sz="1800" dirty="0" err="1">
-                <a:latin typeface="Avenir Medium" panose="02000503020000020003" pitchFamily="2" charset="0"/>
-              </a:rPr>
-              <a:t>Github</a:t>
-            </a:r>
-            <a:endParaRPr lang="en-US" sz="1800" dirty="0">
+            <a:endParaRPr lang="en-US" b="1" dirty="0">
               <a:latin typeface="Avenir Medium" panose="02000503020000020003" pitchFamily="2" charset="0"/>
             </a:endParaRPr>
           </a:p>
         </p:txBody>
       </p:sp>
+      <p:pic>
+        <p:nvPicPr>
+          <p:cNvPr id="19" name="Picture 18" descr="Logo&#10;&#10;Description automatically generated">
+            <a:extLst>
+              <a:ext uri="{FF2B5EF4-FFF2-40B4-BE49-F238E27FC236}">
+                <a16:creationId xmlns:a16="http://schemas.microsoft.com/office/drawing/2014/main" id="{F1ADF4E7-0AC7-884A-91AB-3F715E11D34F}"/>
+              </a:ext>
+            </a:extLst>
+          </p:cNvPr>
+          <p:cNvPicPr>
+            <a:picLocks noChangeAspect="1"/>
+          </p:cNvPicPr>
+          <p:nvPr/>
+        </p:nvPicPr>
+        <p:blipFill>
+          <a:blip r:embed="rId4"/>
+          <a:stretch>
+            <a:fillRect/>
+          </a:stretch>
+        </p:blipFill>
+        <p:spPr>
+          <a:xfrm>
+            <a:off x="4188200" y="4007512"/>
+            <a:ext cx="498061" cy="498061"/>
+          </a:xfrm>
+          <a:prstGeom prst="rect">
+            <a:avLst/>
+          </a:prstGeom>
+        </p:spPr>
+      </p:pic>
+      <p:pic>
+        <p:nvPicPr>
+          <p:cNvPr id="14" name="Picture 13" descr="A picture containing text, clipart&#10;&#10;Description automatically generated">
+            <a:extLst>
+              <a:ext uri="{FF2B5EF4-FFF2-40B4-BE49-F238E27FC236}">
+                <a16:creationId xmlns:a16="http://schemas.microsoft.com/office/drawing/2014/main" id="{61ACE150-F70A-5B4E-B90F-D8401467B5D3}"/>
+              </a:ext>
+            </a:extLst>
+          </p:cNvPr>
+          <p:cNvPicPr>
+            <a:picLocks noChangeAspect="1"/>
+          </p:cNvPicPr>
+          <p:nvPr/>
+        </p:nvPicPr>
+        <p:blipFill>
+          <a:blip r:embed="rId5"/>
+          <a:stretch>
+            <a:fillRect/>
+          </a:stretch>
+        </p:blipFill>
+        <p:spPr>
+          <a:xfrm>
+            <a:off x="6767498" y="4145524"/>
+            <a:ext cx="1796484" cy="484633"/>
+          </a:xfrm>
+          <a:prstGeom prst="rect">
+            <a:avLst/>
+          </a:prstGeom>
+        </p:spPr>
+      </p:pic>
       <p:sp>
         <p:nvSpPr>
-          <p:cNvPr id="13" name="TextBox 12">
+          <p:cNvPr id="20" name="TextBox 19">
             <a:extLst>
               <a:ext uri="{FF2B5EF4-FFF2-40B4-BE49-F238E27FC236}">
-                <a16:creationId xmlns:a16="http://schemas.microsoft.com/office/drawing/2014/main" id="{459B018E-891D-A25C-B18B-A9475936D194}"/>
+                <a16:creationId xmlns:a16="http://schemas.microsoft.com/office/drawing/2014/main" id="{80D48C72-FC2E-8D4C-B470-1AD74F8700D2}"/>
               </a:ext>
             </a:extLst>
           </p:cNvPr>
@@ -18218,93 +17702,8 @@
         </p:nvSpPr>
         <p:spPr>
           <a:xfrm>
-            <a:off x="7014751" y="2267419"/>
-            <a:ext cx="4032223" cy="954107"/>
-          </a:xfrm>
-          <a:prstGeom prst="rect">
-            <a:avLst/>
-          </a:prstGeom>
-          <a:noFill/>
-        </p:spPr>
-        <p:txBody>
-          <a:bodyPr wrap="square">
-            <a:spAutoFit/>
-          </a:bodyPr>
-          <a:lstStyle/>
-          <a:p>
-            <a:r>
-              <a:rPr lang="en-US" dirty="0"/>
-              <a:t>https://</a:t>
-            </a:r>
-            <a:r>
-              <a:rPr lang="en-US" dirty="0" err="1"/>
-              <a:t>www.att.com</a:t>
-            </a:r>
-            <a:r>
-              <a:rPr lang="en-US" dirty="0"/>
-              <a:t>/ Home ATT</a:t>
-            </a:r>
-          </a:p>
-          <a:p>
-            <a:r>
-              <a:rPr lang="en-US" dirty="0"/>
-              <a:t>https://</a:t>
-            </a:r>
-            <a:r>
-              <a:rPr lang="en-US" dirty="0" err="1"/>
-              <a:t>www.att.com</a:t>
-            </a:r>
-            <a:r>
-              <a:rPr lang="en-US" dirty="0"/>
-              <a:t>/deals/ Deals ATT</a:t>
-            </a:r>
-          </a:p>
-          <a:p>
-            <a:r>
-              <a:rPr lang="en-US" dirty="0"/>
-              <a:t>https://</a:t>
-            </a:r>
-            <a:r>
-              <a:rPr lang="en-US" dirty="0" err="1"/>
-              <a:t>www.att.com</a:t>
-            </a:r>
-            <a:r>
-              <a:rPr lang="en-US" dirty="0"/>
-              <a:t>/wireless/ Wireless ATT</a:t>
-            </a:r>
-          </a:p>
-          <a:p>
-            <a:r>
-              <a:rPr lang="en-US" dirty="0"/>
-              <a:t>https://</a:t>
-            </a:r>
-            <a:r>
-              <a:rPr lang="en-US" dirty="0" err="1"/>
-              <a:t>www.att.com</a:t>
-            </a:r>
-            <a:r>
-              <a:rPr lang="en-US" dirty="0"/>
-              <a:t>/buy/phones/ PLP ATT</a:t>
-            </a:r>
-          </a:p>
-        </p:txBody>
-      </p:sp>
-      <p:sp>
-        <p:nvSpPr>
-          <p:cNvPr id="14" name="TextBox 13">
-            <a:extLst>
-              <a:ext uri="{FF2B5EF4-FFF2-40B4-BE49-F238E27FC236}">
-                <a16:creationId xmlns:a16="http://schemas.microsoft.com/office/drawing/2014/main" id="{E2D57DC7-51DB-F19D-D729-B5CC6BF5DBCB}"/>
-              </a:ext>
-            </a:extLst>
-          </p:cNvPr>
-          <p:cNvSpPr txBox="1"/>
-          <p:nvPr/>
-        </p:nvSpPr>
-        <p:spPr>
-          <a:xfrm>
-            <a:off x="7014750" y="1922303"/>
-            <a:ext cx="4318133" cy="369332"/>
+            <a:off x="8517411" y="4035394"/>
+            <a:ext cx="3554156" cy="738664"/>
           </a:xfrm>
           <a:prstGeom prst="rect">
             <a:avLst/>
@@ -18317,30 +17716,265 @@
           </a:bodyPr>
           <a:lstStyle/>
           <a:p>
-            <a:pPr>
-              <a:spcAft>
-                <a:spcPts val="600"/>
-              </a:spcAft>
+            <a:pPr marL="137160">
+              <a:buFont typeface="Arial" panose="020B0604020202020204" pitchFamily="34" charset="0"/>
+              <a:buChar char="•"/>
             </a:pPr>
             <a:r>
-              <a:rPr lang="en-US" sz="1800" dirty="0" err="1">
+              <a:rPr lang="en-US" b="1" dirty="0">
                 <a:latin typeface="Avenir Medium" panose="02000503020000020003" pitchFamily="2" charset="0"/>
               </a:rPr>
-              <a:t>ATT.txt</a:t>
+              <a:t> Graphite running in Docker</a:t>
             </a:r>
+          </a:p>
+          <a:p>
+            <a:pPr marL="137160">
+              <a:buFont typeface="Arial" panose="020B0604020202020204" pitchFamily="34" charset="0"/>
+              <a:buChar char="•"/>
+            </a:pPr>
             <a:r>
-              <a:rPr lang="en-US" sz="1800" dirty="0">
+              <a:rPr lang="en-US" b="1" dirty="0">
                 <a:latin typeface="Avenir Medium" panose="02000503020000020003" pitchFamily="2" charset="0"/>
               </a:rPr>
-              <a:t> (Single Domain)</a:t>
+              <a:t> HTTP 8888</a:t>
+            </a:r>
+            <a:endParaRPr lang="en-US" b="1" baseline="30000" dirty="0">
+              <a:latin typeface="Avenir Medium" panose="02000503020000020003" pitchFamily="2" charset="0"/>
+            </a:endParaRPr>
+          </a:p>
+          <a:p>
+            <a:pPr marL="137160">
+              <a:buFont typeface="Arial" panose="020B0604020202020204" pitchFamily="34" charset="0"/>
+              <a:buChar char="•"/>
+            </a:pPr>
+            <a:r>
+              <a:rPr lang="en-US" b="1" dirty="0">
+                <a:latin typeface="Avenir Medium" panose="02000503020000020003" pitchFamily="2" charset="0"/>
+              </a:rPr>
+              <a:t> Carbon TCP 2003</a:t>
             </a:r>
           </a:p>
         </p:txBody>
       </p:sp>
+      <p:pic>
+        <p:nvPicPr>
+          <p:cNvPr id="22" name="Picture 21">
+            <a:extLst>
+              <a:ext uri="{FF2B5EF4-FFF2-40B4-BE49-F238E27FC236}">
+                <a16:creationId xmlns:a16="http://schemas.microsoft.com/office/drawing/2014/main" id="{D5F4DA43-2985-B842-B317-F8BCE05B2525}"/>
+              </a:ext>
+            </a:extLst>
+          </p:cNvPr>
+          <p:cNvPicPr>
+            <a:picLocks noChangeAspect="1"/>
+          </p:cNvPicPr>
+          <p:nvPr/>
+        </p:nvPicPr>
+        <p:blipFill>
+          <a:blip r:embed="rId6"/>
+          <a:stretch>
+            <a:fillRect/>
+          </a:stretch>
+        </p:blipFill>
+        <p:spPr>
+          <a:xfrm>
+            <a:off x="6791479" y="4870920"/>
+            <a:ext cx="1796484" cy="892593"/>
+          </a:xfrm>
+          <a:prstGeom prst="rect">
+            <a:avLst/>
+          </a:prstGeom>
+        </p:spPr>
+      </p:pic>
+      <p:sp>
+        <p:nvSpPr>
+          <p:cNvPr id="23" name="TextBox 22">
+            <a:extLst>
+              <a:ext uri="{FF2B5EF4-FFF2-40B4-BE49-F238E27FC236}">
+                <a16:creationId xmlns:a16="http://schemas.microsoft.com/office/drawing/2014/main" id="{E8208233-1054-0A46-9A00-27CA6D53BF07}"/>
+              </a:ext>
+            </a:extLst>
+          </p:cNvPr>
+          <p:cNvSpPr txBox="1"/>
+          <p:nvPr/>
+        </p:nvSpPr>
+        <p:spPr>
+          <a:xfrm>
+            <a:off x="8563982" y="5085071"/>
+            <a:ext cx="2730287" cy="738664"/>
+          </a:xfrm>
+          <a:prstGeom prst="rect">
+            <a:avLst/>
+          </a:prstGeom>
+          <a:noFill/>
+        </p:spPr>
+        <p:txBody>
+          <a:bodyPr wrap="square" rtlCol="0">
+            <a:spAutoFit/>
+          </a:bodyPr>
+          <a:lstStyle/>
+          <a:p>
+            <a:pPr marL="137160">
+              <a:buFont typeface="Arial" panose="020B0604020202020204" pitchFamily="34" charset="0"/>
+              <a:buChar char="•"/>
+            </a:pPr>
+            <a:r>
+              <a:rPr lang="en-US" b="1" dirty="0">
+                <a:latin typeface="Avenir Medium" panose="02000503020000020003" pitchFamily="2" charset="0"/>
+              </a:rPr>
+              <a:t> Grafana runs natively</a:t>
+            </a:r>
+          </a:p>
+          <a:p>
+            <a:pPr marL="137160">
+              <a:buFont typeface="Arial" panose="020B0604020202020204" pitchFamily="34" charset="0"/>
+              <a:buChar char="•"/>
+            </a:pPr>
+            <a:r>
+              <a:rPr lang="en-US" b="1" dirty="0">
+                <a:latin typeface="Avenir Medium" panose="02000503020000020003" pitchFamily="2" charset="0"/>
+              </a:rPr>
+              <a:t> Embedded Apache server</a:t>
+            </a:r>
+          </a:p>
+          <a:p>
+            <a:pPr marL="137160">
+              <a:buFont typeface="Arial" panose="020B0604020202020204" pitchFamily="34" charset="0"/>
+              <a:buChar char="•"/>
+            </a:pPr>
+            <a:r>
+              <a:rPr lang="en-US" b="1" dirty="0">
+                <a:latin typeface="Avenir Medium" panose="02000503020000020003" pitchFamily="2" charset="0"/>
+              </a:rPr>
+              <a:t> HTTPS 443</a:t>
+            </a:r>
+          </a:p>
+        </p:txBody>
+      </p:sp>
+      <p:pic>
+        <p:nvPicPr>
+          <p:cNvPr id="24" name="Picture 23">
+            <a:extLst>
+              <a:ext uri="{FF2B5EF4-FFF2-40B4-BE49-F238E27FC236}">
+                <a16:creationId xmlns:a16="http://schemas.microsoft.com/office/drawing/2014/main" id="{C1DC4E75-E6BD-E44B-91EB-E00A595BFBF2}"/>
+              </a:ext>
+            </a:extLst>
+          </p:cNvPr>
+          <p:cNvPicPr>
+            <a:picLocks noChangeAspect="1"/>
+          </p:cNvPicPr>
+          <p:nvPr/>
+        </p:nvPicPr>
+        <p:blipFill>
+          <a:blip r:embed="rId7"/>
+          <a:stretch>
+            <a:fillRect/>
+          </a:stretch>
+        </p:blipFill>
+        <p:spPr>
+          <a:xfrm>
+            <a:off x="382443" y="4111030"/>
+            <a:ext cx="789086" cy="789086"/>
+          </a:xfrm>
+          <a:prstGeom prst="rect">
+            <a:avLst/>
+          </a:prstGeom>
+        </p:spPr>
+      </p:pic>
+      <p:pic>
+        <p:nvPicPr>
+          <p:cNvPr id="6" name="Picture 5" descr="Icon&#10;&#10;Description automatically generated">
+            <a:extLst>
+              <a:ext uri="{FF2B5EF4-FFF2-40B4-BE49-F238E27FC236}">
+                <a16:creationId xmlns:a16="http://schemas.microsoft.com/office/drawing/2014/main" id="{9A258D2C-3B7C-3840-A6EE-0F058F179EAB}"/>
+              </a:ext>
+            </a:extLst>
+          </p:cNvPr>
+          <p:cNvPicPr>
+            <a:picLocks noChangeAspect="1"/>
+          </p:cNvPicPr>
+          <p:nvPr/>
+        </p:nvPicPr>
+        <p:blipFill>
+          <a:blip r:embed="rId8"/>
+          <a:stretch>
+            <a:fillRect/>
+          </a:stretch>
+        </p:blipFill>
+        <p:spPr>
+          <a:xfrm>
+            <a:off x="3345587" y="4404726"/>
+            <a:ext cx="731501" cy="382268"/>
+          </a:xfrm>
+          <a:prstGeom prst="rect">
+            <a:avLst/>
+          </a:prstGeom>
+        </p:spPr>
+      </p:pic>
+      <p:pic>
+        <p:nvPicPr>
+          <p:cNvPr id="9" name="Picture 8" descr="A picture containing aircraft, transport, pen&#10;&#10;Description automatically generated">
+            <a:extLst>
+              <a:ext uri="{FF2B5EF4-FFF2-40B4-BE49-F238E27FC236}">
+                <a16:creationId xmlns:a16="http://schemas.microsoft.com/office/drawing/2014/main" id="{7073B291-AC13-344E-8A46-9EB1781A520B}"/>
+              </a:ext>
+            </a:extLst>
+          </p:cNvPr>
+          <p:cNvPicPr>
+            <a:picLocks noChangeAspect="1"/>
+          </p:cNvPicPr>
+          <p:nvPr/>
+        </p:nvPicPr>
+        <p:blipFill>
+          <a:blip r:embed="rId9"/>
+          <a:stretch>
+            <a:fillRect/>
+          </a:stretch>
+        </p:blipFill>
+        <p:spPr>
+          <a:xfrm>
+            <a:off x="11092412" y="5265267"/>
+            <a:ext cx="403713" cy="403713"/>
+          </a:xfrm>
+          <a:prstGeom prst="rect">
+            <a:avLst/>
+          </a:prstGeom>
+        </p:spPr>
+      </p:pic>
+      <p:pic>
+        <p:nvPicPr>
+          <p:cNvPr id="25" name="Picture 24" descr="Logo&#10;&#10;Description automatically generated">
+            <a:extLst>
+              <a:ext uri="{FF2B5EF4-FFF2-40B4-BE49-F238E27FC236}">
+                <a16:creationId xmlns:a16="http://schemas.microsoft.com/office/drawing/2014/main" id="{91049601-8C38-3D43-BF42-F8BBF9FF5C23}"/>
+              </a:ext>
+            </a:extLst>
+          </p:cNvPr>
+          <p:cNvPicPr>
+            <a:picLocks noChangeAspect="1"/>
+          </p:cNvPicPr>
+          <p:nvPr/>
+        </p:nvPicPr>
+        <p:blipFill>
+          <a:blip r:embed="rId4"/>
+          <a:stretch>
+            <a:fillRect/>
+          </a:stretch>
+        </p:blipFill>
+        <p:spPr>
+          <a:xfrm>
+            <a:off x="11143280" y="3786363"/>
+            <a:ext cx="498061" cy="498061"/>
+          </a:xfrm>
+          <a:prstGeom prst="rect">
+            <a:avLst/>
+          </a:prstGeom>
+        </p:spPr>
+      </p:pic>
     </p:spTree>
     <p:extLst>
       <p:ext uri="{BB962C8B-B14F-4D97-AF65-F5344CB8AC3E}">
-        <p14:creationId xmlns:p14="http://schemas.microsoft.com/office/powerpoint/2010/main" val="1212252672"/>
+        <p14:creationId xmlns:p14="http://schemas.microsoft.com/office/powerpoint/2010/main" val="85960628"/>
       </p:ext>
     </p:extLst>
   </p:cSld>
@@ -18350,7 +17984,7 @@
 </p:sld>
 </file>
 
-<file path=ppt/slides/slide13.xml><?xml version="1.0" encoding="utf-8"?>
+<file path=ppt/slides/slide2.xml><?xml version="1.0" encoding="utf-8"?>
 <p:sld xmlns:a="http://schemas.openxmlformats.org/drawingml/2006/main" xmlns:r="http://schemas.openxmlformats.org/officeDocument/2006/relationships" xmlns:p="http://schemas.openxmlformats.org/presentationml/2006/main">
   <p:cSld>
     <p:spTree>
@@ -18417,7 +18051,7 @@
               <a:rPr lang="en-US" b="0" dirty="0">
                 <a:latin typeface="Avenir Medium" panose="02000503020000020003" pitchFamily="2" charset="0"/>
               </a:rPr>
-              <a:t>Operation</a:t>
+              <a:t>Sitespeed.io</a:t>
             </a:r>
             <a:endParaRPr b="0" dirty="0">
               <a:latin typeface="Avenir Medium" panose="02000503020000020003" pitchFamily="2" charset="0"/>
@@ -18427,76 +18061,281 @@
       </p:sp>
       <p:sp>
         <p:nvSpPr>
-          <p:cNvPr id="2" name="TextBox 1">
+          <p:cNvPr id="3" name="Google Shape;198;p10">
             <a:extLst>
               <a:ext uri="{FF2B5EF4-FFF2-40B4-BE49-F238E27FC236}">
-                <a16:creationId xmlns:a16="http://schemas.microsoft.com/office/drawing/2014/main" id="{138C87FE-CBC8-7D49-AE8F-65EB338D3EAF}"/>
+                <a16:creationId xmlns:a16="http://schemas.microsoft.com/office/drawing/2014/main" id="{B53DE888-DA9E-3341-8EB4-AA9D08CC417B}"/>
               </a:ext>
             </a:extLst>
           </p:cNvPr>
-          <p:cNvSpPr txBox="1"/>
-          <p:nvPr/>
+          <p:cNvSpPr txBox="1">
+            <a:spLocks noGrp="1"/>
+          </p:cNvSpPr>
+          <p:nvPr>
+            <p:ph type="body" idx="1"/>
+          </p:nvPr>
         </p:nvSpPr>
         <p:spPr>
           <a:xfrm>
-            <a:off x="540000" y="1312985"/>
-            <a:ext cx="11462814" cy="723275"/>
+            <a:off x="540000" y="1227220"/>
+            <a:ext cx="10351520" cy="4494072"/>
           </a:xfrm>
           <a:prstGeom prst="rect">
             <a:avLst/>
           </a:prstGeom>
           <a:noFill/>
+          <a:ln>
+            <a:noFill/>
+          </a:ln>
         </p:spPr>
         <p:txBody>
-          <a:bodyPr wrap="square" rtlCol="0">
-            <a:spAutoFit/>
+          <a:bodyPr spcFirstLastPara="1" wrap="square" lIns="0" tIns="0" rIns="0" bIns="0" anchor="t" anchorCtr="0">
+            <a:noAutofit/>
           </a:bodyPr>
           <a:lstStyle/>
           <a:p>
-            <a:pPr marL="285750" indent="-285750">
-              <a:spcAft>
-                <a:spcPts val="600"/>
-              </a:spcAft>
+            <a:pPr marL="355599" marR="5079" indent="-342900">
+              <a:lnSpc>
+                <a:spcPct val="138400"/>
+              </a:lnSpc>
+              <a:spcBef>
+                <a:spcPts val="465"/>
+              </a:spcBef>
               <a:buFont typeface="Arial" panose="020B0604020202020204" pitchFamily="34" charset="0"/>
               <a:buChar char="•"/>
             </a:pPr>
             <a:r>
-              <a:rPr lang="en-US" sz="1800" dirty="0">
+              <a:rPr lang="en-US" sz="2000" spc="-60" dirty="0">
+                <a:solidFill>
+                  <a:srgbClr val="383838"/>
+                </a:solidFill>
                 <a:latin typeface="Avenir Medium" panose="02000503020000020003" pitchFamily="2" charset="0"/>
               </a:rPr>
-              <a:t>Testing is driven by one script called </a:t>
+              <a:t>Created in 2012 as an open-source project</a:t>
             </a:r>
-            <a:r>
-              <a:rPr lang="en-US" sz="1800" dirty="0" err="1">
-                <a:latin typeface="Avenir Medium" panose="02000503020000020003" pitchFamily="2" charset="0"/>
-              </a:rPr>
-              <a:t>master.sh</a:t>
-            </a:r>
-            <a:endParaRPr lang="en-US" sz="1800" dirty="0">
+            <a:endParaRPr lang="en-US" sz="1600" spc="-60" dirty="0">
+              <a:solidFill>
+                <a:srgbClr val="383838"/>
+              </a:solidFill>
               <a:latin typeface="Avenir Medium" panose="02000503020000020003" pitchFamily="2" charset="0"/>
             </a:endParaRPr>
           </a:p>
           <a:p>
-            <a:pPr marL="285750" lvl="1" indent="-285750">
-              <a:spcAft>
-                <a:spcPts val="600"/>
-              </a:spcAft>
+            <a:pPr marL="355599" marR="5079" indent="-342900">
+              <a:lnSpc>
+                <a:spcPct val="138400"/>
+              </a:lnSpc>
+              <a:spcBef>
+                <a:spcPts val="465"/>
+              </a:spcBef>
               <a:buFont typeface="Arial" panose="020B0604020202020204" pitchFamily="34" charset="0"/>
               <a:buChar char="•"/>
             </a:pPr>
             <a:r>
-              <a:rPr lang="en-US" sz="1800" dirty="0">
+              <a:rPr lang="en-US" sz="2000" spc="-60" dirty="0">
+                <a:solidFill>
+                  <a:srgbClr val="383838"/>
+                </a:solidFill>
                 <a:latin typeface="Avenir Medium" panose="02000503020000020003" pitchFamily="2" charset="0"/>
               </a:rPr>
-              <a:t>Administration of scripts and server functions are driven by a script called </a:t>
+              <a:t>Easy to configure and run</a:t>
+            </a:r>
+          </a:p>
+          <a:p>
+            <a:pPr marL="355599" marR="5079" indent="-342900">
+              <a:lnSpc>
+                <a:spcPct val="138400"/>
+              </a:lnSpc>
+              <a:spcBef>
+                <a:spcPts val="465"/>
+              </a:spcBef>
+              <a:buFont typeface="Arial" panose="020B0604020202020204" pitchFamily="34" charset="0"/>
+              <a:buChar char="•"/>
+            </a:pPr>
+            <a:r>
+              <a:rPr lang="en-US" sz="2000" spc="-60" dirty="0">
+                <a:solidFill>
+                  <a:srgbClr val="383838"/>
+                </a:solidFill>
+                <a:latin typeface="Avenir Medium" panose="02000503020000020003" pitchFamily="2" charset="0"/>
+              </a:rPr>
+              <a:t>Capabilities continue to evolve/improve with 700+ developers</a:t>
+            </a:r>
+          </a:p>
+          <a:p>
+            <a:pPr marL="355599" marR="5079" indent="-342900">
+              <a:lnSpc>
+                <a:spcPct val="138400"/>
+              </a:lnSpc>
+              <a:spcBef>
+                <a:spcPts val="465"/>
+              </a:spcBef>
+              <a:buFont typeface="Arial" panose="020B0604020202020204" pitchFamily="34" charset="0"/>
+              <a:buChar char="•"/>
+            </a:pPr>
+            <a:r>
+              <a:rPr lang="en-US" sz="2000" spc="-60" dirty="0">
+                <a:solidFill>
+                  <a:srgbClr val="383838"/>
+                </a:solidFill>
+                <a:latin typeface="Avenir Medium" panose="02000503020000020003" pitchFamily="2" charset="0"/>
+              </a:rPr>
+              <a:t>Full integration with tools such as WPT, CrUX, PSI, Lighthouse, S3, GCS, Graphite, </a:t>
             </a:r>
             <a:r>
-              <a:rPr lang="en-US" sz="1800" dirty="0" err="1">
+              <a:rPr lang="en-US" sz="2000" spc="-60" dirty="0" err="1">
+                <a:solidFill>
+                  <a:srgbClr val="383838"/>
+                </a:solidFill>
                 <a:latin typeface="Avenir Medium" panose="02000503020000020003" pitchFamily="2" charset="0"/>
               </a:rPr>
-              <a:t>push.sh</a:t>
+              <a:t>InfluxDB</a:t>
             </a:r>
-            <a:endParaRPr lang="en-US" sz="1800" dirty="0">
+            <a:endParaRPr lang="en-US" sz="2000" spc="-60" dirty="0">
+              <a:solidFill>
+                <a:srgbClr val="383838"/>
+              </a:solidFill>
+              <a:latin typeface="Avenir Medium" panose="02000503020000020003" pitchFamily="2" charset="0"/>
+            </a:endParaRPr>
+          </a:p>
+          <a:p>
+            <a:pPr marL="355599" marR="5079" indent="-342900">
+              <a:lnSpc>
+                <a:spcPct val="138400"/>
+              </a:lnSpc>
+              <a:spcBef>
+                <a:spcPts val="465"/>
+              </a:spcBef>
+              <a:buFont typeface="Arial" panose="020B0604020202020204" pitchFamily="34" charset="0"/>
+              <a:buChar char="•"/>
+            </a:pPr>
+            <a:r>
+              <a:rPr lang="en-US" sz="2000" spc="-60" dirty="0">
+                <a:solidFill>
+                  <a:srgbClr val="383838"/>
+                </a:solidFill>
+                <a:latin typeface="Avenir Medium" panose="02000503020000020003" pitchFamily="2" charset="0"/>
+              </a:rPr>
+              <a:t>Well documented and great support (</a:t>
+            </a:r>
+            <a:r>
+              <a:rPr lang="en-US" sz="2000" spc="-60" dirty="0" err="1">
+                <a:solidFill>
+                  <a:srgbClr val="383838"/>
+                </a:solidFill>
+                <a:latin typeface="Avenir Medium" panose="02000503020000020003" pitchFamily="2" charset="0"/>
+              </a:rPr>
+              <a:t>Github</a:t>
+            </a:r>
+            <a:r>
+              <a:rPr lang="en-US" sz="2000" spc="-60" dirty="0">
+                <a:solidFill>
+                  <a:srgbClr val="383838"/>
+                </a:solidFill>
+                <a:latin typeface="Avenir Medium" panose="02000503020000020003" pitchFamily="2" charset="0"/>
+              </a:rPr>
+              <a:t>, Slack, Facebook, Twitter)</a:t>
+            </a:r>
+          </a:p>
+          <a:p>
+            <a:pPr marL="355599" marR="5079" indent="-342900">
+              <a:lnSpc>
+                <a:spcPct val="138400"/>
+              </a:lnSpc>
+              <a:spcBef>
+                <a:spcPts val="465"/>
+              </a:spcBef>
+              <a:buFont typeface="Arial" panose="020B0604020202020204" pitchFamily="34" charset="0"/>
+              <a:buChar char="•"/>
+            </a:pPr>
+            <a:r>
+              <a:rPr lang="en-US" sz="2000" spc="-60" dirty="0">
+                <a:solidFill>
+                  <a:srgbClr val="383838"/>
+                </a:solidFill>
+                <a:latin typeface="Avenir Medium" panose="02000503020000020003" pitchFamily="2" charset="0"/>
+              </a:rPr>
+              <a:t>All test results saved in a time-series database</a:t>
+            </a:r>
+          </a:p>
+          <a:p>
+            <a:pPr marL="355599" marR="5079" indent="-342900">
+              <a:lnSpc>
+                <a:spcPct val="138400"/>
+              </a:lnSpc>
+              <a:spcBef>
+                <a:spcPts val="465"/>
+              </a:spcBef>
+              <a:buFont typeface="Arial" panose="020B0604020202020204" pitchFamily="34" charset="0"/>
+              <a:buChar char="•"/>
+            </a:pPr>
+            <a:r>
+              <a:rPr lang="en-US" sz="2000" spc="-60" dirty="0">
+                <a:solidFill>
+                  <a:srgbClr val="383838"/>
+                </a:solidFill>
+                <a:latin typeface="Avenir Medium" panose="02000503020000020003" pitchFamily="2" charset="0"/>
+              </a:rPr>
+              <a:t>Extensive scripting support for multi-page journeys</a:t>
+            </a:r>
+          </a:p>
+          <a:p>
+            <a:pPr marL="355599" marR="5079" indent="-342900">
+              <a:lnSpc>
+                <a:spcPct val="138400"/>
+              </a:lnSpc>
+              <a:spcBef>
+                <a:spcPts val="465"/>
+              </a:spcBef>
+              <a:buFont typeface="Arial" panose="020B0604020202020204" pitchFamily="34" charset="0"/>
+              <a:buChar char="•"/>
+            </a:pPr>
+            <a:r>
+              <a:rPr lang="en-US" sz="2000" spc="-60" dirty="0">
+                <a:solidFill>
+                  <a:srgbClr val="383838"/>
+                </a:solidFill>
+                <a:latin typeface="Avenir Medium" panose="02000503020000020003" pitchFamily="2" charset="0"/>
+              </a:rPr>
+              <a:t>SPA support</a:t>
+            </a:r>
+          </a:p>
+          <a:p>
+            <a:pPr marL="355599" marR="5079" indent="-342900">
+              <a:lnSpc>
+                <a:spcPct val="138400"/>
+              </a:lnSpc>
+              <a:spcBef>
+                <a:spcPts val="465"/>
+              </a:spcBef>
+              <a:buFont typeface="Arial" panose="020B0604020202020204" pitchFamily="34" charset="0"/>
+              <a:buChar char="•"/>
+            </a:pPr>
+            <a:r>
+              <a:rPr lang="en-US" sz="2000" b="1" i="1" spc="-60" dirty="0">
+                <a:solidFill>
+                  <a:srgbClr val="383838"/>
+                </a:solidFill>
+                <a:latin typeface="Avenir Medium" panose="02000503020000020003" pitchFamily="2" charset="0"/>
+              </a:rPr>
+              <a:t>The list goes on …</a:t>
+            </a:r>
+          </a:p>
+          <a:p>
+            <a:pPr marL="355599" marR="5079" indent="-342900">
+              <a:lnSpc>
+                <a:spcPct val="138400"/>
+              </a:lnSpc>
+              <a:spcBef>
+                <a:spcPts val="465"/>
+              </a:spcBef>
+              <a:buFont typeface="Arial" panose="020B0604020202020204" pitchFamily="34" charset="0"/>
+              <a:buChar char="•"/>
+            </a:pPr>
+            <a:endParaRPr lang="en-US" sz="2000" b="1" spc="-60" dirty="0">
+              <a:solidFill>
+                <a:srgbClr val="383838"/>
+              </a:solidFill>
               <a:latin typeface="Avenir Medium" panose="02000503020000020003" pitchFamily="2" charset="0"/>
             </a:endParaRPr>
           </a:p>
@@ -18504,10 +18343,10 @@
       </p:sp>
       <p:pic>
         <p:nvPicPr>
-          <p:cNvPr id="3" name="Picture 2">
+          <p:cNvPr id="4" name="Picture 3">
             <a:extLst>
               <a:ext uri="{FF2B5EF4-FFF2-40B4-BE49-F238E27FC236}">
-                <a16:creationId xmlns:a16="http://schemas.microsoft.com/office/drawing/2014/main" id="{CBC9283B-0AF9-28CB-06B1-D37D8E3B68A6}"/>
+                <a16:creationId xmlns:a16="http://schemas.microsoft.com/office/drawing/2014/main" id="{431BAF50-9E64-E151-0DA9-49E22A72B404}"/>
               </a:ext>
             </a:extLst>
           </p:cNvPr>
@@ -18524,8 +18363,8 @@
         </p:blipFill>
         <p:spPr>
           <a:xfrm>
-            <a:off x="3422352" y="2154830"/>
-            <a:ext cx="5347296" cy="4462538"/>
+            <a:off x="10566631" y="356643"/>
+            <a:ext cx="928683" cy="928683"/>
           </a:xfrm>
           <a:prstGeom prst="rect">
             <a:avLst/>
@@ -18535,7 +18374,7 @@
     </p:spTree>
     <p:extLst>
       <p:ext uri="{BB962C8B-B14F-4D97-AF65-F5344CB8AC3E}">
-        <p14:creationId xmlns:p14="http://schemas.microsoft.com/office/powerpoint/2010/main" val="3481094907"/>
+        <p14:creationId xmlns:p14="http://schemas.microsoft.com/office/powerpoint/2010/main" val="3232310929"/>
       </p:ext>
     </p:extLst>
   </p:cSld>
@@ -18545,7 +18384,7 @@
 </p:sld>
 </file>
 
-<file path=ppt/slides/slide14.xml><?xml version="1.0" encoding="utf-8"?>
+<file path=ppt/slides/slide3.xml><?xml version="1.0" encoding="utf-8"?>
 <p:sld xmlns:a="http://schemas.openxmlformats.org/drawingml/2006/main" xmlns:r="http://schemas.openxmlformats.org/officeDocument/2006/relationships" xmlns:p="http://schemas.openxmlformats.org/presentationml/2006/main">
   <p:cSld>
     <p:spTree>
@@ -18575,7 +18414,7 @@
         <p:spPr>
           <a:xfrm>
             <a:off x="540000" y="540001"/>
-            <a:ext cx="11171354" cy="561968"/>
+            <a:ext cx="5132138" cy="595855"/>
           </a:xfrm>
           <a:prstGeom prst="rect">
             <a:avLst/>
@@ -18612,7 +18451,7 @@
               <a:rPr lang="en-US" b="0" dirty="0">
                 <a:latin typeface="Avenir Medium" panose="02000503020000020003" pitchFamily="2" charset="0"/>
               </a:rPr>
-              <a:t>Utilities &amp; Documentation</a:t>
+              <a:t>Use Cases</a:t>
             </a:r>
             <a:endParaRPr b="0" dirty="0">
               <a:latin typeface="Avenir Medium" panose="02000503020000020003" pitchFamily="2" charset="0"/>
@@ -18634,8 +18473,8 @@
         </p:nvSpPr>
         <p:spPr>
           <a:xfrm>
-            <a:off x="539999" y="1312985"/>
-            <a:ext cx="11287565" cy="4185761"/>
+            <a:off x="540000" y="1212971"/>
+            <a:ext cx="10882856" cy="4939814"/>
           </a:xfrm>
           <a:prstGeom prst="rect">
             <a:avLst/>
@@ -18659,82 +18498,7 @@
               <a:rPr lang="en-US" sz="2000" dirty="0">
                 <a:latin typeface="Avenir Medium" panose="02000503020000020003" pitchFamily="2" charset="0"/>
               </a:rPr>
-              <a:t>System check </a:t>
-            </a:r>
-            <a:r>
-              <a:rPr lang="en-US" sz="2000" dirty="0">
-                <a:latin typeface="Avenir Medium" panose="02000503020000020003" pitchFamily="2" charset="0"/>
-                <a:sym typeface="Wingdings" pitchFamily="2" charset="2"/>
-              </a:rPr>
-              <a:t> </a:t>
-            </a:r>
-            <a:r>
-              <a:rPr lang="en-US" sz="2000" dirty="0" err="1">
-                <a:latin typeface="Avenir Medium" panose="02000503020000020003" pitchFamily="2" charset="0"/>
-                <a:sym typeface="Wingdings" pitchFamily="2" charset="2"/>
-              </a:rPr>
-              <a:t>syschk.sh</a:t>
-            </a:r>
-            <a:endParaRPr lang="en-US" sz="2000" dirty="0">
-              <a:latin typeface="Avenir Medium" panose="02000503020000020003" pitchFamily="2" charset="0"/>
-              <a:sym typeface="Wingdings" pitchFamily="2" charset="2"/>
-            </a:endParaRPr>
-          </a:p>
-          <a:p>
-            <a:pPr marL="285750" indent="-285750">
-              <a:spcAft>
-                <a:spcPts val="600"/>
-              </a:spcAft>
-              <a:buFont typeface="Arial" panose="020B0604020202020204" pitchFamily="34" charset="0"/>
-              <a:buChar char="•"/>
-            </a:pPr>
-            <a:r>
-              <a:rPr lang="en-US" sz="2000" dirty="0">
-                <a:latin typeface="Avenir Medium" panose="02000503020000020003" pitchFamily="2" charset="0"/>
-                <a:sym typeface="Wingdings" pitchFamily="2" charset="2"/>
-              </a:rPr>
-              <a:t>Web permissions  </a:t>
-            </a:r>
-            <a:r>
-              <a:rPr lang="en-US" sz="2000" dirty="0" err="1">
-                <a:latin typeface="Avenir Medium" panose="02000503020000020003" pitchFamily="2" charset="0"/>
-                <a:sym typeface="Wingdings" pitchFamily="2" charset="2"/>
-              </a:rPr>
-              <a:t>nginx.sh</a:t>
-            </a:r>
-            <a:endParaRPr lang="en-US" sz="2000" dirty="0">
-              <a:latin typeface="Avenir Medium" panose="02000503020000020003" pitchFamily="2" charset="0"/>
-              <a:sym typeface="Wingdings" pitchFamily="2" charset="2"/>
-            </a:endParaRPr>
-          </a:p>
-          <a:p>
-            <a:pPr marL="285750" indent="-285750">
-              <a:spcAft>
-                <a:spcPts val="600"/>
-              </a:spcAft>
-              <a:buFont typeface="Arial" panose="020B0604020202020204" pitchFamily="34" charset="0"/>
-              <a:buChar char="•"/>
-            </a:pPr>
-            <a:r>
-              <a:rPr lang="en-US" sz="2000" dirty="0">
-                <a:latin typeface="Avenir Medium" panose="02000503020000020003" pitchFamily="2" charset="0"/>
-                <a:sym typeface="Wingdings" pitchFamily="2" charset="2"/>
-              </a:rPr>
-              <a:t>Reset EVERYTHING  </a:t>
-            </a:r>
-            <a:r>
-              <a:rPr lang="en-US" sz="2000" dirty="0" err="1">
-                <a:latin typeface="Avenir Medium" panose="02000503020000020003" pitchFamily="2" charset="0"/>
-                <a:sym typeface="Wingdings" pitchFamily="2" charset="2"/>
-              </a:rPr>
-              <a:t>reset.sh</a:t>
-            </a:r>
-            <a:r>
-              <a:rPr lang="en-US" sz="2000" dirty="0">
-                <a:latin typeface="Avenir Medium" panose="02000503020000020003" pitchFamily="2" charset="0"/>
-                <a:sym typeface="Wingdings" pitchFamily="2" charset="2"/>
-              </a:rPr>
-              <a:t> </a:t>
+              <a:t>Single source of data for TBAs, web site analysis, general research, etc.</a:t>
             </a:r>
           </a:p>
           <a:p>
@@ -18748,21 +18512,9 @@
             <a:r>
               <a:rPr lang="en-US" sz="2000" dirty="0">
                 <a:latin typeface="Avenir Medium" panose="02000503020000020003" pitchFamily="2" charset="0"/>
-                <a:sym typeface="Wingdings" pitchFamily="2" charset="2"/>
               </a:rPr>
-              <a:t>Docker installation  install-</a:t>
+              <a:t>Collect data for competitive benchmark studies</a:t>
             </a:r>
-            <a:r>
-              <a:rPr lang="en-US" sz="2000" dirty="0" err="1">
-                <a:latin typeface="Avenir Medium" panose="02000503020000020003" pitchFamily="2" charset="0"/>
-                <a:sym typeface="Wingdings" pitchFamily="2" charset="2"/>
-              </a:rPr>
-              <a:t>docker.sh</a:t>
-            </a:r>
-            <a:endParaRPr lang="en-US" sz="2000" dirty="0">
-              <a:latin typeface="Avenir Medium" panose="02000503020000020003" pitchFamily="2" charset="0"/>
-              <a:sym typeface="Wingdings" pitchFamily="2" charset="2"/>
-            </a:endParaRPr>
           </a:p>
           <a:p>
             <a:pPr marL="285750" indent="-285750">
@@ -18775,220 +18527,160 @@
             <a:r>
               <a:rPr lang="en-US" sz="2000" dirty="0">
                 <a:latin typeface="Avenir Medium" panose="02000503020000020003" pitchFamily="2" charset="0"/>
-                <a:sym typeface="Wingdings" pitchFamily="2" charset="2"/>
               </a:rPr>
-              <a:t>Graphite  start-</a:t>
+              <a:t>Single pane of glass for all vital metrics</a:t>
             </a:r>
-            <a:r>
-              <a:rPr lang="en-US" sz="2000" dirty="0" err="1">
-                <a:latin typeface="Avenir Medium" panose="02000503020000020003" pitchFamily="2" charset="0"/>
-                <a:sym typeface="Wingdings" pitchFamily="2" charset="2"/>
-              </a:rPr>
-              <a:t>graphite.sh</a:t>
-            </a:r>
-            <a:endParaRPr lang="en-US" sz="2000" dirty="0">
-              <a:latin typeface="Avenir Medium" panose="02000503020000020003" pitchFamily="2" charset="0"/>
-              <a:sym typeface="Wingdings" pitchFamily="2" charset="2"/>
-            </a:endParaRPr>
           </a:p>
           <a:p>
-            <a:pPr marL="285750" indent="-285750">
-              <a:spcAft>
-                <a:spcPts val="600"/>
-              </a:spcAft>
+            <a:pPr marL="731520" lvl="1" indent="-342900">
               <a:buFont typeface="Arial" panose="020B0604020202020204" pitchFamily="34" charset="0"/>
               <a:buChar char="•"/>
             </a:pPr>
             <a:r>
               <a:rPr lang="en-US" sz="2000" dirty="0">
                 <a:latin typeface="Avenir Medium" panose="02000503020000020003" pitchFamily="2" charset="0"/>
-                <a:sym typeface="Wingdings" pitchFamily="2" charset="2"/>
               </a:rPr>
-              <a:t>Global administration  </a:t>
+              <a:t>Domain and Page Metrics</a:t>
             </a:r>
-            <a:r>
-              <a:rPr lang="en-US" sz="2000" dirty="0" err="1">
-                <a:latin typeface="Avenir Medium" panose="02000503020000020003" pitchFamily="2" charset="0"/>
-                <a:sym typeface="Wingdings" pitchFamily="2" charset="2"/>
-              </a:rPr>
-              <a:t>push.sh</a:t>
-            </a:r>
-            <a:endParaRPr lang="en-US" sz="2000" dirty="0">
-              <a:latin typeface="Avenir Medium" panose="02000503020000020003" pitchFamily="2" charset="0"/>
-              <a:sym typeface="Wingdings" pitchFamily="2" charset="2"/>
-            </a:endParaRPr>
           </a:p>
           <a:p>
-            <a:pPr marL="285750" indent="-285750">
-              <a:spcAft>
-                <a:spcPts val="600"/>
-              </a:spcAft>
-              <a:buFont typeface="Arial" panose="020B0604020202020204" pitchFamily="34" charset="0"/>
-              <a:buChar char="•"/>
-            </a:pPr>
-            <a:endParaRPr lang="en-US" sz="2000" dirty="0">
-              <a:latin typeface="Avenir Medium" panose="02000503020000020003" pitchFamily="2" charset="0"/>
-              <a:sym typeface="Wingdings" pitchFamily="2" charset="2"/>
-            </a:endParaRPr>
-          </a:p>
-          <a:p>
-            <a:pPr marL="285750" indent="-285750">
-              <a:spcAft>
-                <a:spcPts val="600"/>
-              </a:spcAft>
+            <a:pPr marL="731520" lvl="1" indent="-342900">
               <a:buFont typeface="Arial" panose="020B0604020202020204" pitchFamily="34" charset="0"/>
               <a:buChar char="•"/>
             </a:pPr>
             <a:r>
               <a:rPr lang="en-US" sz="2000" dirty="0">
                 <a:latin typeface="Avenir Medium" panose="02000503020000020003" pitchFamily="2" charset="0"/>
-                <a:sym typeface="Wingdings" pitchFamily="2" charset="2"/>
               </a:rPr>
-              <a:t>Fully documented  </a:t>
+              <a:t>Site Construction</a:t>
             </a:r>
+          </a:p>
+          <a:p>
+            <a:pPr marL="731520" lvl="1" indent="-342900">
+              <a:buFont typeface="Arial" panose="020B0604020202020204" pitchFamily="34" charset="0"/>
+              <a:buChar char="•"/>
+            </a:pPr>
             <a:r>
               <a:rPr lang="en-US" sz="2000" dirty="0">
                 <a:latin typeface="Avenir Medium" panose="02000503020000020003" pitchFamily="2" charset="0"/>
-                <a:sym typeface="Wingdings" pitchFamily="2" charset="2"/>
-                <a:hlinkClick r:id="rId3"/>
               </a:rPr>
-              <a:t>https://git.source.akamai.com/projects/A2S/repos/sitespeed</a:t>
+              <a:t>1st &amp; 3rd Party Information</a:t>
             </a:r>
-            <a:endParaRPr lang="en-US" sz="2000" dirty="0">
-              <a:latin typeface="Avenir Medium" panose="02000503020000020003" pitchFamily="2" charset="0"/>
-              <a:sym typeface="Wingdings" pitchFamily="2" charset="2"/>
-            </a:endParaRPr>
           </a:p>
           <a:p>
-            <a:pPr marL="285750" indent="-285750">
-              <a:spcAft>
-                <a:spcPts val="600"/>
-              </a:spcAft>
+            <a:pPr marL="731520" lvl="1" indent="-342900">
               <a:buFont typeface="Arial" panose="020B0604020202020204" pitchFamily="34" charset="0"/>
               <a:buChar char="•"/>
             </a:pPr>
-            <a:endParaRPr lang="en-US" sz="2000" dirty="0">
-              <a:latin typeface="Avenir Medium" panose="02000503020000020003" pitchFamily="2" charset="0"/>
-              <a:sym typeface="Wingdings" pitchFamily="2" charset="2"/>
-            </a:endParaRPr>
+            <a:r>
+              <a:rPr lang="en-US" sz="2000" dirty="0">
+                <a:latin typeface="Avenir Medium" panose="02000503020000020003" pitchFamily="2" charset="0"/>
+              </a:rPr>
+              <a:t>Largest JS, CSS, and Images</a:t>
+            </a:r>
           </a:p>
           <a:p>
-            <a:pPr marL="285750" indent="-285750">
-              <a:spcAft>
-                <a:spcPts val="600"/>
-              </a:spcAft>
+            <a:pPr marL="731520" lvl="1" indent="-342900">
               <a:buFont typeface="Arial" panose="020B0604020202020204" pitchFamily="34" charset="0"/>
               <a:buChar char="•"/>
             </a:pPr>
-            <a:endParaRPr lang="en-US" sz="1800" dirty="0">
-              <a:latin typeface="Avenir Medium" panose="02000503020000020003" pitchFamily="2" charset="0"/>
-            </a:endParaRPr>
+            <a:r>
+              <a:rPr lang="en-US" sz="2000" dirty="0">
+                <a:latin typeface="Avenir Medium" panose="02000503020000020003" pitchFamily="2" charset="0"/>
+              </a:rPr>
+              <a:t>Slowest First and Third-Party Resources</a:t>
+            </a:r>
           </a:p>
           <a:p>
-            <a:pPr marL="285750" indent="-285750">
+            <a:pPr marL="731520" lvl="1" indent="-342900">
               <a:buFont typeface="Arial" panose="020B0604020202020204" pitchFamily="34" charset="0"/>
               <a:buChar char="•"/>
             </a:pPr>
-            <a:endParaRPr lang="en-US" sz="1800" dirty="0">
-              <a:latin typeface="Avenir Medium" panose="02000503020000020003" pitchFamily="2" charset="0"/>
-            </a:endParaRPr>
+            <a:r>
+              <a:rPr lang="en-US" sz="2000" dirty="0">
+                <a:latin typeface="Avenir Medium" panose="02000503020000020003" pitchFamily="2" charset="0"/>
+              </a:rPr>
+              <a:t>Prescriptive Guidance</a:t>
+            </a:r>
           </a:p>
-        </p:txBody>
-      </p:sp>
-      <p:pic>
-        <p:nvPicPr>
-          <p:cNvPr id="6" name="Graphic 5" descr="No Touch with solid fill">
-            <a:extLst>
-              <a:ext uri="{FF2B5EF4-FFF2-40B4-BE49-F238E27FC236}">
-                <a16:creationId xmlns:a16="http://schemas.microsoft.com/office/drawing/2014/main" id="{9E69A2F8-8B8D-F945-9AA0-DA866429F98A}"/>
-              </a:ext>
-            </a:extLst>
-          </p:cNvPr>
-          <p:cNvPicPr>
-            <a:picLocks noChangeAspect="1"/>
-          </p:cNvPicPr>
-          <p:nvPr/>
-        </p:nvPicPr>
-        <p:blipFill>
-          <a:blip r:embed="rId4">
-            <a:extLst>
-              <a:ext uri="{96DAC541-7B7A-43D3-8B79-37D633B846F1}">
-                <asvg:svgBlip xmlns:asvg="http://schemas.microsoft.com/office/drawing/2016/SVG/main" r:embed="rId5"/>
-              </a:ext>
-            </a:extLst>
-          </a:blip>
-          <a:stretch>
-            <a:fillRect/>
-          </a:stretch>
-        </p:blipFill>
-        <p:spPr>
-          <a:xfrm>
-            <a:off x="8213752" y="1722824"/>
-            <a:ext cx="914400" cy="914400"/>
-          </a:xfrm>
-          <a:prstGeom prst="rect">
-            <a:avLst/>
-          </a:prstGeom>
-        </p:spPr>
-      </p:pic>
-      <p:sp>
-        <p:nvSpPr>
-          <p:cNvPr id="7" name="Right Arrow 6">
-            <a:extLst>
-              <a:ext uri="{FF2B5EF4-FFF2-40B4-BE49-F238E27FC236}">
-                <a16:creationId xmlns:a16="http://schemas.microsoft.com/office/drawing/2014/main" id="{3C8E56B6-44B8-5C43-B679-66A32D3DE3EF}"/>
-              </a:ext>
-            </a:extLst>
-          </p:cNvPr>
-          <p:cNvSpPr/>
-          <p:nvPr/>
-        </p:nvSpPr>
-        <p:spPr>
-          <a:xfrm>
-            <a:off x="5510832" y="2180024"/>
-            <a:ext cx="2530764" cy="159520"/>
-          </a:xfrm>
-          <a:prstGeom prst="rightArrow">
-            <a:avLst/>
-          </a:prstGeom>
-          <a:solidFill>
-            <a:srgbClr val="FF0000"/>
-          </a:solidFill>
-          <a:ln>
-            <a:solidFill>
-              <a:srgbClr val="FF0000"/>
-            </a:solidFill>
-          </a:ln>
-        </p:spPr>
-        <p:style>
-          <a:lnRef idx="2">
-            <a:schemeClr val="accent1">
-              <a:shade val="50000"/>
-            </a:schemeClr>
-          </a:lnRef>
-          <a:fillRef idx="1">
-            <a:schemeClr val="accent1"/>
-          </a:fillRef>
-          <a:effectRef idx="0">
-            <a:schemeClr val="accent1"/>
-          </a:effectRef>
-          <a:fontRef idx="minor">
-            <a:schemeClr val="lt1"/>
-          </a:fontRef>
-        </p:style>
-        <p:txBody>
-          <a:bodyPr rtlCol="0" anchor="ctr"/>
-          <a:lstStyle/>
           <a:p>
-            <a:pPr algn="ctr"/>
-            <a:endParaRPr lang="en-US" dirty="0"/>
+            <a:pPr marL="731520" lvl="1" indent="-342900">
+              <a:buFont typeface="Arial" panose="020B0604020202020204" pitchFamily="34" charset="0"/>
+              <a:buChar char="•"/>
+            </a:pPr>
+            <a:r>
+              <a:rPr lang="en-US" sz="2000" dirty="0">
+                <a:latin typeface="Avenir Medium" panose="02000503020000020003" pitchFamily="2" charset="0"/>
+              </a:rPr>
+              <a:t>Core Web Vitals</a:t>
+            </a:r>
+          </a:p>
+          <a:p>
+            <a:pPr marL="731520" lvl="1" indent="-342900">
+              <a:buFont typeface="Arial" panose="020B0604020202020204" pitchFamily="34" charset="0"/>
+              <a:buChar char="•"/>
+            </a:pPr>
+            <a:r>
+              <a:rPr lang="en-US" sz="2000" dirty="0">
+                <a:latin typeface="Avenir Medium" panose="02000503020000020003" pitchFamily="2" charset="0"/>
+              </a:rPr>
+              <a:t>Waterfall</a:t>
+            </a:r>
+          </a:p>
+          <a:p>
+            <a:pPr marL="731520" lvl="1" indent="-342900">
+              <a:buFont typeface="Arial" panose="020B0604020202020204" pitchFamily="34" charset="0"/>
+              <a:buChar char="•"/>
+            </a:pPr>
+            <a:r>
+              <a:rPr lang="en-US" sz="2000" dirty="0">
+                <a:latin typeface="Avenir Medium" panose="02000503020000020003" pitchFamily="2" charset="0"/>
+              </a:rPr>
+              <a:t>Filmstrip</a:t>
+            </a:r>
+          </a:p>
+          <a:p>
+            <a:pPr marL="731520" lvl="1" indent="-342900">
+              <a:buFont typeface="Arial" panose="020B0604020202020204" pitchFamily="34" charset="0"/>
+              <a:buChar char="•"/>
+            </a:pPr>
+            <a:r>
+              <a:rPr lang="en-US" sz="2000" dirty="0">
+                <a:latin typeface="Avenir Medium" panose="02000503020000020003" pitchFamily="2" charset="0"/>
+              </a:rPr>
+              <a:t>Video</a:t>
+            </a:r>
+          </a:p>
+          <a:p>
+            <a:pPr marL="731520" lvl="1" indent="-342900">
+              <a:buFont typeface="Arial" panose="020B0604020202020204" pitchFamily="34" charset="0"/>
+              <a:buChar char="•"/>
+            </a:pPr>
+            <a:r>
+              <a:rPr lang="en-US" sz="2000" dirty="0">
+                <a:latin typeface="Avenir Medium" panose="02000503020000020003" pitchFamily="2" charset="0"/>
+              </a:rPr>
+              <a:t>Google Lighthouse</a:t>
+            </a:r>
+          </a:p>
+          <a:p>
+            <a:pPr marL="731520" lvl="1" indent="-342900">
+              <a:buFont typeface="Arial" panose="020B0604020202020204" pitchFamily="34" charset="0"/>
+              <a:buChar char="•"/>
+            </a:pPr>
+            <a:r>
+              <a:rPr lang="en-US" sz="2000" dirty="0">
+                <a:latin typeface="Avenir Medium" panose="02000503020000020003" pitchFamily="2" charset="0"/>
+              </a:rPr>
+              <a:t>Chrome User Experience (CrUX)</a:t>
+            </a:r>
           </a:p>
         </p:txBody>
       </p:sp>
     </p:spTree>
     <p:extLst>
       <p:ext uri="{BB962C8B-B14F-4D97-AF65-F5344CB8AC3E}">
-        <p14:creationId xmlns:p14="http://schemas.microsoft.com/office/powerpoint/2010/main" val="3483171716"/>
+        <p14:creationId xmlns:p14="http://schemas.microsoft.com/office/powerpoint/2010/main" val="999530664"/>
       </p:ext>
     </p:extLst>
   </p:cSld>
@@ -18998,7 +18690,7 @@
 </p:sld>
 </file>
 
-<file path=ppt/slides/slide2.xml><?xml version="1.0" encoding="utf-8"?>
+<file path=ppt/slides/slide4.xml><?xml version="1.0" encoding="utf-8"?>
 <p:sld xmlns:a="http://schemas.openxmlformats.org/drawingml/2006/main" xmlns:r="http://schemas.openxmlformats.org/officeDocument/2006/relationships" xmlns:p="http://schemas.openxmlformats.org/presentationml/2006/main">
   <p:cSld>
     <p:spTree>
@@ -19267,7 +18959,7 @@
                 </a:solidFill>
                 <a:latin typeface="Avenir Medium" panose="02000503020000020003" pitchFamily="2" charset="0"/>
               </a:rPr>
-              <a:t>Single Domain and Competitive Analysis analysis is driven by Sitespeed.io</a:t>
+              <a:t>Single Domain and Competitive Analysis testing is driven by Sitespeed.io</a:t>
             </a:r>
           </a:p>
           <a:p>
@@ -19288,7 +18980,7 @@
                 </a:solidFill>
                 <a:latin typeface="Avenir Medium" panose="02000503020000020003" pitchFamily="2" charset="0"/>
               </a:rPr>
-              <a:t>URLs are tested 3 times on an hourly basis over a LAN and LTE connection</a:t>
+              <a:t>Tests are performed on a LAN and an emulated mobile connection</a:t>
             </a:r>
           </a:p>
           <a:p>
@@ -19352,7 +19044,7 @@
 </p:sld>
 </file>
 
-<file path=ppt/slides/slide3.xml><?xml version="1.0" encoding="utf-8"?>
+<file path=ppt/slides/slide5.xml><?xml version="1.0" encoding="utf-8"?>
 <p:sld xmlns:a="http://schemas.openxmlformats.org/drawingml/2006/main" xmlns:r="http://schemas.openxmlformats.org/officeDocument/2006/relationships" xmlns:p="http://schemas.openxmlformats.org/presentationml/2006/main">
   <p:cSld>
     <p:spTree>
@@ -20061,7 +19753,7 @@
 </p:sld>
 </file>
 
-<file path=ppt/slides/slide4.xml><?xml version="1.0" encoding="utf-8"?>
+<file path=ppt/slides/slide6.xml><?xml version="1.0" encoding="utf-8"?>
 <p:sld xmlns:a="http://schemas.openxmlformats.org/drawingml/2006/main" xmlns:r="http://schemas.openxmlformats.org/officeDocument/2006/relationships" xmlns:p="http://schemas.openxmlformats.org/presentationml/2006/main">
   <p:cSld>
     <p:spTree>
@@ -20857,7 +20549,7 @@
 </p:sld>
 </file>
 
-<file path=ppt/slides/slide5.xml><?xml version="1.0" encoding="utf-8"?>
+<file path=ppt/slides/slide7.xml><?xml version="1.0" encoding="utf-8"?>
 <p:sld xmlns:a="http://schemas.openxmlformats.org/drawingml/2006/main" xmlns:r="http://schemas.openxmlformats.org/officeDocument/2006/relationships" xmlns:p="http://schemas.openxmlformats.org/presentationml/2006/main">
   <p:cSld>
     <p:spTree>
@@ -20954,8 +20646,8 @@
         </p:blipFill>
         <p:spPr>
           <a:xfrm>
-            <a:off x="1280852" y="1085439"/>
-            <a:ext cx="4201609" cy="2771531"/>
+            <a:off x="228513" y="2090650"/>
+            <a:ext cx="5524350" cy="3644058"/>
           </a:xfrm>
           <a:prstGeom prst="rect">
             <a:avLst/>
@@ -20984,38 +20676,8 @@
         </p:blipFill>
         <p:spPr>
           <a:xfrm>
-            <a:off x="5812217" y="1085439"/>
-            <a:ext cx="4291320" cy="2781014"/>
-          </a:xfrm>
-          <a:prstGeom prst="rect">
-            <a:avLst/>
-          </a:prstGeom>
-        </p:spPr>
-      </p:pic>
-      <p:pic>
-        <p:nvPicPr>
-          <p:cNvPr id="5" name="Picture 4">
-            <a:extLst>
-              <a:ext uri="{FF2B5EF4-FFF2-40B4-BE49-F238E27FC236}">
-                <a16:creationId xmlns:a16="http://schemas.microsoft.com/office/drawing/2014/main" id="{E74BE5C2-5315-F849-8892-9CCC987B1616}"/>
-              </a:ext>
-            </a:extLst>
-          </p:cNvPr>
-          <p:cNvPicPr>
-            <a:picLocks noChangeAspect="1"/>
-          </p:cNvPicPr>
-          <p:nvPr/>
-        </p:nvPicPr>
-        <p:blipFill>
-          <a:blip r:embed="rId5"/>
-          <a:stretch>
-            <a:fillRect/>
-          </a:stretch>
-        </p:blipFill>
-        <p:spPr>
-          <a:xfrm>
-            <a:off x="3660972" y="3524794"/>
-            <a:ext cx="4870056" cy="2967361"/>
+            <a:off x="6125677" y="2078182"/>
+            <a:ext cx="5642303" cy="3656526"/>
           </a:xfrm>
           <a:prstGeom prst="rect">
             <a:avLst/>
@@ -21036,7 +20698,7 @@
         </p:nvSpPr>
         <p:spPr>
           <a:xfrm>
-            <a:off x="498489" y="4125957"/>
+            <a:off x="228513" y="1136543"/>
             <a:ext cx="2934789" cy="954107"/>
           </a:xfrm>
           <a:prstGeom prst="rect">
@@ -21095,77 +20757,6 @@
       </p:sp>
       <p:sp>
         <p:nvSpPr>
-          <p:cNvPr id="8" name="TextBox 7">
-            <a:extLst>
-              <a:ext uri="{FF2B5EF4-FFF2-40B4-BE49-F238E27FC236}">
-                <a16:creationId xmlns:a16="http://schemas.microsoft.com/office/drawing/2014/main" id="{21FAF787-68D2-6D42-BBB0-6BA1EF2E441F}"/>
-              </a:ext>
-            </a:extLst>
-          </p:cNvPr>
-          <p:cNvSpPr txBox="1"/>
-          <p:nvPr/>
-        </p:nvSpPr>
-        <p:spPr>
-          <a:xfrm>
-            <a:off x="498488" y="5161715"/>
-            <a:ext cx="2934789" cy="954107"/>
-          </a:xfrm>
-          <a:prstGeom prst="rect">
-            <a:avLst/>
-          </a:prstGeom>
-          <a:noFill/>
-        </p:spPr>
-        <p:txBody>
-          <a:bodyPr wrap="square" rtlCol="0">
-            <a:spAutoFit/>
-          </a:bodyPr>
-          <a:lstStyle/>
-          <a:p>
-            <a:pPr marL="285750"/>
-            <a:r>
-              <a:rPr lang="en-US" b="1" dirty="0">
-                <a:latin typeface="Avenir Medium" panose="02000503020000020003" pitchFamily="2" charset="0"/>
-              </a:rPr>
-              <a:t>Graphite</a:t>
-            </a:r>
-          </a:p>
-          <a:p>
-            <a:pPr marL="285750">
-              <a:buFont typeface="Arial" panose="020B0604020202020204" pitchFamily="34" charset="0"/>
-              <a:buChar char="•"/>
-            </a:pPr>
-            <a:r>
-              <a:rPr lang="en-US" b="1" dirty="0">
-                <a:latin typeface="Avenir Medium" panose="02000503020000020003" pitchFamily="2" charset="0"/>
-              </a:rPr>
-              <a:t> Restricted access</a:t>
-            </a:r>
-          </a:p>
-          <a:p>
-            <a:pPr marL="285750">
-              <a:buFont typeface="Arial" panose="020B0604020202020204" pitchFamily="34" charset="0"/>
-              <a:buChar char="•"/>
-            </a:pPr>
-            <a:r>
-              <a:rPr lang="en-US" b="1" dirty="0">
-                <a:latin typeface="Avenir Medium" panose="02000503020000020003" pitchFamily="2" charset="0"/>
-              </a:rPr>
-              <a:t> Used only for health check</a:t>
-            </a:r>
-          </a:p>
-          <a:p>
-            <a:pPr marL="285750" indent="-285750">
-              <a:buFont typeface="Arial" panose="020B0604020202020204" pitchFamily="34" charset="0"/>
-              <a:buChar char="•"/>
-            </a:pPr>
-            <a:endParaRPr lang="en-US" b="1" dirty="0">
-              <a:latin typeface="Avenir Medium" panose="02000503020000020003" pitchFamily="2" charset="0"/>
-            </a:endParaRPr>
-          </a:p>
-        </p:txBody>
-      </p:sp>
-      <p:sp>
-        <p:nvSpPr>
           <p:cNvPr id="9" name="TextBox 8">
             <a:extLst>
               <a:ext uri="{FF2B5EF4-FFF2-40B4-BE49-F238E27FC236}">
@@ -21178,7 +20769,7 @@
         </p:nvSpPr>
         <p:spPr>
           <a:xfrm>
-            <a:off x="8970298" y="4504935"/>
+            <a:off x="6096000" y="1123292"/>
             <a:ext cx="2818290" cy="738664"/>
           </a:xfrm>
           <a:prstGeom prst="rect">
@@ -21226,152 +20817,6 @@
           </a:p>
         </p:txBody>
       </p:sp>
-      <p:sp>
-        <p:nvSpPr>
-          <p:cNvPr id="23" name="Bent Arrow 22">
-            <a:extLst>
-              <a:ext uri="{FF2B5EF4-FFF2-40B4-BE49-F238E27FC236}">
-                <a16:creationId xmlns:a16="http://schemas.microsoft.com/office/drawing/2014/main" id="{7C7860D4-6A01-CA44-ADE7-035CE48F8E3E}"/>
-              </a:ext>
-            </a:extLst>
-          </p:cNvPr>
-          <p:cNvSpPr/>
-          <p:nvPr/>
-        </p:nvSpPr>
-        <p:spPr>
-          <a:xfrm>
-            <a:off x="852615" y="2520778"/>
-            <a:ext cx="533959" cy="1470686"/>
-          </a:xfrm>
-          <a:prstGeom prst="bentArrow">
-            <a:avLst/>
-          </a:prstGeom>
-        </p:spPr>
-        <p:style>
-          <a:lnRef idx="2">
-            <a:schemeClr val="accent1">
-              <a:shade val="50000"/>
-            </a:schemeClr>
-          </a:lnRef>
-          <a:fillRef idx="1">
-            <a:schemeClr val="accent1"/>
-          </a:fillRef>
-          <a:effectRef idx="0">
-            <a:schemeClr val="accent1"/>
-          </a:effectRef>
-          <a:fontRef idx="minor">
-            <a:schemeClr val="lt1"/>
-          </a:fontRef>
-        </p:style>
-        <p:txBody>
-          <a:bodyPr rtlCol="0" anchor="ctr"/>
-          <a:lstStyle/>
-          <a:p>
-            <a:pPr algn="ctr"/>
-            <a:endParaRPr lang="en-US">
-              <a:solidFill>
-                <a:schemeClr val="tx1"/>
-              </a:solidFill>
-            </a:endParaRPr>
-          </a:p>
-        </p:txBody>
-      </p:sp>
-      <p:sp>
-        <p:nvSpPr>
-          <p:cNvPr id="25" name="Bent Arrow 24">
-            <a:extLst>
-              <a:ext uri="{FF2B5EF4-FFF2-40B4-BE49-F238E27FC236}">
-                <a16:creationId xmlns:a16="http://schemas.microsoft.com/office/drawing/2014/main" id="{C59C16DA-FC0C-D04E-B0A1-FC1D9AFB5304}"/>
-              </a:ext>
-            </a:extLst>
-          </p:cNvPr>
-          <p:cNvSpPr/>
-          <p:nvPr/>
-        </p:nvSpPr>
-        <p:spPr>
-          <a:xfrm flipH="1">
-            <a:off x="10168231" y="2414039"/>
-            <a:ext cx="637195" cy="2188971"/>
-          </a:xfrm>
-          <a:prstGeom prst="bentArrow">
-            <a:avLst/>
-          </a:prstGeom>
-        </p:spPr>
-        <p:style>
-          <a:lnRef idx="2">
-            <a:schemeClr val="accent1">
-              <a:shade val="50000"/>
-            </a:schemeClr>
-          </a:lnRef>
-          <a:fillRef idx="1">
-            <a:schemeClr val="accent1"/>
-          </a:fillRef>
-          <a:effectRef idx="0">
-            <a:schemeClr val="accent1"/>
-          </a:effectRef>
-          <a:fontRef idx="minor">
-            <a:schemeClr val="lt1"/>
-          </a:fontRef>
-        </p:style>
-        <p:txBody>
-          <a:bodyPr rtlCol="0" anchor="ctr"/>
-          <a:lstStyle/>
-          <a:p>
-            <a:pPr algn="ctr"/>
-            <a:endParaRPr lang="en-US">
-              <a:solidFill>
-                <a:schemeClr val="tx1"/>
-              </a:solidFill>
-            </a:endParaRPr>
-          </a:p>
-        </p:txBody>
-      </p:sp>
-      <p:sp>
-        <p:nvSpPr>
-          <p:cNvPr id="24" name="Right Arrow 23">
-            <a:extLst>
-              <a:ext uri="{FF2B5EF4-FFF2-40B4-BE49-F238E27FC236}">
-                <a16:creationId xmlns:a16="http://schemas.microsoft.com/office/drawing/2014/main" id="{7186B349-2693-FD45-A7CA-592363C23DF3}"/>
-              </a:ext>
-            </a:extLst>
-          </p:cNvPr>
-          <p:cNvSpPr/>
-          <p:nvPr/>
-        </p:nvSpPr>
-        <p:spPr>
-          <a:xfrm>
-            <a:off x="2673853" y="5225858"/>
-            <a:ext cx="1746544" cy="343936"/>
-          </a:xfrm>
-          <a:prstGeom prst="rightArrow">
-            <a:avLst/>
-          </a:prstGeom>
-        </p:spPr>
-        <p:style>
-          <a:lnRef idx="2">
-            <a:schemeClr val="accent1">
-              <a:shade val="50000"/>
-            </a:schemeClr>
-          </a:lnRef>
-          <a:fillRef idx="1">
-            <a:schemeClr val="accent1"/>
-          </a:fillRef>
-          <a:effectRef idx="0">
-            <a:schemeClr val="accent1"/>
-          </a:effectRef>
-          <a:fontRef idx="minor">
-            <a:schemeClr val="lt1"/>
-          </a:fontRef>
-        </p:style>
-        <p:txBody>
-          <a:bodyPr rtlCol="0" anchor="ctr"/>
-          <a:lstStyle/>
-          <a:p>
-            <a:pPr algn="ctr"/>
-            <a:endParaRPr lang="en-US"/>
-          </a:p>
-        </p:txBody>
-      </p:sp>
     </p:spTree>
     <p:extLst>
       <p:ext uri="{BB962C8B-B14F-4D97-AF65-F5344CB8AC3E}">
@@ -21385,7 +20830,7 @@
 </p:sld>
 </file>
 
-<file path=ppt/slides/slide6.xml><?xml version="1.0" encoding="utf-8"?>
+<file path=ppt/slides/slide8.xml><?xml version="1.0" encoding="utf-8"?>
 <p:sld xmlns:a="http://schemas.openxmlformats.org/drawingml/2006/main" xmlns:r="http://schemas.openxmlformats.org/officeDocument/2006/relationships" xmlns:p="http://schemas.openxmlformats.org/presentationml/2006/main">
   <p:cSld>
     <p:spTree>
@@ -21402,6 +20847,36 @@
           <a:chExt cx="0" cy="0"/>
         </a:xfrm>
       </p:grpSpPr>
+      <p:pic>
+        <p:nvPicPr>
+          <p:cNvPr id="8" name="Picture 7" descr="A picture containing icon&#10;&#10;Description automatically generated">
+            <a:extLst>
+              <a:ext uri="{FF2B5EF4-FFF2-40B4-BE49-F238E27FC236}">
+                <a16:creationId xmlns:a16="http://schemas.microsoft.com/office/drawing/2014/main" id="{FE2D6886-CB79-FB4D-9450-C291EBD718BF}"/>
+              </a:ext>
+            </a:extLst>
+          </p:cNvPr>
+          <p:cNvPicPr>
+            <a:picLocks noChangeAspect="1"/>
+          </p:cNvPicPr>
+          <p:nvPr/>
+        </p:nvPicPr>
+        <p:blipFill>
+          <a:blip r:embed="rId3"/>
+          <a:stretch>
+            <a:fillRect/>
+          </a:stretch>
+        </p:blipFill>
+        <p:spPr>
+          <a:xfrm>
+            <a:off x="1300687" y="2599613"/>
+            <a:ext cx="1351099" cy="1658774"/>
+          </a:xfrm>
+          <a:prstGeom prst="rect">
+            <a:avLst/>
+          </a:prstGeom>
+        </p:spPr>
+      </p:pic>
       <p:sp>
         <p:nvSpPr>
           <p:cNvPr id="197" name="Google Shape;197;p10"/>
@@ -21452,7 +20927,7 @@
               <a:rPr lang="en-US" b="0" dirty="0">
                 <a:latin typeface="Avenir Medium" panose="02000503020000020003" pitchFamily="2" charset="0"/>
               </a:rPr>
-              <a:t>Hardware Architecture</a:t>
+              <a:t>Servers</a:t>
             </a:r>
             <a:endParaRPr b="0" dirty="0">
               <a:latin typeface="Avenir Medium" panose="02000503020000020003" pitchFamily="2" charset="0"/>
@@ -21460,36 +20935,6 @@
           </a:p>
         </p:txBody>
       </p:sp>
-      <p:pic>
-        <p:nvPicPr>
-          <p:cNvPr id="8" name="Picture 7" descr="A picture containing icon&#10;&#10;Description automatically generated">
-            <a:extLst>
-              <a:ext uri="{FF2B5EF4-FFF2-40B4-BE49-F238E27FC236}">
-                <a16:creationId xmlns:a16="http://schemas.microsoft.com/office/drawing/2014/main" id="{FE2D6886-CB79-FB4D-9450-C291EBD718BF}"/>
-              </a:ext>
-            </a:extLst>
-          </p:cNvPr>
-          <p:cNvPicPr>
-            <a:picLocks noChangeAspect="1"/>
-          </p:cNvPicPr>
-          <p:nvPr/>
-        </p:nvPicPr>
-        <p:blipFill>
-          <a:blip r:embed="rId3"/>
-          <a:stretch>
-            <a:fillRect/>
-          </a:stretch>
-        </p:blipFill>
-        <p:spPr>
-          <a:xfrm>
-            <a:off x="1194967" y="2169683"/>
-            <a:ext cx="1285784" cy="1578586"/>
-          </a:xfrm>
-          <a:prstGeom prst="rect">
-            <a:avLst/>
-          </a:prstGeom>
-        </p:spPr>
-      </p:pic>
       <p:sp>
         <p:nvSpPr>
           <p:cNvPr id="10" name="TextBox 9">
@@ -21504,8 +20949,8 @@
         </p:nvSpPr>
         <p:spPr>
           <a:xfrm>
-            <a:off x="1009106" y="1701318"/>
-            <a:ext cx="2394912" cy="400110"/>
+            <a:off x="5035259" y="450277"/>
+            <a:ext cx="1714392" cy="400110"/>
           </a:xfrm>
           <a:prstGeom prst="rect">
             <a:avLst/>
@@ -21522,115 +20967,11 @@
               <a:rPr lang="en-US" sz="2000" b="1" dirty="0">
                 <a:latin typeface="Avenir Medium" panose="02000503020000020003" pitchFamily="2" charset="0"/>
               </a:rPr>
-              <a:t>Sitespeed.io</a:t>
+              <a:t>Admin Portal</a:t>
             </a:r>
           </a:p>
         </p:txBody>
       </p:sp>
-      <p:sp>
-        <p:nvSpPr>
-          <p:cNvPr id="11" name="TextBox 10">
-            <a:extLst>
-              <a:ext uri="{FF2B5EF4-FFF2-40B4-BE49-F238E27FC236}">
-                <a16:creationId xmlns:a16="http://schemas.microsoft.com/office/drawing/2014/main" id="{145411BD-726B-4C4D-8E1F-505DCF1F1150}"/>
-              </a:ext>
-            </a:extLst>
-          </p:cNvPr>
-          <p:cNvSpPr txBox="1"/>
-          <p:nvPr/>
-        </p:nvSpPr>
-        <p:spPr>
-          <a:xfrm>
-            <a:off x="392601" y="3884779"/>
-            <a:ext cx="3415895" cy="954107"/>
-          </a:xfrm>
-          <a:prstGeom prst="rect">
-            <a:avLst/>
-          </a:prstGeom>
-          <a:noFill/>
-        </p:spPr>
-        <p:txBody>
-          <a:bodyPr wrap="square" rtlCol="0">
-            <a:spAutoFit/>
-          </a:bodyPr>
-          <a:lstStyle/>
-          <a:p>
-            <a:pPr marL="285750">
-              <a:buFont typeface="Arial" panose="020B0604020202020204" pitchFamily="34" charset="0"/>
-              <a:buChar char="•"/>
-            </a:pPr>
-            <a:r>
-              <a:rPr lang="en-US" b="1" dirty="0">
-                <a:latin typeface="Avenir Medium" panose="02000503020000020003" pitchFamily="2" charset="0"/>
-              </a:rPr>
-              <a:t> CentOS 7</a:t>
-            </a:r>
-          </a:p>
-          <a:p>
-            <a:pPr marL="285750">
-              <a:buFont typeface="Arial" panose="020B0604020202020204" pitchFamily="34" charset="0"/>
-              <a:buChar char="•"/>
-            </a:pPr>
-            <a:r>
-              <a:rPr lang="en-US" b="1" dirty="0">
-                <a:latin typeface="Avenir Medium" panose="02000503020000020003" pitchFamily="2" charset="0"/>
-              </a:rPr>
-              <a:t> 8 CPU, 16GB RAM, 320GB HDD</a:t>
-            </a:r>
-          </a:p>
-          <a:p>
-            <a:pPr marL="285750">
-              <a:buFont typeface="Arial" panose="020B0604020202020204" pitchFamily="34" charset="0"/>
-              <a:buChar char="•"/>
-            </a:pPr>
-            <a:r>
-              <a:rPr lang="en-US" b="1" dirty="0">
-                <a:latin typeface="Avenir Medium" panose="02000503020000020003" pitchFamily="2" charset="0"/>
-              </a:rPr>
-              <a:t> Static public facing IP</a:t>
-            </a:r>
-          </a:p>
-          <a:p>
-            <a:pPr marL="285750" indent="-285750">
-              <a:buFont typeface="Arial" panose="020B0604020202020204" pitchFamily="34" charset="0"/>
-              <a:buChar char="•"/>
-            </a:pPr>
-            <a:endParaRPr lang="en-US" b="1" dirty="0">
-              <a:latin typeface="Avenir Medium" panose="02000503020000020003" pitchFamily="2" charset="0"/>
-            </a:endParaRPr>
-          </a:p>
-        </p:txBody>
-      </p:sp>
-      <p:pic>
-        <p:nvPicPr>
-          <p:cNvPr id="15" name="Picture 14" descr="A picture containing icon&#10;&#10;Description automatically generated">
-            <a:extLst>
-              <a:ext uri="{FF2B5EF4-FFF2-40B4-BE49-F238E27FC236}">
-                <a16:creationId xmlns:a16="http://schemas.microsoft.com/office/drawing/2014/main" id="{608A8B99-1364-CB47-A4C0-380D1923F359}"/>
-              </a:ext>
-            </a:extLst>
-          </p:cNvPr>
-          <p:cNvPicPr>
-            <a:picLocks noChangeAspect="1"/>
-          </p:cNvPicPr>
-          <p:nvPr/>
-        </p:nvPicPr>
-        <p:blipFill>
-          <a:blip r:embed="rId3"/>
-          <a:stretch>
-            <a:fillRect/>
-          </a:stretch>
-        </p:blipFill>
-        <p:spPr>
-          <a:xfrm>
-            <a:off x="9187943" y="2169683"/>
-            <a:ext cx="1285784" cy="1578586"/>
-          </a:xfrm>
-          <a:prstGeom prst="rect">
-            <a:avLst/>
-          </a:prstGeom>
-        </p:spPr>
-      </p:pic>
       <p:sp>
         <p:nvSpPr>
           <p:cNvPr id="16" name="TextBox 15">
@@ -21645,7 +20986,7 @@
         </p:nvSpPr>
         <p:spPr>
           <a:xfrm>
-            <a:off x="8759357" y="1701318"/>
+            <a:off x="4828985" y="6008111"/>
             <a:ext cx="2593383" cy="400110"/>
           </a:xfrm>
           <a:prstGeom prst="rect">
@@ -21670,133 +21011,6 @@
       </p:sp>
       <p:sp>
         <p:nvSpPr>
-          <p:cNvPr id="17" name="TextBox 16">
-            <a:extLst>
-              <a:ext uri="{FF2B5EF4-FFF2-40B4-BE49-F238E27FC236}">
-                <a16:creationId xmlns:a16="http://schemas.microsoft.com/office/drawing/2014/main" id="{9AB55090-A2A0-EA4D-9357-963AA780ABA1}"/>
-              </a:ext>
-            </a:extLst>
-          </p:cNvPr>
-          <p:cNvSpPr txBox="1"/>
-          <p:nvPr/>
-        </p:nvSpPr>
-        <p:spPr>
-          <a:xfrm>
-            <a:off x="8361321" y="3884779"/>
-            <a:ext cx="3415895" cy="1169551"/>
-          </a:xfrm>
-          <a:prstGeom prst="rect">
-            <a:avLst/>
-          </a:prstGeom>
-          <a:noFill/>
-        </p:spPr>
-        <p:txBody>
-          <a:bodyPr wrap="square" rtlCol="0">
-            <a:spAutoFit/>
-          </a:bodyPr>
-          <a:lstStyle/>
-          <a:p>
-            <a:pPr marL="285750">
-              <a:buFont typeface="Arial" panose="020B0604020202020204" pitchFamily="34" charset="0"/>
-              <a:buChar char="•"/>
-            </a:pPr>
-            <a:r>
-              <a:rPr lang="en-US" b="1" dirty="0">
-                <a:latin typeface="Avenir Medium" panose="02000503020000020003" pitchFamily="2" charset="0"/>
-              </a:rPr>
-              <a:t> CentOS 7</a:t>
-            </a:r>
-          </a:p>
-          <a:p>
-            <a:pPr marL="285750">
-              <a:buFont typeface="Arial" panose="020B0604020202020204" pitchFamily="34" charset="0"/>
-              <a:buChar char="•"/>
-            </a:pPr>
-            <a:r>
-              <a:rPr lang="en-US" b="1" dirty="0">
-                <a:latin typeface="Avenir Medium" panose="02000503020000020003" pitchFamily="2" charset="0"/>
-              </a:rPr>
-              <a:t> 16 CPU, 32GB RAM, 1TB HDD</a:t>
-            </a:r>
-          </a:p>
-          <a:p>
-            <a:pPr marL="285750">
-              <a:buFont typeface="Arial" panose="020B0604020202020204" pitchFamily="34" charset="0"/>
-              <a:buChar char="•"/>
-            </a:pPr>
-            <a:r>
-              <a:rPr lang="en-US" b="1" dirty="0">
-                <a:latin typeface="Avenir Medium" panose="02000503020000020003" pitchFamily="2" charset="0"/>
-              </a:rPr>
-              <a:t> Static public facing IP</a:t>
-            </a:r>
-          </a:p>
-          <a:p>
-            <a:pPr marL="285750">
-              <a:buFont typeface="Arial" panose="020B0604020202020204" pitchFamily="34" charset="0"/>
-              <a:buChar char="•"/>
-            </a:pPr>
-            <a:r>
-              <a:rPr lang="en-US" b="1" dirty="0">
-                <a:latin typeface="Avenir Medium" panose="02000503020000020003" pitchFamily="2" charset="0"/>
-              </a:rPr>
-              <a:t> Located in New Jersey</a:t>
-            </a:r>
-          </a:p>
-          <a:p>
-            <a:pPr marL="285750" indent="-285750">
-              <a:buFont typeface="Arial" panose="020B0604020202020204" pitchFamily="34" charset="0"/>
-              <a:buChar char="•"/>
-            </a:pPr>
-            <a:endParaRPr lang="en-US" b="1" dirty="0">
-              <a:latin typeface="Avenir Medium" panose="02000503020000020003" pitchFamily="2" charset="0"/>
-            </a:endParaRPr>
-          </a:p>
-        </p:txBody>
-      </p:sp>
-      <p:sp>
-        <p:nvSpPr>
-          <p:cNvPr id="25" name="TextBox 24">
-            <a:extLst>
-              <a:ext uri="{FF2B5EF4-FFF2-40B4-BE49-F238E27FC236}">
-                <a16:creationId xmlns:a16="http://schemas.microsoft.com/office/drawing/2014/main" id="{89FB38BF-A393-7B49-BE0D-4FAAD0C69926}"/>
-              </a:ext>
-            </a:extLst>
-          </p:cNvPr>
-          <p:cNvSpPr txBox="1"/>
-          <p:nvPr/>
-        </p:nvSpPr>
-        <p:spPr>
-          <a:xfrm>
-            <a:off x="4245257" y="3884779"/>
-            <a:ext cx="3206577" cy="307777"/>
-          </a:xfrm>
-          <a:prstGeom prst="rect">
-            <a:avLst/>
-          </a:prstGeom>
-          <a:noFill/>
-        </p:spPr>
-        <p:txBody>
-          <a:bodyPr wrap="square" rtlCol="0">
-            <a:spAutoFit/>
-          </a:bodyPr>
-          <a:lstStyle/>
-          <a:p>
-            <a:pPr marL="285750">
-              <a:buFont typeface="Arial" panose="020B0604020202020204" pitchFamily="34" charset="0"/>
-              <a:buChar char="•"/>
-            </a:pPr>
-            <a:r>
-              <a:rPr lang="en-US" b="1" dirty="0">
-                <a:latin typeface="Avenir Medium" panose="02000503020000020003" pitchFamily="2" charset="0"/>
-              </a:rPr>
-              <a:t> Sitespeed machines located in:</a:t>
-            </a:r>
-          </a:p>
-        </p:txBody>
-      </p:sp>
-      <p:sp>
-        <p:nvSpPr>
           <p:cNvPr id="26" name="TextBox 25">
             <a:extLst>
               <a:ext uri="{FF2B5EF4-FFF2-40B4-BE49-F238E27FC236}">
@@ -21809,8 +21023,8 @@
         </p:nvSpPr>
         <p:spPr>
           <a:xfrm>
-            <a:off x="4894700" y="1701318"/>
-            <a:ext cx="994754" cy="400110"/>
+            <a:off x="1195603" y="2140176"/>
+            <a:ext cx="1561266" cy="400110"/>
           </a:xfrm>
           <a:prstGeom prst="rect">
             <a:avLst/>
@@ -21827,17 +21041,145 @@
               <a:rPr lang="en-US" sz="2000" b="1" dirty="0">
                 <a:latin typeface="Avenir Medium" panose="02000503020000020003" pitchFamily="2" charset="0"/>
               </a:rPr>
-              <a:t>Linode</a:t>
+              <a:t>Sitespeed *</a:t>
+            </a:r>
+          </a:p>
+        </p:txBody>
+      </p:sp>
+      <p:sp>
+        <p:nvSpPr>
+          <p:cNvPr id="20" name="TextBox 19">
+            <a:extLst>
+              <a:ext uri="{FF2B5EF4-FFF2-40B4-BE49-F238E27FC236}">
+                <a16:creationId xmlns:a16="http://schemas.microsoft.com/office/drawing/2014/main" id="{8D76747A-5F49-DD8D-B4B0-1FF748BCBB13}"/>
+              </a:ext>
+            </a:extLst>
+          </p:cNvPr>
+          <p:cNvSpPr txBox="1"/>
+          <p:nvPr/>
+        </p:nvSpPr>
+        <p:spPr>
+          <a:xfrm>
+            <a:off x="148578" y="5763272"/>
+            <a:ext cx="3887539" cy="307777"/>
+          </a:xfrm>
+          <a:prstGeom prst="rect">
+            <a:avLst/>
+          </a:prstGeom>
+          <a:noFill/>
+        </p:spPr>
+        <p:txBody>
+          <a:bodyPr wrap="square" rtlCol="0">
+            <a:spAutoFit/>
+          </a:bodyPr>
+          <a:lstStyle/>
+          <a:p>
+            <a:pPr marL="285750"/>
+            <a:r>
+              <a:rPr lang="en-US" b="1" dirty="0">
+                <a:latin typeface="Avenir Medium" panose="02000503020000020003" pitchFamily="2" charset="0"/>
+              </a:rPr>
+              <a:t>* One machine in each testing location</a:t>
             </a:r>
           </a:p>
         </p:txBody>
       </p:sp>
       <p:pic>
         <p:nvPicPr>
-          <p:cNvPr id="5" name="Picture 4" descr="Shape&#10;&#10;Description automatically generated">
+          <p:cNvPr id="2" name="Picture 1" descr="A picture containing icon&#10;&#10;Description automatically generated">
             <a:extLst>
               <a:ext uri="{FF2B5EF4-FFF2-40B4-BE49-F238E27FC236}">
-                <a16:creationId xmlns:a16="http://schemas.microsoft.com/office/drawing/2014/main" id="{B527430A-080D-1FD2-5267-24C4334A9ADE}"/>
+                <a16:creationId xmlns:a16="http://schemas.microsoft.com/office/drawing/2014/main" id="{2CDAAE82-5F12-A17F-41F6-8B29EDF7B17A}"/>
+              </a:ext>
+            </a:extLst>
+          </p:cNvPr>
+          <p:cNvPicPr>
+            <a:picLocks noChangeAspect="1"/>
+          </p:cNvPicPr>
+          <p:nvPr/>
+        </p:nvPicPr>
+        <p:blipFill>
+          <a:blip r:embed="rId3"/>
+          <a:stretch>
+            <a:fillRect/>
+          </a:stretch>
+        </p:blipFill>
+        <p:spPr>
+          <a:xfrm>
+            <a:off x="5420450" y="940839"/>
+            <a:ext cx="1351099" cy="1658774"/>
+          </a:xfrm>
+          <a:prstGeom prst="rect">
+            <a:avLst/>
+          </a:prstGeom>
+        </p:spPr>
+      </p:pic>
+      <p:pic>
+        <p:nvPicPr>
+          <p:cNvPr id="3" name="Picture 2" descr="A picture containing icon&#10;&#10;Description automatically generated">
+            <a:extLst>
+              <a:ext uri="{FF2B5EF4-FFF2-40B4-BE49-F238E27FC236}">
+                <a16:creationId xmlns:a16="http://schemas.microsoft.com/office/drawing/2014/main" id="{D0743B57-AD81-1B3C-03C3-76372199F854}"/>
+              </a:ext>
+            </a:extLst>
+          </p:cNvPr>
+          <p:cNvPicPr>
+            <a:picLocks noChangeAspect="1"/>
+          </p:cNvPicPr>
+          <p:nvPr/>
+        </p:nvPicPr>
+        <p:blipFill>
+          <a:blip r:embed="rId3"/>
+          <a:stretch>
+            <a:fillRect/>
+          </a:stretch>
+        </p:blipFill>
+        <p:spPr>
+          <a:xfrm>
+            <a:off x="5420449" y="4258387"/>
+            <a:ext cx="1351099" cy="1658774"/>
+          </a:xfrm>
+          <a:prstGeom prst="rect">
+            <a:avLst/>
+          </a:prstGeom>
+        </p:spPr>
+      </p:pic>
+      <p:pic>
+        <p:nvPicPr>
+          <p:cNvPr id="4" name="Picture 3" descr="A picture containing icon&#10;&#10;Description automatically generated">
+            <a:extLst>
+              <a:ext uri="{FF2B5EF4-FFF2-40B4-BE49-F238E27FC236}">
+                <a16:creationId xmlns:a16="http://schemas.microsoft.com/office/drawing/2014/main" id="{5B188431-BB33-C0D7-3856-E2E826DD61D7}"/>
+              </a:ext>
+            </a:extLst>
+          </p:cNvPr>
+          <p:cNvPicPr>
+            <a:picLocks noChangeAspect="1"/>
+          </p:cNvPicPr>
+          <p:nvPr/>
+        </p:nvPicPr>
+        <p:blipFill>
+          <a:blip r:embed="rId3"/>
+          <a:stretch>
+            <a:fillRect/>
+          </a:stretch>
+        </p:blipFill>
+        <p:spPr>
+          <a:xfrm>
+            <a:off x="9875623" y="2732167"/>
+            <a:ext cx="1351099" cy="1658774"/>
+          </a:xfrm>
+          <a:prstGeom prst="rect">
+            <a:avLst/>
+          </a:prstGeom>
+        </p:spPr>
+      </p:pic>
+      <p:pic>
+        <p:nvPicPr>
+          <p:cNvPr id="6" name="Picture 5" descr="Shape&#10;&#10;Description automatically generated">
+            <a:extLst>
+              <a:ext uri="{FF2B5EF4-FFF2-40B4-BE49-F238E27FC236}">
+                <a16:creationId xmlns:a16="http://schemas.microsoft.com/office/drawing/2014/main" id="{3BABD9E9-BBAD-5C9E-9B58-1508700EFCA7}"/>
               </a:ext>
             </a:extLst>
           </p:cNvPr>
@@ -21854,8 +21196,8 @@
         </p:blipFill>
         <p:spPr>
           <a:xfrm>
-            <a:off x="4812195" y="2149808"/>
-            <a:ext cx="1646826" cy="1646826"/>
+            <a:off x="2236266" y="376297"/>
+            <a:ext cx="831039" cy="831039"/>
           </a:xfrm>
           <a:prstGeom prst="rect">
             <a:avLst/>
@@ -21864,10 +21206,10 @@
       </p:pic>
       <p:sp>
         <p:nvSpPr>
-          <p:cNvPr id="20" name="TextBox 19">
+          <p:cNvPr id="7" name="TextBox 6">
             <a:extLst>
               <a:ext uri="{FF2B5EF4-FFF2-40B4-BE49-F238E27FC236}">
-                <a16:creationId xmlns:a16="http://schemas.microsoft.com/office/drawing/2014/main" id="{8D76747A-5F49-DD8D-B4B0-1FF748BCBB13}"/>
+                <a16:creationId xmlns:a16="http://schemas.microsoft.com/office/drawing/2014/main" id="{2D7F70AD-777F-0281-377E-687F5B201769}"/>
               </a:ext>
             </a:extLst>
           </p:cNvPr>
@@ -21876,275 +21218,8 @@
         </p:nvSpPr>
         <p:spPr>
           <a:xfrm>
-            <a:off x="4964082" y="4192556"/>
-            <a:ext cx="1850743" cy="2246769"/>
-          </a:xfrm>
-          <a:prstGeom prst="rect">
-            <a:avLst/>
-          </a:prstGeom>
-          <a:noFill/>
-        </p:spPr>
-        <p:txBody>
-          <a:bodyPr wrap="square" rtlCol="0">
-            <a:spAutoFit/>
-          </a:bodyPr>
-          <a:lstStyle/>
-          <a:p>
-            <a:pPr marL="285750">
-              <a:buFont typeface="Arial" panose="020B0604020202020204" pitchFamily="34" charset="0"/>
-              <a:buChar char="•"/>
-            </a:pPr>
-            <a:r>
-              <a:rPr lang="en-US" b="1" dirty="0">
-                <a:latin typeface="Avenir Medium" panose="02000503020000020003" pitchFamily="2" charset="0"/>
-              </a:rPr>
-              <a:t> New Jersey</a:t>
-            </a:r>
-          </a:p>
-          <a:p>
-            <a:pPr marL="285750">
-              <a:buFont typeface="Arial" panose="020B0604020202020204" pitchFamily="34" charset="0"/>
-              <a:buChar char="•"/>
-            </a:pPr>
-            <a:r>
-              <a:rPr lang="en-US" b="1" dirty="0">
-                <a:latin typeface="Avenir Medium" panose="02000503020000020003" pitchFamily="2" charset="0"/>
-              </a:rPr>
-              <a:t> Dallas</a:t>
-            </a:r>
-          </a:p>
-          <a:p>
-            <a:pPr marL="285750">
-              <a:buFont typeface="Arial" panose="020B0604020202020204" pitchFamily="34" charset="0"/>
-              <a:buChar char="•"/>
-            </a:pPr>
-            <a:r>
-              <a:rPr lang="en-US" b="1" dirty="0">
-                <a:latin typeface="Avenir Medium" panose="02000503020000020003" pitchFamily="2" charset="0"/>
-              </a:rPr>
-              <a:t> California</a:t>
-            </a:r>
-          </a:p>
-          <a:p>
-            <a:pPr marL="285750">
-              <a:buFont typeface="Arial" panose="020B0604020202020204" pitchFamily="34" charset="0"/>
-              <a:buChar char="•"/>
-            </a:pPr>
-            <a:r>
-              <a:rPr lang="en-US" b="1" dirty="0">
-                <a:latin typeface="Avenir Medium" panose="02000503020000020003" pitchFamily="2" charset="0"/>
-              </a:rPr>
-              <a:t> Toronto</a:t>
-            </a:r>
-          </a:p>
-          <a:p>
-            <a:pPr marL="285750">
-              <a:buFont typeface="Arial" panose="020B0604020202020204" pitchFamily="34" charset="0"/>
-              <a:buChar char="•"/>
-            </a:pPr>
-            <a:r>
-              <a:rPr lang="en-US" b="1" dirty="0">
-                <a:latin typeface="Avenir Medium" panose="02000503020000020003" pitchFamily="2" charset="0"/>
-              </a:rPr>
-              <a:t> London</a:t>
-            </a:r>
-          </a:p>
-          <a:p>
-            <a:pPr marL="285750">
-              <a:buFont typeface="Arial" panose="020B0604020202020204" pitchFamily="34" charset="0"/>
-              <a:buChar char="•"/>
-            </a:pPr>
-            <a:r>
-              <a:rPr lang="en-US" b="1" dirty="0">
-                <a:latin typeface="Avenir Medium" panose="02000503020000020003" pitchFamily="2" charset="0"/>
-              </a:rPr>
-              <a:t> Frankfurt</a:t>
-            </a:r>
-          </a:p>
-          <a:p>
-            <a:pPr marL="285750">
-              <a:buFont typeface="Arial" panose="020B0604020202020204" pitchFamily="34" charset="0"/>
-              <a:buChar char="•"/>
-            </a:pPr>
-            <a:r>
-              <a:rPr lang="en-US" b="1" dirty="0">
-                <a:latin typeface="Avenir Medium" panose="02000503020000020003" pitchFamily="2" charset="0"/>
-              </a:rPr>
-              <a:t> Singapore</a:t>
-            </a:r>
-          </a:p>
-          <a:p>
-            <a:pPr marL="285750">
-              <a:buFont typeface="Arial" panose="020B0604020202020204" pitchFamily="34" charset="0"/>
-              <a:buChar char="•"/>
-            </a:pPr>
-            <a:r>
-              <a:rPr lang="en-US" b="1" dirty="0">
-                <a:latin typeface="Avenir Medium" panose="02000503020000020003" pitchFamily="2" charset="0"/>
-              </a:rPr>
-              <a:t> Tokyo</a:t>
-            </a:r>
-          </a:p>
-          <a:p>
-            <a:pPr marL="285750">
-              <a:buFont typeface="Arial" panose="020B0604020202020204" pitchFamily="34" charset="0"/>
-              <a:buChar char="•"/>
-            </a:pPr>
-            <a:r>
-              <a:rPr lang="en-US" b="1" dirty="0">
-                <a:latin typeface="Avenir Medium" panose="02000503020000020003" pitchFamily="2" charset="0"/>
-              </a:rPr>
-              <a:t> Mumbai</a:t>
-            </a:r>
-          </a:p>
-          <a:p>
-            <a:pPr marL="285750">
-              <a:buFont typeface="Arial" panose="020B0604020202020204" pitchFamily="34" charset="0"/>
-              <a:buChar char="•"/>
-            </a:pPr>
-            <a:r>
-              <a:rPr lang="en-US" b="1" dirty="0">
-                <a:latin typeface="Avenir Medium" panose="02000503020000020003" pitchFamily="2" charset="0"/>
-              </a:rPr>
-              <a:t> Sydney</a:t>
-            </a:r>
-          </a:p>
-        </p:txBody>
-      </p:sp>
-    </p:spTree>
-    <p:extLst>
-      <p:ext uri="{BB962C8B-B14F-4D97-AF65-F5344CB8AC3E}">
-        <p14:creationId xmlns:p14="http://schemas.microsoft.com/office/powerpoint/2010/main" val="3732211524"/>
-      </p:ext>
-    </p:extLst>
-  </p:cSld>
-  <p:clrMapOvr>
-    <a:masterClrMapping/>
-  </p:clrMapOvr>
-</p:sld>
-</file>
-
-<file path=ppt/slides/slide7.xml><?xml version="1.0" encoding="utf-8"?>
-<p:sld xmlns:a="http://schemas.openxmlformats.org/drawingml/2006/main" xmlns:r="http://schemas.openxmlformats.org/officeDocument/2006/relationships" xmlns:p="http://schemas.openxmlformats.org/presentationml/2006/main">
-  <p:cSld>
-    <p:spTree>
-      <p:nvGrpSpPr>
-        <p:cNvPr id="1" name="Shape 196"/>
-        <p:cNvGrpSpPr/>
-        <p:nvPr/>
-      </p:nvGrpSpPr>
-      <p:grpSpPr>
-        <a:xfrm>
-          <a:off x="0" y="0"/>
-          <a:ext cx="0" cy="0"/>
-          <a:chOff x="0" y="0"/>
-          <a:chExt cx="0" cy="0"/>
-        </a:xfrm>
-      </p:grpSpPr>
-      <p:sp>
-        <p:nvSpPr>
-          <p:cNvPr id="197" name="Google Shape;197;p10"/>
-          <p:cNvSpPr txBox="1">
-            <a:spLocks noGrp="1"/>
-          </p:cNvSpPr>
-          <p:nvPr>
-            <p:ph type="title"/>
-          </p:nvPr>
-        </p:nvSpPr>
-        <p:spPr>
-          <a:xfrm>
-            <a:off x="540000" y="540001"/>
-            <a:ext cx="11171354" cy="561968"/>
-          </a:xfrm>
-          <a:prstGeom prst="rect">
-            <a:avLst/>
-          </a:prstGeom>
-          <a:noFill/>
-          <a:ln>
-            <a:noFill/>
-          </a:ln>
-        </p:spPr>
-        <p:txBody>
-          <a:bodyPr spcFirstLastPara="1" wrap="square" lIns="0" tIns="0" rIns="0" bIns="0" anchor="t" anchorCtr="0">
-            <a:noAutofit/>
-          </a:bodyPr>
-          <a:lstStyle/>
-          <a:p>
-            <a:pPr marL="0" lvl="0" indent="0" algn="l" rtl="0">
-              <a:lnSpc>
-                <a:spcPct val="90000"/>
-              </a:lnSpc>
-              <a:spcBef>
-                <a:spcPts val="0"/>
-              </a:spcBef>
-              <a:spcAft>
-                <a:spcPts val="0"/>
-              </a:spcAft>
-              <a:buClr>
-                <a:srgbClr val="0099CC"/>
-              </a:buClr>
-              <a:buSzPts val="3600"/>
-              <a:buFont typeface="Arial"/>
-              <a:buNone/>
-            </a:pPr>
-            <a:r>
-              <a:rPr lang="en-US" b="0" dirty="0">
-                <a:latin typeface="Avenir Medium" panose="02000503020000020003" pitchFamily="2" charset="0"/>
-              </a:rPr>
-              <a:t>Software Components</a:t>
-            </a:r>
-            <a:endParaRPr b="0" dirty="0">
-              <a:latin typeface="Avenir Medium" panose="02000503020000020003" pitchFamily="2" charset="0"/>
-            </a:endParaRPr>
-          </a:p>
-        </p:txBody>
-      </p:sp>
-      <p:pic>
-        <p:nvPicPr>
-          <p:cNvPr id="8" name="Picture 7" descr="A picture containing icon&#10;&#10;Description automatically generated">
-            <a:extLst>
-              <a:ext uri="{FF2B5EF4-FFF2-40B4-BE49-F238E27FC236}">
-                <a16:creationId xmlns:a16="http://schemas.microsoft.com/office/drawing/2014/main" id="{FE2D6886-CB79-FB4D-9450-C291EBD718BF}"/>
-              </a:ext>
-            </a:extLst>
-          </p:cNvPr>
-          <p:cNvPicPr>
-            <a:picLocks noChangeAspect="1"/>
-          </p:cNvPicPr>
-          <p:nvPr/>
-        </p:nvPicPr>
-        <p:blipFill>
-          <a:blip r:embed="rId3"/>
-          <a:stretch>
-            <a:fillRect/>
-          </a:stretch>
-        </p:blipFill>
-        <p:spPr>
-          <a:xfrm>
-            <a:off x="1171529" y="2014478"/>
-            <a:ext cx="1285784" cy="1578586"/>
-          </a:xfrm>
-          <a:prstGeom prst="rect">
-            <a:avLst/>
-          </a:prstGeom>
-        </p:spPr>
-      </p:pic>
-      <p:sp>
-        <p:nvSpPr>
-          <p:cNvPr id="10" name="TextBox 9">
-            <a:extLst>
-              <a:ext uri="{FF2B5EF4-FFF2-40B4-BE49-F238E27FC236}">
-                <a16:creationId xmlns:a16="http://schemas.microsoft.com/office/drawing/2014/main" id="{2745BBC2-9D35-9342-97B9-5E2902D95147}"/>
-              </a:ext>
-            </a:extLst>
-          </p:cNvPr>
-          <p:cNvSpPr txBox="1"/>
-          <p:nvPr/>
-        </p:nvSpPr>
-        <p:spPr>
-          <a:xfrm>
-            <a:off x="1227014" y="1641046"/>
-            <a:ext cx="1486206" cy="307777"/>
+            <a:off x="9875623" y="2199503"/>
+            <a:ext cx="1351099" cy="400110"/>
           </a:xfrm>
           <a:prstGeom prst="rect">
             <a:avLst/>
@@ -22158,826 +21233,256 @@
           <a:lstStyle/>
           <a:p>
             <a:r>
-              <a:rPr lang="en-US" b="1" dirty="0">
+              <a:rPr lang="en-US" sz="2000" b="1" dirty="0">
                 <a:latin typeface="Avenir Medium" panose="02000503020000020003" pitchFamily="2" charset="0"/>
               </a:rPr>
-              <a:t>Sitespeed.io</a:t>
+              <a:t>Google</a:t>
             </a:r>
           </a:p>
         </p:txBody>
       </p:sp>
-      <p:pic>
-        <p:nvPicPr>
-          <p:cNvPr id="15" name="Picture 14" descr="A picture containing icon&#10;&#10;Description automatically generated">
+      <p:cxnSp>
+        <p:nvCxnSpPr>
+          <p:cNvPr id="12" name="Straight Arrow Connector 11">
             <a:extLst>
               <a:ext uri="{FF2B5EF4-FFF2-40B4-BE49-F238E27FC236}">
-                <a16:creationId xmlns:a16="http://schemas.microsoft.com/office/drawing/2014/main" id="{608A8B99-1364-CB47-A4C0-380D1923F359}"/>
+                <a16:creationId xmlns:a16="http://schemas.microsoft.com/office/drawing/2014/main" id="{BC3D7489-959D-5035-8526-3EF75BE90A59}"/>
               </a:ext>
             </a:extLst>
           </p:cNvPr>
-          <p:cNvPicPr>
-            <a:picLocks noChangeAspect="1"/>
-          </p:cNvPicPr>
+          <p:cNvCxnSpPr/>
           <p:nvPr/>
-        </p:nvPicPr>
-        <p:blipFill>
-          <a:blip r:embed="rId3"/>
-          <a:stretch>
-            <a:fillRect/>
-          </a:stretch>
-        </p:blipFill>
+        </p:nvCxnSpPr>
         <p:spPr>
-          <a:xfrm>
-            <a:off x="8517411" y="2014478"/>
-            <a:ext cx="1285784" cy="1578586"/>
+          <a:xfrm flipH="1">
+            <a:off x="2984254" y="1784719"/>
+            <a:ext cx="2208811" cy="1175657"/>
           </a:xfrm>
-          <a:prstGeom prst="rect">
+          <a:prstGeom prst="straightConnector1">
             <a:avLst/>
           </a:prstGeom>
+          <a:ln w="38100">
+            <a:solidFill>
+              <a:srgbClr val="FF0000"/>
+            </a:solidFill>
+            <a:tailEnd type="triangle"/>
+          </a:ln>
         </p:spPr>
-      </p:pic>
-      <p:sp>
-        <p:nvSpPr>
-          <p:cNvPr id="16" name="TextBox 15">
+        <p:style>
+          <a:lnRef idx="1">
+            <a:schemeClr val="accent1"/>
+          </a:lnRef>
+          <a:fillRef idx="0">
+            <a:schemeClr val="accent1"/>
+          </a:fillRef>
+          <a:effectRef idx="0">
+            <a:schemeClr val="accent1"/>
+          </a:effectRef>
+          <a:fontRef idx="minor">
+            <a:schemeClr val="tx1"/>
+          </a:fontRef>
+        </p:style>
+      </p:cxnSp>
+      <p:cxnSp>
+        <p:nvCxnSpPr>
+          <p:cNvPr id="13" name="Straight Arrow Connector 12">
             <a:extLst>
               <a:ext uri="{FF2B5EF4-FFF2-40B4-BE49-F238E27FC236}">
-                <a16:creationId xmlns:a16="http://schemas.microsoft.com/office/drawing/2014/main" id="{C9E1128C-78C8-974C-8369-DB7E35E0DF77}"/>
+                <a16:creationId xmlns:a16="http://schemas.microsoft.com/office/drawing/2014/main" id="{08C28C06-7D71-9949-69D4-7DF4D7C865C3}"/>
               </a:ext>
             </a:extLst>
           </p:cNvPr>
-          <p:cNvSpPr txBox="1"/>
+          <p:cNvCxnSpPr>
+            <a:cxnSpLocks/>
+          </p:cNvCxnSpPr>
+          <p:nvPr/>
+        </p:nvCxnSpPr>
+        <p:spPr>
+          <a:xfrm>
+            <a:off x="7237139" y="1696144"/>
+            <a:ext cx="2172894" cy="1262325"/>
+          </a:xfrm>
+          <a:prstGeom prst="straightConnector1">
+            <a:avLst/>
+          </a:prstGeom>
+          <a:ln w="38100">
+            <a:solidFill>
+              <a:srgbClr val="FF0000"/>
+            </a:solidFill>
+            <a:tailEnd type="triangle"/>
+          </a:ln>
+        </p:spPr>
+        <p:style>
+          <a:lnRef idx="1">
+            <a:schemeClr val="accent1"/>
+          </a:lnRef>
+          <a:fillRef idx="0">
+            <a:schemeClr val="accent1"/>
+          </a:fillRef>
+          <a:effectRef idx="0">
+            <a:schemeClr val="accent1"/>
+          </a:effectRef>
+          <a:fontRef idx="minor">
+            <a:schemeClr val="tx1"/>
+          </a:fontRef>
+        </p:style>
+      </p:cxnSp>
+      <p:sp>
+        <p:nvSpPr>
+          <p:cNvPr id="23" name="Down Arrow 22">
+            <a:extLst>
+              <a:ext uri="{FF2B5EF4-FFF2-40B4-BE49-F238E27FC236}">
+                <a16:creationId xmlns:a16="http://schemas.microsoft.com/office/drawing/2014/main" id="{DD8F7A13-6669-77E1-B91E-5290EAA1D4A4}"/>
+              </a:ext>
+            </a:extLst>
+          </p:cNvPr>
+          <p:cNvSpPr/>
           <p:nvPr/>
         </p:nvSpPr>
         <p:spPr>
-          <a:xfrm>
-            <a:off x="8349685" y="1641046"/>
-            <a:ext cx="1621235" cy="307777"/>
+          <a:xfrm rot="17658725">
+            <a:off x="3784259" y="3255303"/>
+            <a:ext cx="484632" cy="2216548"/>
           </a:xfrm>
-          <a:prstGeom prst="rect">
+          <a:prstGeom prst="downArrow">
             <a:avLst/>
           </a:prstGeom>
-          <a:noFill/>
+          <a:solidFill>
+            <a:srgbClr val="00B0F0"/>
+          </a:solidFill>
+          <a:ln>
+            <a:solidFill>
+              <a:srgbClr val="00B0F0"/>
+            </a:solidFill>
+          </a:ln>
         </p:spPr>
+        <p:style>
+          <a:lnRef idx="2">
+            <a:schemeClr val="accent1">
+              <a:shade val="50000"/>
+            </a:schemeClr>
+          </a:lnRef>
+          <a:fillRef idx="1">
+            <a:schemeClr val="accent1"/>
+          </a:fillRef>
+          <a:effectRef idx="0">
+            <a:schemeClr val="accent1"/>
+          </a:effectRef>
+          <a:fontRef idx="minor">
+            <a:schemeClr val="lt1"/>
+          </a:fontRef>
+        </p:style>
         <p:txBody>
-          <a:bodyPr wrap="square" rtlCol="0">
-            <a:spAutoFit/>
-          </a:bodyPr>
+          <a:bodyPr rtlCol="0" anchor="ctr"/>
           <a:lstStyle/>
           <a:p>
-            <a:r>
-              <a:rPr lang="en-US" b="1" dirty="0">
-                <a:latin typeface="Avenir Medium" panose="02000503020000020003" pitchFamily="2" charset="0"/>
-              </a:rPr>
-              <a:t>Graphite/Grafana</a:t>
-            </a:r>
+            <a:pPr algn="ctr"/>
+            <a:endParaRPr lang="en-US" dirty="0"/>
           </a:p>
         </p:txBody>
       </p:sp>
       <p:sp>
         <p:nvSpPr>
-          <p:cNvPr id="17" name="TextBox 16">
+          <p:cNvPr id="24" name="Down Arrow 23">
             <a:extLst>
               <a:ext uri="{FF2B5EF4-FFF2-40B4-BE49-F238E27FC236}">
-                <a16:creationId xmlns:a16="http://schemas.microsoft.com/office/drawing/2014/main" id="{9AB55090-A2A0-EA4D-9357-963AA780ABA1}"/>
+                <a16:creationId xmlns:a16="http://schemas.microsoft.com/office/drawing/2014/main" id="{95493D0A-8001-6FF7-11F8-32AB0CE2058C}"/>
               </a:ext>
             </a:extLst>
           </p:cNvPr>
-          <p:cNvSpPr txBox="1"/>
+          <p:cNvSpPr/>
           <p:nvPr/>
         </p:nvSpPr>
         <p:spPr>
-          <a:xfrm>
-            <a:off x="1227014" y="4145524"/>
-            <a:ext cx="2961186" cy="954107"/>
+          <a:xfrm rot="3813154">
+            <a:off x="7913563" y="3178517"/>
+            <a:ext cx="484632" cy="2216548"/>
           </a:xfrm>
-          <a:prstGeom prst="rect">
+          <a:prstGeom prst="downArrow">
             <a:avLst/>
           </a:prstGeom>
-          <a:noFill/>
+          <a:solidFill>
+            <a:srgbClr val="00B0F0"/>
+          </a:solidFill>
+          <a:ln>
+            <a:solidFill>
+              <a:srgbClr val="00B0F0"/>
+            </a:solidFill>
+          </a:ln>
         </p:spPr>
+        <p:style>
+          <a:lnRef idx="2">
+            <a:schemeClr val="accent1">
+              <a:shade val="50000"/>
+            </a:schemeClr>
+          </a:lnRef>
+          <a:fillRef idx="1">
+            <a:schemeClr val="accent1"/>
+          </a:fillRef>
+          <a:effectRef idx="0">
+            <a:schemeClr val="accent1"/>
+          </a:effectRef>
+          <a:fontRef idx="minor">
+            <a:schemeClr val="lt1"/>
+          </a:fontRef>
+        </p:style>
         <p:txBody>
-          <a:bodyPr wrap="square" rtlCol="0">
-            <a:spAutoFit/>
-          </a:bodyPr>
+          <a:bodyPr rtlCol="0" anchor="ctr"/>
           <a:lstStyle/>
           <a:p>
-            <a:pPr marL="137160">
-              <a:buFont typeface="Arial" panose="020B0604020202020204" pitchFamily="34" charset="0"/>
-              <a:buChar char="•"/>
-            </a:pPr>
-            <a:r>
-              <a:rPr lang="en-US" b="1" dirty="0">
-                <a:latin typeface="Avenir Medium" panose="02000503020000020003" pitchFamily="2" charset="0"/>
-              </a:rPr>
-              <a:t> Sitespeed.io running in Docker</a:t>
-            </a:r>
-          </a:p>
-          <a:p>
-            <a:pPr marL="137160">
-              <a:buFont typeface="Arial" panose="020B0604020202020204" pitchFamily="34" charset="0"/>
-              <a:buChar char="•"/>
-            </a:pPr>
-            <a:r>
-              <a:rPr lang="en-US" b="1" dirty="0">
-                <a:latin typeface="Avenir Medium" panose="02000503020000020003" pitchFamily="2" charset="0"/>
-              </a:rPr>
-              <a:t> </a:t>
-            </a:r>
-            <a:r>
-              <a:rPr lang="en-US" b="1" dirty="0" err="1">
-                <a:latin typeface="Avenir Medium" panose="02000503020000020003" pitchFamily="2" charset="0"/>
-              </a:rPr>
-              <a:t>nginx</a:t>
-            </a:r>
-            <a:r>
-              <a:rPr lang="en-US" b="1" dirty="0">
-                <a:latin typeface="Avenir Medium" panose="02000503020000020003" pitchFamily="2" charset="0"/>
-              </a:rPr>
-              <a:t> web server</a:t>
-            </a:r>
-          </a:p>
-          <a:p>
-            <a:pPr marL="137160">
-              <a:buFont typeface="Arial" panose="020B0604020202020204" pitchFamily="34" charset="0"/>
-              <a:buChar char="•"/>
-            </a:pPr>
-            <a:r>
-              <a:rPr lang="en-US" b="1" dirty="0">
-                <a:latin typeface="Avenir Medium" panose="02000503020000020003" pitchFamily="2" charset="0"/>
-              </a:rPr>
-              <a:t> HTTPS 443</a:t>
-            </a:r>
-          </a:p>
-          <a:p>
-            <a:pPr marL="285750" indent="-285750">
-              <a:buFont typeface="Arial" panose="020B0604020202020204" pitchFamily="34" charset="0"/>
-              <a:buChar char="•"/>
-            </a:pPr>
-            <a:endParaRPr lang="en-US" b="1" dirty="0">
-              <a:latin typeface="Avenir Medium" panose="02000503020000020003" pitchFamily="2" charset="0"/>
-            </a:endParaRPr>
+            <a:pPr algn="ctr"/>
+            <a:endParaRPr lang="en-US" dirty="0"/>
           </a:p>
         </p:txBody>
       </p:sp>
-      <p:pic>
-        <p:nvPicPr>
-          <p:cNvPr id="19" name="Picture 18" descr="Logo&#10;&#10;Description automatically generated">
+      <p:cxnSp>
+        <p:nvCxnSpPr>
+          <p:cNvPr id="27" name="Straight Arrow Connector 26">
             <a:extLst>
               <a:ext uri="{FF2B5EF4-FFF2-40B4-BE49-F238E27FC236}">
-                <a16:creationId xmlns:a16="http://schemas.microsoft.com/office/drawing/2014/main" id="{F1ADF4E7-0AC7-884A-91AB-3F715E11D34F}"/>
+                <a16:creationId xmlns:a16="http://schemas.microsoft.com/office/drawing/2014/main" id="{D2836F46-59BA-AE33-5251-9F773591C4C2}"/>
               </a:ext>
             </a:extLst>
           </p:cNvPr>
-          <p:cNvPicPr>
-            <a:picLocks noChangeAspect="1"/>
-          </p:cNvPicPr>
+          <p:cNvCxnSpPr>
+            <a:cxnSpLocks/>
+          </p:cNvCxnSpPr>
           <p:nvPr/>
-        </p:nvPicPr>
-        <p:blipFill>
-          <a:blip r:embed="rId4"/>
-          <a:stretch>
-            <a:fillRect/>
-          </a:stretch>
-        </p:blipFill>
+        </p:nvCxnSpPr>
         <p:spPr>
           <a:xfrm>
-            <a:off x="4188200" y="4007512"/>
-            <a:ext cx="498061" cy="498061"/>
+            <a:off x="5993760" y="2732167"/>
+            <a:ext cx="0" cy="1297287"/>
           </a:xfrm>
-          <a:prstGeom prst="rect">
+          <a:prstGeom prst="straightConnector1">
             <a:avLst/>
           </a:prstGeom>
+          <a:ln w="38100">
+            <a:solidFill>
+              <a:srgbClr val="FF0000"/>
+            </a:solidFill>
+            <a:tailEnd type="triangle"/>
+          </a:ln>
         </p:spPr>
-      </p:pic>
-      <p:pic>
-        <p:nvPicPr>
-          <p:cNvPr id="14" name="Picture 13" descr="A picture containing text, clipart&#10;&#10;Description automatically generated">
-            <a:extLst>
-              <a:ext uri="{FF2B5EF4-FFF2-40B4-BE49-F238E27FC236}">
-                <a16:creationId xmlns:a16="http://schemas.microsoft.com/office/drawing/2014/main" id="{61ACE150-F70A-5B4E-B90F-D8401467B5D3}"/>
-              </a:ext>
-            </a:extLst>
-          </p:cNvPr>
-          <p:cNvPicPr>
-            <a:picLocks noChangeAspect="1"/>
-          </p:cNvPicPr>
-          <p:nvPr/>
-        </p:nvPicPr>
-        <p:blipFill>
-          <a:blip r:embed="rId5"/>
-          <a:stretch>
-            <a:fillRect/>
-          </a:stretch>
-        </p:blipFill>
-        <p:spPr>
-          <a:xfrm>
-            <a:off x="6767498" y="4145524"/>
-            <a:ext cx="1796484" cy="484633"/>
-          </a:xfrm>
-          <a:prstGeom prst="rect">
-            <a:avLst/>
-          </a:prstGeom>
-        </p:spPr>
-      </p:pic>
-      <p:sp>
-        <p:nvSpPr>
-          <p:cNvPr id="20" name="TextBox 19">
-            <a:extLst>
-              <a:ext uri="{FF2B5EF4-FFF2-40B4-BE49-F238E27FC236}">
-                <a16:creationId xmlns:a16="http://schemas.microsoft.com/office/drawing/2014/main" id="{80D48C72-FC2E-8D4C-B470-1AD74F8700D2}"/>
-              </a:ext>
-            </a:extLst>
-          </p:cNvPr>
-          <p:cNvSpPr txBox="1"/>
-          <p:nvPr/>
-        </p:nvSpPr>
-        <p:spPr>
-          <a:xfrm>
-            <a:off x="8517411" y="4035394"/>
-            <a:ext cx="3554156" cy="738664"/>
-          </a:xfrm>
-          <a:prstGeom prst="rect">
-            <a:avLst/>
-          </a:prstGeom>
-          <a:noFill/>
-        </p:spPr>
-        <p:txBody>
-          <a:bodyPr wrap="square" rtlCol="0">
-            <a:spAutoFit/>
-          </a:bodyPr>
-          <a:lstStyle/>
-          <a:p>
-            <a:pPr marL="137160">
-              <a:buFont typeface="Arial" panose="020B0604020202020204" pitchFamily="34" charset="0"/>
-              <a:buChar char="•"/>
-            </a:pPr>
-            <a:r>
-              <a:rPr lang="en-US" b="1" dirty="0">
-                <a:latin typeface="Avenir Medium" panose="02000503020000020003" pitchFamily="2" charset="0"/>
-              </a:rPr>
-              <a:t> Graphite running in Docker</a:t>
-            </a:r>
-          </a:p>
-          <a:p>
-            <a:pPr marL="137160">
-              <a:buFont typeface="Arial" panose="020B0604020202020204" pitchFamily="34" charset="0"/>
-              <a:buChar char="•"/>
-            </a:pPr>
-            <a:r>
-              <a:rPr lang="en-US" b="1" dirty="0">
-                <a:latin typeface="Avenir Medium" panose="02000503020000020003" pitchFamily="2" charset="0"/>
-              </a:rPr>
-              <a:t> HTTP 8888</a:t>
-            </a:r>
-            <a:endParaRPr lang="en-US" b="1" baseline="30000" dirty="0">
-              <a:latin typeface="Avenir Medium" panose="02000503020000020003" pitchFamily="2" charset="0"/>
-            </a:endParaRPr>
-          </a:p>
-          <a:p>
-            <a:pPr marL="137160">
-              <a:buFont typeface="Arial" panose="020B0604020202020204" pitchFamily="34" charset="0"/>
-              <a:buChar char="•"/>
-            </a:pPr>
-            <a:r>
-              <a:rPr lang="en-US" b="1" dirty="0">
-                <a:latin typeface="Avenir Medium" panose="02000503020000020003" pitchFamily="2" charset="0"/>
-              </a:rPr>
-              <a:t> Carbon TCP 2003</a:t>
-            </a:r>
-          </a:p>
-        </p:txBody>
-      </p:sp>
-      <p:pic>
-        <p:nvPicPr>
-          <p:cNvPr id="22" name="Picture 21">
-            <a:extLst>
-              <a:ext uri="{FF2B5EF4-FFF2-40B4-BE49-F238E27FC236}">
-                <a16:creationId xmlns:a16="http://schemas.microsoft.com/office/drawing/2014/main" id="{D5F4DA43-2985-B842-B317-F8BCE05B2525}"/>
-              </a:ext>
-            </a:extLst>
-          </p:cNvPr>
-          <p:cNvPicPr>
-            <a:picLocks noChangeAspect="1"/>
-          </p:cNvPicPr>
-          <p:nvPr/>
-        </p:nvPicPr>
-        <p:blipFill>
-          <a:blip r:embed="rId6"/>
-          <a:stretch>
-            <a:fillRect/>
-          </a:stretch>
-        </p:blipFill>
-        <p:spPr>
-          <a:xfrm>
-            <a:off x="6791479" y="4870920"/>
-            <a:ext cx="1796484" cy="892593"/>
-          </a:xfrm>
-          <a:prstGeom prst="rect">
-            <a:avLst/>
-          </a:prstGeom>
-        </p:spPr>
-      </p:pic>
-      <p:sp>
-        <p:nvSpPr>
-          <p:cNvPr id="23" name="TextBox 22">
-            <a:extLst>
-              <a:ext uri="{FF2B5EF4-FFF2-40B4-BE49-F238E27FC236}">
-                <a16:creationId xmlns:a16="http://schemas.microsoft.com/office/drawing/2014/main" id="{E8208233-1054-0A46-9A00-27CA6D53BF07}"/>
-              </a:ext>
-            </a:extLst>
-          </p:cNvPr>
-          <p:cNvSpPr txBox="1"/>
-          <p:nvPr/>
-        </p:nvSpPr>
-        <p:spPr>
-          <a:xfrm>
-            <a:off x="8563982" y="5085071"/>
-            <a:ext cx="2730287" cy="738664"/>
-          </a:xfrm>
-          <a:prstGeom prst="rect">
-            <a:avLst/>
-          </a:prstGeom>
-          <a:noFill/>
-        </p:spPr>
-        <p:txBody>
-          <a:bodyPr wrap="square" rtlCol="0">
-            <a:spAutoFit/>
-          </a:bodyPr>
-          <a:lstStyle/>
-          <a:p>
-            <a:pPr marL="137160">
-              <a:buFont typeface="Arial" panose="020B0604020202020204" pitchFamily="34" charset="0"/>
-              <a:buChar char="•"/>
-            </a:pPr>
-            <a:r>
-              <a:rPr lang="en-US" b="1" dirty="0">
-                <a:latin typeface="Avenir Medium" panose="02000503020000020003" pitchFamily="2" charset="0"/>
-              </a:rPr>
-              <a:t> Grafana runs natively</a:t>
-            </a:r>
-          </a:p>
-          <a:p>
-            <a:pPr marL="137160">
-              <a:buFont typeface="Arial" panose="020B0604020202020204" pitchFamily="34" charset="0"/>
-              <a:buChar char="•"/>
-            </a:pPr>
-            <a:r>
-              <a:rPr lang="en-US" b="1" dirty="0">
-                <a:latin typeface="Avenir Medium" panose="02000503020000020003" pitchFamily="2" charset="0"/>
-              </a:rPr>
-              <a:t> Embedded Apache server</a:t>
-            </a:r>
-          </a:p>
-          <a:p>
-            <a:pPr marL="137160">
-              <a:buFont typeface="Arial" panose="020B0604020202020204" pitchFamily="34" charset="0"/>
-              <a:buChar char="•"/>
-            </a:pPr>
-            <a:r>
-              <a:rPr lang="en-US" b="1" dirty="0">
-                <a:latin typeface="Avenir Medium" panose="02000503020000020003" pitchFamily="2" charset="0"/>
-              </a:rPr>
-              <a:t> HTTPS 443</a:t>
-            </a:r>
-          </a:p>
-        </p:txBody>
-      </p:sp>
-      <p:pic>
-        <p:nvPicPr>
-          <p:cNvPr id="24" name="Picture 23">
-            <a:extLst>
-              <a:ext uri="{FF2B5EF4-FFF2-40B4-BE49-F238E27FC236}">
-                <a16:creationId xmlns:a16="http://schemas.microsoft.com/office/drawing/2014/main" id="{C1DC4E75-E6BD-E44B-91EB-E00A595BFBF2}"/>
-              </a:ext>
-            </a:extLst>
-          </p:cNvPr>
-          <p:cNvPicPr>
-            <a:picLocks noChangeAspect="1"/>
-          </p:cNvPicPr>
-          <p:nvPr/>
-        </p:nvPicPr>
-        <p:blipFill>
-          <a:blip r:embed="rId7"/>
-          <a:stretch>
-            <a:fillRect/>
-          </a:stretch>
-        </p:blipFill>
-        <p:spPr>
-          <a:xfrm>
-            <a:off x="382443" y="4111030"/>
-            <a:ext cx="789086" cy="789086"/>
-          </a:xfrm>
-          <a:prstGeom prst="rect">
-            <a:avLst/>
-          </a:prstGeom>
-        </p:spPr>
-      </p:pic>
-      <p:pic>
-        <p:nvPicPr>
-          <p:cNvPr id="6" name="Picture 5" descr="Icon&#10;&#10;Description automatically generated">
-            <a:extLst>
-              <a:ext uri="{FF2B5EF4-FFF2-40B4-BE49-F238E27FC236}">
-                <a16:creationId xmlns:a16="http://schemas.microsoft.com/office/drawing/2014/main" id="{9A258D2C-3B7C-3840-A6EE-0F058F179EAB}"/>
-              </a:ext>
-            </a:extLst>
-          </p:cNvPr>
-          <p:cNvPicPr>
-            <a:picLocks noChangeAspect="1"/>
-          </p:cNvPicPr>
-          <p:nvPr/>
-        </p:nvPicPr>
-        <p:blipFill>
-          <a:blip r:embed="rId8"/>
-          <a:stretch>
-            <a:fillRect/>
-          </a:stretch>
-        </p:blipFill>
-        <p:spPr>
-          <a:xfrm>
-            <a:off x="3345587" y="4404726"/>
-            <a:ext cx="731501" cy="382268"/>
-          </a:xfrm>
-          <a:prstGeom prst="rect">
-            <a:avLst/>
-          </a:prstGeom>
-        </p:spPr>
-      </p:pic>
-      <p:pic>
-        <p:nvPicPr>
-          <p:cNvPr id="9" name="Picture 8" descr="A picture containing aircraft, transport, pen&#10;&#10;Description automatically generated">
-            <a:extLst>
-              <a:ext uri="{FF2B5EF4-FFF2-40B4-BE49-F238E27FC236}">
-                <a16:creationId xmlns:a16="http://schemas.microsoft.com/office/drawing/2014/main" id="{7073B291-AC13-344E-8A46-9EB1781A520B}"/>
-              </a:ext>
-            </a:extLst>
-          </p:cNvPr>
-          <p:cNvPicPr>
-            <a:picLocks noChangeAspect="1"/>
-          </p:cNvPicPr>
-          <p:nvPr/>
-        </p:nvPicPr>
-        <p:blipFill>
-          <a:blip r:embed="rId9"/>
-          <a:stretch>
-            <a:fillRect/>
-          </a:stretch>
-        </p:blipFill>
-        <p:spPr>
-          <a:xfrm>
-            <a:off x="11092412" y="5265267"/>
-            <a:ext cx="403713" cy="403713"/>
-          </a:xfrm>
-          <a:prstGeom prst="rect">
-            <a:avLst/>
-          </a:prstGeom>
-        </p:spPr>
-      </p:pic>
-      <p:pic>
-        <p:nvPicPr>
-          <p:cNvPr id="25" name="Picture 24" descr="Logo&#10;&#10;Description automatically generated">
-            <a:extLst>
-              <a:ext uri="{FF2B5EF4-FFF2-40B4-BE49-F238E27FC236}">
-                <a16:creationId xmlns:a16="http://schemas.microsoft.com/office/drawing/2014/main" id="{91049601-8C38-3D43-BF42-F8BBF9FF5C23}"/>
-              </a:ext>
-            </a:extLst>
-          </p:cNvPr>
-          <p:cNvPicPr>
-            <a:picLocks noChangeAspect="1"/>
-          </p:cNvPicPr>
-          <p:nvPr/>
-        </p:nvPicPr>
-        <p:blipFill>
-          <a:blip r:embed="rId4"/>
-          <a:stretch>
-            <a:fillRect/>
-          </a:stretch>
-        </p:blipFill>
-        <p:spPr>
-          <a:xfrm>
-            <a:off x="11143280" y="3786363"/>
-            <a:ext cx="498061" cy="498061"/>
-          </a:xfrm>
-          <a:prstGeom prst="rect">
-            <a:avLst/>
-          </a:prstGeom>
-        </p:spPr>
-      </p:pic>
+        <p:style>
+          <a:lnRef idx="1">
+            <a:schemeClr val="accent1"/>
+          </a:lnRef>
+          <a:fillRef idx="0">
+            <a:schemeClr val="accent1"/>
+          </a:fillRef>
+          <a:effectRef idx="0">
+            <a:schemeClr val="accent1"/>
+          </a:effectRef>
+          <a:fontRef idx="minor">
+            <a:schemeClr val="tx1"/>
+          </a:fontRef>
+        </p:style>
+      </p:cxnSp>
     </p:spTree>
     <p:extLst>
       <p:ext uri="{BB962C8B-B14F-4D97-AF65-F5344CB8AC3E}">
-        <p14:creationId xmlns:p14="http://schemas.microsoft.com/office/powerpoint/2010/main" val="85960628"/>
-      </p:ext>
-    </p:extLst>
-  </p:cSld>
-  <p:clrMapOvr>
-    <a:masterClrMapping/>
-  </p:clrMapOvr>
-</p:sld>
-</file>
-
-<file path=ppt/slides/slide8.xml><?xml version="1.0" encoding="utf-8"?>
-<p:sld xmlns:a="http://schemas.openxmlformats.org/drawingml/2006/main" xmlns:r="http://schemas.openxmlformats.org/officeDocument/2006/relationships" xmlns:p="http://schemas.openxmlformats.org/presentationml/2006/main">
-  <p:cSld>
-    <p:spTree>
-      <p:nvGrpSpPr>
-        <p:cNvPr id="1" name="Shape 196"/>
-        <p:cNvGrpSpPr/>
-        <p:nvPr/>
-      </p:nvGrpSpPr>
-      <p:grpSpPr>
-        <a:xfrm>
-          <a:off x="0" y="0"/>
-          <a:ext cx="0" cy="0"/>
-          <a:chOff x="0" y="0"/>
-          <a:chExt cx="0" cy="0"/>
-        </a:xfrm>
-      </p:grpSpPr>
-      <p:sp>
-        <p:nvSpPr>
-          <p:cNvPr id="197" name="Google Shape;197;p10"/>
-          <p:cNvSpPr txBox="1">
-            <a:spLocks noGrp="1"/>
-          </p:cNvSpPr>
-          <p:nvPr>
-            <p:ph type="title"/>
-          </p:nvPr>
-        </p:nvSpPr>
-        <p:spPr>
-          <a:xfrm>
-            <a:off x="540000" y="540001"/>
-            <a:ext cx="5132138" cy="595855"/>
-          </a:xfrm>
-          <a:prstGeom prst="rect">
-            <a:avLst/>
-          </a:prstGeom>
-          <a:noFill/>
-          <a:ln>
-            <a:noFill/>
-          </a:ln>
-        </p:spPr>
-        <p:txBody>
-          <a:bodyPr spcFirstLastPara="1" wrap="square" lIns="0" tIns="0" rIns="0" bIns="0" anchor="t" anchorCtr="0">
-            <a:noAutofit/>
-          </a:bodyPr>
-          <a:lstStyle/>
-          <a:p>
-            <a:pPr marL="0" lvl="0" indent="0" algn="l" rtl="0">
-              <a:lnSpc>
-                <a:spcPct val="90000"/>
-              </a:lnSpc>
-              <a:spcBef>
-                <a:spcPts val="0"/>
-              </a:spcBef>
-              <a:spcAft>
-                <a:spcPts val="0"/>
-              </a:spcAft>
-              <a:buClr>
-                <a:srgbClr val="0099CC"/>
-              </a:buClr>
-              <a:buSzPts val="3600"/>
-              <a:buFont typeface="Arial"/>
-              <a:buNone/>
-            </a:pPr>
-            <a:r>
-              <a:rPr lang="en-US" b="0" dirty="0">
-                <a:latin typeface="Avenir Medium" panose="02000503020000020003" pitchFamily="2" charset="0"/>
-              </a:rPr>
-              <a:t>Use Cases</a:t>
-            </a:r>
-            <a:endParaRPr b="0" dirty="0">
-              <a:latin typeface="Avenir Medium" panose="02000503020000020003" pitchFamily="2" charset="0"/>
-            </a:endParaRPr>
-          </a:p>
-        </p:txBody>
-      </p:sp>
-      <p:sp>
-        <p:nvSpPr>
-          <p:cNvPr id="2" name="TextBox 1">
-            <a:extLst>
-              <a:ext uri="{FF2B5EF4-FFF2-40B4-BE49-F238E27FC236}">
-                <a16:creationId xmlns:a16="http://schemas.microsoft.com/office/drawing/2014/main" id="{138C87FE-CBC8-7D49-AE8F-65EB338D3EAF}"/>
-              </a:ext>
-            </a:extLst>
-          </p:cNvPr>
-          <p:cNvSpPr txBox="1"/>
-          <p:nvPr/>
-        </p:nvSpPr>
-        <p:spPr>
-          <a:xfrm>
-            <a:off x="540000" y="1212971"/>
-            <a:ext cx="10882856" cy="5016758"/>
-          </a:xfrm>
-          <a:prstGeom prst="rect">
-            <a:avLst/>
-          </a:prstGeom>
-          <a:noFill/>
-        </p:spPr>
-        <p:txBody>
-          <a:bodyPr wrap="square" rtlCol="0">
-            <a:spAutoFit/>
-          </a:bodyPr>
-          <a:lstStyle/>
-          <a:p>
-            <a:pPr marL="285750" indent="-285750">
-              <a:spcAft>
-                <a:spcPts val="600"/>
-              </a:spcAft>
-              <a:buFont typeface="Arial" panose="020B0604020202020204" pitchFamily="34" charset="0"/>
-              <a:buChar char="•"/>
-            </a:pPr>
-            <a:r>
-              <a:rPr lang="en-US" sz="2000" dirty="0">
-                <a:latin typeface="Avenir Medium" panose="02000503020000020003" pitchFamily="2" charset="0"/>
-              </a:rPr>
-              <a:t>Single source of data for TBAs, web site analysis, general research, etc.</a:t>
-            </a:r>
-          </a:p>
-          <a:p>
-            <a:pPr marL="285750" indent="-285750">
-              <a:spcAft>
-                <a:spcPts val="600"/>
-              </a:spcAft>
-              <a:buFont typeface="Arial" panose="020B0604020202020204" pitchFamily="34" charset="0"/>
-              <a:buChar char="•"/>
-            </a:pPr>
-            <a:r>
-              <a:rPr lang="en-US" sz="2000" dirty="0">
-                <a:latin typeface="Avenir Medium" panose="02000503020000020003" pitchFamily="2" charset="0"/>
-              </a:rPr>
-              <a:t>Collect data for competitive benchmark studies</a:t>
-            </a:r>
-          </a:p>
-          <a:p>
-            <a:pPr marL="285750" indent="-285750">
-              <a:spcAft>
-                <a:spcPts val="600"/>
-              </a:spcAft>
-              <a:buFont typeface="Arial" panose="020B0604020202020204" pitchFamily="34" charset="0"/>
-              <a:buChar char="•"/>
-            </a:pPr>
-            <a:r>
-              <a:rPr lang="en-US" sz="2000" dirty="0">
-                <a:latin typeface="Avenir Medium" panose="02000503020000020003" pitchFamily="2" charset="0"/>
-              </a:rPr>
-              <a:t>One stop for all vital metrics</a:t>
-            </a:r>
-          </a:p>
-          <a:p>
-            <a:pPr marL="731520" lvl="1" indent="-342900">
-              <a:buFont typeface="Arial" panose="020B0604020202020204" pitchFamily="34" charset="0"/>
-              <a:buChar char="•"/>
-            </a:pPr>
-            <a:r>
-              <a:rPr lang="en-US" sz="2000" dirty="0">
-                <a:latin typeface="Avenir Medium" panose="02000503020000020003" pitchFamily="2" charset="0"/>
-              </a:rPr>
-              <a:t>Domain and Page Metrics</a:t>
-            </a:r>
-          </a:p>
-          <a:p>
-            <a:pPr marL="731520" lvl="1" indent="-342900">
-              <a:buFont typeface="Arial" panose="020B0604020202020204" pitchFamily="34" charset="0"/>
-              <a:buChar char="•"/>
-            </a:pPr>
-            <a:r>
-              <a:rPr lang="en-US" sz="2000" dirty="0">
-                <a:latin typeface="Avenir Medium" panose="02000503020000020003" pitchFamily="2" charset="0"/>
-              </a:rPr>
-              <a:t>Site Construction</a:t>
-            </a:r>
-          </a:p>
-          <a:p>
-            <a:pPr marL="731520" lvl="1" indent="-342900">
-              <a:buFont typeface="Arial" panose="020B0604020202020204" pitchFamily="34" charset="0"/>
-              <a:buChar char="•"/>
-            </a:pPr>
-            <a:r>
-              <a:rPr lang="en-US" sz="2000" dirty="0">
-                <a:latin typeface="Avenir Medium" panose="02000503020000020003" pitchFamily="2" charset="0"/>
-              </a:rPr>
-              <a:t>1st &amp; 3rd Party Information</a:t>
-            </a:r>
-          </a:p>
-          <a:p>
-            <a:pPr marL="731520" lvl="1" indent="-342900">
-              <a:buFont typeface="Arial" panose="020B0604020202020204" pitchFamily="34" charset="0"/>
-              <a:buChar char="•"/>
-            </a:pPr>
-            <a:r>
-              <a:rPr lang="en-US" sz="2000" dirty="0">
-                <a:latin typeface="Avenir Medium" panose="02000503020000020003" pitchFamily="2" charset="0"/>
-              </a:rPr>
-              <a:t>Largest JS, CSS, and Images</a:t>
-            </a:r>
-          </a:p>
-          <a:p>
-            <a:pPr marL="731520" lvl="1" indent="-342900">
-              <a:buFont typeface="Arial" panose="020B0604020202020204" pitchFamily="34" charset="0"/>
-              <a:buChar char="•"/>
-            </a:pPr>
-            <a:r>
-              <a:rPr lang="en-US" sz="2000" dirty="0">
-                <a:latin typeface="Avenir Medium" panose="02000503020000020003" pitchFamily="2" charset="0"/>
-              </a:rPr>
-              <a:t>Slowest First and Third-Party Resources</a:t>
-            </a:r>
-          </a:p>
-          <a:p>
-            <a:pPr marL="731520" lvl="1" indent="-342900">
-              <a:buFont typeface="Arial" panose="020B0604020202020204" pitchFamily="34" charset="0"/>
-              <a:buChar char="•"/>
-            </a:pPr>
-            <a:r>
-              <a:rPr lang="en-US" sz="2000" dirty="0">
-                <a:latin typeface="Avenir Medium" panose="02000503020000020003" pitchFamily="2" charset="0"/>
-              </a:rPr>
-              <a:t>Prescriptive Guidance</a:t>
-            </a:r>
-          </a:p>
-          <a:p>
-            <a:pPr marL="731520" lvl="1" indent="-342900">
-              <a:buFont typeface="Arial" panose="020B0604020202020204" pitchFamily="34" charset="0"/>
-              <a:buChar char="•"/>
-            </a:pPr>
-            <a:r>
-              <a:rPr lang="en-US" sz="2000" dirty="0">
-                <a:latin typeface="Avenir Medium" panose="02000503020000020003" pitchFamily="2" charset="0"/>
-              </a:rPr>
-              <a:t>Core Web Vitals</a:t>
-            </a:r>
-          </a:p>
-          <a:p>
-            <a:pPr marL="731520" lvl="1" indent="-342900">
-              <a:buFont typeface="Arial" panose="020B0604020202020204" pitchFamily="34" charset="0"/>
-              <a:buChar char="•"/>
-            </a:pPr>
-            <a:r>
-              <a:rPr lang="en-US" sz="2000" dirty="0">
-                <a:latin typeface="Avenir Medium" panose="02000503020000020003" pitchFamily="2" charset="0"/>
-              </a:rPr>
-              <a:t>Waterfall</a:t>
-            </a:r>
-          </a:p>
-          <a:p>
-            <a:pPr marL="731520" lvl="1" indent="-342900">
-              <a:buFont typeface="Arial" panose="020B0604020202020204" pitchFamily="34" charset="0"/>
-              <a:buChar char="•"/>
-            </a:pPr>
-            <a:r>
-              <a:rPr lang="en-US" sz="2000" dirty="0">
-                <a:latin typeface="Avenir Medium" panose="02000503020000020003" pitchFamily="2" charset="0"/>
-              </a:rPr>
-              <a:t>Filmstrip</a:t>
-            </a:r>
-          </a:p>
-          <a:p>
-            <a:pPr marL="731520" lvl="1" indent="-342900">
-              <a:buFont typeface="Arial" panose="020B0604020202020204" pitchFamily="34" charset="0"/>
-              <a:buChar char="•"/>
-            </a:pPr>
-            <a:r>
-              <a:rPr lang="en-US" sz="2000" dirty="0">
-                <a:latin typeface="Avenir Medium" panose="02000503020000020003" pitchFamily="2" charset="0"/>
-              </a:rPr>
-              <a:t>Video</a:t>
-            </a:r>
-          </a:p>
-          <a:p>
-            <a:pPr marL="285750" indent="-285750">
-              <a:spcAft>
-                <a:spcPts val="600"/>
-              </a:spcAft>
-              <a:buFont typeface="Arial" panose="020B0604020202020204" pitchFamily="34" charset="0"/>
-              <a:buChar char="•"/>
-            </a:pPr>
-            <a:r>
-              <a:rPr lang="en-US" sz="2000" dirty="0">
-                <a:latin typeface="Avenir Medium" panose="02000503020000020003" pitchFamily="2" charset="0"/>
-              </a:rPr>
-              <a:t>Synthetic testing is a perfect complement to mPulse RUM data</a:t>
-            </a:r>
-          </a:p>
-          <a:p>
-            <a:pPr marL="285750" indent="-285750">
-              <a:spcAft>
-                <a:spcPts val="600"/>
-              </a:spcAft>
-              <a:buFont typeface="Arial" panose="020B0604020202020204" pitchFamily="34" charset="0"/>
-              <a:buChar char="•"/>
-            </a:pPr>
-            <a:r>
-              <a:rPr lang="en-US" sz="2000" dirty="0">
-                <a:latin typeface="Avenir Medium" panose="02000503020000020003" pitchFamily="2" charset="0"/>
-              </a:rPr>
-              <a:t>Data can be used for reports and/or used to drive live customer discussions</a:t>
-            </a:r>
-          </a:p>
-        </p:txBody>
-      </p:sp>
-    </p:spTree>
-    <p:extLst>
-      <p:ext uri="{BB962C8B-B14F-4D97-AF65-F5344CB8AC3E}">
-        <p14:creationId xmlns:p14="http://schemas.microsoft.com/office/powerpoint/2010/main" val="999530664"/>
+        <p14:creationId xmlns:p14="http://schemas.microsoft.com/office/powerpoint/2010/main" val="3732211524"/>
       </p:ext>
     </p:extLst>
   </p:cSld>
@@ -23054,7 +21559,7 @@
               <a:rPr lang="en-US" b="0" dirty="0">
                 <a:latin typeface="Avenir Medium" panose="02000503020000020003" pitchFamily="2" charset="0"/>
               </a:rPr>
-              <a:t>Why Sitespeed.io?</a:t>
+              <a:t>SSH Security</a:t>
             </a:r>
             <a:endParaRPr b="0" dirty="0">
               <a:latin typeface="Avenir Medium" panose="02000503020000020003" pitchFamily="2" charset="0"/>
@@ -23062,607 +21567,577 @@
           </a:p>
         </p:txBody>
       </p:sp>
-      <p:sp>
-        <p:nvSpPr>
-          <p:cNvPr id="3" name="Google Shape;198;p10">
+      <p:pic>
+        <p:nvPicPr>
+          <p:cNvPr id="8" name="Picture 7" descr="A picture containing icon&#10;&#10;Description automatically generated">
             <a:extLst>
               <a:ext uri="{FF2B5EF4-FFF2-40B4-BE49-F238E27FC236}">
-                <a16:creationId xmlns:a16="http://schemas.microsoft.com/office/drawing/2014/main" id="{B53DE888-DA9E-3341-8EB4-AA9D08CC417B}"/>
+                <a16:creationId xmlns:a16="http://schemas.microsoft.com/office/drawing/2014/main" id="{FE2D6886-CB79-FB4D-9450-C291EBD718BF}"/>
               </a:ext>
             </a:extLst>
           </p:cNvPr>
-          <p:cNvSpPr txBox="1">
-            <a:spLocks noGrp="1"/>
-          </p:cNvSpPr>
-          <p:nvPr>
-            <p:ph type="body" idx="1"/>
-          </p:nvPr>
+          <p:cNvPicPr>
+            <a:picLocks noChangeAspect="1"/>
+          </p:cNvPicPr>
+          <p:nvPr/>
+        </p:nvPicPr>
+        <p:blipFill>
+          <a:blip r:embed="rId3"/>
+          <a:stretch>
+            <a:fillRect/>
+          </a:stretch>
+        </p:blipFill>
+        <p:spPr>
+          <a:xfrm>
+            <a:off x="9014010" y="2606333"/>
+            <a:ext cx="1117435" cy="1371900"/>
+          </a:xfrm>
+          <a:prstGeom prst="rect">
+            <a:avLst/>
+          </a:prstGeom>
+        </p:spPr>
+      </p:pic>
+      <p:pic>
+        <p:nvPicPr>
+          <p:cNvPr id="15" name="Picture 14" descr="A picture containing icon&#10;&#10;Description automatically generated">
+            <a:extLst>
+              <a:ext uri="{FF2B5EF4-FFF2-40B4-BE49-F238E27FC236}">
+                <a16:creationId xmlns:a16="http://schemas.microsoft.com/office/drawing/2014/main" id="{608A8B99-1364-CB47-A4C0-380D1923F359}"/>
+              </a:ext>
+            </a:extLst>
+          </p:cNvPr>
+          <p:cNvPicPr>
+            <a:picLocks noChangeAspect="1"/>
+          </p:cNvPicPr>
+          <p:nvPr/>
+        </p:nvPicPr>
+        <p:blipFill>
+          <a:blip r:embed="rId3"/>
+          <a:stretch>
+            <a:fillRect/>
+          </a:stretch>
+        </p:blipFill>
+        <p:spPr>
+          <a:xfrm>
+            <a:off x="9014009" y="759460"/>
+            <a:ext cx="1117435" cy="1371900"/>
+          </a:xfrm>
+          <a:prstGeom prst="rect">
+            <a:avLst/>
+          </a:prstGeom>
+        </p:spPr>
+      </p:pic>
+      <p:pic>
+        <p:nvPicPr>
+          <p:cNvPr id="2" name="Picture 1" descr="A picture containing icon&#10;&#10;Description automatically generated">
+            <a:extLst>
+              <a:ext uri="{FF2B5EF4-FFF2-40B4-BE49-F238E27FC236}">
+                <a16:creationId xmlns:a16="http://schemas.microsoft.com/office/drawing/2014/main" id="{B5C6D301-0972-76E4-F992-B0AF6A2E22F0}"/>
+              </a:ext>
+            </a:extLst>
+          </p:cNvPr>
+          <p:cNvPicPr>
+            <a:picLocks noChangeAspect="1"/>
+          </p:cNvPicPr>
+          <p:nvPr/>
+        </p:nvPicPr>
+        <p:blipFill>
+          <a:blip r:embed="rId3"/>
+          <a:stretch>
+            <a:fillRect/>
+          </a:stretch>
+        </p:blipFill>
+        <p:spPr>
+          <a:xfrm>
+            <a:off x="9014009" y="4453206"/>
+            <a:ext cx="1117435" cy="1371900"/>
+          </a:xfrm>
+          <a:prstGeom prst="rect">
+            <a:avLst/>
+          </a:prstGeom>
+        </p:spPr>
+      </p:pic>
+      <p:pic>
+        <p:nvPicPr>
+          <p:cNvPr id="3" name="Picture 2" descr="A picture containing icon&#10;&#10;Description automatically generated">
+            <a:extLst>
+              <a:ext uri="{FF2B5EF4-FFF2-40B4-BE49-F238E27FC236}">
+                <a16:creationId xmlns:a16="http://schemas.microsoft.com/office/drawing/2014/main" id="{7E1AB3D6-6555-F10D-D654-292408C2C727}"/>
+              </a:ext>
+            </a:extLst>
+          </p:cNvPr>
+          <p:cNvPicPr>
+            <a:picLocks noChangeAspect="1"/>
+          </p:cNvPicPr>
+          <p:nvPr/>
+        </p:nvPicPr>
+        <p:blipFill>
+          <a:blip r:embed="rId3"/>
+          <a:stretch>
+            <a:fillRect/>
+          </a:stretch>
+        </p:blipFill>
+        <p:spPr>
+          <a:xfrm>
+            <a:off x="3810640" y="2606333"/>
+            <a:ext cx="1117435" cy="1371900"/>
+          </a:xfrm>
+          <a:prstGeom prst="rect">
+            <a:avLst/>
+          </a:prstGeom>
+        </p:spPr>
+      </p:pic>
+      <p:pic>
+        <p:nvPicPr>
+          <p:cNvPr id="5" name="Graphic 4" descr="Internet with solid fill">
+            <a:extLst>
+              <a:ext uri="{FF2B5EF4-FFF2-40B4-BE49-F238E27FC236}">
+                <a16:creationId xmlns:a16="http://schemas.microsoft.com/office/drawing/2014/main" id="{0499E23A-0C08-C2FF-B095-A2FE925C6C74}"/>
+              </a:ext>
+            </a:extLst>
+          </p:cNvPr>
+          <p:cNvPicPr>
+            <a:picLocks noChangeAspect="1"/>
+          </p:cNvPicPr>
+          <p:nvPr/>
+        </p:nvPicPr>
+        <p:blipFill>
+          <a:blip r:embed="rId4">
+            <a:extLst>
+              <a:ext uri="{96DAC541-7B7A-43D3-8B79-37D633B846F1}">
+                <asvg:svgBlip xmlns:asvg="http://schemas.microsoft.com/office/drawing/2016/SVG/main" r:embed="rId5"/>
+              </a:ext>
+            </a:extLst>
+          </a:blip>
+          <a:stretch>
+            <a:fillRect/>
+          </a:stretch>
+        </p:blipFill>
+        <p:spPr>
+          <a:xfrm>
+            <a:off x="540000" y="2606333"/>
+            <a:ext cx="1371900" cy="1371900"/>
+          </a:xfrm>
+          <a:prstGeom prst="rect">
+            <a:avLst/>
+          </a:prstGeom>
+        </p:spPr>
+      </p:pic>
+      <p:sp>
+        <p:nvSpPr>
+          <p:cNvPr id="7" name="TextBox 6">
+            <a:extLst>
+              <a:ext uri="{FF2B5EF4-FFF2-40B4-BE49-F238E27FC236}">
+                <a16:creationId xmlns:a16="http://schemas.microsoft.com/office/drawing/2014/main" id="{45BB04C9-E8BC-2CA6-41D2-F7C973EC60A0}"/>
+              </a:ext>
+            </a:extLst>
+          </p:cNvPr>
+          <p:cNvSpPr txBox="1"/>
+          <p:nvPr/>
         </p:nvSpPr>
         <p:spPr>
           <a:xfrm>
-            <a:off x="540000" y="1227220"/>
-            <a:ext cx="10351520" cy="4494072"/>
+            <a:off x="356962" y="4145428"/>
+            <a:ext cx="1737976" cy="307777"/>
           </a:xfrm>
           <a:prstGeom prst="rect">
             <a:avLst/>
           </a:prstGeom>
           <a:noFill/>
-          <a:ln>
-            <a:noFill/>
-          </a:ln>
         </p:spPr>
         <p:txBody>
-          <a:bodyPr spcFirstLastPara="1" wrap="square" lIns="0" tIns="0" rIns="0" bIns="0" anchor="t" anchorCtr="0">
-            <a:noAutofit/>
+          <a:bodyPr wrap="none" rtlCol="0">
+            <a:spAutoFit/>
           </a:bodyPr>
           <a:lstStyle/>
           <a:p>
-            <a:pPr marL="355599" marR="5079" indent="-342900">
-              <a:lnSpc>
-                <a:spcPct val="138400"/>
-              </a:lnSpc>
-              <a:spcBef>
-                <a:spcPts val="465"/>
-              </a:spcBef>
-              <a:buFont typeface="Arial" panose="020B0604020202020204" pitchFamily="34" charset="0"/>
-              <a:buChar char="•"/>
-            </a:pPr>
             <a:r>
-              <a:rPr lang="en-US" sz="2000" spc="-60" dirty="0">
-                <a:solidFill>
-                  <a:srgbClr val="383838"/>
-                </a:solidFill>
+              <a:rPr lang="en-US" dirty="0">
                 <a:latin typeface="Avenir Medium" panose="02000503020000020003" pitchFamily="2" charset="0"/>
               </a:rPr>
-              <a:t>Created in 2012 as an open-source project</a:t>
+              <a:t>Key Pair 1 (Private)</a:t>
             </a:r>
-            <a:endParaRPr lang="en-US" sz="1600" spc="-60" dirty="0">
-              <a:solidFill>
-                <a:srgbClr val="383838"/>
-              </a:solidFill>
-              <a:latin typeface="Avenir Medium" panose="02000503020000020003" pitchFamily="2" charset="0"/>
-            </a:endParaRPr>
-          </a:p>
-          <a:p>
-            <a:pPr marL="355599" marR="5079" indent="-342900">
-              <a:lnSpc>
-                <a:spcPct val="138400"/>
-              </a:lnSpc>
-              <a:spcBef>
-                <a:spcPts val="465"/>
-              </a:spcBef>
-              <a:buFont typeface="Arial" panose="020B0604020202020204" pitchFamily="34" charset="0"/>
-              <a:buChar char="•"/>
-            </a:pPr>
-            <a:r>
-              <a:rPr lang="en-US" sz="2000" spc="-60" dirty="0">
-                <a:solidFill>
-                  <a:srgbClr val="383838"/>
-                </a:solidFill>
-                <a:latin typeface="Avenir Medium" panose="02000503020000020003" pitchFamily="2" charset="0"/>
-              </a:rPr>
-              <a:t>Easy to configure and run!</a:t>
-            </a:r>
-          </a:p>
-          <a:p>
-            <a:pPr marL="355599" marR="5079" indent="-342900">
-              <a:lnSpc>
-                <a:spcPct val="138400"/>
-              </a:lnSpc>
-              <a:spcBef>
-                <a:spcPts val="465"/>
-              </a:spcBef>
-              <a:buFont typeface="Arial" panose="020B0604020202020204" pitchFamily="34" charset="0"/>
-              <a:buChar char="•"/>
-            </a:pPr>
-            <a:r>
-              <a:rPr lang="en-US" sz="2000" spc="-60" dirty="0">
-                <a:solidFill>
-                  <a:srgbClr val="383838"/>
-                </a:solidFill>
-                <a:latin typeface="Avenir Medium" panose="02000503020000020003" pitchFamily="2" charset="0"/>
-              </a:rPr>
-              <a:t>Capabilities continue to evolve/improve with 700+ developers</a:t>
-            </a:r>
-          </a:p>
-          <a:p>
-            <a:pPr marL="355599" marR="5079" indent="-342900">
-              <a:lnSpc>
-                <a:spcPct val="138400"/>
-              </a:lnSpc>
-              <a:spcBef>
-                <a:spcPts val="465"/>
-              </a:spcBef>
-              <a:buFont typeface="Arial" panose="020B0604020202020204" pitchFamily="34" charset="0"/>
-              <a:buChar char="•"/>
-            </a:pPr>
-            <a:r>
-              <a:rPr lang="en-US" sz="2000" spc="-60" dirty="0">
-                <a:solidFill>
-                  <a:srgbClr val="383838"/>
-                </a:solidFill>
-                <a:latin typeface="Avenir Medium" panose="02000503020000020003" pitchFamily="2" charset="0"/>
-              </a:rPr>
-              <a:t>Full integration with tools such as WPT, CrUX, PSI, Lighthouse, S3, GCS, Graphite, </a:t>
-            </a:r>
-            <a:r>
-              <a:rPr lang="en-US" sz="2000" spc="-60" dirty="0" err="1">
-                <a:solidFill>
-                  <a:srgbClr val="383838"/>
-                </a:solidFill>
-                <a:latin typeface="Avenir Medium" panose="02000503020000020003" pitchFamily="2" charset="0"/>
-              </a:rPr>
-              <a:t>InfluxDB</a:t>
-            </a:r>
-            <a:endParaRPr lang="en-US" sz="2000" spc="-60" dirty="0">
-              <a:solidFill>
-                <a:srgbClr val="383838"/>
-              </a:solidFill>
-              <a:latin typeface="Avenir Medium" panose="02000503020000020003" pitchFamily="2" charset="0"/>
-            </a:endParaRPr>
-          </a:p>
-          <a:p>
-            <a:pPr marL="355599" marR="5079" indent="-342900">
-              <a:lnSpc>
-                <a:spcPct val="138400"/>
-              </a:lnSpc>
-              <a:spcBef>
-                <a:spcPts val="465"/>
-              </a:spcBef>
-              <a:buFont typeface="Arial" panose="020B0604020202020204" pitchFamily="34" charset="0"/>
-              <a:buChar char="•"/>
-            </a:pPr>
-            <a:r>
-              <a:rPr lang="en-US" sz="2000" spc="-60" dirty="0">
-                <a:solidFill>
-                  <a:srgbClr val="383838"/>
-                </a:solidFill>
-                <a:latin typeface="Avenir Medium" panose="02000503020000020003" pitchFamily="2" charset="0"/>
-              </a:rPr>
-              <a:t>Well documented and great support (</a:t>
-            </a:r>
-            <a:r>
-              <a:rPr lang="en-US" sz="2000" spc="-60" dirty="0" err="1">
-                <a:solidFill>
-                  <a:srgbClr val="383838"/>
-                </a:solidFill>
-                <a:latin typeface="Avenir Medium" panose="02000503020000020003" pitchFamily="2" charset="0"/>
-              </a:rPr>
-              <a:t>Github</a:t>
-            </a:r>
-            <a:r>
-              <a:rPr lang="en-US" sz="2000" spc="-60" dirty="0">
-                <a:solidFill>
-                  <a:srgbClr val="383838"/>
-                </a:solidFill>
-                <a:latin typeface="Avenir Medium" panose="02000503020000020003" pitchFamily="2" charset="0"/>
-              </a:rPr>
-              <a:t>, Slack, Facebook, Twitter)</a:t>
-            </a:r>
-          </a:p>
-          <a:p>
-            <a:pPr marL="355599" marR="5079" indent="-342900">
-              <a:lnSpc>
-                <a:spcPct val="138400"/>
-              </a:lnSpc>
-              <a:spcBef>
-                <a:spcPts val="465"/>
-              </a:spcBef>
-              <a:buFont typeface="Arial" panose="020B0604020202020204" pitchFamily="34" charset="0"/>
-              <a:buChar char="•"/>
-            </a:pPr>
-            <a:r>
-              <a:rPr lang="en-US" sz="2000" spc="-60" dirty="0">
-                <a:solidFill>
-                  <a:srgbClr val="383838"/>
-                </a:solidFill>
-                <a:latin typeface="Avenir Medium" panose="02000503020000020003" pitchFamily="2" charset="0"/>
-              </a:rPr>
-              <a:t>All test results saved in a database</a:t>
-            </a:r>
-          </a:p>
-          <a:p>
-            <a:pPr marL="355599" marR="5079" indent="-342900">
-              <a:lnSpc>
-                <a:spcPct val="138400"/>
-              </a:lnSpc>
-              <a:spcBef>
-                <a:spcPts val="465"/>
-              </a:spcBef>
-              <a:buFont typeface="Arial" panose="020B0604020202020204" pitchFamily="34" charset="0"/>
-              <a:buChar char="•"/>
-            </a:pPr>
-            <a:r>
-              <a:rPr lang="en-US" sz="2000" spc="-60" dirty="0">
-                <a:solidFill>
-                  <a:srgbClr val="383838"/>
-                </a:solidFill>
-                <a:latin typeface="Avenir Medium" panose="02000503020000020003" pitchFamily="2" charset="0"/>
-              </a:rPr>
-              <a:t>Extensive scripting support for multi-page journeys</a:t>
-            </a:r>
-          </a:p>
-          <a:p>
-            <a:pPr marL="355599" marR="5079" indent="-342900">
-              <a:lnSpc>
-                <a:spcPct val="138400"/>
-              </a:lnSpc>
-              <a:spcBef>
-                <a:spcPts val="465"/>
-              </a:spcBef>
-              <a:buFont typeface="Arial" panose="020B0604020202020204" pitchFamily="34" charset="0"/>
-              <a:buChar char="•"/>
-            </a:pPr>
-            <a:r>
-              <a:rPr lang="en-US" sz="2000" spc="-60" dirty="0">
-                <a:solidFill>
-                  <a:srgbClr val="383838"/>
-                </a:solidFill>
-                <a:latin typeface="Avenir Medium" panose="02000503020000020003" pitchFamily="2" charset="0"/>
-              </a:rPr>
-              <a:t>SPA support</a:t>
-            </a:r>
-          </a:p>
-          <a:p>
-            <a:pPr marL="355599" marR="5079" indent="-342900">
-              <a:lnSpc>
-                <a:spcPct val="138400"/>
-              </a:lnSpc>
-              <a:spcBef>
-                <a:spcPts val="465"/>
-              </a:spcBef>
-              <a:buFont typeface="Arial" panose="020B0604020202020204" pitchFamily="34" charset="0"/>
-              <a:buChar char="•"/>
-            </a:pPr>
-            <a:r>
-              <a:rPr lang="en-US" sz="2000" b="1" i="1" spc="-60" dirty="0">
-                <a:solidFill>
-                  <a:srgbClr val="383838"/>
-                </a:solidFill>
-                <a:latin typeface="Avenir Medium" panose="02000503020000020003" pitchFamily="2" charset="0"/>
-              </a:rPr>
-              <a:t>The list goes on …</a:t>
-            </a:r>
-          </a:p>
-          <a:p>
-            <a:pPr marL="355599" marR="5079" indent="-342900">
-              <a:lnSpc>
-                <a:spcPct val="138400"/>
-              </a:lnSpc>
-              <a:spcBef>
-                <a:spcPts val="465"/>
-              </a:spcBef>
-              <a:buFont typeface="Arial" panose="020B0604020202020204" pitchFamily="34" charset="0"/>
-              <a:buChar char="•"/>
-            </a:pPr>
-            <a:endParaRPr lang="en-US" sz="2000" b="1" spc="-60" dirty="0">
-              <a:solidFill>
-                <a:srgbClr val="383838"/>
-              </a:solidFill>
-              <a:latin typeface="Avenir Medium" panose="02000503020000020003" pitchFamily="2" charset="0"/>
-            </a:endParaRPr>
           </a:p>
         </p:txBody>
       </p:sp>
       <p:sp>
         <p:nvSpPr>
-          <p:cNvPr id="5" name="Google Shape;198;p10">
+          <p:cNvPr id="11" name="TextBox 10">
             <a:extLst>
               <a:ext uri="{FF2B5EF4-FFF2-40B4-BE49-F238E27FC236}">
-                <a16:creationId xmlns:a16="http://schemas.microsoft.com/office/drawing/2014/main" id="{D00E41F9-73BE-8E4A-86A3-800FB0A86FC9}"/>
+                <a16:creationId xmlns:a16="http://schemas.microsoft.com/office/drawing/2014/main" id="{E7586DE4-AC66-BAFB-375B-808EC9F3646C}"/>
               </a:ext>
             </a:extLst>
           </p:cNvPr>
-          <p:cNvSpPr txBox="1">
-            <a:spLocks/>
-          </p:cNvSpPr>
+          <p:cNvSpPr txBox="1"/>
           <p:nvPr/>
         </p:nvSpPr>
         <p:spPr>
           <a:xfrm>
-            <a:off x="5291200" y="6043678"/>
-            <a:ext cx="1609600" cy="548641"/>
+            <a:off x="3436798" y="4145429"/>
+            <a:ext cx="1633781" cy="307777"/>
           </a:xfrm>
           <a:prstGeom prst="rect">
             <a:avLst/>
           </a:prstGeom>
           <a:noFill/>
-          <a:ln>
-            <a:noFill/>
-          </a:ln>
         </p:spPr>
         <p:txBody>
-          <a:bodyPr spcFirstLastPara="1" wrap="square" lIns="0" tIns="0" rIns="0" bIns="0" anchor="t" anchorCtr="0">
-            <a:noAutofit/>
+          <a:bodyPr wrap="none" rtlCol="0">
+            <a:spAutoFit/>
           </a:bodyPr>
-          <a:lstStyle>
-            <a:defPPr marR="0" lvl="0" algn="l" rtl="0">
-              <a:lnSpc>
-                <a:spcPct val="100000"/>
-              </a:lnSpc>
-              <a:spcBef>
-                <a:spcPts val="0"/>
-              </a:spcBef>
-              <a:spcAft>
-                <a:spcPts val="0"/>
-              </a:spcAft>
-            </a:defPPr>
-            <a:lvl1pPr marL="457200" marR="0" lvl="0" indent="-228600" algn="l" rtl="0">
-              <a:lnSpc>
-                <a:spcPct val="90000"/>
-              </a:lnSpc>
-              <a:spcBef>
-                <a:spcPts val="1000"/>
-              </a:spcBef>
-              <a:spcAft>
-                <a:spcPts val="0"/>
-              </a:spcAft>
-              <a:buClr>
-                <a:schemeClr val="dk1"/>
-              </a:buClr>
-              <a:buSzPts val="1800"/>
-              <a:buFont typeface="Arial"/>
-              <a:buNone/>
-              <a:defRPr sz="2800" b="0" i="0" u="none" strike="noStrike" cap="none">
-                <a:solidFill>
-                  <a:schemeClr val="dk1"/>
-                </a:solidFill>
-                <a:latin typeface="Arial"/>
-                <a:ea typeface="Arial"/>
-                <a:cs typeface="Arial"/>
-                <a:sym typeface="Arial"/>
-              </a:defRPr>
-            </a:lvl1pPr>
-            <a:lvl2pPr marL="914400" marR="0" lvl="1" indent="-228600" algn="l" rtl="0">
-              <a:lnSpc>
-                <a:spcPct val="90000"/>
-              </a:lnSpc>
-              <a:spcBef>
-                <a:spcPts val="500"/>
-              </a:spcBef>
-              <a:spcAft>
-                <a:spcPts val="0"/>
-              </a:spcAft>
-              <a:buClr>
-                <a:schemeClr val="dk1"/>
-              </a:buClr>
-              <a:buSzPts val="1800"/>
-              <a:buFont typeface="Arial"/>
-              <a:buNone/>
-              <a:defRPr sz="2400" b="0" i="0" u="none" strike="noStrike" cap="none">
-                <a:solidFill>
-                  <a:schemeClr val="dk1"/>
-                </a:solidFill>
-                <a:latin typeface="Arial"/>
-                <a:ea typeface="Arial"/>
-                <a:cs typeface="Arial"/>
-                <a:sym typeface="Arial"/>
-              </a:defRPr>
-            </a:lvl2pPr>
-            <a:lvl3pPr marL="1371600" marR="0" lvl="2" indent="-228600" algn="l" rtl="0">
-              <a:lnSpc>
-                <a:spcPct val="90000"/>
-              </a:lnSpc>
-              <a:spcBef>
-                <a:spcPts val="500"/>
-              </a:spcBef>
-              <a:spcAft>
-                <a:spcPts val="0"/>
-              </a:spcAft>
-              <a:buClr>
-                <a:schemeClr val="dk1"/>
-              </a:buClr>
-              <a:buSzPts val="1800"/>
-              <a:buFont typeface="Arial"/>
-              <a:buNone/>
-              <a:defRPr sz="2000" b="0" i="0" u="none" strike="noStrike" cap="none">
-                <a:solidFill>
-                  <a:schemeClr val="dk1"/>
-                </a:solidFill>
-                <a:latin typeface="Arial"/>
-                <a:ea typeface="Arial"/>
-                <a:cs typeface="Arial"/>
-                <a:sym typeface="Arial"/>
-              </a:defRPr>
-            </a:lvl3pPr>
-            <a:lvl4pPr marL="1828800" marR="0" lvl="3" indent="-228600" algn="l" rtl="0">
-              <a:lnSpc>
-                <a:spcPct val="90000"/>
-              </a:lnSpc>
-              <a:spcBef>
-                <a:spcPts val="500"/>
-              </a:spcBef>
-              <a:spcAft>
-                <a:spcPts val="0"/>
-              </a:spcAft>
-              <a:buClr>
-                <a:schemeClr val="dk1"/>
-              </a:buClr>
-              <a:buSzPts val="1800"/>
-              <a:buFont typeface="Arial"/>
-              <a:buNone/>
-              <a:defRPr sz="1800" b="0" i="0" u="none" strike="noStrike" cap="none">
-                <a:solidFill>
-                  <a:schemeClr val="dk1"/>
-                </a:solidFill>
-                <a:latin typeface="Arial"/>
-                <a:ea typeface="Arial"/>
-                <a:cs typeface="Arial"/>
-                <a:sym typeface="Arial"/>
-              </a:defRPr>
-            </a:lvl4pPr>
-            <a:lvl5pPr marL="2286000" marR="0" lvl="4" indent="-228600" algn="l" rtl="0">
-              <a:lnSpc>
-                <a:spcPct val="90000"/>
-              </a:lnSpc>
-              <a:spcBef>
-                <a:spcPts val="500"/>
-              </a:spcBef>
-              <a:spcAft>
-                <a:spcPts val="0"/>
-              </a:spcAft>
-              <a:buClr>
-                <a:schemeClr val="dk1"/>
-              </a:buClr>
-              <a:buSzPts val="1800"/>
-              <a:buFont typeface="Arial"/>
-              <a:buNone/>
-              <a:defRPr sz="1800" b="0" i="0" u="none" strike="noStrike" cap="none">
-                <a:solidFill>
-                  <a:schemeClr val="dk1"/>
-                </a:solidFill>
-                <a:latin typeface="Arial"/>
-                <a:ea typeface="Arial"/>
-                <a:cs typeface="Arial"/>
-                <a:sym typeface="Arial"/>
-              </a:defRPr>
-            </a:lvl5pPr>
-            <a:lvl6pPr marL="2743200" marR="0" lvl="5" indent="-342900" algn="l" rtl="0">
-              <a:lnSpc>
-                <a:spcPct val="90000"/>
-              </a:lnSpc>
-              <a:spcBef>
-                <a:spcPts val="500"/>
-              </a:spcBef>
-              <a:spcAft>
-                <a:spcPts val="0"/>
-              </a:spcAft>
-              <a:buClr>
-                <a:schemeClr val="dk1"/>
-              </a:buClr>
-              <a:buSzPts val="1800"/>
-              <a:buFont typeface="Arial"/>
-              <a:buChar char="•"/>
-              <a:defRPr sz="1800" b="0" i="0" u="none" strike="noStrike" cap="none">
-                <a:solidFill>
-                  <a:schemeClr val="dk1"/>
-                </a:solidFill>
-                <a:latin typeface="Arial"/>
-                <a:ea typeface="Arial"/>
-                <a:cs typeface="Arial"/>
-                <a:sym typeface="Arial"/>
-              </a:defRPr>
-            </a:lvl6pPr>
-            <a:lvl7pPr marL="3200400" marR="0" lvl="6" indent="-342900" algn="l" rtl="0">
-              <a:lnSpc>
-                <a:spcPct val="90000"/>
-              </a:lnSpc>
-              <a:spcBef>
-                <a:spcPts val="500"/>
-              </a:spcBef>
-              <a:spcAft>
-                <a:spcPts val="0"/>
-              </a:spcAft>
-              <a:buClr>
-                <a:schemeClr val="dk1"/>
-              </a:buClr>
-              <a:buSzPts val="1800"/>
-              <a:buFont typeface="Arial"/>
-              <a:buChar char="•"/>
-              <a:defRPr sz="1800" b="0" i="0" u="none" strike="noStrike" cap="none">
-                <a:solidFill>
-                  <a:schemeClr val="dk1"/>
-                </a:solidFill>
-                <a:latin typeface="Arial"/>
-                <a:ea typeface="Arial"/>
-                <a:cs typeface="Arial"/>
-                <a:sym typeface="Arial"/>
-              </a:defRPr>
-            </a:lvl7pPr>
-            <a:lvl8pPr marL="3657600" marR="0" lvl="7" indent="-342900" algn="l" rtl="0">
-              <a:lnSpc>
-                <a:spcPct val="90000"/>
-              </a:lnSpc>
-              <a:spcBef>
-                <a:spcPts val="500"/>
-              </a:spcBef>
-              <a:spcAft>
-                <a:spcPts val="0"/>
-              </a:spcAft>
-              <a:buClr>
-                <a:schemeClr val="dk1"/>
-              </a:buClr>
-              <a:buSzPts val="1800"/>
-              <a:buFont typeface="Arial"/>
-              <a:buChar char="•"/>
-              <a:defRPr sz="1800" b="0" i="0" u="none" strike="noStrike" cap="none">
-                <a:solidFill>
-                  <a:schemeClr val="dk1"/>
-                </a:solidFill>
-                <a:latin typeface="Arial"/>
-                <a:ea typeface="Arial"/>
-                <a:cs typeface="Arial"/>
-                <a:sym typeface="Arial"/>
-              </a:defRPr>
-            </a:lvl8pPr>
-            <a:lvl9pPr marL="4114800" marR="0" lvl="8" indent="-342900" algn="l" rtl="0">
-              <a:lnSpc>
-                <a:spcPct val="90000"/>
-              </a:lnSpc>
-              <a:spcBef>
-                <a:spcPts val="500"/>
-              </a:spcBef>
-              <a:spcAft>
-                <a:spcPts val="0"/>
-              </a:spcAft>
-              <a:buClr>
-                <a:schemeClr val="dk1"/>
-              </a:buClr>
-              <a:buSzPts val="1800"/>
-              <a:buFont typeface="Arial"/>
-              <a:buChar char="•"/>
-              <a:defRPr sz="1800" b="0" i="0" u="none" strike="noStrike" cap="none">
-                <a:solidFill>
-                  <a:schemeClr val="dk1"/>
-                </a:solidFill>
-                <a:latin typeface="Arial"/>
-                <a:ea typeface="Arial"/>
-                <a:cs typeface="Arial"/>
-                <a:sym typeface="Arial"/>
-              </a:defRPr>
-            </a:lvl9pPr>
-          </a:lstStyle>
+          <a:lstStyle/>
           <a:p>
-            <a:pPr marL="12699" marR="5079" indent="0">
-              <a:lnSpc>
-                <a:spcPct val="138400"/>
-              </a:lnSpc>
-              <a:spcBef>
-                <a:spcPts val="465"/>
-              </a:spcBef>
-            </a:pPr>
             <a:r>
-              <a:rPr lang="en-US" sz="2000" b="1" spc="-60" dirty="0">
-                <a:solidFill>
-                  <a:srgbClr val="383838"/>
-                </a:solidFill>
+              <a:rPr lang="en-US" dirty="0">
                 <a:latin typeface="Avenir Medium" panose="02000503020000020003" pitchFamily="2" charset="0"/>
-                <a:hlinkClick r:id="rId3"/>
               </a:rPr>
-              <a:t>Sitespeed.io</a:t>
+              <a:t>Key Pair 1 (Public)</a:t>
             </a:r>
-            <a:endParaRPr lang="en-US" sz="2000" spc="-60" dirty="0">
-              <a:solidFill>
-                <a:srgbClr val="383838"/>
-              </a:solidFill>
-              <a:latin typeface="Avenir Medium" panose="02000503020000020003" pitchFamily="2" charset="0"/>
-            </a:endParaRPr>
-          </a:p>
-          <a:p>
-            <a:pPr marL="0" indent="0">
-              <a:spcBef>
-                <a:spcPts val="0"/>
-              </a:spcBef>
-              <a:buSzPts val="2800"/>
-            </a:pPr>
-            <a:endParaRPr lang="en-US" sz="2000" dirty="0"/>
           </a:p>
         </p:txBody>
       </p:sp>
+      <p:cxnSp>
+        <p:nvCxnSpPr>
+          <p:cNvPr id="13" name="Straight Arrow Connector 12">
+            <a:extLst>
+              <a:ext uri="{FF2B5EF4-FFF2-40B4-BE49-F238E27FC236}">
+                <a16:creationId xmlns:a16="http://schemas.microsoft.com/office/drawing/2014/main" id="{89481234-8E8B-917E-82B4-26F65D60F3D5}"/>
+              </a:ext>
+            </a:extLst>
+          </p:cNvPr>
+          <p:cNvCxnSpPr>
+            <a:cxnSpLocks/>
+          </p:cNvCxnSpPr>
+          <p:nvPr/>
+        </p:nvCxnSpPr>
+        <p:spPr>
+          <a:xfrm>
+            <a:off x="2076198" y="3308258"/>
+            <a:ext cx="1360600" cy="0"/>
+          </a:xfrm>
+          <a:prstGeom prst="straightConnector1">
+            <a:avLst/>
+          </a:prstGeom>
+          <a:ln w="38100">
+            <a:solidFill>
+              <a:srgbClr val="FF0000"/>
+            </a:solidFill>
+            <a:headEnd type="none" w="med" len="med"/>
+            <a:tailEnd type="arrow" w="med" len="med"/>
+          </a:ln>
+        </p:spPr>
+        <p:style>
+          <a:lnRef idx="1">
+            <a:schemeClr val="accent1"/>
+          </a:lnRef>
+          <a:fillRef idx="0">
+            <a:schemeClr val="accent1"/>
+          </a:fillRef>
+          <a:effectRef idx="0">
+            <a:schemeClr val="accent1"/>
+          </a:effectRef>
+          <a:fontRef idx="minor">
+            <a:schemeClr val="tx1"/>
+          </a:fontRef>
+        </p:style>
+      </p:cxnSp>
+      <p:sp>
+        <p:nvSpPr>
+          <p:cNvPr id="26" name="TextBox 25">
+            <a:extLst>
+              <a:ext uri="{FF2B5EF4-FFF2-40B4-BE49-F238E27FC236}">
+                <a16:creationId xmlns:a16="http://schemas.microsoft.com/office/drawing/2014/main" id="{4504246A-214B-0766-9244-64F3A6D0FF1C}"/>
+              </a:ext>
+            </a:extLst>
+          </p:cNvPr>
+          <p:cNvSpPr txBox="1"/>
+          <p:nvPr/>
+        </p:nvSpPr>
+        <p:spPr>
+          <a:xfrm>
+            <a:off x="3384700" y="2097597"/>
+            <a:ext cx="1709122" cy="307777"/>
+          </a:xfrm>
+          <a:prstGeom prst="rect">
+            <a:avLst/>
+          </a:prstGeom>
+          <a:noFill/>
+        </p:spPr>
+        <p:txBody>
+          <a:bodyPr wrap="none" rtlCol="0">
+            <a:spAutoFit/>
+          </a:bodyPr>
+          <a:lstStyle/>
+          <a:p>
+            <a:r>
+              <a:rPr lang="en-US" dirty="0">
+                <a:latin typeface="Avenir Medium" panose="02000503020000020003" pitchFamily="2" charset="0"/>
+              </a:rPr>
+              <a:t>Key Pair 2 (Private)</a:t>
+            </a:r>
+          </a:p>
+        </p:txBody>
+      </p:sp>
+      <p:sp>
+        <p:nvSpPr>
+          <p:cNvPr id="28" name="TextBox 27">
+            <a:extLst>
+              <a:ext uri="{FF2B5EF4-FFF2-40B4-BE49-F238E27FC236}">
+                <a16:creationId xmlns:a16="http://schemas.microsoft.com/office/drawing/2014/main" id="{5CEF0809-D296-3EC3-9357-71A0B088290F}"/>
+              </a:ext>
+            </a:extLst>
+          </p:cNvPr>
+          <p:cNvSpPr txBox="1"/>
+          <p:nvPr/>
+        </p:nvSpPr>
+        <p:spPr>
+          <a:xfrm>
+            <a:off x="10234783" y="1445410"/>
+            <a:ext cx="1633781" cy="307777"/>
+          </a:xfrm>
+          <a:prstGeom prst="rect">
+            <a:avLst/>
+          </a:prstGeom>
+          <a:noFill/>
+        </p:spPr>
+        <p:txBody>
+          <a:bodyPr wrap="none" rtlCol="0">
+            <a:spAutoFit/>
+          </a:bodyPr>
+          <a:lstStyle/>
+          <a:p>
+            <a:r>
+              <a:rPr lang="en-US" dirty="0">
+                <a:latin typeface="Avenir Medium" panose="02000503020000020003" pitchFamily="2" charset="0"/>
+              </a:rPr>
+              <a:t>Key Pair 2 (Public)</a:t>
+            </a:r>
+          </a:p>
+        </p:txBody>
+      </p:sp>
+      <p:sp>
+        <p:nvSpPr>
+          <p:cNvPr id="29" name="TextBox 28">
+            <a:extLst>
+              <a:ext uri="{FF2B5EF4-FFF2-40B4-BE49-F238E27FC236}">
+                <a16:creationId xmlns:a16="http://schemas.microsoft.com/office/drawing/2014/main" id="{BF6EB86D-4236-2A07-3097-56E0C9BA3DAB}"/>
+              </a:ext>
+            </a:extLst>
+          </p:cNvPr>
+          <p:cNvSpPr txBox="1"/>
+          <p:nvPr/>
+        </p:nvSpPr>
+        <p:spPr>
+          <a:xfrm>
+            <a:off x="10234783" y="3121223"/>
+            <a:ext cx="1633781" cy="307777"/>
+          </a:xfrm>
+          <a:prstGeom prst="rect">
+            <a:avLst/>
+          </a:prstGeom>
+          <a:noFill/>
+        </p:spPr>
+        <p:txBody>
+          <a:bodyPr wrap="none" rtlCol="0">
+            <a:spAutoFit/>
+          </a:bodyPr>
+          <a:lstStyle/>
+          <a:p>
+            <a:r>
+              <a:rPr lang="en-US" dirty="0">
+                <a:latin typeface="Avenir Medium" panose="02000503020000020003" pitchFamily="2" charset="0"/>
+              </a:rPr>
+              <a:t>Key Pair 2 (Public)</a:t>
+            </a:r>
+          </a:p>
+        </p:txBody>
+      </p:sp>
+      <p:sp>
+        <p:nvSpPr>
+          <p:cNvPr id="30" name="TextBox 29">
+            <a:extLst>
+              <a:ext uri="{FF2B5EF4-FFF2-40B4-BE49-F238E27FC236}">
+                <a16:creationId xmlns:a16="http://schemas.microsoft.com/office/drawing/2014/main" id="{ED7AC00D-D23B-162B-8937-0B07AD65AC57}"/>
+              </a:ext>
+            </a:extLst>
+          </p:cNvPr>
+          <p:cNvSpPr txBox="1"/>
+          <p:nvPr/>
+        </p:nvSpPr>
+        <p:spPr>
+          <a:xfrm>
+            <a:off x="10234783" y="4985267"/>
+            <a:ext cx="1633781" cy="307777"/>
+          </a:xfrm>
+          <a:prstGeom prst="rect">
+            <a:avLst/>
+          </a:prstGeom>
+          <a:noFill/>
+        </p:spPr>
+        <p:txBody>
+          <a:bodyPr wrap="none" rtlCol="0">
+            <a:spAutoFit/>
+          </a:bodyPr>
+          <a:lstStyle/>
+          <a:p>
+            <a:r>
+              <a:rPr lang="en-US" dirty="0">
+                <a:latin typeface="Avenir Medium" panose="02000503020000020003" pitchFamily="2" charset="0"/>
+              </a:rPr>
+              <a:t>Key Pair 2 (Public)</a:t>
+            </a:r>
+          </a:p>
+        </p:txBody>
+      </p:sp>
+      <p:cxnSp>
+        <p:nvCxnSpPr>
+          <p:cNvPr id="31" name="Straight Arrow Connector 30">
+            <a:extLst>
+              <a:ext uri="{FF2B5EF4-FFF2-40B4-BE49-F238E27FC236}">
+                <a16:creationId xmlns:a16="http://schemas.microsoft.com/office/drawing/2014/main" id="{F768C231-B8AC-153B-A1F5-4BFD554351C6}"/>
+              </a:ext>
+            </a:extLst>
+          </p:cNvPr>
+          <p:cNvCxnSpPr>
+            <a:cxnSpLocks/>
+          </p:cNvCxnSpPr>
+          <p:nvPr/>
+        </p:nvCxnSpPr>
+        <p:spPr>
+          <a:xfrm flipV="1">
+            <a:off x="5031414" y="1635178"/>
+            <a:ext cx="3684449" cy="1232613"/>
+          </a:xfrm>
+          <a:prstGeom prst="straightConnector1">
+            <a:avLst/>
+          </a:prstGeom>
+          <a:ln w="38100">
+            <a:solidFill>
+              <a:schemeClr val="accent3">
+                <a:lumMod val="50000"/>
+                <a:lumOff val="50000"/>
+              </a:schemeClr>
+            </a:solidFill>
+            <a:headEnd type="none" w="med" len="med"/>
+            <a:tailEnd type="arrow" w="med" len="med"/>
+          </a:ln>
+        </p:spPr>
+        <p:style>
+          <a:lnRef idx="1">
+            <a:schemeClr val="accent1"/>
+          </a:lnRef>
+          <a:fillRef idx="0">
+            <a:schemeClr val="accent1"/>
+          </a:fillRef>
+          <a:effectRef idx="0">
+            <a:schemeClr val="accent1"/>
+          </a:effectRef>
+          <a:fontRef idx="minor">
+            <a:schemeClr val="tx1"/>
+          </a:fontRef>
+        </p:style>
+      </p:cxnSp>
+      <p:cxnSp>
+        <p:nvCxnSpPr>
+          <p:cNvPr id="33" name="Straight Arrow Connector 32">
+            <a:extLst>
+              <a:ext uri="{FF2B5EF4-FFF2-40B4-BE49-F238E27FC236}">
+                <a16:creationId xmlns:a16="http://schemas.microsoft.com/office/drawing/2014/main" id="{F77CDD26-5E6E-4FBE-37D2-708A3F622F95}"/>
+              </a:ext>
+            </a:extLst>
+          </p:cNvPr>
+          <p:cNvCxnSpPr>
+            <a:cxnSpLocks/>
+          </p:cNvCxnSpPr>
+          <p:nvPr/>
+        </p:nvCxnSpPr>
+        <p:spPr>
+          <a:xfrm flipV="1">
+            <a:off x="5124844" y="3275111"/>
+            <a:ext cx="3694357" cy="19918"/>
+          </a:xfrm>
+          <a:prstGeom prst="straightConnector1">
+            <a:avLst/>
+          </a:prstGeom>
+          <a:ln w="38100">
+            <a:solidFill>
+              <a:schemeClr val="accent3">
+                <a:lumMod val="50000"/>
+                <a:lumOff val="50000"/>
+              </a:schemeClr>
+            </a:solidFill>
+            <a:headEnd type="none" w="med" len="med"/>
+            <a:tailEnd type="arrow" w="med" len="med"/>
+          </a:ln>
+        </p:spPr>
+        <p:style>
+          <a:lnRef idx="1">
+            <a:schemeClr val="accent1"/>
+          </a:lnRef>
+          <a:fillRef idx="0">
+            <a:schemeClr val="accent1"/>
+          </a:fillRef>
+          <a:effectRef idx="0">
+            <a:schemeClr val="accent1"/>
+          </a:effectRef>
+          <a:fontRef idx="minor">
+            <a:schemeClr val="tx1"/>
+          </a:fontRef>
+        </p:style>
+      </p:cxnSp>
+      <p:cxnSp>
+        <p:nvCxnSpPr>
+          <p:cNvPr id="34" name="Straight Arrow Connector 33">
+            <a:extLst>
+              <a:ext uri="{FF2B5EF4-FFF2-40B4-BE49-F238E27FC236}">
+                <a16:creationId xmlns:a16="http://schemas.microsoft.com/office/drawing/2014/main" id="{40B94FC4-FD30-9EE0-E08E-EF14AF29491D}"/>
+              </a:ext>
+            </a:extLst>
+          </p:cNvPr>
+          <p:cNvCxnSpPr>
+            <a:cxnSpLocks/>
+          </p:cNvCxnSpPr>
+          <p:nvPr/>
+        </p:nvCxnSpPr>
+        <p:spPr>
+          <a:xfrm>
+            <a:off x="5121406" y="3705800"/>
+            <a:ext cx="3684449" cy="1279467"/>
+          </a:xfrm>
+          <a:prstGeom prst="straightConnector1">
+            <a:avLst/>
+          </a:prstGeom>
+          <a:ln w="38100">
+            <a:solidFill>
+              <a:schemeClr val="accent3">
+                <a:lumMod val="50000"/>
+                <a:lumOff val="50000"/>
+              </a:schemeClr>
+            </a:solidFill>
+            <a:headEnd type="none" w="med" len="med"/>
+            <a:tailEnd type="arrow" w="med" len="med"/>
+          </a:ln>
+        </p:spPr>
+        <p:style>
+          <a:lnRef idx="1">
+            <a:schemeClr val="accent1"/>
+          </a:lnRef>
+          <a:fillRef idx="0">
+            <a:schemeClr val="accent1"/>
+          </a:fillRef>
+          <a:effectRef idx="0">
+            <a:schemeClr val="accent1"/>
+          </a:effectRef>
+          <a:fontRef idx="minor">
+            <a:schemeClr val="tx1"/>
+          </a:fontRef>
+        </p:style>
+      </p:cxnSp>
     </p:spTree>
     <p:extLst>
       <p:ext uri="{BB962C8B-B14F-4D97-AF65-F5344CB8AC3E}">
-        <p14:creationId xmlns:p14="http://schemas.microsoft.com/office/powerpoint/2010/main" val="3232310929"/>
+        <p14:creationId xmlns:p14="http://schemas.microsoft.com/office/powerpoint/2010/main" val="212452349"/>
       </p:ext>
     </p:extLst>
   </p:cSld>

--- a/Info/Overview.pptx
+++ b/Info/Overview.pptx
@@ -11,9 +11,9 @@
     <p:sldId id="257" r:id="rId2"/>
     <p:sldId id="275" r:id="rId3"/>
     <p:sldId id="268" r:id="rId4"/>
-    <p:sldId id="265" r:id="rId5"/>
-    <p:sldId id="266" r:id="rId6"/>
-    <p:sldId id="267" r:id="rId7"/>
+    <p:sldId id="267" r:id="rId5"/>
+    <p:sldId id="265" r:id="rId6"/>
+    <p:sldId id="266" r:id="rId7"/>
     <p:sldId id="270" r:id="rId8"/>
     <p:sldId id="269" r:id="rId9"/>
     <p:sldId id="276" r:id="rId10"/>
@@ -12701,6 +12701,134 @@
               <a:buFont typeface="Arial" panose="020B0604020202020204" pitchFamily="34" charset="0"/>
               <a:buChar char="•"/>
             </a:pPr>
+            <a:endParaRPr lang="en-US" dirty="0"/>
+          </a:p>
+        </p:txBody>
+      </p:sp>
+      <p:sp>
+        <p:nvSpPr>
+          <p:cNvPr id="195" name="Google Shape;195;p10:notes"/>
+          <p:cNvSpPr>
+            <a:spLocks noGrp="1" noRot="1" noChangeAspect="1"/>
+          </p:cNvSpPr>
+          <p:nvPr>
+            <p:ph type="sldImg" idx="2"/>
+          </p:nvPr>
+        </p:nvSpPr>
+        <p:spPr>
+          <a:xfrm>
+            <a:off x="685800" y="1143000"/>
+            <a:ext cx="5486400" cy="3086100"/>
+          </a:xfrm>
+          <a:custGeom>
+            <a:avLst/>
+            <a:gdLst/>
+            <a:ahLst/>
+            <a:cxnLst/>
+            <a:rect l="l" t="t" r="r" b="b"/>
+            <a:pathLst>
+              <a:path w="120000" h="120000" extrusionOk="0">
+                <a:moveTo>
+                  <a:pt x="0" y="0"/>
+                </a:moveTo>
+                <a:lnTo>
+                  <a:pt x="120000" y="0"/>
+                </a:lnTo>
+                <a:lnTo>
+                  <a:pt x="120000" y="120000"/>
+                </a:lnTo>
+                <a:lnTo>
+                  <a:pt x="0" y="120000"/>
+                </a:lnTo>
+                <a:close/>
+              </a:path>
+            </a:pathLst>
+          </a:custGeom>
+          <a:noFill/>
+          <a:ln w="12700" cap="flat" cmpd="sng">
+            <a:solidFill>
+              <a:srgbClr val="000000"/>
+            </a:solidFill>
+            <a:prstDash val="solid"/>
+            <a:round/>
+            <a:headEnd type="none" w="sm" len="sm"/>
+            <a:tailEnd type="none" w="sm" len="sm"/>
+          </a:ln>
+        </p:spPr>
+      </p:sp>
+    </p:spTree>
+    <p:extLst>
+      <p:ext uri="{BB962C8B-B14F-4D97-AF65-F5344CB8AC3E}">
+        <p14:creationId xmlns:p14="http://schemas.microsoft.com/office/powerpoint/2010/main" val="77282976"/>
+      </p:ext>
+    </p:extLst>
+  </p:cSld>
+  <p:clrMapOvr>
+    <a:masterClrMapping/>
+  </p:clrMapOvr>
+</p:notes>
+</file>
+
+<file path=ppt/notesSlides/notesSlide5.xml><?xml version="1.0" encoding="utf-8"?>
+<p:notes xmlns:a="http://schemas.openxmlformats.org/drawingml/2006/main" xmlns:r="http://schemas.openxmlformats.org/officeDocument/2006/relationships" xmlns:p="http://schemas.openxmlformats.org/presentationml/2006/main" showMasterSp="0" showMasterPhAnim="0">
+  <p:cSld>
+    <p:spTree>
+      <p:nvGrpSpPr>
+        <p:cNvPr id="1" name="Shape 193"/>
+        <p:cNvGrpSpPr/>
+        <p:nvPr/>
+      </p:nvGrpSpPr>
+      <p:grpSpPr>
+        <a:xfrm>
+          <a:off x="0" y="0"/>
+          <a:ext cx="0" cy="0"/>
+          <a:chOff x="0" y="0"/>
+          <a:chExt cx="0" cy="0"/>
+        </a:xfrm>
+      </p:grpSpPr>
+      <p:sp>
+        <p:nvSpPr>
+          <p:cNvPr id="194" name="Google Shape;194;p10:notes"/>
+          <p:cNvSpPr txBox="1">
+            <a:spLocks noGrp="1"/>
+          </p:cNvSpPr>
+          <p:nvPr>
+            <p:ph type="body" idx="1"/>
+          </p:nvPr>
+        </p:nvSpPr>
+        <p:spPr>
+          <a:xfrm>
+            <a:off x="685800" y="4400550"/>
+            <a:ext cx="5486400" cy="3600450"/>
+          </a:xfrm>
+          <a:prstGeom prst="rect">
+            <a:avLst/>
+          </a:prstGeom>
+          <a:noFill/>
+          <a:ln>
+            <a:noFill/>
+          </a:ln>
+        </p:spPr>
+        <p:txBody>
+          <a:bodyPr spcFirstLastPara="1" wrap="square" lIns="91425" tIns="45700" rIns="91425" bIns="45700" anchor="t" anchorCtr="0">
+            <a:noAutofit/>
+          </a:bodyPr>
+          <a:lstStyle/>
+          <a:p>
+            <a:pPr marL="171450" lvl="0" indent="-171450" algn="l" rtl="0">
+              <a:lnSpc>
+                <a:spcPct val="100000"/>
+              </a:lnSpc>
+              <a:spcBef>
+                <a:spcPts val="0"/>
+              </a:spcBef>
+              <a:spcAft>
+                <a:spcPts val="0"/>
+              </a:spcAft>
+              <a:buSzPts val="1400"/>
+              <a:buFont typeface="Arial" panose="020B0604020202020204" pitchFamily="34" charset="0"/>
+              <a:buChar char="•"/>
+            </a:pPr>
             <a:r>
               <a:rPr lang="en-US" dirty="0"/>
               <a:t>Single Domain and Competitive Analysis are stored in Graphite in two different namespaces</a:t>
@@ -12808,7 +12936,7 @@
 </p:notes>
 </file>
 
-<file path=ppt/notesSlides/notesSlide5.xml><?xml version="1.0" encoding="utf-8"?>
+<file path=ppt/notesSlides/notesSlide6.xml><?xml version="1.0" encoding="utf-8"?>
 <p:notes xmlns:a="http://schemas.openxmlformats.org/drawingml/2006/main" xmlns:r="http://schemas.openxmlformats.org/officeDocument/2006/relationships" xmlns:p="http://schemas.openxmlformats.org/presentationml/2006/main" showMasterSp="0" showMasterPhAnim="0">
   <p:cSld>
     <p:spTree>
@@ -12926,134 +13054,6 @@
     <p:extLst>
       <p:ext uri="{BB962C8B-B14F-4D97-AF65-F5344CB8AC3E}">
         <p14:creationId xmlns:p14="http://schemas.microsoft.com/office/powerpoint/2010/main" val="2489025045"/>
-      </p:ext>
-    </p:extLst>
-  </p:cSld>
-  <p:clrMapOvr>
-    <a:masterClrMapping/>
-  </p:clrMapOvr>
-</p:notes>
-</file>
-
-<file path=ppt/notesSlides/notesSlide6.xml><?xml version="1.0" encoding="utf-8"?>
-<p:notes xmlns:a="http://schemas.openxmlformats.org/drawingml/2006/main" xmlns:r="http://schemas.openxmlformats.org/officeDocument/2006/relationships" xmlns:p="http://schemas.openxmlformats.org/presentationml/2006/main" showMasterSp="0" showMasterPhAnim="0">
-  <p:cSld>
-    <p:spTree>
-      <p:nvGrpSpPr>
-        <p:cNvPr id="1" name="Shape 193"/>
-        <p:cNvGrpSpPr/>
-        <p:nvPr/>
-      </p:nvGrpSpPr>
-      <p:grpSpPr>
-        <a:xfrm>
-          <a:off x="0" y="0"/>
-          <a:ext cx="0" cy="0"/>
-          <a:chOff x="0" y="0"/>
-          <a:chExt cx="0" cy="0"/>
-        </a:xfrm>
-      </p:grpSpPr>
-      <p:sp>
-        <p:nvSpPr>
-          <p:cNvPr id="194" name="Google Shape;194;p10:notes"/>
-          <p:cNvSpPr txBox="1">
-            <a:spLocks noGrp="1"/>
-          </p:cNvSpPr>
-          <p:nvPr>
-            <p:ph type="body" idx="1"/>
-          </p:nvPr>
-        </p:nvSpPr>
-        <p:spPr>
-          <a:xfrm>
-            <a:off x="685800" y="4400550"/>
-            <a:ext cx="5486400" cy="3600450"/>
-          </a:xfrm>
-          <a:prstGeom prst="rect">
-            <a:avLst/>
-          </a:prstGeom>
-          <a:noFill/>
-          <a:ln>
-            <a:noFill/>
-          </a:ln>
-        </p:spPr>
-        <p:txBody>
-          <a:bodyPr spcFirstLastPara="1" wrap="square" lIns="91425" tIns="45700" rIns="91425" bIns="45700" anchor="t" anchorCtr="0">
-            <a:noAutofit/>
-          </a:bodyPr>
-          <a:lstStyle/>
-          <a:p>
-            <a:pPr marL="171450" lvl="0" indent="-171450" algn="l" rtl="0">
-              <a:lnSpc>
-                <a:spcPct val="100000"/>
-              </a:lnSpc>
-              <a:spcBef>
-                <a:spcPts val="0"/>
-              </a:spcBef>
-              <a:spcAft>
-                <a:spcPts val="0"/>
-              </a:spcAft>
-              <a:buSzPts val="1400"/>
-              <a:buFont typeface="Arial" panose="020B0604020202020204" pitchFamily="34" charset="0"/>
-              <a:buChar char="•"/>
-            </a:pPr>
-            <a:endParaRPr lang="en-US" dirty="0"/>
-          </a:p>
-        </p:txBody>
-      </p:sp>
-      <p:sp>
-        <p:nvSpPr>
-          <p:cNvPr id="195" name="Google Shape;195;p10:notes"/>
-          <p:cNvSpPr>
-            <a:spLocks noGrp="1" noRot="1" noChangeAspect="1"/>
-          </p:cNvSpPr>
-          <p:nvPr>
-            <p:ph type="sldImg" idx="2"/>
-          </p:nvPr>
-        </p:nvSpPr>
-        <p:spPr>
-          <a:xfrm>
-            <a:off x="685800" y="1143000"/>
-            <a:ext cx="5486400" cy="3086100"/>
-          </a:xfrm>
-          <a:custGeom>
-            <a:avLst/>
-            <a:gdLst/>
-            <a:ahLst/>
-            <a:cxnLst/>
-            <a:rect l="l" t="t" r="r" b="b"/>
-            <a:pathLst>
-              <a:path w="120000" h="120000" extrusionOk="0">
-                <a:moveTo>
-                  <a:pt x="0" y="0"/>
-                </a:moveTo>
-                <a:lnTo>
-                  <a:pt x="120000" y="0"/>
-                </a:lnTo>
-                <a:lnTo>
-                  <a:pt x="120000" y="120000"/>
-                </a:lnTo>
-                <a:lnTo>
-                  <a:pt x="0" y="120000"/>
-                </a:lnTo>
-                <a:close/>
-              </a:path>
-            </a:pathLst>
-          </a:custGeom>
-          <a:noFill/>
-          <a:ln w="12700" cap="flat" cmpd="sng">
-            <a:solidFill>
-              <a:srgbClr val="000000"/>
-            </a:solidFill>
-            <a:prstDash val="solid"/>
-            <a:round/>
-            <a:headEnd type="none" w="sm" len="sm"/>
-            <a:tailEnd type="none" w="sm" len="sm"/>
-          </a:ln>
-        </p:spPr>
-      </p:sp>
-    </p:spTree>
-    <p:extLst>
-      <p:ext uri="{BB962C8B-B14F-4D97-AF65-F5344CB8AC3E}">
-        <p14:creationId xmlns:p14="http://schemas.microsoft.com/office/powerpoint/2010/main" val="77282976"/>
       </p:ext>
     </p:extLst>
   </p:cSld>
@@ -16847,7 +16847,7 @@
         </p:nvSpPr>
         <p:spPr>
           <a:xfrm>
-            <a:off x="324648" y="1806817"/>
+            <a:off x="254104" y="1700590"/>
             <a:ext cx="1714392" cy="400110"/>
           </a:xfrm>
           <a:prstGeom prst="rect">
@@ -16884,7 +16884,7 @@
         </p:nvSpPr>
         <p:spPr>
           <a:xfrm>
-            <a:off x="8943797" y="1765250"/>
+            <a:off x="8943797" y="1691325"/>
             <a:ext cx="2593383" cy="400110"/>
           </a:xfrm>
           <a:prstGeom prst="rect">
@@ -16921,7 +16921,7 @@
         </p:nvSpPr>
         <p:spPr>
           <a:xfrm>
-            <a:off x="3480625" y="1808498"/>
+            <a:off x="3368970" y="1697339"/>
             <a:ext cx="1561266" cy="400110"/>
           </a:xfrm>
           <a:prstGeom prst="rect">
@@ -17048,7 +17048,7 @@
         </p:nvSpPr>
         <p:spPr>
           <a:xfrm>
-            <a:off x="6096000" y="1767018"/>
+            <a:off x="6093785" y="1691325"/>
             <a:ext cx="1351099" cy="400110"/>
           </a:xfrm>
           <a:prstGeom prst="rect">
@@ -18720,6 +18720,802 @@
         <p:spPr>
           <a:xfrm>
             <a:off x="540000" y="540001"/>
+            <a:ext cx="5556000" cy="558339"/>
+          </a:xfrm>
+          <a:prstGeom prst="rect">
+            <a:avLst/>
+          </a:prstGeom>
+          <a:noFill/>
+          <a:ln>
+            <a:noFill/>
+          </a:ln>
+        </p:spPr>
+        <p:txBody>
+          <a:bodyPr spcFirstLastPara="1" wrap="square" lIns="0" tIns="0" rIns="0" bIns="0" anchor="t" anchorCtr="0">
+            <a:noAutofit/>
+          </a:bodyPr>
+          <a:lstStyle/>
+          <a:p>
+            <a:pPr marL="0" lvl="0" indent="0" algn="l" rtl="0">
+              <a:lnSpc>
+                <a:spcPct val="90000"/>
+              </a:lnSpc>
+              <a:spcBef>
+                <a:spcPts val="0"/>
+              </a:spcBef>
+              <a:spcAft>
+                <a:spcPts val="0"/>
+              </a:spcAft>
+              <a:buClr>
+                <a:srgbClr val="0099CC"/>
+              </a:buClr>
+              <a:buSzPts val="3600"/>
+              <a:buFont typeface="Arial"/>
+              <a:buNone/>
+            </a:pPr>
+            <a:r>
+              <a:rPr lang="en-US" b="0" dirty="0"/>
+              <a:t>Site </a:t>
+            </a:r>
+            <a:r>
+              <a:rPr lang="en-US" b="0" dirty="0">
+                <a:latin typeface="Avenir Medium" panose="02000503020000020003" pitchFamily="2" charset="0"/>
+              </a:rPr>
+              <a:t>Analysis</a:t>
+            </a:r>
+            <a:r>
+              <a:rPr lang="en-US" b="0" dirty="0"/>
+              <a:t> Portal</a:t>
+            </a:r>
+            <a:endParaRPr b="0" dirty="0"/>
+          </a:p>
+        </p:txBody>
+      </p:sp>
+      <p:pic>
+        <p:nvPicPr>
+          <p:cNvPr id="9" name="Graphic 8" descr="Database with solid fill">
+            <a:extLst>
+              <a:ext uri="{FF2B5EF4-FFF2-40B4-BE49-F238E27FC236}">
+                <a16:creationId xmlns:a16="http://schemas.microsoft.com/office/drawing/2014/main" id="{66A929B2-899D-0D4C-AEFA-B3C405526CB8}"/>
+              </a:ext>
+            </a:extLst>
+          </p:cNvPr>
+          <p:cNvPicPr>
+            <a:picLocks noChangeAspect="1"/>
+          </p:cNvPicPr>
+          <p:nvPr/>
+        </p:nvPicPr>
+        <p:blipFill>
+          <a:blip r:embed="rId3">
+            <a:extLst>
+              <a:ext uri="{96DAC541-7B7A-43D3-8B79-37D633B846F1}">
+                <asvg:svgBlip xmlns:asvg="http://schemas.microsoft.com/office/drawing/2016/SVG/main" r:embed="rId4"/>
+              </a:ext>
+            </a:extLst>
+          </a:blip>
+          <a:stretch>
+            <a:fillRect/>
+          </a:stretch>
+        </p:blipFill>
+        <p:spPr>
+          <a:xfrm>
+            <a:off x="7908727" y="4805458"/>
+            <a:ext cx="1708484" cy="1708484"/>
+          </a:xfrm>
+          <a:prstGeom prst="rect">
+            <a:avLst/>
+          </a:prstGeom>
+        </p:spPr>
+      </p:pic>
+      <p:pic>
+        <p:nvPicPr>
+          <p:cNvPr id="13" name="Graphic 12" descr="Internet outline">
+            <a:extLst>
+              <a:ext uri="{FF2B5EF4-FFF2-40B4-BE49-F238E27FC236}">
+                <a16:creationId xmlns:a16="http://schemas.microsoft.com/office/drawing/2014/main" id="{1D1AB2D2-B414-1141-BB21-AB841105267F}"/>
+              </a:ext>
+            </a:extLst>
+          </p:cNvPr>
+          <p:cNvPicPr>
+            <a:picLocks noChangeAspect="1"/>
+          </p:cNvPicPr>
+          <p:nvPr/>
+        </p:nvPicPr>
+        <p:blipFill>
+          <a:blip r:embed="rId5">
+            <a:extLst>
+              <a:ext uri="{96DAC541-7B7A-43D3-8B79-37D633B846F1}">
+                <asvg:svgBlip xmlns:asvg="http://schemas.microsoft.com/office/drawing/2016/SVG/main" r:embed="rId6"/>
+              </a:ext>
+            </a:extLst>
+          </a:blip>
+          <a:stretch>
+            <a:fillRect/>
+          </a:stretch>
+        </p:blipFill>
+        <p:spPr>
+          <a:xfrm>
+            <a:off x="1966977" y="2061575"/>
+            <a:ext cx="1708484" cy="1708484"/>
+          </a:xfrm>
+          <a:prstGeom prst="rect">
+            <a:avLst/>
+          </a:prstGeom>
+        </p:spPr>
+      </p:pic>
+      <p:pic>
+        <p:nvPicPr>
+          <p:cNvPr id="15" name="Graphic 14" descr="Internet outline">
+            <a:extLst>
+              <a:ext uri="{FF2B5EF4-FFF2-40B4-BE49-F238E27FC236}">
+                <a16:creationId xmlns:a16="http://schemas.microsoft.com/office/drawing/2014/main" id="{B318E8F6-71D7-E943-9853-7DB19D39D8A5}"/>
+              </a:ext>
+            </a:extLst>
+          </p:cNvPr>
+          <p:cNvPicPr>
+            <a:picLocks noChangeAspect="1"/>
+          </p:cNvPicPr>
+          <p:nvPr/>
+        </p:nvPicPr>
+        <p:blipFill>
+          <a:blip r:embed="rId5">
+            <a:extLst>
+              <a:ext uri="{96DAC541-7B7A-43D3-8B79-37D633B846F1}">
+                <asvg:svgBlip xmlns:asvg="http://schemas.microsoft.com/office/drawing/2016/SVG/main" r:embed="rId6"/>
+              </a:ext>
+            </a:extLst>
+          </a:blip>
+          <a:stretch>
+            <a:fillRect/>
+          </a:stretch>
+        </p:blipFill>
+        <p:spPr>
+          <a:xfrm>
+            <a:off x="7908727" y="2061575"/>
+            <a:ext cx="1708484" cy="1708484"/>
+          </a:xfrm>
+          <a:prstGeom prst="rect">
+            <a:avLst/>
+          </a:prstGeom>
+        </p:spPr>
+      </p:pic>
+      <p:pic>
+        <p:nvPicPr>
+          <p:cNvPr id="2" name="Picture 1">
+            <a:extLst>
+              <a:ext uri="{FF2B5EF4-FFF2-40B4-BE49-F238E27FC236}">
+                <a16:creationId xmlns:a16="http://schemas.microsoft.com/office/drawing/2014/main" id="{79345C5F-E93E-0041-AD93-A1D010DFD869}"/>
+              </a:ext>
+            </a:extLst>
+          </p:cNvPr>
+          <p:cNvPicPr>
+            <a:picLocks noChangeAspect="1"/>
+          </p:cNvPicPr>
+          <p:nvPr/>
+        </p:nvPicPr>
+        <p:blipFill>
+          <a:blip r:embed="rId7"/>
+          <a:stretch>
+            <a:fillRect/>
+          </a:stretch>
+        </p:blipFill>
+        <p:spPr>
+          <a:xfrm>
+            <a:off x="7753319" y="1357153"/>
+            <a:ext cx="2019300" cy="1003300"/>
+          </a:xfrm>
+          <a:prstGeom prst="rect">
+            <a:avLst/>
+          </a:prstGeom>
+        </p:spPr>
+      </p:pic>
+      <p:sp>
+        <p:nvSpPr>
+          <p:cNvPr id="3" name="Down Arrow 2">
+            <a:extLst>
+              <a:ext uri="{FF2B5EF4-FFF2-40B4-BE49-F238E27FC236}">
+                <a16:creationId xmlns:a16="http://schemas.microsoft.com/office/drawing/2014/main" id="{B92352BF-86AA-7F4A-9D20-3B2E5EDDE0BE}"/>
+              </a:ext>
+            </a:extLst>
+          </p:cNvPr>
+          <p:cNvSpPr/>
+          <p:nvPr/>
+        </p:nvSpPr>
+        <p:spPr>
+          <a:xfrm rot="10800000">
+            <a:off x="8520653" y="3631107"/>
+            <a:ext cx="484632" cy="978408"/>
+          </a:xfrm>
+          <a:prstGeom prst="downArrow">
+            <a:avLst/>
+          </a:prstGeom>
+          <a:solidFill>
+            <a:srgbClr val="92D050"/>
+          </a:solidFill>
+          <a:ln>
+            <a:solidFill>
+              <a:srgbClr val="92D050"/>
+            </a:solidFill>
+          </a:ln>
+        </p:spPr>
+        <p:style>
+          <a:lnRef idx="2">
+            <a:schemeClr val="accent1">
+              <a:shade val="50000"/>
+            </a:schemeClr>
+          </a:lnRef>
+          <a:fillRef idx="1">
+            <a:schemeClr val="accent1"/>
+          </a:fillRef>
+          <a:effectRef idx="0">
+            <a:schemeClr val="accent1"/>
+          </a:effectRef>
+          <a:fontRef idx="minor">
+            <a:schemeClr val="lt1"/>
+          </a:fontRef>
+        </p:style>
+        <p:txBody>
+          <a:bodyPr rtlCol="0" anchor="ctr"/>
+          <a:lstStyle/>
+          <a:p>
+            <a:pPr algn="ctr"/>
+            <a:endParaRPr lang="en-US" dirty="0"/>
+          </a:p>
+        </p:txBody>
+      </p:sp>
+      <p:sp>
+        <p:nvSpPr>
+          <p:cNvPr id="21" name="Down Arrow 20">
+            <a:extLst>
+              <a:ext uri="{FF2B5EF4-FFF2-40B4-BE49-F238E27FC236}">
+                <a16:creationId xmlns:a16="http://schemas.microsoft.com/office/drawing/2014/main" id="{FF714D52-23E9-5740-A33F-72B0D67139B1}"/>
+              </a:ext>
+            </a:extLst>
+          </p:cNvPr>
+          <p:cNvSpPr/>
+          <p:nvPr/>
+        </p:nvSpPr>
+        <p:spPr>
+          <a:xfrm rot="16200000">
+            <a:off x="5659336" y="1241009"/>
+            <a:ext cx="484632" cy="3349615"/>
+          </a:xfrm>
+          <a:prstGeom prst="downArrow">
+            <a:avLst/>
+          </a:prstGeom>
+        </p:spPr>
+        <p:style>
+          <a:lnRef idx="2">
+            <a:schemeClr val="accent1">
+              <a:shade val="50000"/>
+            </a:schemeClr>
+          </a:lnRef>
+          <a:fillRef idx="1">
+            <a:schemeClr val="accent1"/>
+          </a:fillRef>
+          <a:effectRef idx="0">
+            <a:schemeClr val="accent1"/>
+          </a:effectRef>
+          <a:fontRef idx="minor">
+            <a:schemeClr val="lt1"/>
+          </a:fontRef>
+        </p:style>
+        <p:txBody>
+          <a:bodyPr rtlCol="0" anchor="ctr"/>
+          <a:lstStyle/>
+          <a:p>
+            <a:pPr algn="ctr"/>
+            <a:endParaRPr lang="en-US" dirty="0"/>
+          </a:p>
+        </p:txBody>
+      </p:sp>
+      <p:sp>
+        <p:nvSpPr>
+          <p:cNvPr id="24" name="Google Shape;198;p10">
+            <a:extLst>
+              <a:ext uri="{FF2B5EF4-FFF2-40B4-BE49-F238E27FC236}">
+                <a16:creationId xmlns:a16="http://schemas.microsoft.com/office/drawing/2014/main" id="{B921A9E8-1F13-784C-AC7B-2F6BF4B8ACF2}"/>
+              </a:ext>
+            </a:extLst>
+          </p:cNvPr>
+          <p:cNvSpPr txBox="1">
+            <a:spLocks noGrp="1"/>
+          </p:cNvSpPr>
+          <p:nvPr>
+            <p:ph type="body" idx="1"/>
+          </p:nvPr>
+        </p:nvSpPr>
+        <p:spPr>
+          <a:xfrm>
+            <a:off x="1637917" y="4992085"/>
+            <a:ext cx="2366601" cy="978409"/>
+          </a:xfrm>
+          <a:prstGeom prst="rect">
+            <a:avLst/>
+          </a:prstGeom>
+          <a:noFill/>
+          <a:ln>
+            <a:noFill/>
+          </a:ln>
+        </p:spPr>
+        <p:txBody>
+          <a:bodyPr spcFirstLastPara="1" wrap="square" lIns="0" tIns="0" rIns="0" bIns="0" anchor="t" anchorCtr="0">
+            <a:noAutofit/>
+          </a:bodyPr>
+          <a:lstStyle/>
+          <a:p>
+            <a:pPr marL="12699" marR="5079" indent="0" algn="ctr">
+              <a:lnSpc>
+                <a:spcPct val="138400"/>
+              </a:lnSpc>
+              <a:spcBef>
+                <a:spcPts val="465"/>
+              </a:spcBef>
+            </a:pPr>
+            <a:r>
+              <a:rPr lang="en-US" sz="2000" b="1" spc="-60" dirty="0">
+                <a:solidFill>
+                  <a:srgbClr val="383838"/>
+                </a:solidFill>
+                <a:latin typeface="Avenir Medium" panose="02000503020000020003" pitchFamily="2" charset="0"/>
+              </a:rPr>
+              <a:t>Single Domain</a:t>
+            </a:r>
+          </a:p>
+          <a:p>
+            <a:pPr marL="12699" marR="5079" indent="0" algn="ctr">
+              <a:lnSpc>
+                <a:spcPct val="138400"/>
+              </a:lnSpc>
+              <a:spcBef>
+                <a:spcPts val="465"/>
+              </a:spcBef>
+            </a:pPr>
+            <a:r>
+              <a:rPr lang="en-US" sz="2000" b="1" spc="-60" dirty="0">
+                <a:solidFill>
+                  <a:srgbClr val="383838"/>
+                </a:solidFill>
+                <a:latin typeface="Avenir Medium" panose="02000503020000020003" pitchFamily="2" charset="0"/>
+              </a:rPr>
+              <a:t>Competitive Analysis</a:t>
+            </a:r>
+          </a:p>
+        </p:txBody>
+      </p:sp>
+      <p:sp>
+        <p:nvSpPr>
+          <p:cNvPr id="27" name="Down Arrow 26">
+            <a:extLst>
+              <a:ext uri="{FF2B5EF4-FFF2-40B4-BE49-F238E27FC236}">
+                <a16:creationId xmlns:a16="http://schemas.microsoft.com/office/drawing/2014/main" id="{D5F3706D-B6C8-3544-882D-B561369FF253}"/>
+              </a:ext>
+            </a:extLst>
+          </p:cNvPr>
+          <p:cNvSpPr/>
+          <p:nvPr/>
+        </p:nvSpPr>
+        <p:spPr>
+          <a:xfrm>
+            <a:off x="2578902" y="3631107"/>
+            <a:ext cx="484632" cy="978408"/>
+          </a:xfrm>
+          <a:prstGeom prst="downArrow">
+            <a:avLst/>
+          </a:prstGeom>
+          <a:solidFill>
+            <a:srgbClr val="00B0F0"/>
+          </a:solidFill>
+          <a:ln>
+            <a:solidFill>
+              <a:srgbClr val="00B0F0"/>
+            </a:solidFill>
+          </a:ln>
+        </p:spPr>
+        <p:style>
+          <a:lnRef idx="2">
+            <a:schemeClr val="accent1">
+              <a:shade val="50000"/>
+            </a:schemeClr>
+          </a:lnRef>
+          <a:fillRef idx="1">
+            <a:schemeClr val="accent1"/>
+          </a:fillRef>
+          <a:effectRef idx="0">
+            <a:schemeClr val="accent1"/>
+          </a:effectRef>
+          <a:fontRef idx="minor">
+            <a:schemeClr val="lt1"/>
+          </a:fontRef>
+        </p:style>
+        <p:txBody>
+          <a:bodyPr rtlCol="0" anchor="ctr"/>
+          <a:lstStyle/>
+          <a:p>
+            <a:pPr algn="ctr"/>
+            <a:endParaRPr lang="en-US" dirty="0"/>
+          </a:p>
+        </p:txBody>
+      </p:sp>
+      <p:sp>
+        <p:nvSpPr>
+          <p:cNvPr id="28" name="Google Shape;198;p10">
+            <a:hlinkClick r:id="rId8"/>
+            <a:extLst>
+              <a:ext uri="{FF2B5EF4-FFF2-40B4-BE49-F238E27FC236}">
+                <a16:creationId xmlns:a16="http://schemas.microsoft.com/office/drawing/2014/main" id="{6A24D05D-50B2-3840-9D08-3F3F9136D925}"/>
+              </a:ext>
+            </a:extLst>
+          </p:cNvPr>
+          <p:cNvSpPr txBox="1">
+            <a:spLocks/>
+          </p:cNvSpPr>
+          <p:nvPr/>
+        </p:nvSpPr>
+        <p:spPr>
+          <a:xfrm>
+            <a:off x="1490715" y="1802114"/>
+            <a:ext cx="2661003" cy="558339"/>
+          </a:xfrm>
+          <a:prstGeom prst="rect">
+            <a:avLst/>
+          </a:prstGeom>
+          <a:noFill/>
+          <a:ln>
+            <a:noFill/>
+          </a:ln>
+        </p:spPr>
+        <p:txBody>
+          <a:bodyPr spcFirstLastPara="1" wrap="square" lIns="0" tIns="0" rIns="0" bIns="0" anchor="t" anchorCtr="0">
+            <a:noAutofit/>
+          </a:bodyPr>
+          <a:lstStyle>
+            <a:defPPr marR="0" lvl="0" algn="l" rtl="0">
+              <a:lnSpc>
+                <a:spcPct val="100000"/>
+              </a:lnSpc>
+              <a:spcBef>
+                <a:spcPts val="0"/>
+              </a:spcBef>
+              <a:spcAft>
+                <a:spcPts val="0"/>
+              </a:spcAft>
+            </a:defPPr>
+            <a:lvl1pPr marL="457200" marR="0" lvl="0" indent="-228600" algn="l" rtl="0">
+              <a:lnSpc>
+                <a:spcPct val="90000"/>
+              </a:lnSpc>
+              <a:spcBef>
+                <a:spcPts val="1000"/>
+              </a:spcBef>
+              <a:spcAft>
+                <a:spcPts val="0"/>
+              </a:spcAft>
+              <a:buClr>
+                <a:schemeClr val="dk1"/>
+              </a:buClr>
+              <a:buSzPts val="1800"/>
+              <a:buFont typeface="Arial"/>
+              <a:buNone/>
+              <a:defRPr sz="2800" b="0" i="0" u="none" strike="noStrike" cap="none">
+                <a:solidFill>
+                  <a:schemeClr val="dk1"/>
+                </a:solidFill>
+                <a:latin typeface="Arial"/>
+                <a:ea typeface="Arial"/>
+                <a:cs typeface="Arial"/>
+                <a:sym typeface="Arial"/>
+              </a:defRPr>
+            </a:lvl1pPr>
+            <a:lvl2pPr marL="914400" marR="0" lvl="1" indent="-228600" algn="l" rtl="0">
+              <a:lnSpc>
+                <a:spcPct val="90000"/>
+              </a:lnSpc>
+              <a:spcBef>
+                <a:spcPts val="500"/>
+              </a:spcBef>
+              <a:spcAft>
+                <a:spcPts val="0"/>
+              </a:spcAft>
+              <a:buClr>
+                <a:schemeClr val="dk1"/>
+              </a:buClr>
+              <a:buSzPts val="1800"/>
+              <a:buFont typeface="Arial"/>
+              <a:buNone/>
+              <a:defRPr sz="2400" b="0" i="0" u="none" strike="noStrike" cap="none">
+                <a:solidFill>
+                  <a:schemeClr val="dk1"/>
+                </a:solidFill>
+                <a:latin typeface="Arial"/>
+                <a:ea typeface="Arial"/>
+                <a:cs typeface="Arial"/>
+                <a:sym typeface="Arial"/>
+              </a:defRPr>
+            </a:lvl2pPr>
+            <a:lvl3pPr marL="1371600" marR="0" lvl="2" indent="-228600" algn="l" rtl="0">
+              <a:lnSpc>
+                <a:spcPct val="90000"/>
+              </a:lnSpc>
+              <a:spcBef>
+                <a:spcPts val="500"/>
+              </a:spcBef>
+              <a:spcAft>
+                <a:spcPts val="0"/>
+              </a:spcAft>
+              <a:buClr>
+                <a:schemeClr val="dk1"/>
+              </a:buClr>
+              <a:buSzPts val="1800"/>
+              <a:buFont typeface="Arial"/>
+              <a:buNone/>
+              <a:defRPr sz="2000" b="0" i="0" u="none" strike="noStrike" cap="none">
+                <a:solidFill>
+                  <a:schemeClr val="dk1"/>
+                </a:solidFill>
+                <a:latin typeface="Arial"/>
+                <a:ea typeface="Arial"/>
+                <a:cs typeface="Arial"/>
+                <a:sym typeface="Arial"/>
+              </a:defRPr>
+            </a:lvl3pPr>
+            <a:lvl4pPr marL="1828800" marR="0" lvl="3" indent="-228600" algn="l" rtl="0">
+              <a:lnSpc>
+                <a:spcPct val="90000"/>
+              </a:lnSpc>
+              <a:spcBef>
+                <a:spcPts val="500"/>
+              </a:spcBef>
+              <a:spcAft>
+                <a:spcPts val="0"/>
+              </a:spcAft>
+              <a:buClr>
+                <a:schemeClr val="dk1"/>
+              </a:buClr>
+              <a:buSzPts val="1800"/>
+              <a:buFont typeface="Arial"/>
+              <a:buNone/>
+              <a:defRPr sz="1800" b="0" i="0" u="none" strike="noStrike" cap="none">
+                <a:solidFill>
+                  <a:schemeClr val="dk1"/>
+                </a:solidFill>
+                <a:latin typeface="Arial"/>
+                <a:ea typeface="Arial"/>
+                <a:cs typeface="Arial"/>
+                <a:sym typeface="Arial"/>
+              </a:defRPr>
+            </a:lvl4pPr>
+            <a:lvl5pPr marL="2286000" marR="0" lvl="4" indent="-228600" algn="l" rtl="0">
+              <a:lnSpc>
+                <a:spcPct val="90000"/>
+              </a:lnSpc>
+              <a:spcBef>
+                <a:spcPts val="500"/>
+              </a:spcBef>
+              <a:spcAft>
+                <a:spcPts val="0"/>
+              </a:spcAft>
+              <a:buClr>
+                <a:schemeClr val="dk1"/>
+              </a:buClr>
+              <a:buSzPts val="1800"/>
+              <a:buFont typeface="Arial"/>
+              <a:buNone/>
+              <a:defRPr sz="1800" b="0" i="0" u="none" strike="noStrike" cap="none">
+                <a:solidFill>
+                  <a:schemeClr val="dk1"/>
+                </a:solidFill>
+                <a:latin typeface="Arial"/>
+                <a:ea typeface="Arial"/>
+                <a:cs typeface="Arial"/>
+                <a:sym typeface="Arial"/>
+              </a:defRPr>
+            </a:lvl5pPr>
+            <a:lvl6pPr marL="2743200" marR="0" lvl="5" indent="-342900" algn="l" rtl="0">
+              <a:lnSpc>
+                <a:spcPct val="90000"/>
+              </a:lnSpc>
+              <a:spcBef>
+                <a:spcPts val="500"/>
+              </a:spcBef>
+              <a:spcAft>
+                <a:spcPts val="0"/>
+              </a:spcAft>
+              <a:buClr>
+                <a:schemeClr val="dk1"/>
+              </a:buClr>
+              <a:buSzPts val="1800"/>
+              <a:buFont typeface="Arial"/>
+              <a:buChar char="•"/>
+              <a:defRPr sz="1800" b="0" i="0" u="none" strike="noStrike" cap="none">
+                <a:solidFill>
+                  <a:schemeClr val="dk1"/>
+                </a:solidFill>
+                <a:latin typeface="Arial"/>
+                <a:ea typeface="Arial"/>
+                <a:cs typeface="Arial"/>
+                <a:sym typeface="Arial"/>
+              </a:defRPr>
+            </a:lvl6pPr>
+            <a:lvl7pPr marL="3200400" marR="0" lvl="6" indent="-342900" algn="l" rtl="0">
+              <a:lnSpc>
+                <a:spcPct val="90000"/>
+              </a:lnSpc>
+              <a:spcBef>
+                <a:spcPts val="500"/>
+              </a:spcBef>
+              <a:spcAft>
+                <a:spcPts val="0"/>
+              </a:spcAft>
+              <a:buClr>
+                <a:schemeClr val="dk1"/>
+              </a:buClr>
+              <a:buSzPts val="1800"/>
+              <a:buFont typeface="Arial"/>
+              <a:buChar char="•"/>
+              <a:defRPr sz="1800" b="0" i="0" u="none" strike="noStrike" cap="none">
+                <a:solidFill>
+                  <a:schemeClr val="dk1"/>
+                </a:solidFill>
+                <a:latin typeface="Arial"/>
+                <a:ea typeface="Arial"/>
+                <a:cs typeface="Arial"/>
+                <a:sym typeface="Arial"/>
+              </a:defRPr>
+            </a:lvl7pPr>
+            <a:lvl8pPr marL="3657600" marR="0" lvl="7" indent="-342900" algn="l" rtl="0">
+              <a:lnSpc>
+                <a:spcPct val="90000"/>
+              </a:lnSpc>
+              <a:spcBef>
+                <a:spcPts val="500"/>
+              </a:spcBef>
+              <a:spcAft>
+                <a:spcPts val="0"/>
+              </a:spcAft>
+              <a:buClr>
+                <a:schemeClr val="dk1"/>
+              </a:buClr>
+              <a:buSzPts val="1800"/>
+              <a:buFont typeface="Arial"/>
+              <a:buChar char="•"/>
+              <a:defRPr sz="1800" b="0" i="0" u="none" strike="noStrike" cap="none">
+                <a:solidFill>
+                  <a:schemeClr val="dk1"/>
+                </a:solidFill>
+                <a:latin typeface="Arial"/>
+                <a:ea typeface="Arial"/>
+                <a:cs typeface="Arial"/>
+                <a:sym typeface="Arial"/>
+              </a:defRPr>
+            </a:lvl8pPr>
+            <a:lvl9pPr marL="4114800" marR="0" lvl="8" indent="-342900" algn="l" rtl="0">
+              <a:lnSpc>
+                <a:spcPct val="90000"/>
+              </a:lnSpc>
+              <a:spcBef>
+                <a:spcPts val="500"/>
+              </a:spcBef>
+              <a:spcAft>
+                <a:spcPts val="0"/>
+              </a:spcAft>
+              <a:buClr>
+                <a:schemeClr val="dk1"/>
+              </a:buClr>
+              <a:buSzPts val="1800"/>
+              <a:buFont typeface="Arial"/>
+              <a:buChar char="•"/>
+              <a:defRPr sz="1800" b="0" i="0" u="none" strike="noStrike" cap="none">
+                <a:solidFill>
+                  <a:schemeClr val="dk1"/>
+                </a:solidFill>
+                <a:latin typeface="Arial"/>
+                <a:ea typeface="Arial"/>
+                <a:cs typeface="Arial"/>
+                <a:sym typeface="Arial"/>
+              </a:defRPr>
+            </a:lvl9pPr>
+          </a:lstStyle>
+          <a:p>
+            <a:pPr marL="12699" marR="5079" indent="0" algn="ctr">
+              <a:lnSpc>
+                <a:spcPct val="138400"/>
+              </a:lnSpc>
+              <a:spcBef>
+                <a:spcPts val="465"/>
+              </a:spcBef>
+            </a:pPr>
+            <a:r>
+              <a:rPr lang="en-US" sz="2000" b="1" spc="-60" dirty="0" err="1">
+                <a:solidFill>
+                  <a:schemeClr val="tx1"/>
+                </a:solidFill>
+                <a:latin typeface="Avenir Medium" panose="02000503020000020003" pitchFamily="2" charset="0"/>
+              </a:rPr>
+              <a:t>sitespeed.akamai.com</a:t>
+            </a:r>
+            <a:endParaRPr lang="en-US" sz="2000" b="1" spc="-60" dirty="0">
+              <a:solidFill>
+                <a:schemeClr val="tx1"/>
+              </a:solidFill>
+              <a:latin typeface="Avenir Medium" panose="02000503020000020003" pitchFamily="2" charset="0"/>
+            </a:endParaRPr>
+          </a:p>
+        </p:txBody>
+      </p:sp>
+      <p:pic>
+        <p:nvPicPr>
+          <p:cNvPr id="17" name="Picture 16" descr="A picture containing text, clipart&#10;&#10;Description automatically generated">
+            <a:extLst>
+              <a:ext uri="{FF2B5EF4-FFF2-40B4-BE49-F238E27FC236}">
+                <a16:creationId xmlns:a16="http://schemas.microsoft.com/office/drawing/2014/main" id="{8E79FCB9-5EC0-B546-AA6F-BF62639AE813}"/>
+              </a:ext>
+            </a:extLst>
+          </p:cNvPr>
+          <p:cNvPicPr>
+            <a:picLocks noChangeAspect="1"/>
+          </p:cNvPicPr>
+          <p:nvPr/>
+        </p:nvPicPr>
+        <p:blipFill>
+          <a:blip r:embed="rId9"/>
+          <a:stretch>
+            <a:fillRect/>
+          </a:stretch>
+        </p:blipFill>
+        <p:spPr>
+          <a:xfrm>
+            <a:off x="9617211" y="5417383"/>
+            <a:ext cx="1796484" cy="484633"/>
+          </a:xfrm>
+          <a:prstGeom prst="rect">
+            <a:avLst/>
+          </a:prstGeom>
+        </p:spPr>
+      </p:pic>
+    </p:spTree>
+    <p:extLst>
+      <p:ext uri="{BB962C8B-B14F-4D97-AF65-F5344CB8AC3E}">
+        <p14:creationId xmlns:p14="http://schemas.microsoft.com/office/powerpoint/2010/main" val="1088106350"/>
+      </p:ext>
+    </p:extLst>
+  </p:cSld>
+  <p:clrMapOvr>
+    <a:masterClrMapping/>
+  </p:clrMapOvr>
+</p:sld>
+</file>
+
+<file path=ppt/slides/slide5.xml><?xml version="1.0" encoding="utf-8"?>
+<p:sld xmlns:a="http://schemas.openxmlformats.org/drawingml/2006/main" xmlns:r="http://schemas.openxmlformats.org/officeDocument/2006/relationships" xmlns:p="http://schemas.openxmlformats.org/presentationml/2006/main">
+  <p:cSld>
+    <p:spTree>
+      <p:nvGrpSpPr>
+        <p:cNvPr id="1" name="Shape 196"/>
+        <p:cNvGrpSpPr/>
+        <p:nvPr/>
+      </p:nvGrpSpPr>
+      <p:grpSpPr>
+        <a:xfrm>
+          <a:off x="0" y="0"/>
+          <a:ext cx="0" cy="0"/>
+          <a:chOff x="0" y="0"/>
+          <a:chExt cx="0" cy="0"/>
+        </a:xfrm>
+      </p:grpSpPr>
+      <p:sp>
+        <p:nvSpPr>
+          <p:cNvPr id="197" name="Google Shape;197;p10"/>
+          <p:cNvSpPr txBox="1">
+            <a:spLocks noGrp="1"/>
+          </p:cNvSpPr>
+          <p:nvPr>
+            <p:ph type="title"/>
+          </p:nvPr>
+        </p:nvSpPr>
+        <p:spPr>
+          <a:xfrm>
+            <a:off x="540000" y="540001"/>
             <a:ext cx="5196431" cy="588712"/>
           </a:xfrm>
           <a:prstGeom prst="rect">
@@ -19044,7 +19840,7 @@
 </p:sld>
 </file>
 
-<file path=ppt/slides/slide5.xml><?xml version="1.0" encoding="utf-8"?>
+<file path=ppt/slides/slide6.xml><?xml version="1.0" encoding="utf-8"?>
 <p:sld xmlns:a="http://schemas.openxmlformats.org/drawingml/2006/main" xmlns:r="http://schemas.openxmlformats.org/officeDocument/2006/relationships" xmlns:p="http://schemas.openxmlformats.org/presentationml/2006/main">
   <p:cSld>
     <p:spTree>
@@ -19753,802 +20549,6 @@
 </p:sld>
 </file>
 
-<file path=ppt/slides/slide6.xml><?xml version="1.0" encoding="utf-8"?>
-<p:sld xmlns:a="http://schemas.openxmlformats.org/drawingml/2006/main" xmlns:r="http://schemas.openxmlformats.org/officeDocument/2006/relationships" xmlns:p="http://schemas.openxmlformats.org/presentationml/2006/main">
-  <p:cSld>
-    <p:spTree>
-      <p:nvGrpSpPr>
-        <p:cNvPr id="1" name="Shape 196"/>
-        <p:cNvGrpSpPr/>
-        <p:nvPr/>
-      </p:nvGrpSpPr>
-      <p:grpSpPr>
-        <a:xfrm>
-          <a:off x="0" y="0"/>
-          <a:ext cx="0" cy="0"/>
-          <a:chOff x="0" y="0"/>
-          <a:chExt cx="0" cy="0"/>
-        </a:xfrm>
-      </p:grpSpPr>
-      <p:sp>
-        <p:nvSpPr>
-          <p:cNvPr id="197" name="Google Shape;197;p10"/>
-          <p:cNvSpPr txBox="1">
-            <a:spLocks noGrp="1"/>
-          </p:cNvSpPr>
-          <p:nvPr>
-            <p:ph type="title"/>
-          </p:nvPr>
-        </p:nvSpPr>
-        <p:spPr>
-          <a:xfrm>
-            <a:off x="540000" y="540001"/>
-            <a:ext cx="5556000" cy="558339"/>
-          </a:xfrm>
-          <a:prstGeom prst="rect">
-            <a:avLst/>
-          </a:prstGeom>
-          <a:noFill/>
-          <a:ln>
-            <a:noFill/>
-          </a:ln>
-        </p:spPr>
-        <p:txBody>
-          <a:bodyPr spcFirstLastPara="1" wrap="square" lIns="0" tIns="0" rIns="0" bIns="0" anchor="t" anchorCtr="0">
-            <a:noAutofit/>
-          </a:bodyPr>
-          <a:lstStyle/>
-          <a:p>
-            <a:pPr marL="0" lvl="0" indent="0" algn="l" rtl="0">
-              <a:lnSpc>
-                <a:spcPct val="90000"/>
-              </a:lnSpc>
-              <a:spcBef>
-                <a:spcPts val="0"/>
-              </a:spcBef>
-              <a:spcAft>
-                <a:spcPts val="0"/>
-              </a:spcAft>
-              <a:buClr>
-                <a:srgbClr val="0099CC"/>
-              </a:buClr>
-              <a:buSzPts val="3600"/>
-              <a:buFont typeface="Arial"/>
-              <a:buNone/>
-            </a:pPr>
-            <a:r>
-              <a:rPr lang="en-US" b="0" dirty="0"/>
-              <a:t>Site </a:t>
-            </a:r>
-            <a:r>
-              <a:rPr lang="en-US" b="0" dirty="0">
-                <a:latin typeface="Avenir Medium" panose="02000503020000020003" pitchFamily="2" charset="0"/>
-              </a:rPr>
-              <a:t>Analysis</a:t>
-            </a:r>
-            <a:r>
-              <a:rPr lang="en-US" b="0" dirty="0"/>
-              <a:t> Portal</a:t>
-            </a:r>
-            <a:endParaRPr b="0" dirty="0"/>
-          </a:p>
-        </p:txBody>
-      </p:sp>
-      <p:pic>
-        <p:nvPicPr>
-          <p:cNvPr id="9" name="Graphic 8" descr="Database with solid fill">
-            <a:extLst>
-              <a:ext uri="{FF2B5EF4-FFF2-40B4-BE49-F238E27FC236}">
-                <a16:creationId xmlns:a16="http://schemas.microsoft.com/office/drawing/2014/main" id="{66A929B2-899D-0D4C-AEFA-B3C405526CB8}"/>
-              </a:ext>
-            </a:extLst>
-          </p:cNvPr>
-          <p:cNvPicPr>
-            <a:picLocks noChangeAspect="1"/>
-          </p:cNvPicPr>
-          <p:nvPr/>
-        </p:nvPicPr>
-        <p:blipFill>
-          <a:blip r:embed="rId3">
-            <a:extLst>
-              <a:ext uri="{96DAC541-7B7A-43D3-8B79-37D633B846F1}">
-                <asvg:svgBlip xmlns:asvg="http://schemas.microsoft.com/office/drawing/2016/SVG/main" r:embed="rId4"/>
-              </a:ext>
-            </a:extLst>
-          </a:blip>
-          <a:stretch>
-            <a:fillRect/>
-          </a:stretch>
-        </p:blipFill>
-        <p:spPr>
-          <a:xfrm>
-            <a:off x="7908727" y="4805458"/>
-            <a:ext cx="1708484" cy="1708484"/>
-          </a:xfrm>
-          <a:prstGeom prst="rect">
-            <a:avLst/>
-          </a:prstGeom>
-        </p:spPr>
-      </p:pic>
-      <p:pic>
-        <p:nvPicPr>
-          <p:cNvPr id="13" name="Graphic 12" descr="Internet outline">
-            <a:extLst>
-              <a:ext uri="{FF2B5EF4-FFF2-40B4-BE49-F238E27FC236}">
-                <a16:creationId xmlns:a16="http://schemas.microsoft.com/office/drawing/2014/main" id="{1D1AB2D2-B414-1141-BB21-AB841105267F}"/>
-              </a:ext>
-            </a:extLst>
-          </p:cNvPr>
-          <p:cNvPicPr>
-            <a:picLocks noChangeAspect="1"/>
-          </p:cNvPicPr>
-          <p:nvPr/>
-        </p:nvPicPr>
-        <p:blipFill>
-          <a:blip r:embed="rId5">
-            <a:extLst>
-              <a:ext uri="{96DAC541-7B7A-43D3-8B79-37D633B846F1}">
-                <asvg:svgBlip xmlns:asvg="http://schemas.microsoft.com/office/drawing/2016/SVG/main" r:embed="rId6"/>
-              </a:ext>
-            </a:extLst>
-          </a:blip>
-          <a:stretch>
-            <a:fillRect/>
-          </a:stretch>
-        </p:blipFill>
-        <p:spPr>
-          <a:xfrm>
-            <a:off x="1966977" y="2061575"/>
-            <a:ext cx="1708484" cy="1708484"/>
-          </a:xfrm>
-          <a:prstGeom prst="rect">
-            <a:avLst/>
-          </a:prstGeom>
-        </p:spPr>
-      </p:pic>
-      <p:pic>
-        <p:nvPicPr>
-          <p:cNvPr id="15" name="Graphic 14" descr="Internet outline">
-            <a:extLst>
-              <a:ext uri="{FF2B5EF4-FFF2-40B4-BE49-F238E27FC236}">
-                <a16:creationId xmlns:a16="http://schemas.microsoft.com/office/drawing/2014/main" id="{B318E8F6-71D7-E943-9853-7DB19D39D8A5}"/>
-              </a:ext>
-            </a:extLst>
-          </p:cNvPr>
-          <p:cNvPicPr>
-            <a:picLocks noChangeAspect="1"/>
-          </p:cNvPicPr>
-          <p:nvPr/>
-        </p:nvPicPr>
-        <p:blipFill>
-          <a:blip r:embed="rId5">
-            <a:extLst>
-              <a:ext uri="{96DAC541-7B7A-43D3-8B79-37D633B846F1}">
-                <asvg:svgBlip xmlns:asvg="http://schemas.microsoft.com/office/drawing/2016/SVG/main" r:embed="rId6"/>
-              </a:ext>
-            </a:extLst>
-          </a:blip>
-          <a:stretch>
-            <a:fillRect/>
-          </a:stretch>
-        </p:blipFill>
-        <p:spPr>
-          <a:xfrm>
-            <a:off x="7908727" y="2061575"/>
-            <a:ext cx="1708484" cy="1708484"/>
-          </a:xfrm>
-          <a:prstGeom prst="rect">
-            <a:avLst/>
-          </a:prstGeom>
-        </p:spPr>
-      </p:pic>
-      <p:pic>
-        <p:nvPicPr>
-          <p:cNvPr id="2" name="Picture 1">
-            <a:extLst>
-              <a:ext uri="{FF2B5EF4-FFF2-40B4-BE49-F238E27FC236}">
-                <a16:creationId xmlns:a16="http://schemas.microsoft.com/office/drawing/2014/main" id="{79345C5F-E93E-0041-AD93-A1D010DFD869}"/>
-              </a:ext>
-            </a:extLst>
-          </p:cNvPr>
-          <p:cNvPicPr>
-            <a:picLocks noChangeAspect="1"/>
-          </p:cNvPicPr>
-          <p:nvPr/>
-        </p:nvPicPr>
-        <p:blipFill>
-          <a:blip r:embed="rId7"/>
-          <a:stretch>
-            <a:fillRect/>
-          </a:stretch>
-        </p:blipFill>
-        <p:spPr>
-          <a:xfrm>
-            <a:off x="7753319" y="1357153"/>
-            <a:ext cx="2019300" cy="1003300"/>
-          </a:xfrm>
-          <a:prstGeom prst="rect">
-            <a:avLst/>
-          </a:prstGeom>
-        </p:spPr>
-      </p:pic>
-      <p:sp>
-        <p:nvSpPr>
-          <p:cNvPr id="3" name="Down Arrow 2">
-            <a:extLst>
-              <a:ext uri="{FF2B5EF4-FFF2-40B4-BE49-F238E27FC236}">
-                <a16:creationId xmlns:a16="http://schemas.microsoft.com/office/drawing/2014/main" id="{B92352BF-86AA-7F4A-9D20-3B2E5EDDE0BE}"/>
-              </a:ext>
-            </a:extLst>
-          </p:cNvPr>
-          <p:cNvSpPr/>
-          <p:nvPr/>
-        </p:nvSpPr>
-        <p:spPr>
-          <a:xfrm rot="10800000">
-            <a:off x="8520653" y="3631107"/>
-            <a:ext cx="484632" cy="978408"/>
-          </a:xfrm>
-          <a:prstGeom prst="downArrow">
-            <a:avLst/>
-          </a:prstGeom>
-          <a:solidFill>
-            <a:srgbClr val="92D050"/>
-          </a:solidFill>
-          <a:ln>
-            <a:solidFill>
-              <a:srgbClr val="92D050"/>
-            </a:solidFill>
-          </a:ln>
-        </p:spPr>
-        <p:style>
-          <a:lnRef idx="2">
-            <a:schemeClr val="accent1">
-              <a:shade val="50000"/>
-            </a:schemeClr>
-          </a:lnRef>
-          <a:fillRef idx="1">
-            <a:schemeClr val="accent1"/>
-          </a:fillRef>
-          <a:effectRef idx="0">
-            <a:schemeClr val="accent1"/>
-          </a:effectRef>
-          <a:fontRef idx="minor">
-            <a:schemeClr val="lt1"/>
-          </a:fontRef>
-        </p:style>
-        <p:txBody>
-          <a:bodyPr rtlCol="0" anchor="ctr"/>
-          <a:lstStyle/>
-          <a:p>
-            <a:pPr algn="ctr"/>
-            <a:endParaRPr lang="en-US" dirty="0"/>
-          </a:p>
-        </p:txBody>
-      </p:sp>
-      <p:sp>
-        <p:nvSpPr>
-          <p:cNvPr id="21" name="Down Arrow 20">
-            <a:extLst>
-              <a:ext uri="{FF2B5EF4-FFF2-40B4-BE49-F238E27FC236}">
-                <a16:creationId xmlns:a16="http://schemas.microsoft.com/office/drawing/2014/main" id="{FF714D52-23E9-5740-A33F-72B0D67139B1}"/>
-              </a:ext>
-            </a:extLst>
-          </p:cNvPr>
-          <p:cNvSpPr/>
-          <p:nvPr/>
-        </p:nvSpPr>
-        <p:spPr>
-          <a:xfrm rot="16200000">
-            <a:off x="5659336" y="1241009"/>
-            <a:ext cx="484632" cy="3349615"/>
-          </a:xfrm>
-          <a:prstGeom prst="downArrow">
-            <a:avLst/>
-          </a:prstGeom>
-        </p:spPr>
-        <p:style>
-          <a:lnRef idx="2">
-            <a:schemeClr val="accent1">
-              <a:shade val="50000"/>
-            </a:schemeClr>
-          </a:lnRef>
-          <a:fillRef idx="1">
-            <a:schemeClr val="accent1"/>
-          </a:fillRef>
-          <a:effectRef idx="0">
-            <a:schemeClr val="accent1"/>
-          </a:effectRef>
-          <a:fontRef idx="minor">
-            <a:schemeClr val="lt1"/>
-          </a:fontRef>
-        </p:style>
-        <p:txBody>
-          <a:bodyPr rtlCol="0" anchor="ctr"/>
-          <a:lstStyle/>
-          <a:p>
-            <a:pPr algn="ctr"/>
-            <a:endParaRPr lang="en-US" dirty="0"/>
-          </a:p>
-        </p:txBody>
-      </p:sp>
-      <p:sp>
-        <p:nvSpPr>
-          <p:cNvPr id="24" name="Google Shape;198;p10">
-            <a:extLst>
-              <a:ext uri="{FF2B5EF4-FFF2-40B4-BE49-F238E27FC236}">
-                <a16:creationId xmlns:a16="http://schemas.microsoft.com/office/drawing/2014/main" id="{B921A9E8-1F13-784C-AC7B-2F6BF4B8ACF2}"/>
-              </a:ext>
-            </a:extLst>
-          </p:cNvPr>
-          <p:cNvSpPr txBox="1">
-            <a:spLocks noGrp="1"/>
-          </p:cNvSpPr>
-          <p:nvPr>
-            <p:ph type="body" idx="1"/>
-          </p:nvPr>
-        </p:nvSpPr>
-        <p:spPr>
-          <a:xfrm>
-            <a:off x="1637917" y="4992085"/>
-            <a:ext cx="2366601" cy="978409"/>
-          </a:xfrm>
-          <a:prstGeom prst="rect">
-            <a:avLst/>
-          </a:prstGeom>
-          <a:noFill/>
-          <a:ln>
-            <a:noFill/>
-          </a:ln>
-        </p:spPr>
-        <p:txBody>
-          <a:bodyPr spcFirstLastPara="1" wrap="square" lIns="0" tIns="0" rIns="0" bIns="0" anchor="t" anchorCtr="0">
-            <a:noAutofit/>
-          </a:bodyPr>
-          <a:lstStyle/>
-          <a:p>
-            <a:pPr marL="12699" marR="5079" indent="0" algn="ctr">
-              <a:lnSpc>
-                <a:spcPct val="138400"/>
-              </a:lnSpc>
-              <a:spcBef>
-                <a:spcPts val="465"/>
-              </a:spcBef>
-            </a:pPr>
-            <a:r>
-              <a:rPr lang="en-US" sz="2000" b="1" spc="-60" dirty="0">
-                <a:solidFill>
-                  <a:srgbClr val="383838"/>
-                </a:solidFill>
-                <a:latin typeface="Avenir Medium" panose="02000503020000020003" pitchFamily="2" charset="0"/>
-              </a:rPr>
-              <a:t>Single Domain</a:t>
-            </a:r>
-          </a:p>
-          <a:p>
-            <a:pPr marL="12699" marR="5079" indent="0" algn="ctr">
-              <a:lnSpc>
-                <a:spcPct val="138400"/>
-              </a:lnSpc>
-              <a:spcBef>
-                <a:spcPts val="465"/>
-              </a:spcBef>
-            </a:pPr>
-            <a:r>
-              <a:rPr lang="en-US" sz="2000" b="1" spc="-60" dirty="0">
-                <a:solidFill>
-                  <a:srgbClr val="383838"/>
-                </a:solidFill>
-                <a:latin typeface="Avenir Medium" panose="02000503020000020003" pitchFamily="2" charset="0"/>
-              </a:rPr>
-              <a:t>Competitive Analysis</a:t>
-            </a:r>
-          </a:p>
-        </p:txBody>
-      </p:sp>
-      <p:sp>
-        <p:nvSpPr>
-          <p:cNvPr id="27" name="Down Arrow 26">
-            <a:extLst>
-              <a:ext uri="{FF2B5EF4-FFF2-40B4-BE49-F238E27FC236}">
-                <a16:creationId xmlns:a16="http://schemas.microsoft.com/office/drawing/2014/main" id="{D5F3706D-B6C8-3544-882D-B561369FF253}"/>
-              </a:ext>
-            </a:extLst>
-          </p:cNvPr>
-          <p:cNvSpPr/>
-          <p:nvPr/>
-        </p:nvSpPr>
-        <p:spPr>
-          <a:xfrm>
-            <a:off x="2578902" y="3631107"/>
-            <a:ext cx="484632" cy="978408"/>
-          </a:xfrm>
-          <a:prstGeom prst="downArrow">
-            <a:avLst/>
-          </a:prstGeom>
-          <a:solidFill>
-            <a:srgbClr val="00B0F0"/>
-          </a:solidFill>
-          <a:ln>
-            <a:solidFill>
-              <a:srgbClr val="00B0F0"/>
-            </a:solidFill>
-          </a:ln>
-        </p:spPr>
-        <p:style>
-          <a:lnRef idx="2">
-            <a:schemeClr val="accent1">
-              <a:shade val="50000"/>
-            </a:schemeClr>
-          </a:lnRef>
-          <a:fillRef idx="1">
-            <a:schemeClr val="accent1"/>
-          </a:fillRef>
-          <a:effectRef idx="0">
-            <a:schemeClr val="accent1"/>
-          </a:effectRef>
-          <a:fontRef idx="minor">
-            <a:schemeClr val="lt1"/>
-          </a:fontRef>
-        </p:style>
-        <p:txBody>
-          <a:bodyPr rtlCol="0" anchor="ctr"/>
-          <a:lstStyle/>
-          <a:p>
-            <a:pPr algn="ctr"/>
-            <a:endParaRPr lang="en-US" dirty="0"/>
-          </a:p>
-        </p:txBody>
-      </p:sp>
-      <p:sp>
-        <p:nvSpPr>
-          <p:cNvPr id="28" name="Google Shape;198;p10">
-            <a:hlinkClick r:id="rId8"/>
-            <a:extLst>
-              <a:ext uri="{FF2B5EF4-FFF2-40B4-BE49-F238E27FC236}">
-                <a16:creationId xmlns:a16="http://schemas.microsoft.com/office/drawing/2014/main" id="{6A24D05D-50B2-3840-9D08-3F3F9136D925}"/>
-              </a:ext>
-            </a:extLst>
-          </p:cNvPr>
-          <p:cNvSpPr txBox="1">
-            <a:spLocks/>
-          </p:cNvSpPr>
-          <p:nvPr/>
-        </p:nvSpPr>
-        <p:spPr>
-          <a:xfrm>
-            <a:off x="1490715" y="1802114"/>
-            <a:ext cx="2661003" cy="558339"/>
-          </a:xfrm>
-          <a:prstGeom prst="rect">
-            <a:avLst/>
-          </a:prstGeom>
-          <a:noFill/>
-          <a:ln>
-            <a:noFill/>
-          </a:ln>
-        </p:spPr>
-        <p:txBody>
-          <a:bodyPr spcFirstLastPara="1" wrap="square" lIns="0" tIns="0" rIns="0" bIns="0" anchor="t" anchorCtr="0">
-            <a:noAutofit/>
-          </a:bodyPr>
-          <a:lstStyle>
-            <a:defPPr marR="0" lvl="0" algn="l" rtl="0">
-              <a:lnSpc>
-                <a:spcPct val="100000"/>
-              </a:lnSpc>
-              <a:spcBef>
-                <a:spcPts val="0"/>
-              </a:spcBef>
-              <a:spcAft>
-                <a:spcPts val="0"/>
-              </a:spcAft>
-            </a:defPPr>
-            <a:lvl1pPr marL="457200" marR="0" lvl="0" indent="-228600" algn="l" rtl="0">
-              <a:lnSpc>
-                <a:spcPct val="90000"/>
-              </a:lnSpc>
-              <a:spcBef>
-                <a:spcPts val="1000"/>
-              </a:spcBef>
-              <a:spcAft>
-                <a:spcPts val="0"/>
-              </a:spcAft>
-              <a:buClr>
-                <a:schemeClr val="dk1"/>
-              </a:buClr>
-              <a:buSzPts val="1800"/>
-              <a:buFont typeface="Arial"/>
-              <a:buNone/>
-              <a:defRPr sz="2800" b="0" i="0" u="none" strike="noStrike" cap="none">
-                <a:solidFill>
-                  <a:schemeClr val="dk1"/>
-                </a:solidFill>
-                <a:latin typeface="Arial"/>
-                <a:ea typeface="Arial"/>
-                <a:cs typeface="Arial"/>
-                <a:sym typeface="Arial"/>
-              </a:defRPr>
-            </a:lvl1pPr>
-            <a:lvl2pPr marL="914400" marR="0" lvl="1" indent="-228600" algn="l" rtl="0">
-              <a:lnSpc>
-                <a:spcPct val="90000"/>
-              </a:lnSpc>
-              <a:spcBef>
-                <a:spcPts val="500"/>
-              </a:spcBef>
-              <a:spcAft>
-                <a:spcPts val="0"/>
-              </a:spcAft>
-              <a:buClr>
-                <a:schemeClr val="dk1"/>
-              </a:buClr>
-              <a:buSzPts val="1800"/>
-              <a:buFont typeface="Arial"/>
-              <a:buNone/>
-              <a:defRPr sz="2400" b="0" i="0" u="none" strike="noStrike" cap="none">
-                <a:solidFill>
-                  <a:schemeClr val="dk1"/>
-                </a:solidFill>
-                <a:latin typeface="Arial"/>
-                <a:ea typeface="Arial"/>
-                <a:cs typeface="Arial"/>
-                <a:sym typeface="Arial"/>
-              </a:defRPr>
-            </a:lvl2pPr>
-            <a:lvl3pPr marL="1371600" marR="0" lvl="2" indent="-228600" algn="l" rtl="0">
-              <a:lnSpc>
-                <a:spcPct val="90000"/>
-              </a:lnSpc>
-              <a:spcBef>
-                <a:spcPts val="500"/>
-              </a:spcBef>
-              <a:spcAft>
-                <a:spcPts val="0"/>
-              </a:spcAft>
-              <a:buClr>
-                <a:schemeClr val="dk1"/>
-              </a:buClr>
-              <a:buSzPts val="1800"/>
-              <a:buFont typeface="Arial"/>
-              <a:buNone/>
-              <a:defRPr sz="2000" b="0" i="0" u="none" strike="noStrike" cap="none">
-                <a:solidFill>
-                  <a:schemeClr val="dk1"/>
-                </a:solidFill>
-                <a:latin typeface="Arial"/>
-                <a:ea typeface="Arial"/>
-                <a:cs typeface="Arial"/>
-                <a:sym typeface="Arial"/>
-              </a:defRPr>
-            </a:lvl3pPr>
-            <a:lvl4pPr marL="1828800" marR="0" lvl="3" indent="-228600" algn="l" rtl="0">
-              <a:lnSpc>
-                <a:spcPct val="90000"/>
-              </a:lnSpc>
-              <a:spcBef>
-                <a:spcPts val="500"/>
-              </a:spcBef>
-              <a:spcAft>
-                <a:spcPts val="0"/>
-              </a:spcAft>
-              <a:buClr>
-                <a:schemeClr val="dk1"/>
-              </a:buClr>
-              <a:buSzPts val="1800"/>
-              <a:buFont typeface="Arial"/>
-              <a:buNone/>
-              <a:defRPr sz="1800" b="0" i="0" u="none" strike="noStrike" cap="none">
-                <a:solidFill>
-                  <a:schemeClr val="dk1"/>
-                </a:solidFill>
-                <a:latin typeface="Arial"/>
-                <a:ea typeface="Arial"/>
-                <a:cs typeface="Arial"/>
-                <a:sym typeface="Arial"/>
-              </a:defRPr>
-            </a:lvl4pPr>
-            <a:lvl5pPr marL="2286000" marR="0" lvl="4" indent="-228600" algn="l" rtl="0">
-              <a:lnSpc>
-                <a:spcPct val="90000"/>
-              </a:lnSpc>
-              <a:spcBef>
-                <a:spcPts val="500"/>
-              </a:spcBef>
-              <a:spcAft>
-                <a:spcPts val="0"/>
-              </a:spcAft>
-              <a:buClr>
-                <a:schemeClr val="dk1"/>
-              </a:buClr>
-              <a:buSzPts val="1800"/>
-              <a:buFont typeface="Arial"/>
-              <a:buNone/>
-              <a:defRPr sz="1800" b="0" i="0" u="none" strike="noStrike" cap="none">
-                <a:solidFill>
-                  <a:schemeClr val="dk1"/>
-                </a:solidFill>
-                <a:latin typeface="Arial"/>
-                <a:ea typeface="Arial"/>
-                <a:cs typeface="Arial"/>
-                <a:sym typeface="Arial"/>
-              </a:defRPr>
-            </a:lvl5pPr>
-            <a:lvl6pPr marL="2743200" marR="0" lvl="5" indent="-342900" algn="l" rtl="0">
-              <a:lnSpc>
-                <a:spcPct val="90000"/>
-              </a:lnSpc>
-              <a:spcBef>
-                <a:spcPts val="500"/>
-              </a:spcBef>
-              <a:spcAft>
-                <a:spcPts val="0"/>
-              </a:spcAft>
-              <a:buClr>
-                <a:schemeClr val="dk1"/>
-              </a:buClr>
-              <a:buSzPts val="1800"/>
-              <a:buFont typeface="Arial"/>
-              <a:buChar char="•"/>
-              <a:defRPr sz="1800" b="0" i="0" u="none" strike="noStrike" cap="none">
-                <a:solidFill>
-                  <a:schemeClr val="dk1"/>
-                </a:solidFill>
-                <a:latin typeface="Arial"/>
-                <a:ea typeface="Arial"/>
-                <a:cs typeface="Arial"/>
-                <a:sym typeface="Arial"/>
-              </a:defRPr>
-            </a:lvl6pPr>
-            <a:lvl7pPr marL="3200400" marR="0" lvl="6" indent="-342900" algn="l" rtl="0">
-              <a:lnSpc>
-                <a:spcPct val="90000"/>
-              </a:lnSpc>
-              <a:spcBef>
-                <a:spcPts val="500"/>
-              </a:spcBef>
-              <a:spcAft>
-                <a:spcPts val="0"/>
-              </a:spcAft>
-              <a:buClr>
-                <a:schemeClr val="dk1"/>
-              </a:buClr>
-              <a:buSzPts val="1800"/>
-              <a:buFont typeface="Arial"/>
-              <a:buChar char="•"/>
-              <a:defRPr sz="1800" b="0" i="0" u="none" strike="noStrike" cap="none">
-                <a:solidFill>
-                  <a:schemeClr val="dk1"/>
-                </a:solidFill>
-                <a:latin typeface="Arial"/>
-                <a:ea typeface="Arial"/>
-                <a:cs typeface="Arial"/>
-                <a:sym typeface="Arial"/>
-              </a:defRPr>
-            </a:lvl7pPr>
-            <a:lvl8pPr marL="3657600" marR="0" lvl="7" indent="-342900" algn="l" rtl="0">
-              <a:lnSpc>
-                <a:spcPct val="90000"/>
-              </a:lnSpc>
-              <a:spcBef>
-                <a:spcPts val="500"/>
-              </a:spcBef>
-              <a:spcAft>
-                <a:spcPts val="0"/>
-              </a:spcAft>
-              <a:buClr>
-                <a:schemeClr val="dk1"/>
-              </a:buClr>
-              <a:buSzPts val="1800"/>
-              <a:buFont typeface="Arial"/>
-              <a:buChar char="•"/>
-              <a:defRPr sz="1800" b="0" i="0" u="none" strike="noStrike" cap="none">
-                <a:solidFill>
-                  <a:schemeClr val="dk1"/>
-                </a:solidFill>
-                <a:latin typeface="Arial"/>
-                <a:ea typeface="Arial"/>
-                <a:cs typeface="Arial"/>
-                <a:sym typeface="Arial"/>
-              </a:defRPr>
-            </a:lvl8pPr>
-            <a:lvl9pPr marL="4114800" marR="0" lvl="8" indent="-342900" algn="l" rtl="0">
-              <a:lnSpc>
-                <a:spcPct val="90000"/>
-              </a:lnSpc>
-              <a:spcBef>
-                <a:spcPts val="500"/>
-              </a:spcBef>
-              <a:spcAft>
-                <a:spcPts val="0"/>
-              </a:spcAft>
-              <a:buClr>
-                <a:schemeClr val="dk1"/>
-              </a:buClr>
-              <a:buSzPts val="1800"/>
-              <a:buFont typeface="Arial"/>
-              <a:buChar char="•"/>
-              <a:defRPr sz="1800" b="0" i="0" u="none" strike="noStrike" cap="none">
-                <a:solidFill>
-                  <a:schemeClr val="dk1"/>
-                </a:solidFill>
-                <a:latin typeface="Arial"/>
-                <a:ea typeface="Arial"/>
-                <a:cs typeface="Arial"/>
-                <a:sym typeface="Arial"/>
-              </a:defRPr>
-            </a:lvl9pPr>
-          </a:lstStyle>
-          <a:p>
-            <a:pPr marL="12699" marR="5079" indent="0" algn="ctr">
-              <a:lnSpc>
-                <a:spcPct val="138400"/>
-              </a:lnSpc>
-              <a:spcBef>
-                <a:spcPts val="465"/>
-              </a:spcBef>
-            </a:pPr>
-            <a:r>
-              <a:rPr lang="en-US" sz="2000" b="1" spc="-60" dirty="0" err="1">
-                <a:solidFill>
-                  <a:schemeClr val="tx1"/>
-                </a:solidFill>
-                <a:latin typeface="Avenir Medium" panose="02000503020000020003" pitchFamily="2" charset="0"/>
-              </a:rPr>
-              <a:t>sitespeed.akamai.com</a:t>
-            </a:r>
-            <a:endParaRPr lang="en-US" sz="2000" b="1" spc="-60" dirty="0">
-              <a:solidFill>
-                <a:schemeClr val="tx1"/>
-              </a:solidFill>
-              <a:latin typeface="Avenir Medium" panose="02000503020000020003" pitchFamily="2" charset="0"/>
-            </a:endParaRPr>
-          </a:p>
-        </p:txBody>
-      </p:sp>
-      <p:pic>
-        <p:nvPicPr>
-          <p:cNvPr id="17" name="Picture 16" descr="A picture containing text, clipart&#10;&#10;Description automatically generated">
-            <a:extLst>
-              <a:ext uri="{FF2B5EF4-FFF2-40B4-BE49-F238E27FC236}">
-                <a16:creationId xmlns:a16="http://schemas.microsoft.com/office/drawing/2014/main" id="{8E79FCB9-5EC0-B546-AA6F-BF62639AE813}"/>
-              </a:ext>
-            </a:extLst>
-          </p:cNvPr>
-          <p:cNvPicPr>
-            <a:picLocks noChangeAspect="1"/>
-          </p:cNvPicPr>
-          <p:nvPr/>
-        </p:nvPicPr>
-        <p:blipFill>
-          <a:blip r:embed="rId9"/>
-          <a:stretch>
-            <a:fillRect/>
-          </a:stretch>
-        </p:blipFill>
-        <p:spPr>
-          <a:xfrm>
-            <a:off x="9617211" y="5417383"/>
-            <a:ext cx="1796484" cy="484633"/>
-          </a:xfrm>
-          <a:prstGeom prst="rect">
-            <a:avLst/>
-          </a:prstGeom>
-        </p:spPr>
-      </p:pic>
-    </p:spTree>
-    <p:extLst>
-      <p:ext uri="{BB962C8B-B14F-4D97-AF65-F5344CB8AC3E}">
-        <p14:creationId xmlns:p14="http://schemas.microsoft.com/office/powerpoint/2010/main" val="1088106350"/>
-      </p:ext>
-    </p:extLst>
-  </p:cSld>
-  <p:clrMapOvr>
-    <a:masterClrMapping/>
-  </p:clrMapOvr>
-</p:sld>
-</file>
-
 <file path=ppt/slides/slide7.xml><?xml version="1.0" encoding="utf-8"?>
 <p:sld xmlns:a="http://schemas.openxmlformats.org/drawingml/2006/main" xmlns:r="http://schemas.openxmlformats.org/officeDocument/2006/relationships" xmlns:p="http://schemas.openxmlformats.org/presentationml/2006/main">
   <p:cSld>
@@ -21856,7 +21856,7 @@
         </p:nvSpPr>
         <p:spPr>
           <a:xfrm>
-            <a:off x="3384700" y="2097597"/>
+            <a:off x="3436798" y="4472388"/>
             <a:ext cx="1709122" cy="307777"/>
           </a:xfrm>
           <a:prstGeom prst="rect">
@@ -22134,6 +22134,154 @@
           </a:fontRef>
         </p:style>
       </p:cxnSp>
+      <p:sp>
+        <p:nvSpPr>
+          <p:cNvPr id="4" name="TextBox 3">
+            <a:extLst>
+              <a:ext uri="{FF2B5EF4-FFF2-40B4-BE49-F238E27FC236}">
+                <a16:creationId xmlns:a16="http://schemas.microsoft.com/office/drawing/2014/main" id="{10CC5869-A42B-6FB1-113B-395BFF47882F}"/>
+              </a:ext>
+            </a:extLst>
+          </p:cNvPr>
+          <p:cNvSpPr txBox="1"/>
+          <p:nvPr/>
+        </p:nvSpPr>
+        <p:spPr>
+          <a:xfrm>
+            <a:off x="3280585" y="2206223"/>
+            <a:ext cx="1714392" cy="400110"/>
+          </a:xfrm>
+          <a:prstGeom prst="rect">
+            <a:avLst/>
+          </a:prstGeom>
+          <a:noFill/>
+        </p:spPr>
+        <p:txBody>
+          <a:bodyPr wrap="square" rtlCol="0">
+            <a:spAutoFit/>
+          </a:bodyPr>
+          <a:lstStyle/>
+          <a:p>
+            <a:r>
+              <a:rPr lang="en-US" sz="2000" b="1" dirty="0">
+                <a:latin typeface="Avenir Medium" panose="02000503020000020003" pitchFamily="2" charset="0"/>
+              </a:rPr>
+              <a:t>Admin Portal</a:t>
+            </a:r>
+          </a:p>
+        </p:txBody>
+      </p:sp>
+      <p:sp>
+        <p:nvSpPr>
+          <p:cNvPr id="6" name="TextBox 5">
+            <a:extLst>
+              <a:ext uri="{FF2B5EF4-FFF2-40B4-BE49-F238E27FC236}">
+                <a16:creationId xmlns:a16="http://schemas.microsoft.com/office/drawing/2014/main" id="{FFDB6C45-518C-0BFE-E8C6-13225158ECDF}"/>
+              </a:ext>
+            </a:extLst>
+          </p:cNvPr>
+          <p:cNvSpPr txBox="1"/>
+          <p:nvPr/>
+        </p:nvSpPr>
+        <p:spPr>
+          <a:xfrm>
+            <a:off x="9014009" y="339946"/>
+            <a:ext cx="1117435" cy="400110"/>
+          </a:xfrm>
+          <a:prstGeom prst="rect">
+            <a:avLst/>
+          </a:prstGeom>
+          <a:noFill/>
+        </p:spPr>
+        <p:txBody>
+          <a:bodyPr wrap="square" rtlCol="0">
+            <a:spAutoFit/>
+          </a:bodyPr>
+          <a:lstStyle/>
+          <a:p>
+            <a:r>
+              <a:rPr lang="en-US" sz="2000" b="1" dirty="0">
+                <a:latin typeface="Avenir Medium" panose="02000503020000020003" pitchFamily="2" charset="0"/>
+              </a:rPr>
+              <a:t>Google</a:t>
+            </a:r>
+          </a:p>
+        </p:txBody>
+      </p:sp>
+      <p:sp>
+        <p:nvSpPr>
+          <p:cNvPr id="9" name="TextBox 8">
+            <a:extLst>
+              <a:ext uri="{FF2B5EF4-FFF2-40B4-BE49-F238E27FC236}">
+                <a16:creationId xmlns:a16="http://schemas.microsoft.com/office/drawing/2014/main" id="{8B2743AC-160B-5EF7-A858-63BD94B07BA7}"/>
+              </a:ext>
+            </a:extLst>
+          </p:cNvPr>
+          <p:cNvSpPr txBox="1"/>
+          <p:nvPr/>
+        </p:nvSpPr>
+        <p:spPr>
+          <a:xfrm>
+            <a:off x="8962338" y="2215619"/>
+            <a:ext cx="1220775" cy="400110"/>
+          </a:xfrm>
+          <a:prstGeom prst="rect">
+            <a:avLst/>
+          </a:prstGeom>
+          <a:noFill/>
+        </p:spPr>
+        <p:txBody>
+          <a:bodyPr wrap="square" rtlCol="0">
+            <a:spAutoFit/>
+          </a:bodyPr>
+          <a:lstStyle/>
+          <a:p>
+            <a:r>
+              <a:rPr lang="en-US" sz="2000" b="1" dirty="0">
+                <a:latin typeface="Avenir Medium" panose="02000503020000020003" pitchFamily="2" charset="0"/>
+              </a:rPr>
+              <a:t>Graphite</a:t>
+            </a:r>
+          </a:p>
+        </p:txBody>
+      </p:sp>
+      <p:sp>
+        <p:nvSpPr>
+          <p:cNvPr id="10" name="TextBox 9">
+            <a:extLst>
+              <a:ext uri="{FF2B5EF4-FFF2-40B4-BE49-F238E27FC236}">
+                <a16:creationId xmlns:a16="http://schemas.microsoft.com/office/drawing/2014/main" id="{61158A17-B627-F28F-ED46-9771664E7D67}"/>
+              </a:ext>
+            </a:extLst>
+          </p:cNvPr>
+          <p:cNvSpPr txBox="1"/>
+          <p:nvPr/>
+        </p:nvSpPr>
+        <p:spPr>
+          <a:xfrm>
+            <a:off x="8876412" y="4067009"/>
+            <a:ext cx="1392625" cy="400110"/>
+          </a:xfrm>
+          <a:prstGeom prst="rect">
+            <a:avLst/>
+          </a:prstGeom>
+          <a:noFill/>
+        </p:spPr>
+        <p:txBody>
+          <a:bodyPr wrap="square" rtlCol="0">
+            <a:spAutoFit/>
+          </a:bodyPr>
+          <a:lstStyle/>
+          <a:p>
+            <a:r>
+              <a:rPr lang="en-US" sz="2000" b="1" dirty="0">
+                <a:latin typeface="Avenir Medium" panose="02000503020000020003" pitchFamily="2" charset="0"/>
+              </a:rPr>
+              <a:t>Sitespeed</a:t>
+            </a:r>
+          </a:p>
+        </p:txBody>
+      </p:sp>
     </p:spTree>
     <p:extLst>
       <p:ext uri="{BB962C8B-B14F-4D97-AF65-F5344CB8AC3E}">

--- a/Info/Overview.pptx
+++ b/Info/Overview.pptx
@@ -256,7 +256,7 @@
       <p15:sldGuideLst xmlns:p15="http://schemas.microsoft.com/office/powerpoint/2012/main"/>
     </p:ext>
     <p:ext uri="http://customooxmlschemas.google.com/">
-      <go:slidesCustomData xmlns="" xmlns:mc="http://schemas.openxmlformats.org/markup-compatibility/2006" xmlns:mv="urn:schemas-microsoft-com:mac:vml" xmlns:c="http://schemas.openxmlformats.org/drawingml/2006/chart" xmlns:dgm="http://schemas.openxmlformats.org/drawingml/2006/diagram" xmlns:o="urn:schemas-microsoft-com:office:office" xmlns:v="urn:schemas-microsoft-com:vml" xmlns:pvml="urn:schemas-microsoft-com:office:powerpoint" xmlns:com="http://schemas.openxmlformats.org/drawingml/2006/compatibility" xmlns:p14="http://schemas.microsoft.com/office/powerpoint/2010/main" xmlns:p15="http://schemas.microsoft.com/office/powerpoint/2012/main" xmlns:ahyp="http://schemas.microsoft.com/office/drawing/2018/hyperlinkcolor" xmlns:go="http://customooxmlschemas.google.com/" r:id="rId25" roundtripDataSignature="AMtx7mihFzvj0a0a4pDfHA8Gtqtqz6tFDQ=="/>
+      <go:slidesCustomData xmlns:go="http://customooxmlschemas.google.com/" xmlns:ahyp="http://schemas.microsoft.com/office/drawing/2018/hyperlinkcolor" xmlns:p15="http://schemas.microsoft.com/office/powerpoint/2012/main" xmlns:p14="http://schemas.microsoft.com/office/powerpoint/2010/main" xmlns:com="http://schemas.openxmlformats.org/drawingml/2006/compatibility" xmlns:pvml="urn:schemas-microsoft-com:office:powerpoint" xmlns:v="urn:schemas-microsoft-com:vml" xmlns:o="urn:schemas-microsoft-com:office:office" xmlns:dgm="http://schemas.openxmlformats.org/drawingml/2006/diagram" xmlns:c="http://schemas.openxmlformats.org/drawingml/2006/chart" xmlns:mv="urn:schemas-microsoft-com:mac:vml" xmlns:mc="http://schemas.openxmlformats.org/markup-compatibility/2006" xmlns="" r:id="rId25" roundtripDataSignature="AMtx7mihFzvj0a0a4pDfHA8Gtqtqz6tFDQ=="/>
     </p:ext>
   </p:extLst>
 </p:presentation>
@@ -16612,7 +16612,7 @@
               <a:rPr lang="en-US" b="0" dirty="0">
                 <a:latin typeface="Avenir Medium" panose="02000503020000020003" pitchFamily="2" charset="0"/>
               </a:rPr>
-              <a:t>Advanced Services</a:t>
+              <a:t>Advanced Solutions</a:t>
             </a:r>
           </a:p>
           <a:p>

--- a/Info/Overview.pptx
+++ b/Info/Overview.pptx
@@ -256,7 +256,7 @@
       <p15:sldGuideLst xmlns:p15="http://schemas.microsoft.com/office/powerpoint/2012/main"/>
     </p:ext>
     <p:ext uri="http://customooxmlschemas.google.com/">
-      <go:slidesCustomData xmlns:go="http://customooxmlschemas.google.com/" xmlns:ahyp="http://schemas.microsoft.com/office/drawing/2018/hyperlinkcolor" xmlns:p15="http://schemas.microsoft.com/office/powerpoint/2012/main" xmlns:p14="http://schemas.microsoft.com/office/powerpoint/2010/main" xmlns:com="http://schemas.openxmlformats.org/drawingml/2006/compatibility" xmlns:pvml="urn:schemas-microsoft-com:office:powerpoint" xmlns:v="urn:schemas-microsoft-com:vml" xmlns:o="urn:schemas-microsoft-com:office:office" xmlns:dgm="http://schemas.openxmlformats.org/drawingml/2006/diagram" xmlns:c="http://schemas.openxmlformats.org/drawingml/2006/chart" xmlns:mv="urn:schemas-microsoft-com:mac:vml" xmlns:mc="http://schemas.openxmlformats.org/markup-compatibility/2006" xmlns="" r:id="rId25" roundtripDataSignature="AMtx7mihFzvj0a0a4pDfHA8Gtqtqz6tFDQ=="/>
+      <go:slidesCustomData xmlns="" xmlns:mc="http://schemas.openxmlformats.org/markup-compatibility/2006" xmlns:mv="urn:schemas-microsoft-com:mac:vml" xmlns:c="http://schemas.openxmlformats.org/drawingml/2006/chart" xmlns:dgm="http://schemas.openxmlformats.org/drawingml/2006/diagram" xmlns:o="urn:schemas-microsoft-com:office:office" xmlns:v="urn:schemas-microsoft-com:vml" xmlns:pvml="urn:schemas-microsoft-com:office:powerpoint" xmlns:com="http://schemas.openxmlformats.org/drawingml/2006/compatibility" xmlns:p14="http://schemas.microsoft.com/office/powerpoint/2010/main" xmlns:p15="http://schemas.microsoft.com/office/powerpoint/2012/main" xmlns:ahyp="http://schemas.microsoft.com/office/drawing/2018/hyperlinkcolor" xmlns:go="http://customooxmlschemas.google.com/" r:id="rId25" roundtripDataSignature="AMtx7mihFzvj0a0a4pDfHA8Gtqtqz6tFDQ=="/>
     </p:ext>
   </p:extLst>
 </p:presentation>
@@ -21743,7 +21743,35 @@
           <a:prstGeom prst="rect">
             <a:avLst/>
           </a:prstGeom>
-          <a:noFill/>
+          <a:gradFill>
+            <a:gsLst>
+              <a:gs pos="0">
+                <a:schemeClr val="accent1">
+                  <a:lumMod val="5000"/>
+                  <a:lumOff val="95000"/>
+                </a:schemeClr>
+              </a:gs>
+              <a:gs pos="74000">
+                <a:schemeClr val="accent1">
+                  <a:lumMod val="45000"/>
+                  <a:lumOff val="55000"/>
+                </a:schemeClr>
+              </a:gs>
+              <a:gs pos="83000">
+                <a:schemeClr val="accent1">
+                  <a:lumMod val="45000"/>
+                  <a:lumOff val="55000"/>
+                </a:schemeClr>
+              </a:gs>
+              <a:gs pos="100000">
+                <a:schemeClr val="accent1">
+                  <a:lumMod val="30000"/>
+                  <a:lumOff val="70000"/>
+                </a:schemeClr>
+              </a:gs>
+            </a:gsLst>
+            <a:lin ang="5400000" scaled="1"/>
+          </a:gradFill>
         </p:spPr>
         <p:txBody>
           <a:bodyPr wrap="none" rtlCol="0">
@@ -21780,7 +21808,35 @@
           <a:prstGeom prst="rect">
             <a:avLst/>
           </a:prstGeom>
-          <a:noFill/>
+          <a:gradFill>
+            <a:gsLst>
+              <a:gs pos="0">
+                <a:schemeClr val="accent1">
+                  <a:lumMod val="5000"/>
+                  <a:lumOff val="95000"/>
+                </a:schemeClr>
+              </a:gs>
+              <a:gs pos="74000">
+                <a:schemeClr val="accent1">
+                  <a:lumMod val="45000"/>
+                  <a:lumOff val="55000"/>
+                </a:schemeClr>
+              </a:gs>
+              <a:gs pos="83000">
+                <a:schemeClr val="accent1">
+                  <a:lumMod val="45000"/>
+                  <a:lumOff val="55000"/>
+                </a:schemeClr>
+              </a:gs>
+              <a:gs pos="100000">
+                <a:schemeClr val="accent1">
+                  <a:lumMod val="30000"/>
+                  <a:lumOff val="70000"/>
+                </a:schemeClr>
+              </a:gs>
+            </a:gsLst>
+            <a:lin ang="5400000" scaled="1"/>
+          </a:gradFill>
         </p:spPr>
         <p:txBody>
           <a:bodyPr wrap="none" rtlCol="0">
@@ -21856,16 +21912,44 @@
         </p:nvSpPr>
         <p:spPr>
           <a:xfrm>
-            <a:off x="3436798" y="4472388"/>
-            <a:ext cx="1709122" cy="307777"/>
+            <a:off x="3436797" y="4585897"/>
+            <a:ext cx="1749925" cy="307777"/>
           </a:xfrm>
           <a:prstGeom prst="rect">
             <a:avLst/>
           </a:prstGeom>
-          <a:noFill/>
+          <a:gradFill>
+            <a:gsLst>
+              <a:gs pos="0">
+                <a:schemeClr val="bg2">
+                  <a:lumMod val="20000"/>
+                  <a:lumOff val="80000"/>
+                </a:schemeClr>
+              </a:gs>
+              <a:gs pos="73000">
+                <a:schemeClr val="bg2">
+                  <a:lumMod val="20000"/>
+                  <a:lumOff val="80000"/>
+                </a:schemeClr>
+              </a:gs>
+              <a:gs pos="83000">
+                <a:schemeClr val="bg2">
+                  <a:lumMod val="20000"/>
+                  <a:lumOff val="80000"/>
+                </a:schemeClr>
+              </a:gs>
+              <a:gs pos="100000">
+                <a:schemeClr val="bg2">
+                  <a:lumMod val="20000"/>
+                  <a:lumOff val="80000"/>
+                </a:schemeClr>
+              </a:gs>
+            </a:gsLst>
+            <a:lin ang="5400000" scaled="1"/>
+          </a:gradFill>
         </p:spPr>
         <p:txBody>
-          <a:bodyPr wrap="none" rtlCol="0">
+          <a:bodyPr wrap="square" rtlCol="0">
             <a:spAutoFit/>
           </a:bodyPr>
           <a:lstStyle/>
@@ -21899,7 +21983,35 @@
           <a:prstGeom prst="rect">
             <a:avLst/>
           </a:prstGeom>
-          <a:noFill/>
+          <a:gradFill>
+            <a:gsLst>
+              <a:gs pos="0">
+                <a:schemeClr val="bg2">
+                  <a:lumMod val="20000"/>
+                  <a:lumOff val="80000"/>
+                </a:schemeClr>
+              </a:gs>
+              <a:gs pos="73000">
+                <a:schemeClr val="bg2">
+                  <a:lumMod val="20000"/>
+                  <a:lumOff val="80000"/>
+                </a:schemeClr>
+              </a:gs>
+              <a:gs pos="83000">
+                <a:schemeClr val="bg2">
+                  <a:lumMod val="20000"/>
+                  <a:lumOff val="80000"/>
+                </a:schemeClr>
+              </a:gs>
+              <a:gs pos="100000">
+                <a:schemeClr val="bg2">
+                  <a:lumMod val="20000"/>
+                  <a:lumOff val="80000"/>
+                </a:schemeClr>
+              </a:gs>
+            </a:gsLst>
+            <a:lin ang="5400000" scaled="1"/>
+          </a:gradFill>
         </p:spPr>
         <p:txBody>
           <a:bodyPr wrap="none" rtlCol="0">
@@ -21936,7 +22048,35 @@
           <a:prstGeom prst="rect">
             <a:avLst/>
           </a:prstGeom>
-          <a:noFill/>
+          <a:gradFill>
+            <a:gsLst>
+              <a:gs pos="0">
+                <a:schemeClr val="bg2">
+                  <a:lumMod val="20000"/>
+                  <a:lumOff val="80000"/>
+                </a:schemeClr>
+              </a:gs>
+              <a:gs pos="73000">
+                <a:schemeClr val="bg2">
+                  <a:lumMod val="20000"/>
+                  <a:lumOff val="80000"/>
+                </a:schemeClr>
+              </a:gs>
+              <a:gs pos="83000">
+                <a:schemeClr val="bg2">
+                  <a:lumMod val="20000"/>
+                  <a:lumOff val="80000"/>
+                </a:schemeClr>
+              </a:gs>
+              <a:gs pos="100000">
+                <a:schemeClr val="bg2">
+                  <a:lumMod val="20000"/>
+                  <a:lumOff val="80000"/>
+                </a:schemeClr>
+              </a:gs>
+            </a:gsLst>
+            <a:lin ang="5400000" scaled="1"/>
+          </a:gradFill>
         </p:spPr>
         <p:txBody>
           <a:bodyPr wrap="none" rtlCol="0">
@@ -21973,7 +22113,35 @@
           <a:prstGeom prst="rect">
             <a:avLst/>
           </a:prstGeom>
-          <a:noFill/>
+          <a:gradFill>
+            <a:gsLst>
+              <a:gs pos="0">
+                <a:schemeClr val="bg2">
+                  <a:lumMod val="20000"/>
+                  <a:lumOff val="80000"/>
+                </a:schemeClr>
+              </a:gs>
+              <a:gs pos="73000">
+                <a:schemeClr val="bg2">
+                  <a:lumMod val="20000"/>
+                  <a:lumOff val="80000"/>
+                </a:schemeClr>
+              </a:gs>
+              <a:gs pos="83000">
+                <a:schemeClr val="bg2">
+                  <a:lumMod val="20000"/>
+                  <a:lumOff val="80000"/>
+                </a:schemeClr>
+              </a:gs>
+              <a:gs pos="100000">
+                <a:schemeClr val="bg2">
+                  <a:lumMod val="20000"/>
+                  <a:lumOff val="80000"/>
+                </a:schemeClr>
+              </a:gs>
+            </a:gsLst>
+            <a:lin ang="5400000" scaled="1"/>
+          </a:gradFill>
         </p:spPr>
         <p:txBody>
           <a:bodyPr wrap="none" rtlCol="0">

--- a/Info/Overview.pptx
+++ b/Info/Overview.pptx
@@ -256,7 +256,7 @@
       <p15:sldGuideLst xmlns:p15="http://schemas.microsoft.com/office/powerpoint/2012/main"/>
     </p:ext>
     <p:ext uri="http://customooxmlschemas.google.com/">
-      <go:slidesCustomData xmlns="" xmlns:mc="http://schemas.openxmlformats.org/markup-compatibility/2006" xmlns:mv="urn:schemas-microsoft-com:mac:vml" xmlns:c="http://schemas.openxmlformats.org/drawingml/2006/chart" xmlns:dgm="http://schemas.openxmlformats.org/drawingml/2006/diagram" xmlns:o="urn:schemas-microsoft-com:office:office" xmlns:v="urn:schemas-microsoft-com:vml" xmlns:pvml="urn:schemas-microsoft-com:office:powerpoint" xmlns:com="http://schemas.openxmlformats.org/drawingml/2006/compatibility" xmlns:p14="http://schemas.microsoft.com/office/powerpoint/2010/main" xmlns:p15="http://schemas.microsoft.com/office/powerpoint/2012/main" xmlns:ahyp="http://schemas.microsoft.com/office/drawing/2018/hyperlinkcolor" xmlns:go="http://customooxmlschemas.google.com/" r:id="rId25" roundtripDataSignature="AMtx7mihFzvj0a0a4pDfHA8Gtqtqz6tFDQ=="/>
+      <go:slidesCustomData xmlns:go="http://customooxmlschemas.google.com/" xmlns:ahyp="http://schemas.microsoft.com/office/drawing/2018/hyperlinkcolor" xmlns:p15="http://schemas.microsoft.com/office/powerpoint/2012/main" xmlns:p14="http://schemas.microsoft.com/office/powerpoint/2010/main" xmlns:com="http://schemas.openxmlformats.org/drawingml/2006/compatibility" xmlns:pvml="urn:schemas-microsoft-com:office:powerpoint" xmlns:v="urn:schemas-microsoft-com:vml" xmlns:o="urn:schemas-microsoft-com:office:office" xmlns:dgm="http://schemas.openxmlformats.org/drawingml/2006/diagram" xmlns:c="http://schemas.openxmlformats.org/drawingml/2006/chart" xmlns:mv="urn:schemas-microsoft-com:mac:vml" xmlns:mc="http://schemas.openxmlformats.org/markup-compatibility/2006" xmlns="" r:id="rId25" roundtripDataSignature="AMtx7mihFzvj0a0a4pDfHA8Gtqtqz6tFDQ=="/>
     </p:ext>
   </p:extLst>
 </p:presentation>
@@ -16682,7 +16682,7 @@
               <a:rPr lang="en-US" dirty="0">
                 <a:latin typeface="Avenir Medium" panose="02000503020000020003" pitchFamily="2" charset="0"/>
               </a:rPr>
-              <a:t>March 2023</a:t>
+              <a:t>April 2023</a:t>
             </a:r>
             <a:endParaRPr dirty="0">
               <a:latin typeface="Avenir Medium" panose="02000503020000020003" pitchFamily="2" charset="0"/>

--- a/Info/Overview.pptx
+++ b/Info/Overview.pptx
@@ -256,7 +256,7 @@
       <p15:sldGuideLst xmlns:p15="http://schemas.microsoft.com/office/powerpoint/2012/main"/>
     </p:ext>
     <p:ext uri="http://customooxmlschemas.google.com/">
-      <go:slidesCustomData xmlns:go="http://customooxmlschemas.google.com/" xmlns:ahyp="http://schemas.microsoft.com/office/drawing/2018/hyperlinkcolor" xmlns:p15="http://schemas.microsoft.com/office/powerpoint/2012/main" xmlns:p14="http://schemas.microsoft.com/office/powerpoint/2010/main" xmlns:com="http://schemas.openxmlformats.org/drawingml/2006/compatibility" xmlns:pvml="urn:schemas-microsoft-com:office:powerpoint" xmlns:v="urn:schemas-microsoft-com:vml" xmlns:o="urn:schemas-microsoft-com:office:office" xmlns:dgm="http://schemas.openxmlformats.org/drawingml/2006/diagram" xmlns:c="http://schemas.openxmlformats.org/drawingml/2006/chart" xmlns:mv="urn:schemas-microsoft-com:mac:vml" xmlns:mc="http://schemas.openxmlformats.org/markup-compatibility/2006" xmlns="" r:id="rId25" roundtripDataSignature="AMtx7mihFzvj0a0a4pDfHA8Gtqtqz6tFDQ=="/>
+      <go:slidesCustomData xmlns="" xmlns:mc="http://schemas.openxmlformats.org/markup-compatibility/2006" xmlns:mv="urn:schemas-microsoft-com:mac:vml" xmlns:c="http://schemas.openxmlformats.org/drawingml/2006/chart" xmlns:dgm="http://schemas.openxmlformats.org/drawingml/2006/diagram" xmlns:o="urn:schemas-microsoft-com:office:office" xmlns:v="urn:schemas-microsoft-com:vml" xmlns:pvml="urn:schemas-microsoft-com:office:powerpoint" xmlns:com="http://schemas.openxmlformats.org/drawingml/2006/compatibility" xmlns:p14="http://schemas.microsoft.com/office/powerpoint/2010/main" xmlns:p15="http://schemas.microsoft.com/office/powerpoint/2012/main" xmlns:ahyp="http://schemas.microsoft.com/office/drawing/2018/hyperlinkcolor" xmlns:go="http://customooxmlschemas.google.com/" r:id="rId25" roundtripDataSignature="AMtx7mihFzvj0a0a4pDfHA8Gtqtqz6tFDQ=="/>
     </p:ext>
   </p:extLst>
 </p:presentation>
@@ -16847,8 +16847,8 @@
         </p:nvSpPr>
         <p:spPr>
           <a:xfrm>
-            <a:off x="254104" y="1700590"/>
-            <a:ext cx="1714392" cy="400110"/>
+            <a:off x="540000" y="1700590"/>
+            <a:ext cx="1029255" cy="400110"/>
           </a:xfrm>
           <a:prstGeom prst="rect">
             <a:avLst/>
@@ -16865,7 +16865,7 @@
               <a:rPr lang="en-US" sz="2000" b="1" dirty="0">
                 <a:latin typeface="Avenir Medium" panose="02000503020000020003" pitchFamily="2" charset="0"/>
               </a:rPr>
-              <a:t>Admin Portal</a:t>
+              <a:t>Jump</a:t>
             </a:r>
           </a:p>
         </p:txBody>
@@ -17453,7 +17453,7 @@
         <p:spPr>
           <a:xfrm>
             <a:off x="1195240" y="1641045"/>
-            <a:ext cx="2961186" cy="307777"/>
+            <a:ext cx="2296105" cy="307777"/>
           </a:xfrm>
           <a:prstGeom prst="rect">
             <a:avLst/>
@@ -17470,7 +17470,7 @@
               <a:rPr lang="en-US" b="1" dirty="0">
                 <a:latin typeface="Avenir Medium" panose="02000503020000020003" pitchFamily="2" charset="0"/>
               </a:rPr>
-              <a:t>Sitespeed, Admin Portal, Google</a:t>
+              <a:t>Jump, Sitespeed, Google</a:t>
             </a:r>
           </a:p>
         </p:txBody>
@@ -19137,312 +19137,6 @@
           </a:p>
         </p:txBody>
       </p:sp>
-      <p:sp>
-        <p:nvSpPr>
-          <p:cNvPr id="28" name="Google Shape;198;p10">
-            <a:hlinkClick r:id="rId8"/>
-            <a:extLst>
-              <a:ext uri="{FF2B5EF4-FFF2-40B4-BE49-F238E27FC236}">
-                <a16:creationId xmlns:a16="http://schemas.microsoft.com/office/drawing/2014/main" id="{6A24D05D-50B2-3840-9D08-3F3F9136D925}"/>
-              </a:ext>
-            </a:extLst>
-          </p:cNvPr>
-          <p:cNvSpPr txBox="1">
-            <a:spLocks/>
-          </p:cNvSpPr>
-          <p:nvPr/>
-        </p:nvSpPr>
-        <p:spPr>
-          <a:xfrm>
-            <a:off x="1490715" y="1802114"/>
-            <a:ext cx="2661003" cy="558339"/>
-          </a:xfrm>
-          <a:prstGeom prst="rect">
-            <a:avLst/>
-          </a:prstGeom>
-          <a:noFill/>
-          <a:ln>
-            <a:noFill/>
-          </a:ln>
-        </p:spPr>
-        <p:txBody>
-          <a:bodyPr spcFirstLastPara="1" wrap="square" lIns="0" tIns="0" rIns="0" bIns="0" anchor="t" anchorCtr="0">
-            <a:noAutofit/>
-          </a:bodyPr>
-          <a:lstStyle>
-            <a:defPPr marR="0" lvl="0" algn="l" rtl="0">
-              <a:lnSpc>
-                <a:spcPct val="100000"/>
-              </a:lnSpc>
-              <a:spcBef>
-                <a:spcPts val="0"/>
-              </a:spcBef>
-              <a:spcAft>
-                <a:spcPts val="0"/>
-              </a:spcAft>
-            </a:defPPr>
-            <a:lvl1pPr marL="457200" marR="0" lvl="0" indent="-228600" algn="l" rtl="0">
-              <a:lnSpc>
-                <a:spcPct val="90000"/>
-              </a:lnSpc>
-              <a:spcBef>
-                <a:spcPts val="1000"/>
-              </a:spcBef>
-              <a:spcAft>
-                <a:spcPts val="0"/>
-              </a:spcAft>
-              <a:buClr>
-                <a:schemeClr val="dk1"/>
-              </a:buClr>
-              <a:buSzPts val="1800"/>
-              <a:buFont typeface="Arial"/>
-              <a:buNone/>
-              <a:defRPr sz="2800" b="0" i="0" u="none" strike="noStrike" cap="none">
-                <a:solidFill>
-                  <a:schemeClr val="dk1"/>
-                </a:solidFill>
-                <a:latin typeface="Arial"/>
-                <a:ea typeface="Arial"/>
-                <a:cs typeface="Arial"/>
-                <a:sym typeface="Arial"/>
-              </a:defRPr>
-            </a:lvl1pPr>
-            <a:lvl2pPr marL="914400" marR="0" lvl="1" indent="-228600" algn="l" rtl="0">
-              <a:lnSpc>
-                <a:spcPct val="90000"/>
-              </a:lnSpc>
-              <a:spcBef>
-                <a:spcPts val="500"/>
-              </a:spcBef>
-              <a:spcAft>
-                <a:spcPts val="0"/>
-              </a:spcAft>
-              <a:buClr>
-                <a:schemeClr val="dk1"/>
-              </a:buClr>
-              <a:buSzPts val="1800"/>
-              <a:buFont typeface="Arial"/>
-              <a:buNone/>
-              <a:defRPr sz="2400" b="0" i="0" u="none" strike="noStrike" cap="none">
-                <a:solidFill>
-                  <a:schemeClr val="dk1"/>
-                </a:solidFill>
-                <a:latin typeface="Arial"/>
-                <a:ea typeface="Arial"/>
-                <a:cs typeface="Arial"/>
-                <a:sym typeface="Arial"/>
-              </a:defRPr>
-            </a:lvl2pPr>
-            <a:lvl3pPr marL="1371600" marR="0" lvl="2" indent="-228600" algn="l" rtl="0">
-              <a:lnSpc>
-                <a:spcPct val="90000"/>
-              </a:lnSpc>
-              <a:spcBef>
-                <a:spcPts val="500"/>
-              </a:spcBef>
-              <a:spcAft>
-                <a:spcPts val="0"/>
-              </a:spcAft>
-              <a:buClr>
-                <a:schemeClr val="dk1"/>
-              </a:buClr>
-              <a:buSzPts val="1800"/>
-              <a:buFont typeface="Arial"/>
-              <a:buNone/>
-              <a:defRPr sz="2000" b="0" i="0" u="none" strike="noStrike" cap="none">
-                <a:solidFill>
-                  <a:schemeClr val="dk1"/>
-                </a:solidFill>
-                <a:latin typeface="Arial"/>
-                <a:ea typeface="Arial"/>
-                <a:cs typeface="Arial"/>
-                <a:sym typeface="Arial"/>
-              </a:defRPr>
-            </a:lvl3pPr>
-            <a:lvl4pPr marL="1828800" marR="0" lvl="3" indent="-228600" algn="l" rtl="0">
-              <a:lnSpc>
-                <a:spcPct val="90000"/>
-              </a:lnSpc>
-              <a:spcBef>
-                <a:spcPts val="500"/>
-              </a:spcBef>
-              <a:spcAft>
-                <a:spcPts val="0"/>
-              </a:spcAft>
-              <a:buClr>
-                <a:schemeClr val="dk1"/>
-              </a:buClr>
-              <a:buSzPts val="1800"/>
-              <a:buFont typeface="Arial"/>
-              <a:buNone/>
-              <a:defRPr sz="1800" b="0" i="0" u="none" strike="noStrike" cap="none">
-                <a:solidFill>
-                  <a:schemeClr val="dk1"/>
-                </a:solidFill>
-                <a:latin typeface="Arial"/>
-                <a:ea typeface="Arial"/>
-                <a:cs typeface="Arial"/>
-                <a:sym typeface="Arial"/>
-              </a:defRPr>
-            </a:lvl4pPr>
-            <a:lvl5pPr marL="2286000" marR="0" lvl="4" indent="-228600" algn="l" rtl="0">
-              <a:lnSpc>
-                <a:spcPct val="90000"/>
-              </a:lnSpc>
-              <a:spcBef>
-                <a:spcPts val="500"/>
-              </a:spcBef>
-              <a:spcAft>
-                <a:spcPts val="0"/>
-              </a:spcAft>
-              <a:buClr>
-                <a:schemeClr val="dk1"/>
-              </a:buClr>
-              <a:buSzPts val="1800"/>
-              <a:buFont typeface="Arial"/>
-              <a:buNone/>
-              <a:defRPr sz="1800" b="0" i="0" u="none" strike="noStrike" cap="none">
-                <a:solidFill>
-                  <a:schemeClr val="dk1"/>
-                </a:solidFill>
-                <a:latin typeface="Arial"/>
-                <a:ea typeface="Arial"/>
-                <a:cs typeface="Arial"/>
-                <a:sym typeface="Arial"/>
-              </a:defRPr>
-            </a:lvl5pPr>
-            <a:lvl6pPr marL="2743200" marR="0" lvl="5" indent="-342900" algn="l" rtl="0">
-              <a:lnSpc>
-                <a:spcPct val="90000"/>
-              </a:lnSpc>
-              <a:spcBef>
-                <a:spcPts val="500"/>
-              </a:spcBef>
-              <a:spcAft>
-                <a:spcPts val="0"/>
-              </a:spcAft>
-              <a:buClr>
-                <a:schemeClr val="dk1"/>
-              </a:buClr>
-              <a:buSzPts val="1800"/>
-              <a:buFont typeface="Arial"/>
-              <a:buChar char="•"/>
-              <a:defRPr sz="1800" b="0" i="0" u="none" strike="noStrike" cap="none">
-                <a:solidFill>
-                  <a:schemeClr val="dk1"/>
-                </a:solidFill>
-                <a:latin typeface="Arial"/>
-                <a:ea typeface="Arial"/>
-                <a:cs typeface="Arial"/>
-                <a:sym typeface="Arial"/>
-              </a:defRPr>
-            </a:lvl6pPr>
-            <a:lvl7pPr marL="3200400" marR="0" lvl="6" indent="-342900" algn="l" rtl="0">
-              <a:lnSpc>
-                <a:spcPct val="90000"/>
-              </a:lnSpc>
-              <a:spcBef>
-                <a:spcPts val="500"/>
-              </a:spcBef>
-              <a:spcAft>
-                <a:spcPts val="0"/>
-              </a:spcAft>
-              <a:buClr>
-                <a:schemeClr val="dk1"/>
-              </a:buClr>
-              <a:buSzPts val="1800"/>
-              <a:buFont typeface="Arial"/>
-              <a:buChar char="•"/>
-              <a:defRPr sz="1800" b="0" i="0" u="none" strike="noStrike" cap="none">
-                <a:solidFill>
-                  <a:schemeClr val="dk1"/>
-                </a:solidFill>
-                <a:latin typeface="Arial"/>
-                <a:ea typeface="Arial"/>
-                <a:cs typeface="Arial"/>
-                <a:sym typeface="Arial"/>
-              </a:defRPr>
-            </a:lvl7pPr>
-            <a:lvl8pPr marL="3657600" marR="0" lvl="7" indent="-342900" algn="l" rtl="0">
-              <a:lnSpc>
-                <a:spcPct val="90000"/>
-              </a:lnSpc>
-              <a:spcBef>
-                <a:spcPts val="500"/>
-              </a:spcBef>
-              <a:spcAft>
-                <a:spcPts val="0"/>
-              </a:spcAft>
-              <a:buClr>
-                <a:schemeClr val="dk1"/>
-              </a:buClr>
-              <a:buSzPts val="1800"/>
-              <a:buFont typeface="Arial"/>
-              <a:buChar char="•"/>
-              <a:defRPr sz="1800" b="0" i="0" u="none" strike="noStrike" cap="none">
-                <a:solidFill>
-                  <a:schemeClr val="dk1"/>
-                </a:solidFill>
-                <a:latin typeface="Arial"/>
-                <a:ea typeface="Arial"/>
-                <a:cs typeface="Arial"/>
-                <a:sym typeface="Arial"/>
-              </a:defRPr>
-            </a:lvl8pPr>
-            <a:lvl9pPr marL="4114800" marR="0" lvl="8" indent="-342900" algn="l" rtl="0">
-              <a:lnSpc>
-                <a:spcPct val="90000"/>
-              </a:lnSpc>
-              <a:spcBef>
-                <a:spcPts val="500"/>
-              </a:spcBef>
-              <a:spcAft>
-                <a:spcPts val="0"/>
-              </a:spcAft>
-              <a:buClr>
-                <a:schemeClr val="dk1"/>
-              </a:buClr>
-              <a:buSzPts val="1800"/>
-              <a:buFont typeface="Arial"/>
-              <a:buChar char="•"/>
-              <a:defRPr sz="1800" b="0" i="0" u="none" strike="noStrike" cap="none">
-                <a:solidFill>
-                  <a:schemeClr val="dk1"/>
-                </a:solidFill>
-                <a:latin typeface="Arial"/>
-                <a:ea typeface="Arial"/>
-                <a:cs typeface="Arial"/>
-                <a:sym typeface="Arial"/>
-              </a:defRPr>
-            </a:lvl9pPr>
-          </a:lstStyle>
-          <a:p>
-            <a:pPr marL="12699" marR="5079" indent="0" algn="ctr">
-              <a:lnSpc>
-                <a:spcPct val="138400"/>
-              </a:lnSpc>
-              <a:spcBef>
-                <a:spcPts val="465"/>
-              </a:spcBef>
-            </a:pPr>
-            <a:r>
-              <a:rPr lang="en-US" sz="2000" b="1" spc="-60" dirty="0" err="1">
-                <a:solidFill>
-                  <a:schemeClr val="tx1"/>
-                </a:solidFill>
-                <a:latin typeface="Avenir Medium" panose="02000503020000020003" pitchFamily="2" charset="0"/>
-              </a:rPr>
-              <a:t>sitespeed.akamai.com</a:t>
-            </a:r>
-            <a:endParaRPr lang="en-US" sz="2000" b="1" spc="-60" dirty="0">
-              <a:solidFill>
-                <a:schemeClr val="tx1"/>
-              </a:solidFill>
-              <a:latin typeface="Avenir Medium" panose="02000503020000020003" pitchFamily="2" charset="0"/>
-            </a:endParaRPr>
-          </a:p>
-        </p:txBody>
-      </p:sp>
       <p:pic>
         <p:nvPicPr>
           <p:cNvPr id="17" name="Picture 16" descr="A picture containing text, clipart&#10;&#10;Description automatically generated">
@@ -19458,7 +19152,7 @@
           <p:nvPr/>
         </p:nvPicPr>
         <p:blipFill>
-          <a:blip r:embed="rId9"/>
+          <a:blip r:embed="rId8"/>
           <a:stretch>
             <a:fillRect/>
           </a:stretch>
@@ -20949,8 +20643,8 @@
         </p:nvSpPr>
         <p:spPr>
           <a:xfrm>
-            <a:off x="5035259" y="450277"/>
-            <a:ext cx="1714392" cy="400110"/>
+            <a:off x="5646425" y="429995"/>
+            <a:ext cx="958501" cy="400110"/>
           </a:xfrm>
           <a:prstGeom prst="rect">
             <a:avLst/>
@@ -20967,7 +20661,7 @@
               <a:rPr lang="en-US" sz="2000" b="1" dirty="0">
                 <a:latin typeface="Avenir Medium" panose="02000503020000020003" pitchFamily="2" charset="0"/>
               </a:rPr>
-              <a:t>Admin Portal</a:t>
+              <a:t>Jump</a:t>
             </a:r>
           </a:p>
         </p:txBody>
@@ -22316,8 +22010,8 @@
         </p:nvSpPr>
         <p:spPr>
           <a:xfrm>
-            <a:off x="3280585" y="2206223"/>
-            <a:ext cx="1714392" cy="400110"/>
+            <a:off x="3884708" y="2179552"/>
+            <a:ext cx="969297" cy="400110"/>
           </a:xfrm>
           <a:prstGeom prst="rect">
             <a:avLst/>
@@ -22334,7 +22028,7 @@
               <a:rPr lang="en-US" sz="2000" b="1" dirty="0">
                 <a:latin typeface="Avenir Medium" panose="02000503020000020003" pitchFamily="2" charset="0"/>
               </a:rPr>
-              <a:t>Admin Portal</a:t>
+              <a:t>Jump</a:t>
             </a:r>
           </a:p>
         </p:txBody>
@@ -22391,7 +22085,7 @@
         <p:spPr>
           <a:xfrm>
             <a:off x="8962338" y="2215619"/>
-            <a:ext cx="1220775" cy="400110"/>
+            <a:ext cx="2270235" cy="400110"/>
           </a:xfrm>
           <a:prstGeom prst="rect">
             <a:avLst/>
@@ -22408,7 +22102,7 @@
               <a:rPr lang="en-US" sz="2000" b="1" dirty="0">
                 <a:latin typeface="Avenir Medium" panose="02000503020000020003" pitchFamily="2" charset="0"/>
               </a:rPr>
-              <a:t>Graphite</a:t>
+              <a:t>Graphite/Grafana</a:t>
             </a:r>
           </a:p>
         </p:txBody>

--- a/Info/Overview.pptx
+++ b/Info/Overview.pptx
@@ -256,7 +256,7 @@
       <p15:sldGuideLst xmlns:p15="http://schemas.microsoft.com/office/powerpoint/2012/main"/>
     </p:ext>
     <p:ext uri="http://customooxmlschemas.google.com/">
-      <go:slidesCustomData xmlns="" xmlns:mc="http://schemas.openxmlformats.org/markup-compatibility/2006" xmlns:mv="urn:schemas-microsoft-com:mac:vml" xmlns:c="http://schemas.openxmlformats.org/drawingml/2006/chart" xmlns:dgm="http://schemas.openxmlformats.org/drawingml/2006/diagram" xmlns:o="urn:schemas-microsoft-com:office:office" xmlns:v="urn:schemas-microsoft-com:vml" xmlns:pvml="urn:schemas-microsoft-com:office:powerpoint" xmlns:com="http://schemas.openxmlformats.org/drawingml/2006/compatibility" xmlns:p14="http://schemas.microsoft.com/office/powerpoint/2010/main" xmlns:p15="http://schemas.microsoft.com/office/powerpoint/2012/main" xmlns:ahyp="http://schemas.microsoft.com/office/drawing/2018/hyperlinkcolor" xmlns:go="http://customooxmlschemas.google.com/" r:id="rId25" roundtripDataSignature="AMtx7mihFzvj0a0a4pDfHA8Gtqtqz6tFDQ=="/>
+      <go:slidesCustomData xmlns:go="http://customooxmlschemas.google.com/" xmlns:ahyp="http://schemas.microsoft.com/office/drawing/2018/hyperlinkcolor" xmlns:p15="http://schemas.microsoft.com/office/powerpoint/2012/main" xmlns:p14="http://schemas.microsoft.com/office/powerpoint/2010/main" xmlns:com="http://schemas.openxmlformats.org/drawingml/2006/compatibility" xmlns:pvml="urn:schemas-microsoft-com:office:powerpoint" xmlns:v="urn:schemas-microsoft-com:vml" xmlns:o="urn:schemas-microsoft-com:office:office" xmlns:dgm="http://schemas.openxmlformats.org/drawingml/2006/diagram" xmlns:c="http://schemas.openxmlformats.org/drawingml/2006/chart" xmlns:mv="urn:schemas-microsoft-com:mac:vml" xmlns:mc="http://schemas.openxmlformats.org/markup-compatibility/2006" xmlns="" r:id="rId25" roundtripDataSignature="AMtx7mihFzvj0a0a4pDfHA8Gtqtqz6tFDQ=="/>
     </p:ext>
   </p:extLst>
 </p:presentation>
@@ -17107,7 +17107,7 @@
           <a:p>
             <a:r>
               <a:rPr lang="en-US" dirty="0"/>
-              <a:t>TCP 22 (Admin Portal)</a:t>
+              <a:t>TCP 22* (Admin Portal)</a:t>
             </a:r>
           </a:p>
           <a:p>
@@ -17160,7 +17160,7 @@
           <a:p>
             <a:r>
               <a:rPr lang="en-US" dirty="0"/>
-              <a:t>TCP 22 (unrestricted)</a:t>
+              <a:t>TCP 22* (unrestricted)</a:t>
             </a:r>
           </a:p>
           <a:p>
@@ -17192,7 +17192,7 @@
         <p:spPr>
           <a:xfrm>
             <a:off x="6125677" y="3701551"/>
-            <a:ext cx="1986441" cy="738664"/>
+            <a:ext cx="2056973" cy="738664"/>
           </a:xfrm>
           <a:prstGeom prst="rect">
             <a:avLst/>
@@ -17213,7 +17213,7 @@
           <a:p>
             <a:r>
               <a:rPr lang="en-US" dirty="0"/>
-              <a:t>TCP 22 (Admin Portal)</a:t>
+              <a:t>TCP 22* (Admin Portal)</a:t>
             </a:r>
           </a:p>
           <a:p>
@@ -17238,8 +17238,8 @@
         </p:nvSpPr>
         <p:spPr>
           <a:xfrm>
-            <a:off x="8943797" y="3696967"/>
-            <a:ext cx="3079689" cy="1169551"/>
+            <a:off x="8839888" y="3696967"/>
+            <a:ext cx="3220753" cy="1169551"/>
           </a:xfrm>
           <a:prstGeom prst="rect">
             <a:avLst/>
@@ -17260,7 +17260,7 @@
           <a:p>
             <a:r>
               <a:rPr lang="en-US" dirty="0"/>
-              <a:t>TCP 22 (Admin Portal)</a:t>
+              <a:t>TCP 22* (Admin Portal)</a:t>
             </a:r>
           </a:p>
           <a:p>
@@ -17272,7 +17272,7 @@
           <a:p>
             <a:r>
               <a:rPr lang="en-US" dirty="0"/>
-              <a:t>TCP 8888, 2003 (Sitespeed/Google)</a:t>
+              <a:t>TCP 8888*, 2003* (Sitespeed/Google)</a:t>
             </a:r>
           </a:p>
           <a:p>
@@ -17297,7 +17297,7 @@
         </p:nvSpPr>
         <p:spPr>
           <a:xfrm>
-            <a:off x="3351942" y="5908600"/>
+            <a:off x="3622105" y="6261190"/>
             <a:ext cx="5883342" cy="461665"/>
           </a:xfrm>
           <a:prstGeom prst="rect">
@@ -17316,6 +17316,56 @@
                 <a:latin typeface="Avenir Medium" panose="02000503020000020003" pitchFamily="2" charset="0"/>
               </a:rPr>
               <a:t>Default Rule – Drop all unmatched traffic</a:t>
+            </a:r>
+          </a:p>
+        </p:txBody>
+      </p:sp>
+      <p:sp>
+        <p:nvSpPr>
+          <p:cNvPr id="5" name="TextBox 4">
+            <a:extLst>
+              <a:ext uri="{FF2B5EF4-FFF2-40B4-BE49-F238E27FC236}">
+                <a16:creationId xmlns:a16="http://schemas.microsoft.com/office/drawing/2014/main" id="{A8094A84-C3E1-E905-9D1F-D1C3D6E49478}"/>
+              </a:ext>
+            </a:extLst>
+          </p:cNvPr>
+          <p:cNvSpPr txBox="1"/>
+          <p:nvPr/>
+        </p:nvSpPr>
+        <p:spPr>
+          <a:xfrm>
+            <a:off x="206857" y="5140769"/>
+            <a:ext cx="8042586" cy="400110"/>
+          </a:xfrm>
+          <a:prstGeom prst="rect">
+            <a:avLst/>
+          </a:prstGeom>
+          <a:noFill/>
+        </p:spPr>
+        <p:txBody>
+          <a:bodyPr wrap="none" rtlCol="0">
+            <a:spAutoFit/>
+          </a:bodyPr>
+          <a:lstStyle/>
+          <a:p>
+            <a:r>
+              <a:rPr lang="en-US" sz="2000" dirty="0">
+                <a:latin typeface="Avenir Medium" panose="02000503020000020003" pitchFamily="2" charset="0"/>
+              </a:rPr>
+              <a:t>* Refer to </a:t>
+            </a:r>
+            <a:r>
+              <a:rPr lang="en-US" sz="2000" dirty="0">
+                <a:latin typeface="Avenir Medium" panose="02000503020000020003" pitchFamily="2" charset="0"/>
+                <a:hlinkClick r:id="rId4"/>
+              </a:rPr>
+              <a:t>Sitespeed Admin Guide</a:t>
+            </a:r>
+            <a:r>
+              <a:rPr lang="en-US" sz="2000" dirty="0">
+                <a:latin typeface="Avenir Medium" panose="02000503020000020003" pitchFamily="2" charset="0"/>
+              </a:rPr>
+              <a:t> if you plan to use Akamai CDN</a:t>
             </a:r>
           </a:p>
         </p:txBody>
@@ -21173,6 +21223,178 @@
           </a:fontRef>
         </p:style>
       </p:cxnSp>
+      <p:cxnSp>
+        <p:nvCxnSpPr>
+          <p:cNvPr id="5" name="Straight Arrow Connector 4">
+            <a:extLst>
+              <a:ext uri="{FF2B5EF4-FFF2-40B4-BE49-F238E27FC236}">
+                <a16:creationId xmlns:a16="http://schemas.microsoft.com/office/drawing/2014/main" id="{4E0AE351-6938-9749-11A0-6DCB39B148E8}"/>
+              </a:ext>
+            </a:extLst>
+          </p:cNvPr>
+          <p:cNvCxnSpPr>
+            <a:cxnSpLocks/>
+          </p:cNvCxnSpPr>
+          <p:nvPr/>
+        </p:nvCxnSpPr>
+        <p:spPr>
+          <a:xfrm>
+            <a:off x="10675383" y="5212555"/>
+            <a:ext cx="551339" cy="0"/>
+          </a:xfrm>
+          <a:prstGeom prst="straightConnector1">
+            <a:avLst/>
+          </a:prstGeom>
+          <a:ln w="38100">
+            <a:solidFill>
+              <a:srgbClr val="FF0000"/>
+            </a:solidFill>
+            <a:tailEnd type="triangle"/>
+          </a:ln>
+        </p:spPr>
+        <p:style>
+          <a:lnRef idx="1">
+            <a:schemeClr val="accent1"/>
+          </a:lnRef>
+          <a:fillRef idx="0">
+            <a:schemeClr val="accent1"/>
+          </a:fillRef>
+          <a:effectRef idx="0">
+            <a:schemeClr val="accent1"/>
+          </a:effectRef>
+          <a:fontRef idx="minor">
+            <a:schemeClr val="tx1"/>
+          </a:fontRef>
+        </p:style>
+      </p:cxnSp>
+      <p:sp>
+        <p:nvSpPr>
+          <p:cNvPr id="14" name="TextBox 13">
+            <a:extLst>
+              <a:ext uri="{FF2B5EF4-FFF2-40B4-BE49-F238E27FC236}">
+                <a16:creationId xmlns:a16="http://schemas.microsoft.com/office/drawing/2014/main" id="{11FA0E2C-4E1D-94E6-020E-E3E1062D57CA}"/>
+              </a:ext>
+            </a:extLst>
+          </p:cNvPr>
+          <p:cNvSpPr txBox="1"/>
+          <p:nvPr/>
+        </p:nvSpPr>
+        <p:spPr>
+          <a:xfrm>
+            <a:off x="9216329" y="5064604"/>
+            <a:ext cx="1378904" cy="307777"/>
+          </a:xfrm>
+          <a:prstGeom prst="rect">
+            <a:avLst/>
+          </a:prstGeom>
+          <a:noFill/>
+        </p:spPr>
+        <p:txBody>
+          <a:bodyPr wrap="none" rtlCol="0">
+            <a:spAutoFit/>
+          </a:bodyPr>
+          <a:lstStyle/>
+          <a:p>
+            <a:r>
+              <a:rPr lang="en-US" dirty="0">
+                <a:latin typeface="Avenir Medium" panose="02000503020000020003" pitchFamily="2" charset="0"/>
+              </a:rPr>
+              <a:t>Administration</a:t>
+            </a:r>
+          </a:p>
+        </p:txBody>
+      </p:sp>
+      <p:sp>
+        <p:nvSpPr>
+          <p:cNvPr id="15" name="Down Arrow 14">
+            <a:extLst>
+              <a:ext uri="{FF2B5EF4-FFF2-40B4-BE49-F238E27FC236}">
+                <a16:creationId xmlns:a16="http://schemas.microsoft.com/office/drawing/2014/main" id="{23E93A1C-3498-B01A-5A34-E3B4EC02C655}"/>
+              </a:ext>
+            </a:extLst>
+          </p:cNvPr>
+          <p:cNvSpPr/>
+          <p:nvPr/>
+        </p:nvSpPr>
+        <p:spPr>
+          <a:xfrm rot="16200000">
+            <a:off x="10848293" y="5347421"/>
+            <a:ext cx="205519" cy="551339"/>
+          </a:xfrm>
+          <a:prstGeom prst="downArrow">
+            <a:avLst/>
+          </a:prstGeom>
+          <a:solidFill>
+            <a:srgbClr val="00B0F0"/>
+          </a:solidFill>
+          <a:ln>
+            <a:solidFill>
+              <a:srgbClr val="00B0F0"/>
+            </a:solidFill>
+          </a:ln>
+        </p:spPr>
+        <p:style>
+          <a:lnRef idx="2">
+            <a:schemeClr val="accent1">
+              <a:shade val="50000"/>
+            </a:schemeClr>
+          </a:lnRef>
+          <a:fillRef idx="1">
+            <a:schemeClr val="accent1"/>
+          </a:fillRef>
+          <a:effectRef idx="0">
+            <a:schemeClr val="accent1"/>
+          </a:effectRef>
+          <a:fontRef idx="minor">
+            <a:schemeClr val="lt1"/>
+          </a:fontRef>
+        </p:style>
+        <p:txBody>
+          <a:bodyPr rtlCol="0" anchor="ctr"/>
+          <a:lstStyle/>
+          <a:p>
+            <a:pPr algn="ctr"/>
+            <a:endParaRPr lang="en-US" dirty="0"/>
+          </a:p>
+        </p:txBody>
+      </p:sp>
+      <p:sp>
+        <p:nvSpPr>
+          <p:cNvPr id="17" name="TextBox 16">
+            <a:extLst>
+              <a:ext uri="{FF2B5EF4-FFF2-40B4-BE49-F238E27FC236}">
+                <a16:creationId xmlns:a16="http://schemas.microsoft.com/office/drawing/2014/main" id="{D34E78DF-CABD-E055-D5EF-CD5E31872E20}"/>
+              </a:ext>
+            </a:extLst>
+          </p:cNvPr>
+          <p:cNvSpPr txBox="1"/>
+          <p:nvPr/>
+        </p:nvSpPr>
+        <p:spPr>
+          <a:xfrm>
+            <a:off x="9684103" y="5455495"/>
+            <a:ext cx="965329" cy="307777"/>
+          </a:xfrm>
+          <a:prstGeom prst="rect">
+            <a:avLst/>
+          </a:prstGeom>
+          <a:noFill/>
+        </p:spPr>
+        <p:txBody>
+          <a:bodyPr wrap="none" rtlCol="0">
+            <a:spAutoFit/>
+          </a:bodyPr>
+          <a:lstStyle/>
+          <a:p>
+            <a:r>
+              <a:rPr lang="en-US" dirty="0">
+                <a:latin typeface="Avenir Medium" panose="02000503020000020003" pitchFamily="2" charset="0"/>
+              </a:rPr>
+              <a:t>Data flow</a:t>
+            </a:r>
+          </a:p>
+        </p:txBody>
+      </p:sp>
     </p:spTree>
     <p:extLst>
       <p:ext uri="{BB962C8B-B14F-4D97-AF65-F5344CB8AC3E}">

--- a/Info/Overview.pptx
+++ b/Info/Overview.pptx
@@ -17503,7 +17503,7 @@
         <p:spPr>
           <a:xfrm>
             <a:off x="1195240" y="1641045"/>
-            <a:ext cx="2296105" cy="307777"/>
+            <a:ext cx="2992960" cy="307777"/>
           </a:xfrm>
           <a:prstGeom prst="rect">
             <a:avLst/>
@@ -17570,7 +17570,7 @@
         <p:spPr>
           <a:xfrm>
             <a:off x="8349685" y="1641046"/>
-            <a:ext cx="1621235" cy="307777"/>
+            <a:ext cx="2039791" cy="307777"/>
           </a:xfrm>
           <a:prstGeom prst="rect">
             <a:avLst/>
@@ -17607,7 +17607,7 @@
         <p:spPr>
           <a:xfrm>
             <a:off x="1227014" y="4145524"/>
-            <a:ext cx="2961186" cy="954107"/>
+            <a:ext cx="3203096" cy="954107"/>
           </a:xfrm>
           <a:prstGeom prst="rect">
             <a:avLst/>
@@ -20513,8 +20513,8 @@
         </p:nvSpPr>
         <p:spPr>
           <a:xfrm>
-            <a:off x="6096000" y="1123292"/>
-            <a:ext cx="2818290" cy="738664"/>
+            <a:off x="6095999" y="1123292"/>
+            <a:ext cx="3457903" cy="738664"/>
           </a:xfrm>
           <a:prstGeom prst="rect">
             <a:avLst/>
@@ -22307,7 +22307,7 @@
         <p:spPr>
           <a:xfrm>
             <a:off x="8962338" y="2215619"/>
-            <a:ext cx="2270235" cy="400110"/>
+            <a:ext cx="2380952" cy="400110"/>
           </a:xfrm>
           <a:prstGeom prst="rect">
             <a:avLst/>
